--- a/slides/6 Scaling Techniques and Topic Modeling.pptx
+++ b/slides/6 Scaling Techniques and Topic Modeling.pptx
@@ -6,49 +6,41 @@
   </p:sldMasterIdLst>
   <p:sldIdLst>
     <p:sldId id="256" r:id="rId2"/>
-    <p:sldId id="257" r:id="rId3"/>
-    <p:sldId id="258" r:id="rId4"/>
-    <p:sldId id="259" r:id="rId5"/>
-    <p:sldId id="260" r:id="rId6"/>
-    <p:sldId id="261" r:id="rId7"/>
-    <p:sldId id="265" r:id="rId8"/>
-    <p:sldId id="272" r:id="rId9"/>
-    <p:sldId id="270" r:id="rId10"/>
-    <p:sldId id="266" r:id="rId11"/>
-    <p:sldId id="267" r:id="rId12"/>
-    <p:sldId id="268" r:id="rId13"/>
-    <p:sldId id="276" r:id="rId14"/>
-    <p:sldId id="277" r:id="rId15"/>
-    <p:sldId id="278" r:id="rId16"/>
-    <p:sldId id="279" r:id="rId17"/>
-    <p:sldId id="282" r:id="rId18"/>
-    <p:sldId id="283" r:id="rId19"/>
-    <p:sldId id="284" r:id="rId20"/>
-    <p:sldId id="285" r:id="rId21"/>
-    <p:sldId id="273" r:id="rId22"/>
-    <p:sldId id="286" r:id="rId23"/>
-    <p:sldId id="287" r:id="rId24"/>
-    <p:sldId id="288" r:id="rId25"/>
-    <p:sldId id="289" r:id="rId26"/>
-    <p:sldId id="292" r:id="rId27"/>
-    <p:sldId id="290" r:id="rId28"/>
-    <p:sldId id="309" r:id="rId29"/>
-    <p:sldId id="293" r:id="rId30"/>
-    <p:sldId id="294" r:id="rId31"/>
-    <p:sldId id="295" r:id="rId32"/>
-    <p:sldId id="296" r:id="rId33"/>
-    <p:sldId id="297" r:id="rId34"/>
-    <p:sldId id="298" r:id="rId35"/>
-    <p:sldId id="299" r:id="rId36"/>
-    <p:sldId id="300" r:id="rId37"/>
-    <p:sldId id="301" r:id="rId38"/>
-    <p:sldId id="302" r:id="rId39"/>
-    <p:sldId id="303" r:id="rId40"/>
-    <p:sldId id="304" r:id="rId41"/>
-    <p:sldId id="262" r:id="rId42"/>
-    <p:sldId id="263" r:id="rId43"/>
-    <p:sldId id="264" r:id="rId44"/>
-    <p:sldId id="308" r:id="rId45"/>
+    <p:sldId id="258" r:id="rId3"/>
+    <p:sldId id="259" r:id="rId4"/>
+    <p:sldId id="310" r:id="rId5"/>
+    <p:sldId id="312" r:id="rId6"/>
+    <p:sldId id="313" r:id="rId7"/>
+    <p:sldId id="314" r:id="rId8"/>
+    <p:sldId id="315" r:id="rId9"/>
+    <p:sldId id="288" r:id="rId10"/>
+    <p:sldId id="311" r:id="rId11"/>
+    <p:sldId id="289" r:id="rId12"/>
+    <p:sldId id="292" r:id="rId13"/>
+    <p:sldId id="290" r:id="rId14"/>
+    <p:sldId id="316" r:id="rId15"/>
+    <p:sldId id="317" r:id="rId16"/>
+    <p:sldId id="318" r:id="rId17"/>
+    <p:sldId id="319" r:id="rId18"/>
+    <p:sldId id="320" r:id="rId19"/>
+    <p:sldId id="309" r:id="rId20"/>
+    <p:sldId id="321" r:id="rId21"/>
+    <p:sldId id="293" r:id="rId22"/>
+    <p:sldId id="294" r:id="rId23"/>
+    <p:sldId id="295" r:id="rId24"/>
+    <p:sldId id="296" r:id="rId25"/>
+    <p:sldId id="297" r:id="rId26"/>
+    <p:sldId id="298" r:id="rId27"/>
+    <p:sldId id="299" r:id="rId28"/>
+    <p:sldId id="300" r:id="rId29"/>
+    <p:sldId id="301" r:id="rId30"/>
+    <p:sldId id="302" r:id="rId31"/>
+    <p:sldId id="303" r:id="rId32"/>
+    <p:sldId id="304" r:id="rId33"/>
+    <p:sldId id="262" r:id="rId34"/>
+    <p:sldId id="263" r:id="rId35"/>
+    <p:sldId id="264" r:id="rId36"/>
+    <p:sldId id="308" r:id="rId37"/>
   </p:sldIdLst>
   <p:sldSz cx="12192000" cy="6858000"/>
   <p:notesSz cx="6858000" cy="9144000"/>
@@ -158,7 +150,7 @@
 <file path=ppt/revisionInfo.xml><?xml version="1.0" encoding="utf-8"?>
 <p1510:revInfo xmlns:a="http://schemas.openxmlformats.org/drawingml/2006/main" xmlns:r="http://schemas.openxmlformats.org/officeDocument/2006/relationships" xmlns:p1510="http://schemas.microsoft.com/office/powerpoint/2015/10/main">
   <p1510:revLst>
-    <p1510:client id="{4DE58D0B-FF4F-E549-BEAB-361DF1BB5B89}" v="278" dt="2024-01-30T14:09:07.627"/>
+    <p1510:client id="{4A8FF6C0-9E6F-A644-8609-7DD204006BE3}" v="27" dt="2026-01-26T17:52:53.335"/>
   </p1510:revLst>
 </p1510:revInfo>
 </file>
@@ -166,73 +158,160 @@
 <file path=ppt/changesInfos/changesInfo1.xml><?xml version="1.0" encoding="utf-8"?>
 <pc:chgInfo xmlns:a="http://schemas.openxmlformats.org/drawingml/2006/main" xmlns:r="http://schemas.openxmlformats.org/officeDocument/2006/relationships" xmlns:ac="http://schemas.microsoft.com/office/drawing/2013/main/command" xmlns:pc="http://schemas.microsoft.com/office/powerpoint/2013/main/command">
   <pc:docChgLst>
-    <pc:chgData name="Vallejo Vera, Sebastian" userId="9dbf769e-f5f7-4c1a-b214-de73a2d2b9d1" providerId="ADAL" clId="{4DE58D0B-FF4F-E549-BEAB-361DF1BB5B89}"/>
-    <pc:docChg chg="undo redo custSel addSld delSld modSld">
-      <pc:chgData name="Vallejo Vera, Sebastian" userId="9dbf769e-f5f7-4c1a-b214-de73a2d2b9d1" providerId="ADAL" clId="{4DE58D0B-FF4F-E549-BEAB-361DF1BB5B89}" dt="2024-01-30T14:09:07.627" v="2044" actId="20577"/>
+    <pc:chgData name="Sebastian Vallejo Vera" userId="661f42ee-5565-49c4-8b1d-325f2d699b91" providerId="ADAL" clId="{8C1EFA1F-0339-5164-815E-AFC004A65A72}"/>
+    <pc:docChg chg="undo custSel addSld delSld modSld">
+      <pc:chgData name="Sebastian Vallejo Vera" userId="661f42ee-5565-49c4-8b1d-325f2d699b91" providerId="ADAL" clId="{8C1EFA1F-0339-5164-815E-AFC004A65A72}" dt="2026-01-26T17:52:53.335" v="1168" actId="767"/>
       <pc:docMkLst>
         <pc:docMk/>
       </pc:docMkLst>
-      <pc:sldChg chg="modSp mod">
-        <pc:chgData name="Vallejo Vera, Sebastian" userId="9dbf769e-f5f7-4c1a-b214-de73a2d2b9d1" providerId="ADAL" clId="{4DE58D0B-FF4F-E549-BEAB-361DF1BB5B89}" dt="2024-01-16T19:21:22.035" v="2039" actId="20577"/>
+      <pc:sldChg chg="del">
+        <pc:chgData name="Sebastian Vallejo Vera" userId="661f42ee-5565-49c4-8b1d-325f2d699b91" providerId="ADAL" clId="{8C1EFA1F-0339-5164-815E-AFC004A65A72}" dt="2026-01-26T17:00:28.298" v="0" actId="2696"/>
+        <pc:sldMkLst>
+          <pc:docMk/>
+          <pc:sldMk cId="1479720676" sldId="257"/>
+        </pc:sldMkLst>
+      </pc:sldChg>
+      <pc:sldChg chg="del">
+        <pc:chgData name="Sebastian Vallejo Vera" userId="661f42ee-5565-49c4-8b1d-325f2d699b91" providerId="ADAL" clId="{8C1EFA1F-0339-5164-815E-AFC004A65A72}" dt="2026-01-26T17:01:10.879" v="1" actId="2696"/>
+        <pc:sldMkLst>
+          <pc:docMk/>
+          <pc:sldMk cId="2813187354" sldId="260"/>
+        </pc:sldMkLst>
+      </pc:sldChg>
+      <pc:sldChg chg="del">
+        <pc:chgData name="Sebastian Vallejo Vera" userId="661f42ee-5565-49c4-8b1d-325f2d699b91" providerId="ADAL" clId="{8C1EFA1F-0339-5164-815E-AFC004A65A72}" dt="2026-01-26T17:01:10.879" v="1" actId="2696"/>
         <pc:sldMkLst>
           <pc:docMk/>
           <pc:sldMk cId="3266210065" sldId="261"/>
         </pc:sldMkLst>
-        <pc:spChg chg="mod">
-          <ac:chgData name="Vallejo Vera, Sebastian" userId="9dbf769e-f5f7-4c1a-b214-de73a2d2b9d1" providerId="ADAL" clId="{4DE58D0B-FF4F-E549-BEAB-361DF1BB5B89}" dt="2024-01-16T19:21:22.035" v="2039" actId="20577"/>
-          <ac:spMkLst>
-            <pc:docMk/>
-            <pc:sldMk cId="3266210065" sldId="261"/>
-            <ac:spMk id="4" creationId="{2AF1B0E2-FD49-F451-C553-41D2BA56BCC5}"/>
-          </ac:spMkLst>
-        </pc:spChg>
+      </pc:sldChg>
+      <pc:sldChg chg="del">
+        <pc:chgData name="Sebastian Vallejo Vera" userId="661f42ee-5565-49c4-8b1d-325f2d699b91" providerId="ADAL" clId="{8C1EFA1F-0339-5164-815E-AFC004A65A72}" dt="2026-01-26T17:01:10.879" v="1" actId="2696"/>
+        <pc:sldMkLst>
+          <pc:docMk/>
+          <pc:sldMk cId="1060482635" sldId="265"/>
+        </pc:sldMkLst>
+      </pc:sldChg>
+      <pc:sldChg chg="del">
+        <pc:chgData name="Sebastian Vallejo Vera" userId="661f42ee-5565-49c4-8b1d-325f2d699b91" providerId="ADAL" clId="{8C1EFA1F-0339-5164-815E-AFC004A65A72}" dt="2026-01-26T17:01:10.879" v="1" actId="2696"/>
+        <pc:sldMkLst>
+          <pc:docMk/>
+          <pc:sldMk cId="2750657952" sldId="266"/>
+        </pc:sldMkLst>
+      </pc:sldChg>
+      <pc:sldChg chg="del">
+        <pc:chgData name="Sebastian Vallejo Vera" userId="661f42ee-5565-49c4-8b1d-325f2d699b91" providerId="ADAL" clId="{8C1EFA1F-0339-5164-815E-AFC004A65A72}" dt="2026-01-26T17:01:10.879" v="1" actId="2696"/>
+        <pc:sldMkLst>
+          <pc:docMk/>
+          <pc:sldMk cId="384404244" sldId="267"/>
+        </pc:sldMkLst>
+      </pc:sldChg>
+      <pc:sldChg chg="del">
+        <pc:chgData name="Sebastian Vallejo Vera" userId="661f42ee-5565-49c4-8b1d-325f2d699b91" providerId="ADAL" clId="{8C1EFA1F-0339-5164-815E-AFC004A65A72}" dt="2026-01-26T17:01:10.879" v="1" actId="2696"/>
+        <pc:sldMkLst>
+          <pc:docMk/>
+          <pc:sldMk cId="3307326229" sldId="268"/>
+        </pc:sldMkLst>
+      </pc:sldChg>
+      <pc:sldChg chg="del">
+        <pc:chgData name="Sebastian Vallejo Vera" userId="661f42ee-5565-49c4-8b1d-325f2d699b91" providerId="ADAL" clId="{8C1EFA1F-0339-5164-815E-AFC004A65A72}" dt="2026-01-26T17:01:10.879" v="1" actId="2696"/>
+        <pc:sldMkLst>
+          <pc:docMk/>
+          <pc:sldMk cId="3580080809" sldId="270"/>
+        </pc:sldMkLst>
+      </pc:sldChg>
+      <pc:sldChg chg="del">
+        <pc:chgData name="Sebastian Vallejo Vera" userId="661f42ee-5565-49c4-8b1d-325f2d699b91" providerId="ADAL" clId="{8C1EFA1F-0339-5164-815E-AFC004A65A72}" dt="2026-01-26T17:01:10.879" v="1" actId="2696"/>
+        <pc:sldMkLst>
+          <pc:docMk/>
+          <pc:sldMk cId="1106274441" sldId="272"/>
+        </pc:sldMkLst>
+      </pc:sldChg>
+      <pc:sldChg chg="del">
+        <pc:chgData name="Sebastian Vallejo Vera" userId="661f42ee-5565-49c4-8b1d-325f2d699b91" providerId="ADAL" clId="{8C1EFA1F-0339-5164-815E-AFC004A65A72}" dt="2026-01-26T17:01:10.879" v="1" actId="2696"/>
+        <pc:sldMkLst>
+          <pc:docMk/>
+          <pc:sldMk cId="2030622578" sldId="273"/>
+        </pc:sldMkLst>
+      </pc:sldChg>
+      <pc:sldChg chg="del">
+        <pc:chgData name="Sebastian Vallejo Vera" userId="661f42ee-5565-49c4-8b1d-325f2d699b91" providerId="ADAL" clId="{8C1EFA1F-0339-5164-815E-AFC004A65A72}" dt="2026-01-26T17:01:10.879" v="1" actId="2696"/>
+        <pc:sldMkLst>
+          <pc:docMk/>
+          <pc:sldMk cId="571783692" sldId="276"/>
+        </pc:sldMkLst>
+      </pc:sldChg>
+      <pc:sldChg chg="del">
+        <pc:chgData name="Sebastian Vallejo Vera" userId="661f42ee-5565-49c4-8b1d-325f2d699b91" providerId="ADAL" clId="{8C1EFA1F-0339-5164-815E-AFC004A65A72}" dt="2026-01-26T17:01:10.879" v="1" actId="2696"/>
+        <pc:sldMkLst>
+          <pc:docMk/>
+          <pc:sldMk cId="1184595227" sldId="277"/>
+        </pc:sldMkLst>
+      </pc:sldChg>
+      <pc:sldChg chg="del">
+        <pc:chgData name="Sebastian Vallejo Vera" userId="661f42ee-5565-49c4-8b1d-325f2d699b91" providerId="ADAL" clId="{8C1EFA1F-0339-5164-815E-AFC004A65A72}" dt="2026-01-26T17:01:10.879" v="1" actId="2696"/>
+        <pc:sldMkLst>
+          <pc:docMk/>
+          <pc:sldMk cId="173152868" sldId="278"/>
+        </pc:sldMkLst>
+      </pc:sldChg>
+      <pc:sldChg chg="del">
+        <pc:chgData name="Sebastian Vallejo Vera" userId="661f42ee-5565-49c4-8b1d-325f2d699b91" providerId="ADAL" clId="{8C1EFA1F-0339-5164-815E-AFC004A65A72}" dt="2026-01-26T17:01:10.879" v="1" actId="2696"/>
+        <pc:sldMkLst>
+          <pc:docMk/>
+          <pc:sldMk cId="4252159681" sldId="279"/>
+        </pc:sldMkLst>
+      </pc:sldChg>
+      <pc:sldChg chg="del">
+        <pc:chgData name="Sebastian Vallejo Vera" userId="661f42ee-5565-49c4-8b1d-325f2d699b91" providerId="ADAL" clId="{8C1EFA1F-0339-5164-815E-AFC004A65A72}" dt="2026-01-26T17:01:10.879" v="1" actId="2696"/>
+        <pc:sldMkLst>
+          <pc:docMk/>
+          <pc:sldMk cId="1919283659" sldId="282"/>
+        </pc:sldMkLst>
+      </pc:sldChg>
+      <pc:sldChg chg="del">
+        <pc:chgData name="Sebastian Vallejo Vera" userId="661f42ee-5565-49c4-8b1d-325f2d699b91" providerId="ADAL" clId="{8C1EFA1F-0339-5164-815E-AFC004A65A72}" dt="2026-01-26T17:01:10.879" v="1" actId="2696"/>
+        <pc:sldMkLst>
+          <pc:docMk/>
+          <pc:sldMk cId="945306372" sldId="283"/>
+        </pc:sldMkLst>
+      </pc:sldChg>
+      <pc:sldChg chg="del">
+        <pc:chgData name="Sebastian Vallejo Vera" userId="661f42ee-5565-49c4-8b1d-325f2d699b91" providerId="ADAL" clId="{8C1EFA1F-0339-5164-815E-AFC004A65A72}" dt="2026-01-26T17:01:10.879" v="1" actId="2696"/>
+        <pc:sldMkLst>
+          <pc:docMk/>
+          <pc:sldMk cId="4239719684" sldId="284"/>
+        </pc:sldMkLst>
+      </pc:sldChg>
+      <pc:sldChg chg="del">
+        <pc:chgData name="Sebastian Vallejo Vera" userId="661f42ee-5565-49c4-8b1d-325f2d699b91" providerId="ADAL" clId="{8C1EFA1F-0339-5164-815E-AFC004A65A72}" dt="2026-01-26T17:01:10.879" v="1" actId="2696"/>
+        <pc:sldMkLst>
+          <pc:docMk/>
+          <pc:sldMk cId="55597668" sldId="285"/>
+        </pc:sldMkLst>
+      </pc:sldChg>
+      <pc:sldChg chg="del">
+        <pc:chgData name="Sebastian Vallejo Vera" userId="661f42ee-5565-49c4-8b1d-325f2d699b91" providerId="ADAL" clId="{8C1EFA1F-0339-5164-815E-AFC004A65A72}" dt="2026-01-26T17:01:10.879" v="1" actId="2696"/>
+        <pc:sldMkLst>
+          <pc:docMk/>
+          <pc:sldMk cId="2751179141" sldId="286"/>
+        </pc:sldMkLst>
+      </pc:sldChg>
+      <pc:sldChg chg="del">
+        <pc:chgData name="Sebastian Vallejo Vera" userId="661f42ee-5565-49c4-8b1d-325f2d699b91" providerId="ADAL" clId="{8C1EFA1F-0339-5164-815E-AFC004A65A72}" dt="2026-01-26T17:01:10.879" v="1" actId="2696"/>
+        <pc:sldMkLst>
+          <pc:docMk/>
+          <pc:sldMk cId="1636850210" sldId="287"/>
+        </pc:sldMkLst>
       </pc:sldChg>
       <pc:sldChg chg="modSp mod">
-        <pc:chgData name="Vallejo Vera, Sebastian" userId="9dbf769e-f5f7-4c1a-b214-de73a2d2b9d1" providerId="ADAL" clId="{4DE58D0B-FF4F-E549-BEAB-361DF1BB5B89}" dt="2024-01-16T18:56:37.840" v="1810" actId="20577"/>
-        <pc:sldMkLst>
-          <pc:docMk/>
-          <pc:sldMk cId="477700818" sldId="263"/>
-        </pc:sldMkLst>
-        <pc:spChg chg="mod">
-          <ac:chgData name="Vallejo Vera, Sebastian" userId="9dbf769e-f5f7-4c1a-b214-de73a2d2b9d1" providerId="ADAL" clId="{4DE58D0B-FF4F-E549-BEAB-361DF1BB5B89}" dt="2024-01-16T18:56:37.840" v="1810" actId="20577"/>
-          <ac:spMkLst>
-            <pc:docMk/>
-            <pc:sldMk cId="477700818" sldId="263"/>
-            <ac:spMk id="5" creationId="{3475AC3E-5356-8915-1DEE-512ED59FAA51}"/>
-          </ac:spMkLst>
-        </pc:spChg>
-      </pc:sldChg>
-      <pc:sldChg chg="modSp mod modAnim">
-        <pc:chgData name="Vallejo Vera, Sebastian" userId="9dbf769e-f5f7-4c1a-b214-de73a2d2b9d1" providerId="ADAL" clId="{4DE58D0B-FF4F-E549-BEAB-361DF1BB5B89}" dt="2024-01-30T14:09:07.627" v="2044" actId="20577"/>
-        <pc:sldMkLst>
-          <pc:docMk/>
-          <pc:sldMk cId="3340894322" sldId="264"/>
-        </pc:sldMkLst>
-        <pc:spChg chg="mod">
-          <ac:chgData name="Vallejo Vera, Sebastian" userId="9dbf769e-f5f7-4c1a-b214-de73a2d2b9d1" providerId="ADAL" clId="{4DE58D0B-FF4F-E549-BEAB-361DF1BB5B89}" dt="2024-01-30T14:09:07.627" v="2044" actId="20577"/>
-          <ac:spMkLst>
-            <pc:docMk/>
-            <pc:sldMk cId="3340894322" sldId="264"/>
-            <ac:spMk id="3" creationId="{699D132E-62EE-6ADE-1AC4-9E623F94B627}"/>
-          </ac:spMkLst>
-        </pc:spChg>
-      </pc:sldChg>
-      <pc:sldChg chg="addSp modSp mod">
-        <pc:chgData name="Vallejo Vera, Sebastian" userId="9dbf769e-f5f7-4c1a-b214-de73a2d2b9d1" providerId="ADAL" clId="{4DE58D0B-FF4F-E549-BEAB-361DF1BB5B89}" dt="2024-01-16T17:50:39.584" v="78" actId="1076"/>
+        <pc:chgData name="Sebastian Vallejo Vera" userId="661f42ee-5565-49c4-8b1d-325f2d699b91" providerId="ADAL" clId="{8C1EFA1F-0339-5164-815E-AFC004A65A72}" dt="2026-01-26T17:37:43.948" v="1148" actId="21"/>
         <pc:sldMkLst>
           <pc:docMk/>
           <pc:sldMk cId="4076449059" sldId="293"/>
         </pc:sldMkLst>
-        <pc:spChg chg="add mod">
-          <ac:chgData name="Vallejo Vera, Sebastian" userId="9dbf769e-f5f7-4c1a-b214-de73a2d2b9d1" providerId="ADAL" clId="{4DE58D0B-FF4F-E549-BEAB-361DF1BB5B89}" dt="2024-01-16T17:50:39.584" v="78" actId="1076"/>
-          <ac:spMkLst>
-            <pc:docMk/>
-            <pc:sldMk cId="4076449059" sldId="293"/>
-            <ac:spMk id="3" creationId="{89B449A5-8A08-9ACC-4B83-A6D2556A6E95}"/>
-          </ac:spMkLst>
-        </pc:spChg>
         <pc:spChg chg="mod">
-          <ac:chgData name="Vallejo Vera, Sebastian" userId="9dbf769e-f5f7-4c1a-b214-de73a2d2b9d1" providerId="ADAL" clId="{4DE58D0B-FF4F-E549-BEAB-361DF1BB5B89}" dt="2024-01-16T17:48:21.155" v="21" actId="20577"/>
+          <ac:chgData name="Sebastian Vallejo Vera" userId="661f42ee-5565-49c4-8b1d-325f2d699b91" providerId="ADAL" clId="{8C1EFA1F-0339-5164-815E-AFC004A65A72}" dt="2026-01-26T17:37:43.948" v="1148" actId="21"/>
           <ac:spMkLst>
             <pc:docMk/>
             <pc:sldMk cId="4076449059" sldId="293"/>
@@ -240,575 +319,350 @@
           </ac:spMkLst>
         </pc:spChg>
       </pc:sldChg>
-      <pc:sldChg chg="addSp delSp modSp new mod">
-        <pc:chgData name="Vallejo Vera, Sebastian" userId="9dbf769e-f5f7-4c1a-b214-de73a2d2b9d1" providerId="ADAL" clId="{4DE58D0B-FF4F-E549-BEAB-361DF1BB5B89}" dt="2024-01-16T18:19:15.894" v="374" actId="14100"/>
-        <pc:sldMkLst>
-          <pc:docMk/>
-          <pc:sldMk cId="2280070056" sldId="294"/>
-        </pc:sldMkLst>
-        <pc:spChg chg="mod">
-          <ac:chgData name="Vallejo Vera, Sebastian" userId="9dbf769e-f5f7-4c1a-b214-de73a2d2b9d1" providerId="ADAL" clId="{4DE58D0B-FF4F-E549-BEAB-361DF1BB5B89}" dt="2024-01-16T18:17:22.039" v="348" actId="20577"/>
-          <ac:spMkLst>
-            <pc:docMk/>
-            <pc:sldMk cId="2280070056" sldId="294"/>
-            <ac:spMk id="3" creationId="{50014382-805A-F744-D757-6EFFA9AA3A33}"/>
-          </ac:spMkLst>
-        </pc:spChg>
-        <pc:spChg chg="add del">
-          <ac:chgData name="Vallejo Vera, Sebastian" userId="9dbf769e-f5f7-4c1a-b214-de73a2d2b9d1" providerId="ADAL" clId="{4DE58D0B-FF4F-E549-BEAB-361DF1BB5B89}" dt="2024-01-16T18:13:03.668" v="292" actId="22"/>
-          <ac:spMkLst>
-            <pc:docMk/>
-            <pc:sldMk cId="2280070056" sldId="294"/>
-            <ac:spMk id="5" creationId="{2A27D8DB-943F-279B-D06D-F87B58BB0A31}"/>
-          </ac:spMkLst>
-        </pc:spChg>
-        <pc:picChg chg="add mod">
-          <ac:chgData name="Vallejo Vera, Sebastian" userId="9dbf769e-f5f7-4c1a-b214-de73a2d2b9d1" providerId="ADAL" clId="{4DE58D0B-FF4F-E549-BEAB-361DF1BB5B89}" dt="2024-01-16T18:19:15.894" v="374" actId="14100"/>
-          <ac:picMkLst>
-            <pc:docMk/>
-            <pc:sldMk cId="2280070056" sldId="294"/>
-            <ac:picMk id="6" creationId="{C64159A1-F20F-4186-E9DD-419DC48647F0}"/>
-          </ac:picMkLst>
-        </pc:picChg>
-      </pc:sldChg>
-      <pc:sldChg chg="addSp modSp new mod">
-        <pc:chgData name="Vallejo Vera, Sebastian" userId="9dbf769e-f5f7-4c1a-b214-de73a2d2b9d1" providerId="ADAL" clId="{4DE58D0B-FF4F-E549-BEAB-361DF1BB5B89}" dt="2024-01-16T18:19:12.545" v="373" actId="14100"/>
+      <pc:sldChg chg="modSp">
+        <pc:chgData name="Sebastian Vallejo Vera" userId="661f42ee-5565-49c4-8b1d-325f2d699b91" providerId="ADAL" clId="{8C1EFA1F-0339-5164-815E-AFC004A65A72}" dt="2026-01-26T17:38:58.858" v="1167" actId="20577"/>
         <pc:sldMkLst>
           <pc:docMk/>
           <pc:sldMk cId="3240217340" sldId="295"/>
         </pc:sldMkLst>
         <pc:spChg chg="mod">
-          <ac:chgData name="Vallejo Vera, Sebastian" userId="9dbf769e-f5f7-4c1a-b214-de73a2d2b9d1" providerId="ADAL" clId="{4DE58D0B-FF4F-E549-BEAB-361DF1BB5B89}" dt="2024-01-16T18:19:07.986" v="372" actId="20577"/>
+          <ac:chgData name="Sebastian Vallejo Vera" userId="661f42ee-5565-49c4-8b1d-325f2d699b91" providerId="ADAL" clId="{8C1EFA1F-0339-5164-815E-AFC004A65A72}" dt="2026-01-26T17:38:58.858" v="1167" actId="20577"/>
           <ac:spMkLst>
             <pc:docMk/>
             <pc:sldMk cId="3240217340" sldId="295"/>
             <ac:spMk id="3" creationId="{44948EDA-30D2-FA1C-9AC8-0A13E61212E1}"/>
           </ac:spMkLst>
         </pc:spChg>
-        <pc:picChg chg="add mod">
-          <ac:chgData name="Vallejo Vera, Sebastian" userId="9dbf769e-f5f7-4c1a-b214-de73a2d2b9d1" providerId="ADAL" clId="{4DE58D0B-FF4F-E549-BEAB-361DF1BB5B89}" dt="2024-01-16T18:19:12.545" v="373" actId="14100"/>
-          <ac:picMkLst>
-            <pc:docMk/>
-            <pc:sldMk cId="3240217340" sldId="295"/>
-            <ac:picMk id="4" creationId="{810FD6F4-D10E-4179-EEDD-71A802605EA0}"/>
-          </ac:picMkLst>
-        </pc:picChg>
-        <pc:picChg chg="add mod">
-          <ac:chgData name="Vallejo Vera, Sebastian" userId="9dbf769e-f5f7-4c1a-b214-de73a2d2b9d1" providerId="ADAL" clId="{4DE58D0B-FF4F-E549-BEAB-361DF1BB5B89}" dt="2024-01-16T18:18:51.352" v="365"/>
-          <ac:picMkLst>
-            <pc:docMk/>
-            <pc:sldMk cId="3240217340" sldId="295"/>
-            <ac:picMk id="5" creationId="{FC84AAE9-45C3-1065-7EDA-E78EFD5FF5AB}"/>
-          </ac:picMkLst>
-        </pc:picChg>
       </pc:sldChg>
-      <pc:sldChg chg="modSp new mod">
-        <pc:chgData name="Vallejo Vera, Sebastian" userId="9dbf769e-f5f7-4c1a-b214-de73a2d2b9d1" providerId="ADAL" clId="{4DE58D0B-FF4F-E549-BEAB-361DF1BB5B89}" dt="2024-01-16T18:28:37.277" v="739" actId="5793"/>
-        <pc:sldMkLst>
-          <pc:docMk/>
-          <pc:sldMk cId="388915316" sldId="296"/>
-        </pc:sldMkLst>
-        <pc:spChg chg="mod">
-          <ac:chgData name="Vallejo Vera, Sebastian" userId="9dbf769e-f5f7-4c1a-b214-de73a2d2b9d1" providerId="ADAL" clId="{4DE58D0B-FF4F-E549-BEAB-361DF1BB5B89}" dt="2024-01-16T18:28:37.277" v="739" actId="5793"/>
-          <ac:spMkLst>
-            <pc:docMk/>
-            <pc:sldMk cId="388915316" sldId="296"/>
-            <ac:spMk id="3" creationId="{34662DA5-2EB6-7411-3BC0-16602A362E44}"/>
-          </ac:spMkLst>
-        </pc:spChg>
-      </pc:sldChg>
-      <pc:sldChg chg="addSp delSp modSp new mod modClrScheme chgLayout">
-        <pc:chgData name="Vallejo Vera, Sebastian" userId="9dbf769e-f5f7-4c1a-b214-de73a2d2b9d1" providerId="ADAL" clId="{4DE58D0B-FF4F-E549-BEAB-361DF1BB5B89}" dt="2024-01-16T18:30:16.244" v="768" actId="1076"/>
-        <pc:sldMkLst>
-          <pc:docMk/>
-          <pc:sldMk cId="2930289128" sldId="297"/>
-        </pc:sldMkLst>
-        <pc:spChg chg="del">
-          <ac:chgData name="Vallejo Vera, Sebastian" userId="9dbf769e-f5f7-4c1a-b214-de73a2d2b9d1" providerId="ADAL" clId="{4DE58D0B-FF4F-E549-BEAB-361DF1BB5B89}" dt="2024-01-16T18:29:02.517" v="741" actId="700"/>
-          <ac:spMkLst>
-            <pc:docMk/>
-            <pc:sldMk cId="2930289128" sldId="297"/>
-            <ac:spMk id="2" creationId="{9E57D8B1-2C52-1323-6E8C-F29B8EEA48C5}"/>
-          </ac:spMkLst>
-        </pc:spChg>
-        <pc:spChg chg="del">
-          <ac:chgData name="Vallejo Vera, Sebastian" userId="9dbf769e-f5f7-4c1a-b214-de73a2d2b9d1" providerId="ADAL" clId="{4DE58D0B-FF4F-E549-BEAB-361DF1BB5B89}" dt="2024-01-16T18:29:02.517" v="741" actId="700"/>
-          <ac:spMkLst>
-            <pc:docMk/>
-            <pc:sldMk cId="2930289128" sldId="297"/>
-            <ac:spMk id="3" creationId="{49C2A704-400F-676A-C962-FC8DF865DA48}"/>
-          </ac:spMkLst>
-        </pc:spChg>
-        <pc:spChg chg="add mod">
-          <ac:chgData name="Vallejo Vera, Sebastian" userId="9dbf769e-f5f7-4c1a-b214-de73a2d2b9d1" providerId="ADAL" clId="{4DE58D0B-FF4F-E549-BEAB-361DF1BB5B89}" dt="2024-01-16T18:30:16.244" v="768" actId="1076"/>
-          <ac:spMkLst>
-            <pc:docMk/>
-            <pc:sldMk cId="2930289128" sldId="297"/>
-            <ac:spMk id="6" creationId="{89D8FBDB-CF22-6AE9-7512-2D003C270B76}"/>
-          </ac:spMkLst>
-        </pc:spChg>
-        <pc:spChg chg="add mod">
-          <ac:chgData name="Vallejo Vera, Sebastian" userId="9dbf769e-f5f7-4c1a-b214-de73a2d2b9d1" providerId="ADAL" clId="{4DE58D0B-FF4F-E549-BEAB-361DF1BB5B89}" dt="2024-01-16T18:30:16.244" v="768" actId="1076"/>
-          <ac:spMkLst>
-            <pc:docMk/>
-            <pc:sldMk cId="2930289128" sldId="297"/>
-            <ac:spMk id="7" creationId="{038B3069-A24E-D82A-4B86-A6364959B989}"/>
-          </ac:spMkLst>
-        </pc:spChg>
-        <pc:spChg chg="add mod">
-          <ac:chgData name="Vallejo Vera, Sebastian" userId="9dbf769e-f5f7-4c1a-b214-de73a2d2b9d1" providerId="ADAL" clId="{4DE58D0B-FF4F-E549-BEAB-361DF1BB5B89}" dt="2024-01-16T18:30:16.244" v="768" actId="1076"/>
-          <ac:spMkLst>
-            <pc:docMk/>
-            <pc:sldMk cId="2930289128" sldId="297"/>
-            <ac:spMk id="8" creationId="{18A16BE4-9201-9C3C-B376-9942AC9C1A77}"/>
-          </ac:spMkLst>
-        </pc:spChg>
-        <pc:picChg chg="add mod">
-          <ac:chgData name="Vallejo Vera, Sebastian" userId="9dbf769e-f5f7-4c1a-b214-de73a2d2b9d1" providerId="ADAL" clId="{4DE58D0B-FF4F-E549-BEAB-361DF1BB5B89}" dt="2024-01-16T18:30:16.244" v="768" actId="1076"/>
-          <ac:picMkLst>
-            <pc:docMk/>
-            <pc:sldMk cId="2930289128" sldId="297"/>
-            <ac:picMk id="4" creationId="{CA7E4BFB-1AE2-F4F5-92D7-1F98158861A0}"/>
-          </ac:picMkLst>
-        </pc:picChg>
-        <pc:picChg chg="add mod">
-          <ac:chgData name="Vallejo Vera, Sebastian" userId="9dbf769e-f5f7-4c1a-b214-de73a2d2b9d1" providerId="ADAL" clId="{4DE58D0B-FF4F-E549-BEAB-361DF1BB5B89}" dt="2024-01-16T18:30:16.244" v="768" actId="1076"/>
-          <ac:picMkLst>
-            <pc:docMk/>
-            <pc:sldMk cId="2930289128" sldId="297"/>
-            <ac:picMk id="5" creationId="{78F6134A-36C9-4A43-3BD8-3A92982CEB70}"/>
-          </ac:picMkLst>
-        </pc:picChg>
-      </pc:sldChg>
-      <pc:sldChg chg="addSp modSp new mod modClrScheme modAnim chgLayout">
-        <pc:chgData name="Vallejo Vera, Sebastian" userId="9dbf769e-f5f7-4c1a-b214-de73a2d2b9d1" providerId="ADAL" clId="{4DE58D0B-FF4F-E549-BEAB-361DF1BB5B89}" dt="2024-01-16T18:34:44.324" v="1172"/>
-        <pc:sldMkLst>
-          <pc:docMk/>
-          <pc:sldMk cId="2471034956" sldId="298"/>
-        </pc:sldMkLst>
-        <pc:spChg chg="add mod">
-          <ac:chgData name="Vallejo Vera, Sebastian" userId="9dbf769e-f5f7-4c1a-b214-de73a2d2b9d1" providerId="ADAL" clId="{4DE58D0B-FF4F-E549-BEAB-361DF1BB5B89}" dt="2024-01-16T18:30:44.733" v="770" actId="700"/>
-          <ac:spMkLst>
-            <pc:docMk/>
-            <pc:sldMk cId="2471034956" sldId="298"/>
-            <ac:spMk id="2" creationId="{BDF0F444-6B4E-D477-06A0-0BFB7CCAB04F}"/>
-          </ac:spMkLst>
-        </pc:spChg>
-        <pc:spChg chg="add mod">
-          <ac:chgData name="Vallejo Vera, Sebastian" userId="9dbf769e-f5f7-4c1a-b214-de73a2d2b9d1" providerId="ADAL" clId="{4DE58D0B-FF4F-E549-BEAB-361DF1BB5B89}" dt="2024-01-16T18:34:26.143" v="1166" actId="207"/>
-          <ac:spMkLst>
-            <pc:docMk/>
-            <pc:sldMk cId="2471034956" sldId="298"/>
-            <ac:spMk id="3" creationId="{40DAB3D2-596D-10F4-EBB7-85700B48B137}"/>
-          </ac:spMkLst>
-        </pc:spChg>
-      </pc:sldChg>
-      <pc:sldChg chg="addSp delSp modSp new mod setBg modClrScheme chgLayout">
-        <pc:chgData name="Vallejo Vera, Sebastian" userId="9dbf769e-f5f7-4c1a-b214-de73a2d2b9d1" providerId="ADAL" clId="{4DE58D0B-FF4F-E549-BEAB-361DF1BB5B89}" dt="2024-01-16T18:38:49.225" v="1181" actId="1076"/>
-        <pc:sldMkLst>
-          <pc:docMk/>
-          <pc:sldMk cId="4244547602" sldId="299"/>
-        </pc:sldMkLst>
-        <pc:spChg chg="del">
-          <ac:chgData name="Vallejo Vera, Sebastian" userId="9dbf769e-f5f7-4c1a-b214-de73a2d2b9d1" providerId="ADAL" clId="{4DE58D0B-FF4F-E549-BEAB-361DF1BB5B89}" dt="2024-01-16T18:35:04.297" v="1174" actId="700"/>
-          <ac:spMkLst>
-            <pc:docMk/>
-            <pc:sldMk cId="4244547602" sldId="299"/>
-            <ac:spMk id="2" creationId="{4D0F6BB3-A012-D09B-B097-26C67B7FD458}"/>
-          </ac:spMkLst>
-        </pc:spChg>
-        <pc:spChg chg="del">
-          <ac:chgData name="Vallejo Vera, Sebastian" userId="9dbf769e-f5f7-4c1a-b214-de73a2d2b9d1" providerId="ADAL" clId="{4DE58D0B-FF4F-E549-BEAB-361DF1BB5B89}" dt="2024-01-16T18:35:04.297" v="1174" actId="700"/>
-          <ac:spMkLst>
-            <pc:docMk/>
-            <pc:sldMk cId="4244547602" sldId="299"/>
-            <ac:spMk id="3" creationId="{1A925D76-23F3-3F7F-351F-CA80BAFA339C}"/>
-          </ac:spMkLst>
-        </pc:spChg>
-        <pc:spChg chg="add">
-          <ac:chgData name="Vallejo Vera, Sebastian" userId="9dbf769e-f5f7-4c1a-b214-de73a2d2b9d1" providerId="ADAL" clId="{4DE58D0B-FF4F-E549-BEAB-361DF1BB5B89}" dt="2024-01-16T18:35:28.811" v="1176" actId="26606"/>
-          <ac:spMkLst>
-            <pc:docMk/>
-            <pc:sldMk cId="4244547602" sldId="299"/>
-            <ac:spMk id="9" creationId="{CE606343-BADE-4565-AB89-E9EF7E253F80}"/>
-          </ac:spMkLst>
-        </pc:spChg>
-        <pc:spChg chg="add">
-          <ac:chgData name="Vallejo Vera, Sebastian" userId="9dbf769e-f5f7-4c1a-b214-de73a2d2b9d1" providerId="ADAL" clId="{4DE58D0B-FF4F-E549-BEAB-361DF1BB5B89}" dt="2024-01-16T18:35:28.811" v="1176" actId="26606"/>
-          <ac:spMkLst>
-            <pc:docMk/>
-            <pc:sldMk cId="4244547602" sldId="299"/>
-            <ac:spMk id="11" creationId="{39E183BD-2932-401F-8B53-E247764B376B}"/>
-          </ac:spMkLst>
-        </pc:spChg>
-        <pc:picChg chg="add del mod">
-          <ac:chgData name="Vallejo Vera, Sebastian" userId="9dbf769e-f5f7-4c1a-b214-de73a2d2b9d1" providerId="ADAL" clId="{4DE58D0B-FF4F-E549-BEAB-361DF1BB5B89}" dt="2024-01-16T18:38:10.723" v="1177" actId="478"/>
-          <ac:picMkLst>
-            <pc:docMk/>
-            <pc:sldMk cId="4244547602" sldId="299"/>
-            <ac:picMk id="4" creationId="{A82CF52B-0B10-AFC7-CAD2-5B3F21C4F998}"/>
-          </ac:picMkLst>
-        </pc:picChg>
-        <pc:picChg chg="add mod">
-          <ac:chgData name="Vallejo Vera, Sebastian" userId="9dbf769e-f5f7-4c1a-b214-de73a2d2b9d1" providerId="ADAL" clId="{4DE58D0B-FF4F-E549-BEAB-361DF1BB5B89}" dt="2024-01-16T18:38:49.225" v="1181" actId="1076"/>
-          <ac:picMkLst>
-            <pc:docMk/>
-            <pc:sldMk cId="4244547602" sldId="299"/>
-            <ac:picMk id="5" creationId="{C491DB3B-DD2F-BD18-4320-3CFC19C61EB1}"/>
-          </ac:picMkLst>
-        </pc:picChg>
-      </pc:sldChg>
-      <pc:sldChg chg="addSp modSp new mod modClrScheme chgLayout">
-        <pc:chgData name="Vallejo Vera, Sebastian" userId="9dbf769e-f5f7-4c1a-b214-de73a2d2b9d1" providerId="ADAL" clId="{4DE58D0B-FF4F-E549-BEAB-361DF1BB5B89}" dt="2024-01-16T18:41:42.577" v="1227" actId="20577"/>
-        <pc:sldMkLst>
-          <pc:docMk/>
-          <pc:sldMk cId="1793220582" sldId="300"/>
-        </pc:sldMkLst>
-        <pc:spChg chg="add mod">
-          <ac:chgData name="Vallejo Vera, Sebastian" userId="9dbf769e-f5f7-4c1a-b214-de73a2d2b9d1" providerId="ADAL" clId="{4DE58D0B-FF4F-E549-BEAB-361DF1BB5B89}" dt="2024-01-16T18:39:46.546" v="1183" actId="700"/>
-          <ac:spMkLst>
-            <pc:docMk/>
-            <pc:sldMk cId="1793220582" sldId="300"/>
-            <ac:spMk id="2" creationId="{A9BDEA20-0EA7-A49C-6BEB-FF96C282EC89}"/>
-          </ac:spMkLst>
-        </pc:spChg>
-        <pc:spChg chg="add mod">
-          <ac:chgData name="Vallejo Vera, Sebastian" userId="9dbf769e-f5f7-4c1a-b214-de73a2d2b9d1" providerId="ADAL" clId="{4DE58D0B-FF4F-E549-BEAB-361DF1BB5B89}" dt="2024-01-16T18:41:42.577" v="1227" actId="20577"/>
-          <ac:spMkLst>
-            <pc:docMk/>
-            <pc:sldMk cId="1793220582" sldId="300"/>
-            <ac:spMk id="3" creationId="{84A1F8B5-3ACE-A8D7-28CD-D503EE4E17C5}"/>
-          </ac:spMkLst>
-        </pc:spChg>
-      </pc:sldChg>
-      <pc:sldChg chg="addSp delSp modSp add mod setBg delDesignElem">
-        <pc:chgData name="Vallejo Vera, Sebastian" userId="9dbf769e-f5f7-4c1a-b214-de73a2d2b9d1" providerId="ADAL" clId="{4DE58D0B-FF4F-E549-BEAB-361DF1BB5B89}" dt="2024-01-16T18:44:32.884" v="1260" actId="20577"/>
-        <pc:sldMkLst>
-          <pc:docMk/>
-          <pc:sldMk cId="644707416" sldId="301"/>
-        </pc:sldMkLst>
-        <pc:spChg chg="del">
-          <ac:chgData name="Vallejo Vera, Sebastian" userId="9dbf769e-f5f7-4c1a-b214-de73a2d2b9d1" providerId="ADAL" clId="{4DE58D0B-FF4F-E549-BEAB-361DF1BB5B89}" dt="2024-01-16T18:41:49.011" v="1229"/>
-          <ac:spMkLst>
-            <pc:docMk/>
-            <pc:sldMk cId="644707416" sldId="301"/>
-            <ac:spMk id="9" creationId="{CE606343-BADE-4565-AB89-E9EF7E253F80}"/>
-          </ac:spMkLst>
-        </pc:spChg>
-        <pc:spChg chg="del">
-          <ac:chgData name="Vallejo Vera, Sebastian" userId="9dbf769e-f5f7-4c1a-b214-de73a2d2b9d1" providerId="ADAL" clId="{4DE58D0B-FF4F-E549-BEAB-361DF1BB5B89}" dt="2024-01-16T18:41:49.011" v="1229"/>
-          <ac:spMkLst>
-            <pc:docMk/>
-            <pc:sldMk cId="644707416" sldId="301"/>
-            <ac:spMk id="11" creationId="{39E183BD-2932-401F-8B53-E247764B376B}"/>
-          </ac:spMkLst>
-        </pc:spChg>
-        <pc:spChg chg="add mod">
-          <ac:chgData name="Vallejo Vera, Sebastian" userId="9dbf769e-f5f7-4c1a-b214-de73a2d2b9d1" providerId="ADAL" clId="{4DE58D0B-FF4F-E549-BEAB-361DF1BB5B89}" dt="2024-01-16T18:43:48.141" v="1252" actId="2711"/>
-          <ac:spMkLst>
-            <pc:docMk/>
-            <pc:sldMk cId="644707416" sldId="301"/>
-            <ac:spMk id="15" creationId="{14BCEF6C-D772-0DD8-AC05-C8A6FCCEF472}"/>
-          </ac:spMkLst>
-        </pc:spChg>
-        <pc:spChg chg="add mod">
-          <ac:chgData name="Vallejo Vera, Sebastian" userId="9dbf769e-f5f7-4c1a-b214-de73a2d2b9d1" providerId="ADAL" clId="{4DE58D0B-FF4F-E549-BEAB-361DF1BB5B89}" dt="2024-01-16T18:43:54.722" v="1253"/>
-          <ac:spMkLst>
-            <pc:docMk/>
-            <pc:sldMk cId="644707416" sldId="301"/>
-            <ac:spMk id="16" creationId="{29DB7814-DB65-BB28-2A45-051E1D8D4F47}"/>
-          </ac:spMkLst>
-        </pc:spChg>
-        <pc:spChg chg="add mod">
-          <ac:chgData name="Vallejo Vera, Sebastian" userId="9dbf769e-f5f7-4c1a-b214-de73a2d2b9d1" providerId="ADAL" clId="{4DE58D0B-FF4F-E549-BEAB-361DF1BB5B89}" dt="2024-01-16T18:44:00.019" v="1254"/>
-          <ac:spMkLst>
-            <pc:docMk/>
-            <pc:sldMk cId="644707416" sldId="301"/>
-            <ac:spMk id="17" creationId="{E5609406-9B08-0C4C-DAA3-0AAC3EC55CA8}"/>
-          </ac:spMkLst>
-        </pc:spChg>
-        <pc:spChg chg="add mod">
-          <ac:chgData name="Vallejo Vera, Sebastian" userId="9dbf769e-f5f7-4c1a-b214-de73a2d2b9d1" providerId="ADAL" clId="{4DE58D0B-FF4F-E549-BEAB-361DF1BB5B89}" dt="2024-01-16T18:44:32.884" v="1260" actId="20577"/>
-          <ac:spMkLst>
-            <pc:docMk/>
-            <pc:sldMk cId="644707416" sldId="301"/>
-            <ac:spMk id="18" creationId="{DA903024-9D3A-FD62-E80F-0D029C375F8A}"/>
-          </ac:spMkLst>
-        </pc:spChg>
-        <pc:grpChg chg="mod">
-          <ac:chgData name="Vallejo Vera, Sebastian" userId="9dbf769e-f5f7-4c1a-b214-de73a2d2b9d1" providerId="ADAL" clId="{4DE58D0B-FF4F-E549-BEAB-361DF1BB5B89}" dt="2024-01-16T18:41:58.563" v="1234"/>
-          <ac:grpSpMkLst>
-            <pc:docMk/>
-            <pc:sldMk cId="644707416" sldId="301"/>
-            <ac:grpSpMk id="4" creationId="{CDFF48C8-3853-8C39-0B16-2D273ADA954E}"/>
-          </ac:grpSpMkLst>
-        </pc:grpChg>
-        <pc:grpChg chg="mod">
-          <ac:chgData name="Vallejo Vera, Sebastian" userId="9dbf769e-f5f7-4c1a-b214-de73a2d2b9d1" providerId="ADAL" clId="{4DE58D0B-FF4F-E549-BEAB-361DF1BB5B89}" dt="2024-01-16T18:42:03.539" v="1240"/>
-          <ac:grpSpMkLst>
-            <pc:docMk/>
-            <pc:sldMk cId="644707416" sldId="301"/>
-            <ac:grpSpMk id="10" creationId="{DF510696-2BCF-FF75-916F-FDC4389EE46A}"/>
-          </ac:grpSpMkLst>
-        </pc:grpChg>
-        <pc:grpChg chg="mod">
-          <ac:chgData name="Vallejo Vera, Sebastian" userId="9dbf769e-f5f7-4c1a-b214-de73a2d2b9d1" providerId="ADAL" clId="{4DE58D0B-FF4F-E549-BEAB-361DF1BB5B89}" dt="2024-01-16T18:43:12.396" v="1243"/>
-          <ac:grpSpMkLst>
-            <pc:docMk/>
-            <pc:sldMk cId="644707416" sldId="301"/>
-            <ac:grpSpMk id="14" creationId="{C9C29EFF-6B52-5BEC-58D9-F9DC176CC299}"/>
-          </ac:grpSpMkLst>
-        </pc:grpChg>
-        <pc:inkChg chg="add del mod">
-          <ac:chgData name="Vallejo Vera, Sebastian" userId="9dbf769e-f5f7-4c1a-b214-de73a2d2b9d1" providerId="ADAL" clId="{4DE58D0B-FF4F-E549-BEAB-361DF1BB5B89}" dt="2024-01-16T18:41:58.838" v="1235" actId="9405"/>
-          <ac:inkMkLst>
-            <pc:docMk/>
-            <pc:sldMk cId="644707416" sldId="301"/>
-            <ac:inkMk id="2" creationId="{8AB52E8E-6D19-8AC4-A69A-F6203D4144B6}"/>
-          </ac:inkMkLst>
-        </pc:inkChg>
-        <pc:inkChg chg="add del mod">
-          <ac:chgData name="Vallejo Vera, Sebastian" userId="9dbf769e-f5f7-4c1a-b214-de73a2d2b9d1" providerId="ADAL" clId="{4DE58D0B-FF4F-E549-BEAB-361DF1BB5B89}" dt="2024-01-16T18:41:58.563" v="1234"/>
-          <ac:inkMkLst>
-            <pc:docMk/>
-            <pc:sldMk cId="644707416" sldId="301"/>
-            <ac:inkMk id="3" creationId="{D1C1E921-876C-ED18-2ABD-E0F199868CF0}"/>
-          </ac:inkMkLst>
-        </pc:inkChg>
-        <pc:inkChg chg="add del">
-          <ac:chgData name="Vallejo Vera, Sebastian" userId="9dbf769e-f5f7-4c1a-b214-de73a2d2b9d1" providerId="ADAL" clId="{4DE58D0B-FF4F-E549-BEAB-361DF1BB5B89}" dt="2024-01-16T18:42:00.559" v="1237" actId="9405"/>
-          <ac:inkMkLst>
-            <pc:docMk/>
-            <pc:sldMk cId="644707416" sldId="301"/>
-            <ac:inkMk id="6" creationId="{43755046-F885-3B05-CCB3-EB96F610A69B}"/>
-          </ac:inkMkLst>
-        </pc:inkChg>
-        <pc:inkChg chg="add mod">
-          <ac:chgData name="Vallejo Vera, Sebastian" userId="9dbf769e-f5f7-4c1a-b214-de73a2d2b9d1" providerId="ADAL" clId="{4DE58D0B-FF4F-E549-BEAB-361DF1BB5B89}" dt="2024-01-16T18:42:03.539" v="1240"/>
-          <ac:inkMkLst>
-            <pc:docMk/>
-            <pc:sldMk cId="644707416" sldId="301"/>
-            <ac:inkMk id="7" creationId="{338AE1A4-49AD-2F6D-4DE2-15E86C850626}"/>
-          </ac:inkMkLst>
-        </pc:inkChg>
-        <pc:inkChg chg="add mod">
-          <ac:chgData name="Vallejo Vera, Sebastian" userId="9dbf769e-f5f7-4c1a-b214-de73a2d2b9d1" providerId="ADAL" clId="{4DE58D0B-FF4F-E549-BEAB-361DF1BB5B89}" dt="2024-01-16T18:42:03.539" v="1240"/>
-          <ac:inkMkLst>
-            <pc:docMk/>
-            <pc:sldMk cId="644707416" sldId="301"/>
-            <ac:inkMk id="8" creationId="{E9475418-53DC-0808-4C20-F35CC2F0EF85}"/>
-          </ac:inkMkLst>
-        </pc:inkChg>
-        <pc:inkChg chg="add mod">
-          <ac:chgData name="Vallejo Vera, Sebastian" userId="9dbf769e-f5f7-4c1a-b214-de73a2d2b9d1" providerId="ADAL" clId="{4DE58D0B-FF4F-E549-BEAB-361DF1BB5B89}" dt="2024-01-16T18:43:12.396" v="1243"/>
-          <ac:inkMkLst>
-            <pc:docMk/>
-            <pc:sldMk cId="644707416" sldId="301"/>
-            <ac:inkMk id="12" creationId="{8C5E1A19-862A-1E0E-28D1-215D259B2960}"/>
-          </ac:inkMkLst>
-        </pc:inkChg>
-        <pc:inkChg chg="add mod">
-          <ac:chgData name="Vallejo Vera, Sebastian" userId="9dbf769e-f5f7-4c1a-b214-de73a2d2b9d1" providerId="ADAL" clId="{4DE58D0B-FF4F-E549-BEAB-361DF1BB5B89}" dt="2024-01-16T18:43:12.396" v="1243"/>
-          <ac:inkMkLst>
-            <pc:docMk/>
-            <pc:sldMk cId="644707416" sldId="301"/>
-            <ac:inkMk id="13" creationId="{A6EA4DB8-FCB8-7C34-F3E9-706ACDE5ED21}"/>
-          </ac:inkMkLst>
-        </pc:inkChg>
-      </pc:sldChg>
-      <pc:sldChg chg="modSp add mod">
-        <pc:chgData name="Vallejo Vera, Sebastian" userId="9dbf769e-f5f7-4c1a-b214-de73a2d2b9d1" providerId="ADAL" clId="{4DE58D0B-FF4F-E549-BEAB-361DF1BB5B89}" dt="2024-01-16T18:47:26.935" v="1294" actId="20577"/>
-        <pc:sldMkLst>
-          <pc:docMk/>
-          <pc:sldMk cId="2489883537" sldId="302"/>
-        </pc:sldMkLst>
-        <pc:spChg chg="mod">
-          <ac:chgData name="Vallejo Vera, Sebastian" userId="9dbf769e-f5f7-4c1a-b214-de73a2d2b9d1" providerId="ADAL" clId="{4DE58D0B-FF4F-E549-BEAB-361DF1BB5B89}" dt="2024-01-16T18:47:26.935" v="1294" actId="20577"/>
-          <ac:spMkLst>
-            <pc:docMk/>
-            <pc:sldMk cId="2489883537" sldId="302"/>
-            <ac:spMk id="3" creationId="{84A1F8B5-3ACE-A8D7-28CD-D503EE4E17C5}"/>
-          </ac:spMkLst>
-        </pc:spChg>
-      </pc:sldChg>
-      <pc:sldChg chg="addSp delSp modSp add mod setBg delDesignElem">
-        <pc:chgData name="Vallejo Vera, Sebastian" userId="9dbf769e-f5f7-4c1a-b214-de73a2d2b9d1" providerId="ADAL" clId="{4DE58D0B-FF4F-E549-BEAB-361DF1BB5B89}" dt="2024-01-16T18:50:34.225" v="1345" actId="2711"/>
+      <pc:sldChg chg="addSp modSp">
+        <pc:chgData name="Sebastian Vallejo Vera" userId="661f42ee-5565-49c4-8b1d-325f2d699b91" providerId="ADAL" clId="{8C1EFA1F-0339-5164-815E-AFC004A65A72}" dt="2026-01-26T17:52:53.335" v="1168" actId="767"/>
         <pc:sldMkLst>
           <pc:docMk/>
           <pc:sldMk cId="1519194051" sldId="303"/>
         </pc:sldMkLst>
-        <pc:spChg chg="del">
-          <ac:chgData name="Vallejo Vera, Sebastian" userId="9dbf769e-f5f7-4c1a-b214-de73a2d2b9d1" providerId="ADAL" clId="{4DE58D0B-FF4F-E549-BEAB-361DF1BB5B89}" dt="2024-01-16T18:47:36.647" v="1296"/>
+        <pc:spChg chg="add mod">
+          <ac:chgData name="Sebastian Vallejo Vera" userId="661f42ee-5565-49c4-8b1d-325f2d699b91" providerId="ADAL" clId="{8C1EFA1F-0339-5164-815E-AFC004A65A72}" dt="2026-01-26T17:52:53.335" v="1168" actId="767"/>
           <ac:spMkLst>
             <pc:docMk/>
             <pc:sldMk cId="1519194051" sldId="303"/>
-            <ac:spMk id="9" creationId="{CE606343-BADE-4565-AB89-E9EF7E253F80}"/>
+            <ac:spMk id="9" creationId="{D8FEB9C0-0152-FAEE-AECB-6FB8B0A9AF0B}"/>
           </ac:spMkLst>
         </pc:spChg>
-        <pc:spChg chg="add mod">
-          <ac:chgData name="Vallejo Vera, Sebastian" userId="9dbf769e-f5f7-4c1a-b214-de73a2d2b9d1" providerId="ADAL" clId="{4DE58D0B-FF4F-E549-BEAB-361DF1BB5B89}" dt="2024-01-16T18:48:54.328" v="1310" actId="14100"/>
+      </pc:sldChg>
+      <pc:sldChg chg="modSp add mod">
+        <pc:chgData name="Sebastian Vallejo Vera" userId="661f42ee-5565-49c4-8b1d-325f2d699b91" providerId="ADAL" clId="{8C1EFA1F-0339-5164-815E-AFC004A65A72}" dt="2026-01-26T17:01:24.594" v="3" actId="13926"/>
+        <pc:sldMkLst>
+          <pc:docMk/>
+          <pc:sldMk cId="1440897691" sldId="310"/>
+        </pc:sldMkLst>
+        <pc:spChg chg="mod">
+          <ac:chgData name="Sebastian Vallejo Vera" userId="661f42ee-5565-49c4-8b1d-325f2d699b91" providerId="ADAL" clId="{8C1EFA1F-0339-5164-815E-AFC004A65A72}" dt="2026-01-26T17:01:24.594" v="3" actId="13926"/>
           <ac:spMkLst>
             <pc:docMk/>
-            <pc:sldMk cId="1519194051" sldId="303"/>
-            <ac:spMk id="10" creationId="{FF154AB4-169F-28D9-5BAC-E5008123161F}"/>
+            <pc:sldMk cId="1440897691" sldId="310"/>
+            <ac:spMk id="3" creationId="{70D7C171-06B3-FB6D-5C84-C2AC03C79F58}"/>
           </ac:spMkLst>
         </pc:spChg>
-        <pc:spChg chg="del">
-          <ac:chgData name="Vallejo Vera, Sebastian" userId="9dbf769e-f5f7-4c1a-b214-de73a2d2b9d1" providerId="ADAL" clId="{4DE58D0B-FF4F-E549-BEAB-361DF1BB5B89}" dt="2024-01-16T18:47:36.647" v="1296"/>
+      </pc:sldChg>
+      <pc:sldChg chg="addSp delSp modSp new mod chgLayout">
+        <pc:chgData name="Sebastian Vallejo Vera" userId="661f42ee-5565-49c4-8b1d-325f2d699b91" providerId="ADAL" clId="{8C1EFA1F-0339-5164-815E-AFC004A65A72}" dt="2026-01-26T17:09:09.398" v="595" actId="20577"/>
+        <pc:sldMkLst>
+          <pc:docMk/>
+          <pc:sldMk cId="2776194903" sldId="311"/>
+        </pc:sldMkLst>
+        <pc:spChg chg="del mod ord">
+          <ac:chgData name="Sebastian Vallejo Vera" userId="661f42ee-5565-49c4-8b1d-325f2d699b91" providerId="ADAL" clId="{8C1EFA1F-0339-5164-815E-AFC004A65A72}" dt="2026-01-26T17:02:49.169" v="5" actId="700"/>
           <ac:spMkLst>
             <pc:docMk/>
-            <pc:sldMk cId="1519194051" sldId="303"/>
-            <ac:spMk id="11" creationId="{39E183BD-2932-401F-8B53-E247764B376B}"/>
+            <pc:sldMk cId="2776194903" sldId="311"/>
+            <ac:spMk id="2" creationId="{4FECFC0A-E47F-E181-E666-079E1100C17A}"/>
           </ac:spMkLst>
         </pc:spChg>
-        <pc:spChg chg="add mod">
-          <ac:chgData name="Vallejo Vera, Sebastian" userId="9dbf769e-f5f7-4c1a-b214-de73a2d2b9d1" providerId="ADAL" clId="{4DE58D0B-FF4F-E549-BEAB-361DF1BB5B89}" dt="2024-01-16T18:49:15.518" v="1316" actId="20577"/>
+        <pc:spChg chg="del mod ord">
+          <ac:chgData name="Sebastian Vallejo Vera" userId="661f42ee-5565-49c4-8b1d-325f2d699b91" providerId="ADAL" clId="{8C1EFA1F-0339-5164-815E-AFC004A65A72}" dt="2026-01-26T17:02:49.169" v="5" actId="700"/>
           <ac:spMkLst>
             <pc:docMk/>
-            <pc:sldMk cId="1519194051" sldId="303"/>
-            <ac:spMk id="12" creationId="{D120CEBC-32F7-90D5-1198-176F55B94CA4}"/>
+            <pc:sldMk cId="2776194903" sldId="311"/>
+            <ac:spMk id="3" creationId="{1C7F227C-94B3-87D7-3573-DE99BC9EE687}"/>
           </ac:spMkLst>
         </pc:spChg>
-        <pc:spChg chg="add mod">
-          <ac:chgData name="Vallejo Vera, Sebastian" userId="9dbf769e-f5f7-4c1a-b214-de73a2d2b9d1" providerId="ADAL" clId="{4DE58D0B-FF4F-E549-BEAB-361DF1BB5B89}" dt="2024-01-16T18:50:00.585" v="1319" actId="207"/>
+        <pc:spChg chg="add mod ord">
+          <ac:chgData name="Sebastian Vallejo Vera" userId="661f42ee-5565-49c4-8b1d-325f2d699b91" providerId="ADAL" clId="{8C1EFA1F-0339-5164-815E-AFC004A65A72}" dt="2026-01-26T17:02:49.169" v="5" actId="700"/>
           <ac:spMkLst>
             <pc:docMk/>
-            <pc:sldMk cId="1519194051" sldId="303"/>
-            <ac:spMk id="13" creationId="{AA4C49E7-3868-5608-A7AE-6872C3B05823}"/>
+            <pc:sldMk cId="2776194903" sldId="311"/>
+            <ac:spMk id="4" creationId="{15FCC47F-D221-7FCC-BB4E-869B9EF53E1F}"/>
           </ac:spMkLst>
         </pc:spChg>
-        <pc:spChg chg="add mod">
-          <ac:chgData name="Vallejo Vera, Sebastian" userId="9dbf769e-f5f7-4c1a-b214-de73a2d2b9d1" providerId="ADAL" clId="{4DE58D0B-FF4F-E549-BEAB-361DF1BB5B89}" dt="2024-01-16T18:50:34.225" v="1345" actId="2711"/>
+        <pc:spChg chg="add mod ord">
+          <ac:chgData name="Sebastian Vallejo Vera" userId="661f42ee-5565-49c4-8b1d-325f2d699b91" providerId="ADAL" clId="{8C1EFA1F-0339-5164-815E-AFC004A65A72}" dt="2026-01-26T17:09:09.398" v="595" actId="20577"/>
           <ac:spMkLst>
             <pc:docMk/>
-            <pc:sldMk cId="1519194051" sldId="303"/>
-            <ac:spMk id="17" creationId="{0F23B629-EC4E-5CC0-0B3F-8AC3F0089202}"/>
+            <pc:sldMk cId="2776194903" sldId="311"/>
+            <ac:spMk id="5" creationId="{1414E2B5-95B9-AAF3-1DBC-C4A26F107CD5}"/>
           </ac:spMkLst>
         </pc:spChg>
-        <pc:grpChg chg="mod">
-          <ac:chgData name="Vallejo Vera, Sebastian" userId="9dbf769e-f5f7-4c1a-b214-de73a2d2b9d1" providerId="ADAL" clId="{4DE58D0B-FF4F-E549-BEAB-361DF1BB5B89}" dt="2024-01-16T18:48:16.609" v="1299"/>
-          <ac:grpSpMkLst>
-            <pc:docMk/>
-            <pc:sldMk cId="1519194051" sldId="303"/>
-            <ac:grpSpMk id="4" creationId="{A92F6B1C-D453-CEEA-25F0-999F1FDB3DED}"/>
-          </ac:grpSpMkLst>
-        </pc:grpChg>
-        <pc:grpChg chg="mod">
-          <ac:chgData name="Vallejo Vera, Sebastian" userId="9dbf769e-f5f7-4c1a-b214-de73a2d2b9d1" providerId="ADAL" clId="{4DE58D0B-FF4F-E549-BEAB-361DF1BB5B89}" dt="2024-01-16T18:48:22.725" v="1302"/>
-          <ac:grpSpMkLst>
-            <pc:docMk/>
-            <pc:sldMk cId="1519194051" sldId="303"/>
-            <ac:grpSpMk id="8" creationId="{34431426-D4DC-744C-2A9C-E1A5BC31FF0C}"/>
-          </ac:grpSpMkLst>
-        </pc:grpChg>
-        <pc:grpChg chg="mod">
-          <ac:chgData name="Vallejo Vera, Sebastian" userId="9dbf769e-f5f7-4c1a-b214-de73a2d2b9d1" providerId="ADAL" clId="{4DE58D0B-FF4F-E549-BEAB-361DF1BB5B89}" dt="2024-01-16T18:50:10.727" v="1322"/>
-          <ac:grpSpMkLst>
-            <pc:docMk/>
-            <pc:sldMk cId="1519194051" sldId="303"/>
-            <ac:grpSpMk id="16" creationId="{97590860-8DF4-29FF-3B30-1793681C7B65}"/>
-          </ac:grpSpMkLst>
-        </pc:grpChg>
-        <pc:inkChg chg="add mod">
-          <ac:chgData name="Vallejo Vera, Sebastian" userId="9dbf769e-f5f7-4c1a-b214-de73a2d2b9d1" providerId="ADAL" clId="{4DE58D0B-FF4F-E549-BEAB-361DF1BB5B89}" dt="2024-01-16T18:48:16.609" v="1299"/>
-          <ac:inkMkLst>
-            <pc:docMk/>
-            <pc:sldMk cId="1519194051" sldId="303"/>
-            <ac:inkMk id="2" creationId="{63195755-4DD2-1D0C-2D25-3BE305E5D9AC}"/>
-          </ac:inkMkLst>
-        </pc:inkChg>
-        <pc:inkChg chg="add mod">
-          <ac:chgData name="Vallejo Vera, Sebastian" userId="9dbf769e-f5f7-4c1a-b214-de73a2d2b9d1" providerId="ADAL" clId="{4DE58D0B-FF4F-E549-BEAB-361DF1BB5B89}" dt="2024-01-16T18:48:16.609" v="1299"/>
-          <ac:inkMkLst>
-            <pc:docMk/>
-            <pc:sldMk cId="1519194051" sldId="303"/>
-            <ac:inkMk id="3" creationId="{AF4D44D2-E98B-9D6D-FD88-A456D15E161C}"/>
-          </ac:inkMkLst>
-        </pc:inkChg>
-        <pc:inkChg chg="add mod">
-          <ac:chgData name="Vallejo Vera, Sebastian" userId="9dbf769e-f5f7-4c1a-b214-de73a2d2b9d1" providerId="ADAL" clId="{4DE58D0B-FF4F-E549-BEAB-361DF1BB5B89}" dt="2024-01-16T18:48:22.725" v="1302"/>
-          <ac:inkMkLst>
-            <pc:docMk/>
-            <pc:sldMk cId="1519194051" sldId="303"/>
-            <ac:inkMk id="6" creationId="{4E5761E6-30F1-CC48-1770-B1A93C315306}"/>
-          </ac:inkMkLst>
-        </pc:inkChg>
-        <pc:inkChg chg="add mod">
-          <ac:chgData name="Vallejo Vera, Sebastian" userId="9dbf769e-f5f7-4c1a-b214-de73a2d2b9d1" providerId="ADAL" clId="{4DE58D0B-FF4F-E549-BEAB-361DF1BB5B89}" dt="2024-01-16T18:48:22.725" v="1302"/>
-          <ac:inkMkLst>
-            <pc:docMk/>
-            <pc:sldMk cId="1519194051" sldId="303"/>
-            <ac:inkMk id="7" creationId="{56C8DB66-4BCF-7E5A-4270-90C2DA861082}"/>
-          </ac:inkMkLst>
-        </pc:inkChg>
-        <pc:inkChg chg="add mod">
-          <ac:chgData name="Vallejo Vera, Sebastian" userId="9dbf769e-f5f7-4c1a-b214-de73a2d2b9d1" providerId="ADAL" clId="{4DE58D0B-FF4F-E549-BEAB-361DF1BB5B89}" dt="2024-01-16T18:50:10.727" v="1322"/>
-          <ac:inkMkLst>
-            <pc:docMk/>
-            <pc:sldMk cId="1519194051" sldId="303"/>
-            <ac:inkMk id="14" creationId="{274709A7-2B78-1FD1-9A09-79193756540A}"/>
-          </ac:inkMkLst>
-        </pc:inkChg>
-        <pc:inkChg chg="add mod">
-          <ac:chgData name="Vallejo Vera, Sebastian" userId="9dbf769e-f5f7-4c1a-b214-de73a2d2b9d1" providerId="ADAL" clId="{4DE58D0B-FF4F-E549-BEAB-361DF1BB5B89}" dt="2024-01-16T18:50:10.727" v="1322"/>
-          <ac:inkMkLst>
-            <pc:docMk/>
-            <pc:sldMk cId="1519194051" sldId="303"/>
-            <ac:inkMk id="15" creationId="{6299DC74-1332-FD70-593B-CAB7DBD630F1}"/>
-          </ac:inkMkLst>
-        </pc:inkChg>
       </pc:sldChg>
-      <pc:sldChg chg="addSp modSp new mod modClrScheme chgLayout">
-        <pc:chgData name="Vallejo Vera, Sebastian" userId="9dbf769e-f5f7-4c1a-b214-de73a2d2b9d1" providerId="ADAL" clId="{4DE58D0B-FF4F-E549-BEAB-361DF1BB5B89}" dt="2024-01-16T18:55:29.962" v="1751" actId="20577"/>
+      <pc:sldChg chg="modSp new mod">
+        <pc:chgData name="Sebastian Vallejo Vera" userId="661f42ee-5565-49c4-8b1d-325f2d699b91" providerId="ADAL" clId="{8C1EFA1F-0339-5164-815E-AFC004A65A72}" dt="2026-01-26T17:14:35.071" v="617" actId="20577"/>
         <pc:sldMkLst>
           <pc:docMk/>
-          <pc:sldMk cId="2454389344" sldId="304"/>
+          <pc:sldMk cId="2392510951" sldId="312"/>
         </pc:sldMkLst>
-        <pc:spChg chg="add mod">
-          <ac:chgData name="Vallejo Vera, Sebastian" userId="9dbf769e-f5f7-4c1a-b214-de73a2d2b9d1" providerId="ADAL" clId="{4DE58D0B-FF4F-E549-BEAB-361DF1BB5B89}" dt="2024-01-16T18:52:31.699" v="1347" actId="700"/>
+        <pc:spChg chg="mod">
+          <ac:chgData name="Sebastian Vallejo Vera" userId="661f42ee-5565-49c4-8b1d-325f2d699b91" providerId="ADAL" clId="{8C1EFA1F-0339-5164-815E-AFC004A65A72}" dt="2026-01-26T17:14:35.071" v="617" actId="20577"/>
           <ac:spMkLst>
             <pc:docMk/>
-            <pc:sldMk cId="2454389344" sldId="304"/>
-            <ac:spMk id="2" creationId="{3AE0FFC2-EA56-9443-577D-5BAD1A48F89E}"/>
+            <pc:sldMk cId="2392510951" sldId="312"/>
+            <ac:spMk id="2" creationId="{3F5EAE76-1C7C-1D67-C029-85128E6709C9}"/>
           </ac:spMkLst>
         </pc:spChg>
-        <pc:spChg chg="add mod">
-          <ac:chgData name="Vallejo Vera, Sebastian" userId="9dbf769e-f5f7-4c1a-b214-de73a2d2b9d1" providerId="ADAL" clId="{4DE58D0B-FF4F-E549-BEAB-361DF1BB5B89}" dt="2024-01-16T18:55:29.962" v="1751" actId="20577"/>
+      </pc:sldChg>
+      <pc:sldChg chg="modSp new mod">
+        <pc:chgData name="Sebastian Vallejo Vera" userId="661f42ee-5565-49c4-8b1d-325f2d699b91" providerId="ADAL" clId="{8C1EFA1F-0339-5164-815E-AFC004A65A72}" dt="2026-01-26T17:15:56.016" v="634" actId="113"/>
+        <pc:sldMkLst>
+          <pc:docMk/>
+          <pc:sldMk cId="1755889258" sldId="313"/>
+        </pc:sldMkLst>
+        <pc:spChg chg="mod">
+          <ac:chgData name="Sebastian Vallejo Vera" userId="661f42ee-5565-49c4-8b1d-325f2d699b91" providerId="ADAL" clId="{8C1EFA1F-0339-5164-815E-AFC004A65A72}" dt="2026-01-26T17:15:56.016" v="634" actId="113"/>
           <ac:spMkLst>
             <pc:docMk/>
-            <pc:sldMk cId="2454389344" sldId="304"/>
-            <ac:spMk id="3" creationId="{DFBC02C2-1BFD-C700-B357-AEE0350D40DA}"/>
+            <pc:sldMk cId="1755889258" sldId="313"/>
+            <ac:spMk id="3" creationId="{2CA0FEDD-538E-864E-4B69-BC5DAF411D37}"/>
+          </ac:spMkLst>
+        </pc:spChg>
+      </pc:sldChg>
+      <pc:sldChg chg="modSp new mod">
+        <pc:chgData name="Sebastian Vallejo Vera" userId="661f42ee-5565-49c4-8b1d-325f2d699b91" providerId="ADAL" clId="{8C1EFA1F-0339-5164-815E-AFC004A65A72}" dt="2026-01-26T17:16:55.594" v="709" actId="20577"/>
+        <pc:sldMkLst>
+          <pc:docMk/>
+          <pc:sldMk cId="1178780027" sldId="314"/>
+        </pc:sldMkLst>
+        <pc:spChg chg="mod">
+          <ac:chgData name="Sebastian Vallejo Vera" userId="661f42ee-5565-49c4-8b1d-325f2d699b91" providerId="ADAL" clId="{8C1EFA1F-0339-5164-815E-AFC004A65A72}" dt="2026-01-26T17:16:46.205" v="707" actId="20577"/>
+          <ac:spMkLst>
+            <pc:docMk/>
+            <pc:sldMk cId="1178780027" sldId="314"/>
+            <ac:spMk id="2" creationId="{CA311155-6CD5-4061-A5FC-E96916338907}"/>
+          </ac:spMkLst>
+        </pc:spChg>
+        <pc:spChg chg="mod">
+          <ac:chgData name="Sebastian Vallejo Vera" userId="661f42ee-5565-49c4-8b1d-325f2d699b91" providerId="ADAL" clId="{8C1EFA1F-0339-5164-815E-AFC004A65A72}" dt="2026-01-26T17:16:55.594" v="709" actId="20577"/>
+          <ac:spMkLst>
+            <pc:docMk/>
+            <pc:sldMk cId="1178780027" sldId="314"/>
+            <ac:spMk id="3" creationId="{E3989C23-D83B-A778-25DB-03F3DAD7DFA3}"/>
+          </ac:spMkLst>
+        </pc:spChg>
+      </pc:sldChg>
+      <pc:sldChg chg="modSp new mod">
+        <pc:chgData name="Sebastian Vallejo Vera" userId="661f42ee-5565-49c4-8b1d-325f2d699b91" providerId="ADAL" clId="{8C1EFA1F-0339-5164-815E-AFC004A65A72}" dt="2026-01-26T17:18:55.224" v="932" actId="20577"/>
+        <pc:sldMkLst>
+          <pc:docMk/>
+          <pc:sldMk cId="3896521787" sldId="315"/>
+        </pc:sldMkLst>
+        <pc:spChg chg="mod">
+          <ac:chgData name="Sebastian Vallejo Vera" userId="661f42ee-5565-49c4-8b1d-325f2d699b91" providerId="ADAL" clId="{8C1EFA1F-0339-5164-815E-AFC004A65A72}" dt="2026-01-26T17:17:28.601" v="760" actId="20577"/>
+          <ac:spMkLst>
+            <pc:docMk/>
+            <pc:sldMk cId="3896521787" sldId="315"/>
+            <ac:spMk id="2" creationId="{7C73F641-5BF1-55F1-105A-E016D1E8F2DB}"/>
+          </ac:spMkLst>
+        </pc:spChg>
+        <pc:spChg chg="mod">
+          <ac:chgData name="Sebastian Vallejo Vera" userId="661f42ee-5565-49c4-8b1d-325f2d699b91" providerId="ADAL" clId="{8C1EFA1F-0339-5164-815E-AFC004A65A72}" dt="2026-01-26T17:18:55.224" v="932" actId="20577"/>
+          <ac:spMkLst>
+            <pc:docMk/>
+            <pc:sldMk cId="3896521787" sldId="315"/>
+            <ac:spMk id="3" creationId="{2A3D9F27-7755-CF89-AFB1-CD61337B193F}"/>
+          </ac:spMkLst>
+        </pc:spChg>
+      </pc:sldChg>
+      <pc:sldChg chg="modSp new mod">
+        <pc:chgData name="Sebastian Vallejo Vera" userId="661f42ee-5565-49c4-8b1d-325f2d699b91" providerId="ADAL" clId="{8C1EFA1F-0339-5164-815E-AFC004A65A72}" dt="2026-01-26T17:20:10.743" v="951" actId="20577"/>
+        <pc:sldMkLst>
+          <pc:docMk/>
+          <pc:sldMk cId="942471627" sldId="316"/>
+        </pc:sldMkLst>
+        <pc:spChg chg="mod">
+          <ac:chgData name="Sebastian Vallejo Vera" userId="661f42ee-5565-49c4-8b1d-325f2d699b91" providerId="ADAL" clId="{8C1EFA1F-0339-5164-815E-AFC004A65A72}" dt="2026-01-26T17:20:10.743" v="951" actId="20577"/>
+          <ac:spMkLst>
+            <pc:docMk/>
+            <pc:sldMk cId="942471627" sldId="316"/>
+            <ac:spMk id="2" creationId="{4B503026-4A0A-558B-7A6E-6C84449D8BF9}"/>
+          </ac:spMkLst>
+        </pc:spChg>
+      </pc:sldChg>
+      <pc:sldChg chg="modSp new mod">
+        <pc:chgData name="Sebastian Vallejo Vera" userId="661f42ee-5565-49c4-8b1d-325f2d699b91" providerId="ADAL" clId="{8C1EFA1F-0339-5164-815E-AFC004A65A72}" dt="2026-01-26T17:20:55.922" v="980" actId="15"/>
+        <pc:sldMkLst>
+          <pc:docMk/>
+          <pc:sldMk cId="3550028061" sldId="317"/>
+        </pc:sldMkLst>
+        <pc:spChg chg="mod">
+          <ac:chgData name="Sebastian Vallejo Vera" userId="661f42ee-5565-49c4-8b1d-325f2d699b91" providerId="ADAL" clId="{8C1EFA1F-0339-5164-815E-AFC004A65A72}" dt="2026-01-26T17:20:29.532" v="977" actId="20577"/>
+          <ac:spMkLst>
+            <pc:docMk/>
+            <pc:sldMk cId="3550028061" sldId="317"/>
+            <ac:spMk id="2" creationId="{C6F63082-1476-CF85-A7FB-EA7A0863EA7F}"/>
+          </ac:spMkLst>
+        </pc:spChg>
+        <pc:spChg chg="mod">
+          <ac:chgData name="Sebastian Vallejo Vera" userId="661f42ee-5565-49c4-8b1d-325f2d699b91" providerId="ADAL" clId="{8C1EFA1F-0339-5164-815E-AFC004A65A72}" dt="2026-01-26T17:20:55.922" v="980" actId="15"/>
+          <ac:spMkLst>
+            <pc:docMk/>
+            <pc:sldMk cId="3550028061" sldId="317"/>
+            <ac:spMk id="3" creationId="{A472E0E9-0C72-D58A-1B97-11165D52756E}"/>
+          </ac:spMkLst>
+        </pc:spChg>
+      </pc:sldChg>
+      <pc:sldChg chg="modSp new mod">
+        <pc:chgData name="Sebastian Vallejo Vera" userId="661f42ee-5565-49c4-8b1d-325f2d699b91" providerId="ADAL" clId="{8C1EFA1F-0339-5164-815E-AFC004A65A72}" dt="2026-01-26T17:23:02.585" v="1069" actId="20577"/>
+        <pc:sldMkLst>
+          <pc:docMk/>
+          <pc:sldMk cId="1700105003" sldId="318"/>
+        </pc:sldMkLst>
+        <pc:spChg chg="mod">
+          <ac:chgData name="Sebastian Vallejo Vera" userId="661f42ee-5565-49c4-8b1d-325f2d699b91" providerId="ADAL" clId="{8C1EFA1F-0339-5164-815E-AFC004A65A72}" dt="2026-01-26T17:21:23.343" v="1012" actId="20577"/>
+          <ac:spMkLst>
+            <pc:docMk/>
+            <pc:sldMk cId="1700105003" sldId="318"/>
+            <ac:spMk id="2" creationId="{D19E2C0D-9C96-E851-6126-E217E4B93A60}"/>
+          </ac:spMkLst>
+        </pc:spChg>
+        <pc:spChg chg="mod">
+          <ac:chgData name="Sebastian Vallejo Vera" userId="661f42ee-5565-49c4-8b1d-325f2d699b91" providerId="ADAL" clId="{8C1EFA1F-0339-5164-815E-AFC004A65A72}" dt="2026-01-26T17:23:02.585" v="1069" actId="20577"/>
+          <ac:spMkLst>
+            <pc:docMk/>
+            <pc:sldMk cId="1700105003" sldId="318"/>
+            <ac:spMk id="3" creationId="{535A9713-46DE-D0CB-70EC-B10A43968EAD}"/>
+          </ac:spMkLst>
+        </pc:spChg>
+      </pc:sldChg>
+      <pc:sldChg chg="addSp modSp new mod">
+        <pc:chgData name="Sebastian Vallejo Vera" userId="661f42ee-5565-49c4-8b1d-325f2d699b91" providerId="ADAL" clId="{8C1EFA1F-0339-5164-815E-AFC004A65A72}" dt="2026-01-26T17:27:19.591" v="1134" actId="1076"/>
+        <pc:sldMkLst>
+          <pc:docMk/>
+          <pc:sldMk cId="2830124694" sldId="319"/>
+        </pc:sldMkLst>
+        <pc:spChg chg="mod">
+          <ac:chgData name="Sebastian Vallejo Vera" userId="661f42ee-5565-49c4-8b1d-325f2d699b91" providerId="ADAL" clId="{8C1EFA1F-0339-5164-815E-AFC004A65A72}" dt="2026-01-26T17:23:34.713" v="1091" actId="20577"/>
+          <ac:spMkLst>
+            <pc:docMk/>
+            <pc:sldMk cId="2830124694" sldId="319"/>
+            <ac:spMk id="2" creationId="{B4F5F447-5B13-EF40-D145-A2C72B5C3FAD}"/>
+          </ac:spMkLst>
+        </pc:spChg>
+        <pc:spChg chg="mod">
+          <ac:chgData name="Sebastian Vallejo Vera" userId="661f42ee-5565-49c4-8b1d-325f2d699b91" providerId="ADAL" clId="{8C1EFA1F-0339-5164-815E-AFC004A65A72}" dt="2026-01-26T17:25:52.331" v="1124" actId="27636"/>
+          <ac:spMkLst>
+            <pc:docMk/>
+            <pc:sldMk cId="2830124694" sldId="319"/>
+            <ac:spMk id="3" creationId="{4EA7CD52-436C-D68F-AE62-83D7D404C0BA}"/>
+          </ac:spMkLst>
+        </pc:spChg>
+        <pc:picChg chg="add mod">
+          <ac:chgData name="Sebastian Vallejo Vera" userId="661f42ee-5565-49c4-8b1d-325f2d699b91" providerId="ADAL" clId="{8C1EFA1F-0339-5164-815E-AFC004A65A72}" dt="2026-01-26T17:26:37.244" v="1127" actId="1076"/>
+          <ac:picMkLst>
+            <pc:docMk/>
+            <pc:sldMk cId="2830124694" sldId="319"/>
+            <ac:picMk id="4" creationId="{3B4D9E2A-9CD9-58E6-33B5-FE800FB3B4F1}"/>
+          </ac:picMkLst>
+        </pc:picChg>
+        <pc:picChg chg="add mod">
+          <ac:chgData name="Sebastian Vallejo Vera" userId="661f42ee-5565-49c4-8b1d-325f2d699b91" providerId="ADAL" clId="{8C1EFA1F-0339-5164-815E-AFC004A65A72}" dt="2026-01-26T17:27:19.591" v="1134" actId="1076"/>
+          <ac:picMkLst>
+            <pc:docMk/>
+            <pc:sldMk cId="2830124694" sldId="319"/>
+            <ac:picMk id="5" creationId="{C1B08F96-F69B-919D-6936-5BE5FD6E5182}"/>
+          </ac:picMkLst>
+        </pc:picChg>
+      </pc:sldChg>
+      <pc:sldChg chg="addSp modSp new mod setBg">
+        <pc:chgData name="Sebastian Vallejo Vera" userId="661f42ee-5565-49c4-8b1d-325f2d699b91" providerId="ADAL" clId="{8C1EFA1F-0339-5164-815E-AFC004A65A72}" dt="2026-01-26T17:36:28.466" v="1137" actId="26606"/>
+        <pc:sldMkLst>
+          <pc:docMk/>
+          <pc:sldMk cId="1430465744" sldId="320"/>
+        </pc:sldMkLst>
+        <pc:spChg chg="add">
+          <ac:chgData name="Sebastian Vallejo Vera" userId="661f42ee-5565-49c4-8b1d-325f2d699b91" providerId="ADAL" clId="{8C1EFA1F-0339-5164-815E-AFC004A65A72}" dt="2026-01-26T17:36:28.466" v="1137" actId="26606"/>
+          <ac:spMkLst>
+            <pc:docMk/>
+            <pc:sldMk cId="1430465744" sldId="320"/>
+            <ac:spMk id="7" creationId="{CE606343-BADE-4565-AB89-E9EF7E253F80}"/>
+          </ac:spMkLst>
+        </pc:spChg>
+        <pc:spChg chg="add">
+          <ac:chgData name="Sebastian Vallejo Vera" userId="661f42ee-5565-49c4-8b1d-325f2d699b91" providerId="ADAL" clId="{8C1EFA1F-0339-5164-815E-AFC004A65A72}" dt="2026-01-26T17:36:28.466" v="1137" actId="26606"/>
+          <ac:spMkLst>
+            <pc:docMk/>
+            <pc:sldMk cId="1430465744" sldId="320"/>
+            <ac:spMk id="9" creationId="{39E183BD-2932-401F-8B53-E247764B376B}"/>
+          </ac:spMkLst>
+        </pc:spChg>
+        <pc:picChg chg="add mod">
+          <ac:chgData name="Sebastian Vallejo Vera" userId="661f42ee-5565-49c4-8b1d-325f2d699b91" providerId="ADAL" clId="{8C1EFA1F-0339-5164-815E-AFC004A65A72}" dt="2026-01-26T17:36:28.466" v="1137" actId="26606"/>
+          <ac:picMkLst>
+            <pc:docMk/>
+            <pc:sldMk cId="1430465744" sldId="320"/>
+            <ac:picMk id="2" creationId="{84C01FCA-382E-6164-D0F7-BCD504A7883A}"/>
+          </ac:picMkLst>
+        </pc:picChg>
+      </pc:sldChg>
+      <pc:sldChg chg="addSp delSp modSp new mod chgLayout">
+        <pc:chgData name="Sebastian Vallejo Vera" userId="661f42ee-5565-49c4-8b1d-325f2d699b91" providerId="ADAL" clId="{8C1EFA1F-0339-5164-815E-AFC004A65A72}" dt="2026-01-26T17:38:21.694" v="1164" actId="20577"/>
+        <pc:sldMkLst>
+          <pc:docMk/>
+          <pc:sldMk cId="693243059" sldId="321"/>
+        </pc:sldMkLst>
+        <pc:spChg chg="del mod ord">
+          <ac:chgData name="Sebastian Vallejo Vera" userId="661f42ee-5565-49c4-8b1d-325f2d699b91" providerId="ADAL" clId="{8C1EFA1F-0339-5164-815E-AFC004A65A72}" dt="2026-01-26T17:37:40.766" v="1147" actId="700"/>
+          <ac:spMkLst>
+            <pc:docMk/>
+            <pc:sldMk cId="693243059" sldId="321"/>
+            <ac:spMk id="2" creationId="{82204293-2917-17EF-02A8-BCD93111D012}"/>
+          </ac:spMkLst>
+        </pc:spChg>
+        <pc:spChg chg="del mod ord">
+          <ac:chgData name="Sebastian Vallejo Vera" userId="661f42ee-5565-49c4-8b1d-325f2d699b91" providerId="ADAL" clId="{8C1EFA1F-0339-5164-815E-AFC004A65A72}" dt="2026-01-26T17:37:40.766" v="1147" actId="700"/>
+          <ac:spMkLst>
+            <pc:docMk/>
+            <pc:sldMk cId="693243059" sldId="321"/>
+            <ac:spMk id="3" creationId="{15BF58BD-49C5-4492-4862-3F1778E0865C}"/>
+          </ac:spMkLst>
+        </pc:spChg>
+        <pc:spChg chg="add mod ord">
+          <ac:chgData name="Sebastian Vallejo Vera" userId="661f42ee-5565-49c4-8b1d-325f2d699b91" providerId="ADAL" clId="{8C1EFA1F-0339-5164-815E-AFC004A65A72}" dt="2026-01-26T17:37:40.766" v="1147" actId="700"/>
+          <ac:spMkLst>
+            <pc:docMk/>
+            <pc:sldMk cId="693243059" sldId="321"/>
+            <ac:spMk id="4" creationId="{FBCC29FF-2263-D0F9-4C87-D179FA879725}"/>
+          </ac:spMkLst>
+        </pc:spChg>
+        <pc:spChg chg="add mod ord">
+          <ac:chgData name="Sebastian Vallejo Vera" userId="661f42ee-5565-49c4-8b1d-325f2d699b91" providerId="ADAL" clId="{8C1EFA1F-0339-5164-815E-AFC004A65A72}" dt="2026-01-26T17:38:21.694" v="1164" actId="20577"/>
+          <ac:spMkLst>
+            <pc:docMk/>
+            <pc:sldMk cId="693243059" sldId="321"/>
+            <ac:spMk id="5" creationId="{9AD261AC-07B0-9952-BAE3-AD18DA6C7F33}"/>
+          </ac:spMkLst>
+        </pc:spChg>
+        <pc:spChg chg="add del">
+          <ac:chgData name="Sebastian Vallejo Vera" userId="661f42ee-5565-49c4-8b1d-325f2d699b91" providerId="ADAL" clId="{8C1EFA1F-0339-5164-815E-AFC004A65A72}" dt="2026-01-26T17:38:06.752" v="1155" actId="22"/>
+          <ac:spMkLst>
+            <pc:docMk/>
+            <pc:sldMk cId="693243059" sldId="321"/>
+            <ac:spMk id="7" creationId="{94CE9170-723F-46B0-19D7-81F24DBC3F2A}"/>
           </ac:spMkLst>
         </pc:spChg>
       </pc:sldChg>
       <pc:sldChg chg="new del">
-        <pc:chgData name="Vallejo Vera, Sebastian" userId="9dbf769e-f5f7-4c1a-b214-de73a2d2b9d1" providerId="ADAL" clId="{4DE58D0B-FF4F-E549-BEAB-361DF1BB5B89}" dt="2024-01-16T18:59:02.460" v="1997" actId="2696"/>
+        <pc:chgData name="Sebastian Vallejo Vera" userId="661f42ee-5565-49c4-8b1d-325f2d699b91" providerId="ADAL" clId="{8C1EFA1F-0339-5164-815E-AFC004A65A72}" dt="2026-01-26T17:36:41.253" v="1139" actId="2696"/>
         <pc:sldMkLst>
           <pc:docMk/>
-          <pc:sldMk cId="3640035311" sldId="305"/>
+          <pc:sldMk cId="2391004917" sldId="321"/>
         </pc:sldMkLst>
-      </pc:sldChg>
-      <pc:sldChg chg="add">
-        <pc:chgData name="Vallejo Vera, Sebastian" userId="9dbf769e-f5f7-4c1a-b214-de73a2d2b9d1" providerId="ADAL" clId="{4DE58D0B-FF4F-E549-BEAB-361DF1BB5B89}" dt="2024-01-16T18:59:00.975" v="1996"/>
-        <pc:sldMkLst>
-          <pc:docMk/>
-          <pc:sldMk cId="1652413843" sldId="308"/>
-        </pc:sldMkLst>
-      </pc:sldChg>
-      <pc:sldChg chg="modSp new mod">
-        <pc:chgData name="Vallejo Vera, Sebastian" userId="9dbf769e-f5f7-4c1a-b214-de73a2d2b9d1" providerId="ADAL" clId="{4DE58D0B-FF4F-E549-BEAB-361DF1BB5B89}" dt="2024-01-16T19:02:55.749" v="2033" actId="404"/>
-        <pc:sldMkLst>
-          <pc:docMk/>
-          <pc:sldMk cId="1441943934" sldId="309"/>
-        </pc:sldMkLst>
-        <pc:spChg chg="mod">
-          <ac:chgData name="Vallejo Vera, Sebastian" userId="9dbf769e-f5f7-4c1a-b214-de73a2d2b9d1" providerId="ADAL" clId="{4DE58D0B-FF4F-E549-BEAB-361DF1BB5B89}" dt="2024-01-16T19:02:55.749" v="2033" actId="404"/>
-          <ac:spMkLst>
-            <pc:docMk/>
-            <pc:sldMk cId="1441943934" sldId="309"/>
-            <ac:spMk id="2" creationId="{D4FC69EE-9F39-5387-7F92-C93DAC055EE3}"/>
-          </ac:spMkLst>
-        </pc:spChg>
       </pc:sldChg>
     </pc:docChg>
   </pc:docChgLst>
@@ -816,198 +670,6 @@
 </file>
 
 <file path=ppt/ink/ink1.xml><?xml version="1.0" encoding="utf-8"?>
-<inkml:ink xmlns:inkml="http://www.w3.org/2003/InkML">
-  <inkml:definitions>
-    <inkml:context xml:id="ctx0">
-      <inkml:inkSource xml:id="inkSrc0">
-        <inkml:traceFormat>
-          <inkml:channel name="X" type="integer" min="-2.14748E9" max="2.14748E9" units="cm"/>
-          <inkml:channel name="Y" type="integer" min="-2.14748E9" max="2.14748E9" units="cm"/>
-          <inkml:channel name="F" type="integer" max="32767" units="dev"/>
-        </inkml:traceFormat>
-        <inkml:channelProperties>
-          <inkml:channelProperty channel="X" name="resolution" value="1000" units="1/cm"/>
-          <inkml:channelProperty channel="Y" name="resolution" value="1000" units="1/cm"/>
-          <inkml:channelProperty channel="F" name="resolution" value="0" units="1/dev"/>
-        </inkml:channelProperties>
-      </inkml:inkSource>
-      <inkml:timestamp xml:id="ts0" timeString="2024-01-15T23:07:42.136"/>
-    </inkml:context>
-    <inkml:brush xml:id="br0">
-      <inkml:brushProperty name="width" value="0.05" units="cm"/>
-      <inkml:brushProperty name="height" value="0.05" units="cm"/>
-      <inkml:brushProperty name="color" value="#AE198D"/>
-      <inkml:brushProperty name="inkEffects" value="galaxy"/>
-      <inkml:brushProperty name="anchorX" value="-53946.42969"/>
-      <inkml:brushProperty name="anchorY" value="-43165.53516"/>
-      <inkml:brushProperty name="scaleFactor" value="0.5"/>
-    </inkml:brush>
-  </inkml:definitions>
-  <inkml:trace contextRef="#ctx0" brushRef="#br0">0 3456 18660,'0'-6'0,"11"-26"1600,16-29-1600,-3 7 0,6-8 0,17-16 0,7-6-1691,-15 17 0,0-4 0,7-4 1691,-4 9 0,5-5 0,3-2 0,1-1 0,-2 2-424,-2 3 0,1 1 0,-1-1 0,1 1 1,0-1 423,3-3 0,1-1 0,0 1 0,1-1 0,2 2-479,2-2 0,3 0 1,1 1-1,-1 1 1,0 4 478,4-6 0,-2 5 0,2 0 0,4-1 0,-3 5 0,3-2 0,1 1 0,2 1 0,-3 1 0,-3 6 0,-1 0 0,0 2 0,0 2 0,-3 3-280,3 1 0,-2 2 0,0 3 0,1 2 280,2 0 0,2 1 0,-1 3 0,-4 4 738,27-12 0,-4 6-738,-3 5 0,-1 4 0,-3 2 0,-5 5 2778,23 9-2778,-43 8 0,-2 0 0,31 1 4710,-25 6-4710,-19 0 3544,-5 0-3544,-14 0 1936,3 0-1936,-9 0 576,0 0-576,-6 0 0,1 0 0,0 0 0,0 0 0,-4 0 0,0 0 0</inkml:trace>
-</inkml:ink>
-</file>
-
-<file path=ppt/ink/ink10.xml><?xml version="1.0" encoding="utf-8"?>
-<inkml:ink xmlns:inkml="http://www.w3.org/2003/InkML">
-  <inkml:definitions>
-    <inkml:context xml:id="ctx0">
-      <inkml:inkSource xml:id="inkSrc0">
-        <inkml:traceFormat>
-          <inkml:channel name="X" type="integer" min="-2.14748E9" max="2.14748E9" units="cm"/>
-          <inkml:channel name="Y" type="integer" min="-2.14748E9" max="2.14748E9" units="cm"/>
-          <inkml:channel name="F" type="integer" max="32767" units="dev"/>
-        </inkml:traceFormat>
-        <inkml:channelProperties>
-          <inkml:channelProperty channel="X" name="resolution" value="1000" units="1/cm"/>
-          <inkml:channelProperty channel="Y" name="resolution" value="1000" units="1/cm"/>
-          <inkml:channelProperty channel="F" name="resolution" value="0" units="1/dev"/>
-        </inkml:channelProperties>
-      </inkml:inkSource>
-      <inkml:timestamp xml:id="ts0" timeString="2024-01-15T23:07:45.645"/>
-    </inkml:context>
-    <inkml:brush xml:id="br0">
-      <inkml:brushProperty name="width" value="0.05" units="cm"/>
-      <inkml:brushProperty name="height" value="0.05" units="cm"/>
-      <inkml:brushProperty name="color" value="#AE198D"/>
-      <inkml:brushProperty name="inkEffects" value="galaxy"/>
-      <inkml:brushProperty name="anchorX" value="-79705.04688"/>
-      <inkml:brushProperty name="anchorY" value="-64574.07031"/>
-      <inkml:brushProperty name="scaleFactor" value="0.5"/>
-    </inkml:brush>
-  </inkml:definitions>
-  <inkml:trace contextRef="#ctx0" brushRef="#br0">1 5 22164,'3'-4'0,"12"14"1168,11 9-1168,15 25 405,6 5-405,7 6 0,17 9-551,2-6 551,-33-22 0,0 0 0,22 17 392,7 8-392,-13-18 0,-2-6 0,-10 0 0,-20-17 0,-5-4 772,-3-4-772,-10-8 225,5 4-225,-6-3 0,-7 1 0,-4-1 0,-48 29 0,10-7 0,4 3 0,-1 2 0,-11 6 0,-19 31 0,27-25 0,-17 18 0,25-16 0,-1-7 0,9-3 0,4-6 0,9-6 0,2-6 0,5-6 0,3-4 0,2 0 0,3-1 0,0-2 0,0-2 0</inkml:trace>
-</inkml:ink>
-</file>
-
-<file path=ppt/ink/ink11.xml><?xml version="1.0" encoding="utf-8"?>
-<inkml:ink xmlns:inkml="http://www.w3.org/2003/InkML">
-  <inkml:definitions>
-    <inkml:context xml:id="ctx0">
-      <inkml:inkSource xml:id="inkSrc0">
-        <inkml:traceFormat>
-          <inkml:channel name="X" type="integer" min="-2.14748E9" max="2.14748E9" units="cm"/>
-          <inkml:channel name="Y" type="integer" min="-2.14748E9" max="2.14748E9" units="cm"/>
-          <inkml:channel name="F" type="integer" max="32767" units="dev"/>
-        </inkml:traceFormat>
-        <inkml:channelProperties>
-          <inkml:channelProperty channel="X" name="resolution" value="1000" units="1/cm"/>
-          <inkml:channelProperty channel="Y" name="resolution" value="1000" units="1/cm"/>
-          <inkml:channelProperty channel="F" name="resolution" value="0" units="1/dev"/>
-        </inkml:channelProperties>
-      </inkml:inkSource>
-      <inkml:timestamp xml:id="ts0" timeString="2024-01-15T23:07:42.136"/>
-    </inkml:context>
-    <inkml:brush xml:id="br0">
-      <inkml:brushProperty name="width" value="0.05" units="cm"/>
-      <inkml:brushProperty name="height" value="0.05" units="cm"/>
-      <inkml:brushProperty name="color" value="#AE198D"/>
-      <inkml:brushProperty name="inkEffects" value="galaxy"/>
-      <inkml:brushProperty name="anchorX" value="-53946.42969"/>
-      <inkml:brushProperty name="anchorY" value="-43165.53516"/>
-      <inkml:brushProperty name="scaleFactor" value="0.5"/>
-    </inkml:brush>
-  </inkml:definitions>
-  <inkml:trace contextRef="#ctx0" brushRef="#br0">0 3456 18660,'0'-6'0,"11"-26"1600,16-29-1600,-3 7 0,6-8 0,17-16 0,7-6-1691,-15 17 0,0-4 0,7-4 1691,-4 9 0,5-5 0,3-2 0,1-1 0,-2 2-424,-2 3 0,1 1 0,-1-1 0,1 1 1,0-1 423,3-3 0,1-1 0,0 1 0,1-1 0,2 2-479,2-2 0,3 0 1,1 1-1,-1 1 1,0 4 478,4-6 0,-2 5 0,2 0 0,4-1 0,-3 5 0,3-2 0,1 1 0,2 1 0,-3 1 0,-3 6 0,-1 0 0,0 2 0,0 2 0,-3 3-280,3 1 0,-2 2 0,0 3 0,1 2 280,2 0 0,2 1 0,-1 3 0,-4 4 738,27-12 0,-4 6-738,-3 5 0,-1 4 0,-3 2 0,-5 5 2778,23 9-2778,-43 8 0,-2 0 0,31 1 4710,-25 6-4710,-19 0 3544,-5 0-3544,-14 0 1936,3 0-1936,-9 0 576,0 0-576,-6 0 0,1 0 0,0 0 0,0 0 0,-4 0 0,0 0 0</inkml:trace>
-</inkml:ink>
-</file>
-
-<file path=ppt/ink/ink12.xml><?xml version="1.0" encoding="utf-8"?>
-<inkml:ink xmlns:inkml="http://www.w3.org/2003/InkML">
-  <inkml:definitions>
-    <inkml:context xml:id="ctx0">
-      <inkml:inkSource xml:id="inkSrc0">
-        <inkml:traceFormat>
-          <inkml:channel name="X" type="integer" min="-2.14748E9" max="2.14748E9" units="cm"/>
-          <inkml:channel name="Y" type="integer" min="-2.14748E9" max="2.14748E9" units="cm"/>
-          <inkml:channel name="F" type="integer" max="32767" units="dev"/>
-        </inkml:traceFormat>
-        <inkml:channelProperties>
-          <inkml:channelProperty channel="X" name="resolution" value="1000" units="1/cm"/>
-          <inkml:channelProperty channel="Y" name="resolution" value="1000" units="1/cm"/>
-          <inkml:channelProperty channel="F" name="resolution" value="0" units="1/dev"/>
-        </inkml:channelProperties>
-      </inkml:inkSource>
-      <inkml:timestamp xml:id="ts0" timeString="2024-01-15T23:07:45.645"/>
-    </inkml:context>
-    <inkml:brush xml:id="br0">
-      <inkml:brushProperty name="width" value="0.05" units="cm"/>
-      <inkml:brushProperty name="height" value="0.05" units="cm"/>
-      <inkml:brushProperty name="color" value="#AE198D"/>
-      <inkml:brushProperty name="inkEffects" value="galaxy"/>
-      <inkml:brushProperty name="anchorX" value="-79705.04688"/>
-      <inkml:brushProperty name="anchorY" value="-64574.07031"/>
-      <inkml:brushProperty name="scaleFactor" value="0.5"/>
-    </inkml:brush>
-  </inkml:definitions>
-  <inkml:trace contextRef="#ctx0" brushRef="#br0">1 5 22164,'3'-4'0,"12"14"1168,11 9-1168,15 25 405,6 5-405,7 6 0,17 9-551,2-6 551,-33-22 0,0 0 0,22 17 392,7 8-392,-13-18 0,-2-6 0,-10 0 0,-20-17 0,-5-4 772,-3-4-772,-10-8 225,5 4-225,-6-3 0,-7 1 0,-4-1 0,-48 29 0,10-7 0,4 3 0,-1 2 0,-11 6 0,-19 31 0,27-25 0,-17 18 0,25-16 0,-1-7 0,9-3 0,4-6 0,9-6 0,2-6 0,5-6 0,3-4 0,2 0 0,3-1 0,0-2 0,0-2 0</inkml:trace>
-</inkml:ink>
-</file>
-
-<file path=ppt/ink/ink13.xml><?xml version="1.0" encoding="utf-8"?>
-<inkml:ink xmlns:inkml="http://www.w3.org/2003/InkML">
-  <inkml:definitions>
-    <inkml:context xml:id="ctx0">
-      <inkml:inkSource xml:id="inkSrc0">
-        <inkml:traceFormat>
-          <inkml:channel name="X" type="integer" min="-2.14748E9" max="2.14748E9" units="cm"/>
-          <inkml:channel name="Y" type="integer" min="-2.14748E9" max="2.14748E9" units="cm"/>
-          <inkml:channel name="F" type="integer" max="32767" units="dev"/>
-        </inkml:traceFormat>
-        <inkml:channelProperties>
-          <inkml:channelProperty channel="X" name="resolution" value="1000" units="1/cm"/>
-          <inkml:channelProperty channel="Y" name="resolution" value="1000" units="1/cm"/>
-          <inkml:channelProperty channel="F" name="resolution" value="0" units="1/dev"/>
-        </inkml:channelProperties>
-      </inkml:inkSource>
-      <inkml:timestamp xml:id="ts0" timeString="2024-01-15T23:07:42.136"/>
-    </inkml:context>
-    <inkml:brush xml:id="br0">
-      <inkml:brushProperty name="width" value="0.05" units="cm"/>
-      <inkml:brushProperty name="height" value="0.05" units="cm"/>
-      <inkml:brushProperty name="color" value="#AE198D"/>
-      <inkml:brushProperty name="inkEffects" value="galaxy"/>
-      <inkml:brushProperty name="anchorX" value="-53946.42969"/>
-      <inkml:brushProperty name="anchorY" value="-43165.53516"/>
-      <inkml:brushProperty name="scaleFactor" value="0.5"/>
-    </inkml:brush>
-  </inkml:definitions>
-  <inkml:trace contextRef="#ctx0" brushRef="#br0">0 3456 18660,'0'-6'0,"11"-26"1600,16-29-1600,-3 7 0,6-8 0,17-16 0,7-6-1691,-15 17 0,0-4 0,7-4 1691,-4 9 0,5-5 0,3-2 0,1-1 0,-2 2-424,-2 3 0,1 1 0,-1-1 0,1 1 1,0-1 423,3-3 0,1-1 0,0 1 0,1-1 0,2 2-479,2-2 0,3 0 1,1 1-1,-1 1 1,0 4 478,4-6 0,-2 5 0,2 0 0,4-1 0,-3 5 0,3-2 0,1 1 0,2 1 0,-3 1 0,-3 6 0,-1 0 0,0 2 0,0 2 0,-3 3-280,3 1 0,-2 2 0,0 3 0,1 2 280,2 0 0,2 1 0,-1 3 0,-4 4 738,27-12 0,-4 6-738,-3 5 0,-1 4 0,-3 2 0,-5 5 2778,23 9-2778,-43 8 0,-2 0 0,31 1 4710,-25 6-4710,-19 0 3544,-5 0-3544,-14 0 1936,3 0-1936,-9 0 576,0 0-576,-6 0 0,1 0 0,0 0 0,0 0 0,-4 0 0,0 0 0</inkml:trace>
-</inkml:ink>
-</file>
-
-<file path=ppt/ink/ink14.xml><?xml version="1.0" encoding="utf-8"?>
-<inkml:ink xmlns:inkml="http://www.w3.org/2003/InkML">
-  <inkml:definitions>
-    <inkml:context xml:id="ctx0">
-      <inkml:inkSource xml:id="inkSrc0">
-        <inkml:traceFormat>
-          <inkml:channel name="X" type="integer" min="-2.14748E9" max="2.14748E9" units="cm"/>
-          <inkml:channel name="Y" type="integer" min="-2.14748E9" max="2.14748E9" units="cm"/>
-          <inkml:channel name="F" type="integer" max="32767" units="dev"/>
-        </inkml:traceFormat>
-        <inkml:channelProperties>
-          <inkml:channelProperty channel="X" name="resolution" value="1000" units="1/cm"/>
-          <inkml:channelProperty channel="Y" name="resolution" value="1000" units="1/cm"/>
-          <inkml:channelProperty channel="F" name="resolution" value="0" units="1/dev"/>
-        </inkml:channelProperties>
-      </inkml:inkSource>
-      <inkml:timestamp xml:id="ts0" timeString="2024-01-15T23:07:45.645"/>
-    </inkml:context>
-    <inkml:brush xml:id="br0">
-      <inkml:brushProperty name="width" value="0.05" units="cm"/>
-      <inkml:brushProperty name="height" value="0.05" units="cm"/>
-      <inkml:brushProperty name="color" value="#AE198D"/>
-      <inkml:brushProperty name="inkEffects" value="galaxy"/>
-      <inkml:brushProperty name="anchorX" value="-79705.04688"/>
-      <inkml:brushProperty name="anchorY" value="-64574.07031"/>
-      <inkml:brushProperty name="scaleFactor" value="0.5"/>
-    </inkml:brush>
-  </inkml:definitions>
-  <inkml:trace contextRef="#ctx0" brushRef="#br0">1 5 22164,'3'-4'0,"12"14"1168,11 9-1168,15 25 405,6 5-405,7 6 0,17 9-551,2-6 551,-33-22 0,0 0 0,22 17 392,7 8-392,-13-18 0,-2-6 0,-10 0 0,-20-17 0,-5-4 772,-3-4-772,-10-8 225,5 4-225,-6-3 0,-7 1 0,-4-1 0,-48 29 0,10-7 0,4 3 0,-1 2 0,-11 6 0,-19 31 0,27-25 0,-17 18 0,25-16 0,-1-7 0,9-3 0,4-6 0,9-6 0,2-6 0,5-6 0,3-4 0,2 0 0,3-1 0,0-2 0,0-2 0</inkml:trace>
-</inkml:ink>
-</file>
-
-<file path=ppt/ink/ink15.xml><?xml version="1.0" encoding="utf-8"?>
 <inkml:ink xmlns:inkml="http://www.w3.org/2003/InkML">
   <inkml:definitions>
     <inkml:context xml:id="ctx0">
@@ -1039,7 +701,39 @@
 </inkml:ink>
 </file>
 
-<file path=ppt/ink/ink16.xml><?xml version="1.0" encoding="utf-8"?>
+<file path=ppt/ink/ink10.xml><?xml version="1.0" encoding="utf-8"?>
+<inkml:ink xmlns:inkml="http://www.w3.org/2003/InkML">
+  <inkml:definitions>
+    <inkml:context xml:id="ctx0">
+      <inkml:inkSource xml:id="inkSrc0">
+        <inkml:traceFormat>
+          <inkml:channel name="X" type="integer" min="-2.14748E9" max="2.14748E9" units="cm"/>
+          <inkml:channel name="Y" type="integer" min="-2.14748E9" max="2.14748E9" units="cm"/>
+          <inkml:channel name="F" type="integer" max="32767" units="dev"/>
+        </inkml:traceFormat>
+        <inkml:channelProperties>
+          <inkml:channelProperty channel="X" name="resolution" value="1000" units="1/cm"/>
+          <inkml:channelProperty channel="Y" name="resolution" value="1000" units="1/cm"/>
+          <inkml:channelProperty channel="F" name="resolution" value="0" units="1/dev"/>
+        </inkml:channelProperties>
+      </inkml:inkSource>
+      <inkml:timestamp xml:id="ts0" timeString="2024-01-16T18:50:10.175"/>
+    </inkml:context>
+    <inkml:brush xml:id="br0">
+      <inkml:brushProperty name="width" value="0.05" units="cm"/>
+      <inkml:brushProperty name="height" value="0.05" units="cm"/>
+      <inkml:brushProperty name="color" value="#AE198D"/>
+      <inkml:brushProperty name="inkEffects" value="galaxy"/>
+      <inkml:brushProperty name="anchorX" value="-105784.10938"/>
+      <inkml:brushProperty name="anchorY" value="-71815.23438"/>
+      <inkml:brushProperty name="scaleFactor" value="0.5"/>
+    </inkml:brush>
+  </inkml:definitions>
+  <inkml:trace contextRef="#ctx0" brushRef="#br0">1 11 24575,'15'0'0,"6"0"0,2 0 0,23 0 0,-13 0 0,18-5 0,-26 4 0,2-4 0,-9 5 0,-6 0 0,0 0 0,-4 0 0,-1 0 0,0 0 0,0 0 0,1 0 0,-5 6 0,5 8 0,-3 8 0,4 6 0,0 8 0,0-6 0,-4-4 0,-1-5 0,-4-12 0,4 3 0,-3-5 0,2 1 0,-3-4 0,0-1 0</inkml:trace>
+</inkml:ink>
+</file>
+
+<file path=ppt/ink/ink2.xml><?xml version="1.0" encoding="utf-8"?>
 <inkml:ink xmlns:inkml="http://www.w3.org/2003/InkML">
   <inkml:definitions>
     <inkml:context xml:id="ctx0">
@@ -1071,7 +765,7 @@
 </inkml:ink>
 </file>
 
-<file path=ppt/ink/ink17.xml><?xml version="1.0" encoding="utf-8"?>
+<file path=ppt/ink/ink3.xml><?xml version="1.0" encoding="utf-8"?>
 <inkml:ink xmlns:inkml="http://www.w3.org/2003/InkML">
   <inkml:definitions>
     <inkml:context xml:id="ctx0">
@@ -1103,7 +797,7 @@
 </inkml:ink>
 </file>
 
-<file path=ppt/ink/ink18.xml><?xml version="1.0" encoding="utf-8"?>
+<file path=ppt/ink/ink4.xml><?xml version="1.0" encoding="utf-8"?>
 <inkml:ink xmlns:inkml="http://www.w3.org/2003/InkML">
   <inkml:definitions>
     <inkml:context xml:id="ctx0">
@@ -1135,7 +829,7 @@
 </inkml:ink>
 </file>
 
-<file path=ppt/ink/ink19.xml><?xml version="1.0" encoding="utf-8"?>
+<file path=ppt/ink/ink5.xml><?xml version="1.0" encoding="utf-8"?>
 <inkml:ink xmlns:inkml="http://www.w3.org/2003/InkML">
   <inkml:definitions>
     <inkml:context xml:id="ctx0">
@@ -1167,39 +861,7 @@
 </inkml:ink>
 </file>
 
-<file path=ppt/ink/ink2.xml><?xml version="1.0" encoding="utf-8"?>
-<inkml:ink xmlns:inkml="http://www.w3.org/2003/InkML">
-  <inkml:definitions>
-    <inkml:context xml:id="ctx0">
-      <inkml:inkSource xml:id="inkSrc0">
-        <inkml:traceFormat>
-          <inkml:channel name="X" type="integer" min="-2.14748E9" max="2.14748E9" units="cm"/>
-          <inkml:channel name="Y" type="integer" min="-2.14748E9" max="2.14748E9" units="cm"/>
-          <inkml:channel name="F" type="integer" max="32767" units="dev"/>
-        </inkml:traceFormat>
-        <inkml:channelProperties>
-          <inkml:channelProperty channel="X" name="resolution" value="1000" units="1/cm"/>
-          <inkml:channelProperty channel="Y" name="resolution" value="1000" units="1/cm"/>
-          <inkml:channelProperty channel="F" name="resolution" value="0" units="1/dev"/>
-        </inkml:channelProperties>
-      </inkml:inkSource>
-      <inkml:timestamp xml:id="ts0" timeString="2024-01-15T23:07:45.645"/>
-    </inkml:context>
-    <inkml:brush xml:id="br0">
-      <inkml:brushProperty name="width" value="0.05" units="cm"/>
-      <inkml:brushProperty name="height" value="0.05" units="cm"/>
-      <inkml:brushProperty name="color" value="#AE198D"/>
-      <inkml:brushProperty name="inkEffects" value="galaxy"/>
-      <inkml:brushProperty name="anchorX" value="-79705.04688"/>
-      <inkml:brushProperty name="anchorY" value="-64574.07031"/>
-      <inkml:brushProperty name="scaleFactor" value="0.5"/>
-    </inkml:brush>
-  </inkml:definitions>
-  <inkml:trace contextRef="#ctx0" brushRef="#br0">1 5 22164,'3'-4'0,"12"14"1168,11 9-1168,15 25 405,6 5-405,7 6 0,17 9-551,2-6 551,-33-22 0,0 0 0,22 17 392,7 8-392,-13-18 0,-2-6 0,-10 0 0,-20-17 0,-5-4 772,-3-4-772,-10-8 225,5 4-225,-6-3 0,-7 1 0,-4-1 0,-48 29 0,10-7 0,4 3 0,-1 2 0,-11 6 0,-19 31 0,27-25 0,-17 18 0,25-16 0,-1-7 0,9-3 0,4-6 0,9-6 0,2-6 0,5-6 0,3-4 0,2 0 0,3-1 0,0-2 0,0-2 0</inkml:trace>
-</inkml:ink>
-</file>
-
-<file path=ppt/ink/ink20.xml><?xml version="1.0" encoding="utf-8"?>
+<file path=ppt/ink/ink6.xml><?xml version="1.0" encoding="utf-8"?>
 <inkml:ink xmlns:inkml="http://www.w3.org/2003/InkML">
   <inkml:definitions>
     <inkml:context xml:id="ctx0">
@@ -1231,7 +893,7 @@
 </inkml:ink>
 </file>
 
-<file path=ppt/ink/ink21.xml><?xml version="1.0" encoding="utf-8"?>
+<file path=ppt/ink/ink7.xml><?xml version="1.0" encoding="utf-8"?>
 <inkml:ink xmlns:inkml="http://www.w3.org/2003/InkML">
   <inkml:definitions>
     <inkml:context xml:id="ctx0">
@@ -1263,7 +925,7 @@
 </inkml:ink>
 </file>
 
-<file path=ppt/ink/ink22.xml><?xml version="1.0" encoding="utf-8"?>
+<file path=ppt/ink/ink8.xml><?xml version="1.0" encoding="utf-8"?>
 <inkml:ink xmlns:inkml="http://www.w3.org/2003/InkML">
   <inkml:definitions>
     <inkml:context xml:id="ctx0">
@@ -1295,7 +957,7 @@
 </inkml:ink>
 </file>
 
-<file path=ppt/ink/ink23.xml><?xml version="1.0" encoding="utf-8"?>
+<file path=ppt/ink/ink9.xml><?xml version="1.0" encoding="utf-8"?>
 <inkml:ink xmlns:inkml="http://www.w3.org/2003/InkML">
   <inkml:definitions>
     <inkml:context xml:id="ctx0">
@@ -1324,262 +986,6 @@
     </inkml:brush>
   </inkml:definitions>
   <inkml:trace contextRef="#ctx0" brushRef="#br0">1 1260 24575,'72'-10'0,"1"0"0,-1 0 0,7-3 0,-1-1 0,-20 2 0,-21 3 0,12-11 0,2-2 0,-2 11 0,36-24 0,-33 7 0,19-10 0,-19-2 0,16-14 0,-2 4 0,-2-14-565,-28 26 0,-1-1 565,29-34 0,-31 31 0,-1 0 0,18-20 0,10-11 0,-17 19 0,13-21 0,-10 21 370,-4-10-370,-5 25 187,-10-7-187,-3 20 0,-6-2 0,-4 11 573,-2 4-573,-4 1 0,-1 4 0,1 4 0,-4-3 0,0 7 0,-4-4 0</inkml:trace>
-</inkml:ink>
-</file>
-
-<file path=ppt/ink/ink24.xml><?xml version="1.0" encoding="utf-8"?>
-<inkml:ink xmlns:inkml="http://www.w3.org/2003/InkML">
-  <inkml:definitions>
-    <inkml:context xml:id="ctx0">
-      <inkml:inkSource xml:id="inkSrc0">
-        <inkml:traceFormat>
-          <inkml:channel name="X" type="integer" min="-2.14748E9" max="2.14748E9" units="cm"/>
-          <inkml:channel name="Y" type="integer" min="-2.14748E9" max="2.14748E9" units="cm"/>
-          <inkml:channel name="F" type="integer" max="32767" units="dev"/>
-        </inkml:traceFormat>
-        <inkml:channelProperties>
-          <inkml:channelProperty channel="X" name="resolution" value="1000" units="1/cm"/>
-          <inkml:channelProperty channel="Y" name="resolution" value="1000" units="1/cm"/>
-          <inkml:channelProperty channel="F" name="resolution" value="0" units="1/dev"/>
-        </inkml:channelProperties>
-      </inkml:inkSource>
-      <inkml:timestamp xml:id="ts0" timeString="2024-01-16T18:50:10.175"/>
-    </inkml:context>
-    <inkml:brush xml:id="br0">
-      <inkml:brushProperty name="width" value="0.05" units="cm"/>
-      <inkml:brushProperty name="height" value="0.05" units="cm"/>
-      <inkml:brushProperty name="color" value="#AE198D"/>
-      <inkml:brushProperty name="inkEffects" value="galaxy"/>
-      <inkml:brushProperty name="anchorX" value="-105784.10938"/>
-      <inkml:brushProperty name="anchorY" value="-71815.23438"/>
-      <inkml:brushProperty name="scaleFactor" value="0.5"/>
-    </inkml:brush>
-  </inkml:definitions>
-  <inkml:trace contextRef="#ctx0" brushRef="#br0">1 11 24575,'15'0'0,"6"0"0,2 0 0,23 0 0,-13 0 0,18-5 0,-26 4 0,2-4 0,-9 5 0,-6 0 0,0 0 0,-4 0 0,-1 0 0,0 0 0,0 0 0,1 0 0,-5 6 0,5 8 0,-3 8 0,4 6 0,0 8 0,0-6 0,-4-4 0,-1-5 0,-4-12 0,4 3 0,-3-5 0,2 1 0,-3-4 0,0-1 0</inkml:trace>
-</inkml:ink>
-</file>
-
-<file path=ppt/ink/ink3.xml><?xml version="1.0" encoding="utf-8"?>
-<inkml:ink xmlns:inkml="http://www.w3.org/2003/InkML">
-  <inkml:definitions>
-    <inkml:context xml:id="ctx0">
-      <inkml:inkSource xml:id="inkSrc0">
-        <inkml:traceFormat>
-          <inkml:channel name="X" type="integer" min="-2.14748E9" max="2.14748E9" units="cm"/>
-          <inkml:channel name="Y" type="integer" min="-2.14748E9" max="2.14748E9" units="cm"/>
-          <inkml:channel name="F" type="integer" max="32767" units="dev"/>
-        </inkml:traceFormat>
-        <inkml:channelProperties>
-          <inkml:channelProperty channel="X" name="resolution" value="1000" units="1/cm"/>
-          <inkml:channelProperty channel="Y" name="resolution" value="1000" units="1/cm"/>
-          <inkml:channelProperty channel="F" name="resolution" value="0" units="1/dev"/>
-        </inkml:channelProperties>
-      </inkml:inkSource>
-      <inkml:timestamp xml:id="ts0" timeString="2024-01-15T23:07:42.136"/>
-    </inkml:context>
-    <inkml:brush xml:id="br0">
-      <inkml:brushProperty name="width" value="0.05" units="cm"/>
-      <inkml:brushProperty name="height" value="0.05" units="cm"/>
-      <inkml:brushProperty name="color" value="#AE198D"/>
-      <inkml:brushProperty name="inkEffects" value="galaxy"/>
-      <inkml:brushProperty name="anchorX" value="-53946.42969"/>
-      <inkml:brushProperty name="anchorY" value="-43165.53516"/>
-      <inkml:brushProperty name="scaleFactor" value="0.5"/>
-    </inkml:brush>
-  </inkml:definitions>
-  <inkml:trace contextRef="#ctx0" brushRef="#br0">0 3456 18660,'0'-6'0,"11"-26"1600,16-29-1600,-3 7 0,6-8 0,17-16 0,7-6-1691,-15 17 0,0-4 0,7-4 1691,-4 9 0,5-5 0,3-2 0,1-1 0,-2 2-424,-2 3 0,1 1 0,-1-1 0,1 1 1,0-1 423,3-3 0,1-1 0,0 1 0,1-1 0,2 2-479,2-2 0,3 0 1,1 1-1,-1 1 1,0 4 478,4-6 0,-2 5 0,2 0 0,4-1 0,-3 5 0,3-2 0,1 1 0,2 1 0,-3 1 0,-3 6 0,-1 0 0,0 2 0,0 2 0,-3 3-280,3 1 0,-2 2 0,0 3 0,1 2 280,2 0 0,2 1 0,-1 3 0,-4 4 738,27-12 0,-4 6-738,-3 5 0,-1 4 0,-3 2 0,-5 5 2778,23 9-2778,-43 8 0,-2 0 0,31 1 4710,-25 6-4710,-19 0 3544,-5 0-3544,-14 0 1936,3 0-1936,-9 0 576,0 0-576,-6 0 0,1 0 0,0 0 0,0 0 0,-4 0 0,0 0 0</inkml:trace>
-</inkml:ink>
-</file>
-
-<file path=ppt/ink/ink4.xml><?xml version="1.0" encoding="utf-8"?>
-<inkml:ink xmlns:inkml="http://www.w3.org/2003/InkML">
-  <inkml:definitions>
-    <inkml:context xml:id="ctx0">
-      <inkml:inkSource xml:id="inkSrc0">
-        <inkml:traceFormat>
-          <inkml:channel name="X" type="integer" min="-2.14748E9" max="2.14748E9" units="cm"/>
-          <inkml:channel name="Y" type="integer" min="-2.14748E9" max="2.14748E9" units="cm"/>
-          <inkml:channel name="F" type="integer" max="32767" units="dev"/>
-        </inkml:traceFormat>
-        <inkml:channelProperties>
-          <inkml:channelProperty channel="X" name="resolution" value="1000" units="1/cm"/>
-          <inkml:channelProperty channel="Y" name="resolution" value="1000" units="1/cm"/>
-          <inkml:channelProperty channel="F" name="resolution" value="0" units="1/dev"/>
-        </inkml:channelProperties>
-      </inkml:inkSource>
-      <inkml:timestamp xml:id="ts0" timeString="2024-01-15T23:07:45.645"/>
-    </inkml:context>
-    <inkml:brush xml:id="br0">
-      <inkml:brushProperty name="width" value="0.05" units="cm"/>
-      <inkml:brushProperty name="height" value="0.05" units="cm"/>
-      <inkml:brushProperty name="color" value="#AE198D"/>
-      <inkml:brushProperty name="inkEffects" value="galaxy"/>
-      <inkml:brushProperty name="anchorX" value="-79705.04688"/>
-      <inkml:brushProperty name="anchorY" value="-64574.07031"/>
-      <inkml:brushProperty name="scaleFactor" value="0.5"/>
-    </inkml:brush>
-  </inkml:definitions>
-  <inkml:trace contextRef="#ctx0" brushRef="#br0">1 5 22164,'3'-4'0,"12"14"1168,11 9-1168,15 25 405,6 5-405,7 6 0,17 9-551,2-6 551,-33-22 0,0 0 0,22 17 392,7 8-392,-13-18 0,-2-6 0,-10 0 0,-20-17 0,-5-4 772,-3-4-772,-10-8 225,5 4-225,-6-3 0,-7 1 0,-4-1 0,-48 29 0,10-7 0,4 3 0,-1 2 0,-11 6 0,-19 31 0,27-25 0,-17 18 0,25-16 0,-1-7 0,9-3 0,4-6 0,9-6 0,2-6 0,5-6 0,3-4 0,2 0 0,3-1 0,0-2 0,0-2 0</inkml:trace>
-</inkml:ink>
-</file>
-
-<file path=ppt/ink/ink5.xml><?xml version="1.0" encoding="utf-8"?>
-<inkml:ink xmlns:inkml="http://www.w3.org/2003/InkML">
-  <inkml:definitions>
-    <inkml:context xml:id="ctx0">
-      <inkml:inkSource xml:id="inkSrc0">
-        <inkml:traceFormat>
-          <inkml:channel name="X" type="integer" min="-2.14748E9" max="2.14748E9" units="cm"/>
-          <inkml:channel name="Y" type="integer" min="-2.14748E9" max="2.14748E9" units="cm"/>
-          <inkml:channel name="F" type="integer" max="32767" units="dev"/>
-        </inkml:traceFormat>
-        <inkml:channelProperties>
-          <inkml:channelProperty channel="X" name="resolution" value="1000" units="1/cm"/>
-          <inkml:channelProperty channel="Y" name="resolution" value="1000" units="1/cm"/>
-          <inkml:channelProperty channel="F" name="resolution" value="0" units="1/dev"/>
-        </inkml:channelProperties>
-      </inkml:inkSource>
-      <inkml:timestamp xml:id="ts0" timeString="2024-01-15T23:07:42.136"/>
-    </inkml:context>
-    <inkml:brush xml:id="br0">
-      <inkml:brushProperty name="width" value="0.05" units="cm"/>
-      <inkml:brushProperty name="height" value="0.05" units="cm"/>
-      <inkml:brushProperty name="color" value="#AE198D"/>
-      <inkml:brushProperty name="inkEffects" value="galaxy"/>
-      <inkml:brushProperty name="anchorX" value="-53946.42969"/>
-      <inkml:brushProperty name="anchorY" value="-43165.53516"/>
-      <inkml:brushProperty name="scaleFactor" value="0.5"/>
-    </inkml:brush>
-  </inkml:definitions>
-  <inkml:trace contextRef="#ctx0" brushRef="#br0">0 3456 18660,'0'-6'0,"11"-26"1600,16-29-1600,-3 7 0,6-8 0,17-16 0,7-6-1691,-15 17 0,0-4 0,7-4 1691,-4 9 0,5-5 0,3-2 0,1-1 0,-2 2-424,-2 3 0,1 1 0,-1-1 0,1 1 1,0-1 423,3-3 0,1-1 0,0 1 0,1-1 0,2 2-479,2-2 0,3 0 1,1 1-1,-1 1 1,0 4 478,4-6 0,-2 5 0,2 0 0,4-1 0,-3 5 0,3-2 0,1 1 0,2 1 0,-3 1 0,-3 6 0,-1 0 0,0 2 0,0 2 0,-3 3-280,3 1 0,-2 2 0,0 3 0,1 2 280,2 0 0,2 1 0,-1 3 0,-4 4 738,27-12 0,-4 6-738,-3 5 0,-1 4 0,-3 2 0,-5 5 2778,23 9-2778,-43 8 0,-2 0 0,31 1 4710,-25 6-4710,-19 0 3544,-5 0-3544,-14 0 1936,3 0-1936,-9 0 576,0 0-576,-6 0 0,1 0 0,0 0 0,0 0 0,-4 0 0,0 0 0</inkml:trace>
-</inkml:ink>
-</file>
-
-<file path=ppt/ink/ink6.xml><?xml version="1.0" encoding="utf-8"?>
-<inkml:ink xmlns:inkml="http://www.w3.org/2003/InkML">
-  <inkml:definitions>
-    <inkml:context xml:id="ctx0">
-      <inkml:inkSource xml:id="inkSrc0">
-        <inkml:traceFormat>
-          <inkml:channel name="X" type="integer" min="-2.14748E9" max="2.14748E9" units="cm"/>
-          <inkml:channel name="Y" type="integer" min="-2.14748E9" max="2.14748E9" units="cm"/>
-          <inkml:channel name="F" type="integer" max="32767" units="dev"/>
-        </inkml:traceFormat>
-        <inkml:channelProperties>
-          <inkml:channelProperty channel="X" name="resolution" value="1000" units="1/cm"/>
-          <inkml:channelProperty channel="Y" name="resolution" value="1000" units="1/cm"/>
-          <inkml:channelProperty channel="F" name="resolution" value="0" units="1/dev"/>
-        </inkml:channelProperties>
-      </inkml:inkSource>
-      <inkml:timestamp xml:id="ts0" timeString="2024-01-15T23:07:45.645"/>
-    </inkml:context>
-    <inkml:brush xml:id="br0">
-      <inkml:brushProperty name="width" value="0.05" units="cm"/>
-      <inkml:brushProperty name="height" value="0.05" units="cm"/>
-      <inkml:brushProperty name="color" value="#AE198D"/>
-      <inkml:brushProperty name="inkEffects" value="galaxy"/>
-      <inkml:brushProperty name="anchorX" value="-79705.04688"/>
-      <inkml:brushProperty name="anchorY" value="-64574.07031"/>
-      <inkml:brushProperty name="scaleFactor" value="0.5"/>
-    </inkml:brush>
-  </inkml:definitions>
-  <inkml:trace contextRef="#ctx0" brushRef="#br0">1 5 22164,'3'-4'0,"12"14"1168,11 9-1168,15 25 405,6 5-405,7 6 0,17 9-551,2-6 551,-33-22 0,0 0 0,22 17 392,7 8-392,-13-18 0,-2-6 0,-10 0 0,-20-17 0,-5-4 772,-3-4-772,-10-8 225,5 4-225,-6-3 0,-7 1 0,-4-1 0,-48 29 0,10-7 0,4 3 0,-1 2 0,-11 6 0,-19 31 0,27-25 0,-17 18 0,25-16 0,-1-7 0,9-3 0,4-6 0,9-6 0,2-6 0,5-6 0,3-4 0,2 0 0,3-1 0,0-2 0,0-2 0</inkml:trace>
-</inkml:ink>
-</file>
-
-<file path=ppt/ink/ink7.xml><?xml version="1.0" encoding="utf-8"?>
-<inkml:ink xmlns:inkml="http://www.w3.org/2003/InkML">
-  <inkml:definitions>
-    <inkml:context xml:id="ctx0">
-      <inkml:inkSource xml:id="inkSrc0">
-        <inkml:traceFormat>
-          <inkml:channel name="X" type="integer" min="-2.14748E9" max="2.14748E9" units="cm"/>
-          <inkml:channel name="Y" type="integer" min="-2.14748E9" max="2.14748E9" units="cm"/>
-          <inkml:channel name="F" type="integer" max="32767" units="dev"/>
-        </inkml:traceFormat>
-        <inkml:channelProperties>
-          <inkml:channelProperty channel="X" name="resolution" value="1000" units="1/cm"/>
-          <inkml:channelProperty channel="Y" name="resolution" value="1000" units="1/cm"/>
-          <inkml:channelProperty channel="F" name="resolution" value="0" units="1/dev"/>
-        </inkml:channelProperties>
-      </inkml:inkSource>
-      <inkml:timestamp xml:id="ts0" timeString="2024-01-15T23:07:42.136"/>
-    </inkml:context>
-    <inkml:brush xml:id="br0">
-      <inkml:brushProperty name="width" value="0.05" units="cm"/>
-      <inkml:brushProperty name="height" value="0.05" units="cm"/>
-      <inkml:brushProperty name="color" value="#AE198D"/>
-      <inkml:brushProperty name="inkEffects" value="galaxy"/>
-      <inkml:brushProperty name="anchorX" value="-53946.42969"/>
-      <inkml:brushProperty name="anchorY" value="-43165.53516"/>
-      <inkml:brushProperty name="scaleFactor" value="0.5"/>
-    </inkml:brush>
-  </inkml:definitions>
-  <inkml:trace contextRef="#ctx0" brushRef="#br0">0 3456 18660,'0'-6'0,"11"-26"1600,16-29-1600,-3 7 0,6-8 0,17-16 0,7-6-1691,-15 17 0,0-4 0,7-4 1691,-4 9 0,5-5 0,3-2 0,1-1 0,-2 2-424,-2 3 0,1 1 0,-1-1 0,1 1 1,0-1 423,3-3 0,1-1 0,0 1 0,1-1 0,2 2-479,2-2 0,3 0 1,1 1-1,-1 1 1,0 4 478,4-6 0,-2 5 0,2 0 0,4-1 0,-3 5 0,3-2 0,1 1 0,2 1 0,-3 1 0,-3 6 0,-1 0 0,0 2 0,0 2 0,-3 3-280,3 1 0,-2 2 0,0 3 0,1 2 280,2 0 0,2 1 0,-1 3 0,-4 4 738,27-12 0,-4 6-738,-3 5 0,-1 4 0,-3 2 0,-5 5 2778,23 9-2778,-43 8 0,-2 0 0,31 1 4710,-25 6-4710,-19 0 3544,-5 0-3544,-14 0 1936,3 0-1936,-9 0 576,0 0-576,-6 0 0,1 0 0,0 0 0,0 0 0,-4 0 0,0 0 0</inkml:trace>
-</inkml:ink>
-</file>
-
-<file path=ppt/ink/ink8.xml><?xml version="1.0" encoding="utf-8"?>
-<inkml:ink xmlns:inkml="http://www.w3.org/2003/InkML">
-  <inkml:definitions>
-    <inkml:context xml:id="ctx0">
-      <inkml:inkSource xml:id="inkSrc0">
-        <inkml:traceFormat>
-          <inkml:channel name="X" type="integer" min="-2.14748E9" max="2.14748E9" units="cm"/>
-          <inkml:channel name="Y" type="integer" min="-2.14748E9" max="2.14748E9" units="cm"/>
-          <inkml:channel name="F" type="integer" max="32767" units="dev"/>
-        </inkml:traceFormat>
-        <inkml:channelProperties>
-          <inkml:channelProperty channel="X" name="resolution" value="1000" units="1/cm"/>
-          <inkml:channelProperty channel="Y" name="resolution" value="1000" units="1/cm"/>
-          <inkml:channelProperty channel="F" name="resolution" value="0" units="1/dev"/>
-        </inkml:channelProperties>
-      </inkml:inkSource>
-      <inkml:timestamp xml:id="ts0" timeString="2024-01-15T23:07:45.645"/>
-    </inkml:context>
-    <inkml:brush xml:id="br0">
-      <inkml:brushProperty name="width" value="0.05" units="cm"/>
-      <inkml:brushProperty name="height" value="0.05" units="cm"/>
-      <inkml:brushProperty name="color" value="#AE198D"/>
-      <inkml:brushProperty name="inkEffects" value="galaxy"/>
-      <inkml:brushProperty name="anchorX" value="-79705.04688"/>
-      <inkml:brushProperty name="anchorY" value="-64574.07031"/>
-      <inkml:brushProperty name="scaleFactor" value="0.5"/>
-    </inkml:brush>
-  </inkml:definitions>
-  <inkml:trace contextRef="#ctx0" brushRef="#br0">1 5 22164,'3'-4'0,"12"14"1168,11 9-1168,15 25 405,6 5-405,7 6 0,17 9-551,2-6 551,-33-22 0,0 0 0,22 17 392,7 8-392,-13-18 0,-2-6 0,-10 0 0,-20-17 0,-5-4 772,-3-4-772,-10-8 225,5 4-225,-6-3 0,-7 1 0,-4-1 0,-48 29 0,10-7 0,4 3 0,-1 2 0,-11 6 0,-19 31 0,27-25 0,-17 18 0,25-16 0,-1-7 0,9-3 0,4-6 0,9-6 0,2-6 0,5-6 0,3-4 0,2 0 0,3-1 0,0-2 0,0-2 0</inkml:trace>
-</inkml:ink>
-</file>
-
-<file path=ppt/ink/ink9.xml><?xml version="1.0" encoding="utf-8"?>
-<inkml:ink xmlns:inkml="http://www.w3.org/2003/InkML">
-  <inkml:definitions>
-    <inkml:context xml:id="ctx0">
-      <inkml:inkSource xml:id="inkSrc0">
-        <inkml:traceFormat>
-          <inkml:channel name="X" type="integer" min="-2.14748E9" max="2.14748E9" units="cm"/>
-          <inkml:channel name="Y" type="integer" min="-2.14748E9" max="2.14748E9" units="cm"/>
-          <inkml:channel name="F" type="integer" max="32767" units="dev"/>
-        </inkml:traceFormat>
-        <inkml:channelProperties>
-          <inkml:channelProperty channel="X" name="resolution" value="1000" units="1/cm"/>
-          <inkml:channelProperty channel="Y" name="resolution" value="1000" units="1/cm"/>
-          <inkml:channelProperty channel="F" name="resolution" value="0" units="1/dev"/>
-        </inkml:channelProperties>
-      </inkml:inkSource>
-      <inkml:timestamp xml:id="ts0" timeString="2024-01-15T23:07:42.136"/>
-    </inkml:context>
-    <inkml:brush xml:id="br0">
-      <inkml:brushProperty name="width" value="0.05" units="cm"/>
-      <inkml:brushProperty name="height" value="0.05" units="cm"/>
-      <inkml:brushProperty name="color" value="#AE198D"/>
-      <inkml:brushProperty name="inkEffects" value="galaxy"/>
-      <inkml:brushProperty name="anchorX" value="-53946.42969"/>
-      <inkml:brushProperty name="anchorY" value="-43165.53516"/>
-      <inkml:brushProperty name="scaleFactor" value="0.5"/>
-    </inkml:brush>
-  </inkml:definitions>
-  <inkml:trace contextRef="#ctx0" brushRef="#br0">0 3456 18660,'0'-6'0,"11"-26"1600,16-29-1600,-3 7 0,6-8 0,17-16 0,7-6-1691,-15 17 0,0-4 0,7-4 1691,-4 9 0,5-5 0,3-2 0,1-1 0,-2 2-424,-2 3 0,1 1 0,-1-1 0,1 1 1,0-1 423,3-3 0,1-1 0,0 1 0,1-1 0,2 2-479,2-2 0,3 0 1,1 1-1,-1 1 1,0 4 478,4-6 0,-2 5 0,2 0 0,4-1 0,-3 5 0,3-2 0,1 1 0,2 1 0,-3 1 0,-3 6 0,-1 0 0,0 2 0,0 2 0,-3 3-280,3 1 0,-2 2 0,0 3 0,1 2 280,2 0 0,2 1 0,-1 3 0,-4 4 738,27-12 0,-4 6-738,-3 5 0,-1 4 0,-3 2 0,-5 5 2778,23 9-2778,-43 8 0,-2 0 0,31 1 4710,-25 6-4710,-19 0 3544,-5 0-3544,-14 0 1936,3 0-1936,-9 0 576,0 0-576,-6 0 0,1 0 0,0 0 0,0 0 0,-4 0 0,0 0 0</inkml:trace>
 </inkml:ink>
 </file>
 
@@ -2653,6 +2059,13 @@
             <a:tailEnd/>
           </a:ln>
         </p:spPr>
+        <p:txBody>
+          <a:bodyPr/>
+          <a:lstStyle/>
+          <a:p>
+            <a:endParaRPr lang="en-US"/>
+          </a:p>
+        </p:txBody>
       </p:sp>
       <p:sp>
         <p:nvSpPr>
@@ -2794,7 +2207,7 @@
           <a:p>
             <a:fld id="{9A66E314-BAAB-6D4A-B8E1-9601BF15E75E}" type="datetimeFigureOut">
               <a:rPr lang="en-US" smtClean="0"/>
-              <a:t>1/30/24</a:t>
+              <a:t>1/26/26</a:t>
             </a:fld>
             <a:endParaRPr lang="en-US"/>
           </a:p>
@@ -2909,6 +2322,13 @@
             <a:schemeClr val="lt1"/>
           </a:fontRef>
         </p:style>
+        <p:txBody>
+          <a:bodyPr/>
+          <a:lstStyle/>
+          <a:p>
+            <a:endParaRPr lang="en-US"/>
+          </a:p>
+        </p:txBody>
       </p:sp>
     </p:spTree>
     <p:extLst>
@@ -3032,7 +2452,7 @@
           <a:p>
             <a:fld id="{9A66E314-BAAB-6D4A-B8E1-9601BF15E75E}" type="datetimeFigureOut">
               <a:rPr lang="en-US" smtClean="0"/>
-              <a:t>1/30/24</a:t>
+              <a:t>1/26/26</a:t>
             </a:fld>
             <a:endParaRPr lang="en-US"/>
           </a:p>
@@ -3212,7 +2632,7 @@
           <a:p>
             <a:fld id="{9A66E314-BAAB-6D4A-B8E1-9601BF15E75E}" type="datetimeFigureOut">
               <a:rPr lang="en-US" smtClean="0"/>
-              <a:t>1/30/24</a:t>
+              <a:t>1/26/26</a:t>
             </a:fld>
             <a:endParaRPr lang="en-US"/>
           </a:p>
@@ -3382,7 +2802,7 @@
           <a:p>
             <a:fld id="{9A66E314-BAAB-6D4A-B8E1-9601BF15E75E}" type="datetimeFigureOut">
               <a:rPr lang="en-US" smtClean="0"/>
-              <a:t>1/30/24</a:t>
+              <a:t>1/26/26</a:t>
             </a:fld>
             <a:endParaRPr lang="en-US"/>
           </a:p>
@@ -3658,7 +3078,7 @@
           <a:p>
             <a:fld id="{9A66E314-BAAB-6D4A-B8E1-9601BF15E75E}" type="datetimeFigureOut">
               <a:rPr lang="en-US" smtClean="0"/>
-              <a:t>1/30/24</a:t>
+              <a:t>1/26/26</a:t>
             </a:fld>
             <a:endParaRPr lang="en-US"/>
           </a:p>
@@ -4859,7 +4279,7 @@
           <a:p>
             <a:fld id="{9A66E314-BAAB-6D4A-B8E1-9601BF15E75E}" type="datetimeFigureOut">
               <a:rPr lang="en-US" smtClean="0"/>
-              <a:t>1/30/24</a:t>
+              <a:t>1/26/26</a:t>
             </a:fld>
             <a:endParaRPr lang="en-US"/>
           </a:p>
@@ -5249,7 +4669,7 @@
           <a:p>
             <a:fld id="{9A66E314-BAAB-6D4A-B8E1-9601BF15E75E}" type="datetimeFigureOut">
               <a:rPr lang="en-US" smtClean="0"/>
-              <a:t>1/30/24</a:t>
+              <a:t>1/26/26</a:t>
             </a:fld>
             <a:endParaRPr lang="en-US"/>
           </a:p>
@@ -5372,7 +4792,7 @@
           <a:p>
             <a:fld id="{9A66E314-BAAB-6D4A-B8E1-9601BF15E75E}" type="datetimeFigureOut">
               <a:rPr lang="en-US" smtClean="0"/>
-              <a:t>1/30/24</a:t>
+              <a:t>1/26/26</a:t>
             </a:fld>
             <a:endParaRPr lang="en-US"/>
           </a:p>
@@ -5467,7 +4887,7 @@
           <a:p>
             <a:fld id="{9A66E314-BAAB-6D4A-B8E1-9601BF15E75E}" type="datetimeFigureOut">
               <a:rPr lang="en-US" smtClean="0"/>
-              <a:t>1/30/24</a:t>
+              <a:t>1/26/26</a:t>
             </a:fld>
             <a:endParaRPr lang="en-US"/>
           </a:p>
@@ -6230,7 +5650,7 @@
           <a:p>
             <a:fld id="{9A66E314-BAAB-6D4A-B8E1-9601BF15E75E}" type="datetimeFigureOut">
               <a:rPr lang="en-US" smtClean="0"/>
-              <a:t>1/30/24</a:t>
+              <a:t>1/26/26</a:t>
             </a:fld>
             <a:endParaRPr lang="en-US"/>
           </a:p>
@@ -7070,7 +6490,7 @@
           <a:p>
             <a:fld id="{9A66E314-BAAB-6D4A-B8E1-9601BF15E75E}" type="datetimeFigureOut">
               <a:rPr lang="en-US" smtClean="0"/>
-              <a:t>1/30/24</a:t>
+              <a:t>1/26/26</a:t>
             </a:fld>
             <a:endParaRPr lang="en-US"/>
           </a:p>
@@ -7297,7 +6717,7 @@
           <a:p>
             <a:fld id="{9A66E314-BAAB-6D4A-B8E1-9601BF15E75E}" type="datetimeFigureOut">
               <a:rPr lang="en-US" smtClean="0"/>
-              <a:t>1/30/24</a:t>
+              <a:t>1/26/26</a:t>
             </a:fld>
             <a:endParaRPr lang="en-US"/>
           </a:p>
@@ -7846,6 +7266,13 @@
             <a:tailEnd/>
           </a:ln>
         </p:spPr>
+        <p:txBody>
+          <a:bodyPr/>
+          <a:lstStyle/>
+          <a:p>
+            <a:endParaRPr lang="en-US"/>
+          </a:p>
+        </p:txBody>
       </p:sp>
       <p:sp>
         <p:nvSpPr>
@@ -7884,6 +7311,13 @@
             <a:schemeClr val="lt1"/>
           </a:fontRef>
         </p:style>
+        <p:txBody>
+          <a:bodyPr/>
+          <a:lstStyle/>
+          <a:p>
+            <a:endParaRPr lang="en-US"/>
+          </a:p>
+        </p:txBody>
       </p:sp>
     </p:spTree>
     <p:extLst>
@@ -8368,3681 +7802,6 @@
 <file path=ppt/slides/slide10.xml><?xml version="1.0" encoding="utf-8"?>
 <p:sld xmlns:a="http://schemas.openxmlformats.org/drawingml/2006/main" xmlns:r="http://schemas.openxmlformats.org/officeDocument/2006/relationships" xmlns:p="http://schemas.openxmlformats.org/presentationml/2006/main">
   <p:cSld>
-    <p:bg>
-      <p:bgPr>
-        <a:solidFill>
-          <a:schemeClr val="bg2"/>
-        </a:solidFill>
-        <a:effectLst/>
-      </p:bgPr>
-    </p:bg>
-    <p:spTree>
-      <p:nvGrpSpPr>
-        <p:cNvPr id="1" name=""/>
-        <p:cNvGrpSpPr/>
-        <p:nvPr/>
-      </p:nvGrpSpPr>
-      <p:grpSpPr>
-        <a:xfrm>
-          <a:off x="0" y="0"/>
-          <a:ext cx="0" cy="0"/>
-          <a:chOff x="0" y="0"/>
-          <a:chExt cx="0" cy="0"/>
-        </a:xfrm>
-      </p:grpSpPr>
-      <p:sp>
-        <p:nvSpPr>
-          <p:cNvPr id="9" name="Rectangle 8">
-            <a:extLst>
-              <a:ext uri="{FF2B5EF4-FFF2-40B4-BE49-F238E27FC236}">
-                <a16:creationId xmlns:a16="http://schemas.microsoft.com/office/drawing/2014/main" id="{CE606343-BADE-4565-AB89-E9EF7E253F80}"/>
-              </a:ext>
-              <a:ext uri="{C183D7F6-B498-43B3-948B-1728B52AA6E4}">
-                <adec:decorative xmlns:adec="http://schemas.microsoft.com/office/drawing/2017/decorative" val="1"/>
-              </a:ext>
-            </a:extLst>
-          </p:cNvPr>
-          <p:cNvSpPr>
-            <a:spLocks noGrp="1" noRot="1" noChangeAspect="1" noMove="1" noResize="1" noEditPoints="1" noAdjustHandles="1" noChangeArrowheads="1" noChangeShapeType="1" noTextEdit="1"/>
-          </p:cNvSpPr>
-          <p:nvPr>
-            <p:extLst>
-              <p:ext uri="{386F3935-93C4-4BCD-93E2-E3B085C9AB24}">
-                <p16:designElem xmlns:p16="http://schemas.microsoft.com/office/powerpoint/2015/main" val="1"/>
-              </p:ext>
-            </p:extLst>
-          </p:nvPr>
-        </p:nvSpPr>
-        <p:spPr>
-          <a:xfrm>
-            <a:off x="0" y="0"/>
-            <a:ext cx="12192000" cy="6858000"/>
-          </a:xfrm>
-          <a:prstGeom prst="rect">
-            <a:avLst/>
-          </a:prstGeom>
-          <a:solidFill>
-            <a:schemeClr val="tx1">
-              <a:lumMod val="65000"/>
-              <a:lumOff val="35000"/>
-            </a:schemeClr>
-          </a:solidFill>
-          <a:ln>
-            <a:noFill/>
-          </a:ln>
-        </p:spPr>
-        <p:style>
-          <a:lnRef idx="2">
-            <a:schemeClr val="accent1">
-              <a:shade val="50000"/>
-            </a:schemeClr>
-          </a:lnRef>
-          <a:fillRef idx="1">
-            <a:schemeClr val="accent1"/>
-          </a:fillRef>
-          <a:effectRef idx="0">
-            <a:schemeClr val="accent1"/>
-          </a:effectRef>
-          <a:fontRef idx="minor">
-            <a:schemeClr val="lt1"/>
-          </a:fontRef>
-        </p:style>
-        <p:txBody>
-          <a:bodyPr rtlCol="0" anchor="ctr"/>
-          <a:lstStyle/>
-          <a:p>
-            <a:pPr algn="ctr"/>
-            <a:endParaRPr lang="en-US"/>
-          </a:p>
-        </p:txBody>
-      </p:sp>
-      <p:sp>
-        <p:nvSpPr>
-          <p:cNvPr id="11" name="Rectangle 10">
-            <a:extLst>
-              <a:ext uri="{FF2B5EF4-FFF2-40B4-BE49-F238E27FC236}">
-                <a16:creationId xmlns:a16="http://schemas.microsoft.com/office/drawing/2014/main" id="{39E183BD-2932-401F-8B53-E247764B376B}"/>
-              </a:ext>
-              <a:ext uri="{C183D7F6-B498-43B3-948B-1728B52AA6E4}">
-                <adec:decorative xmlns:adec="http://schemas.microsoft.com/office/drawing/2017/decorative" val="1"/>
-              </a:ext>
-            </a:extLst>
-          </p:cNvPr>
-          <p:cNvSpPr>
-            <a:spLocks noGrp="1" noRot="1" noChangeAspect="1" noMove="1" noResize="1" noEditPoints="1" noAdjustHandles="1" noChangeArrowheads="1" noChangeShapeType="1" noTextEdit="1"/>
-          </p:cNvSpPr>
-          <p:nvPr>
-            <p:extLst>
-              <p:ext uri="{386F3935-93C4-4BCD-93E2-E3B085C9AB24}">
-                <p16:designElem xmlns:p16="http://schemas.microsoft.com/office/powerpoint/2015/main" val="1"/>
-              </p:ext>
-            </p:extLst>
-          </p:nvPr>
-        </p:nvSpPr>
-        <p:spPr>
-          <a:xfrm>
-            <a:off x="477012" y="480060"/>
-            <a:ext cx="11237976" cy="5897880"/>
-          </a:xfrm>
-          <a:prstGeom prst="rect">
-            <a:avLst/>
-          </a:prstGeom>
-          <a:solidFill>
-            <a:srgbClr val="FFFFFF"/>
-          </a:solidFill>
-          <a:ln>
-            <a:noFill/>
-          </a:ln>
-        </p:spPr>
-        <p:style>
-          <a:lnRef idx="2">
-            <a:schemeClr val="accent1">
-              <a:shade val="50000"/>
-            </a:schemeClr>
-          </a:lnRef>
-          <a:fillRef idx="1">
-            <a:schemeClr val="accent1"/>
-          </a:fillRef>
-          <a:effectRef idx="0">
-            <a:schemeClr val="accent1"/>
-          </a:effectRef>
-          <a:fontRef idx="minor">
-            <a:schemeClr val="lt1"/>
-          </a:fontRef>
-        </p:style>
-        <p:txBody>
-          <a:bodyPr rtlCol="0" anchor="ctr"/>
-          <a:lstStyle/>
-          <a:p>
-            <a:pPr algn="ctr"/>
-            <a:endParaRPr lang="en-US"/>
-          </a:p>
-        </p:txBody>
-      </p:sp>
-      <p:pic>
-        <p:nvPicPr>
-          <p:cNvPr id="4" name="Picture 3">
-            <a:extLst>
-              <a:ext uri="{FF2B5EF4-FFF2-40B4-BE49-F238E27FC236}">
-                <a16:creationId xmlns:a16="http://schemas.microsoft.com/office/drawing/2014/main" id="{012BBB73-1B7E-2252-77B6-BDCAF88A719E}"/>
-              </a:ext>
-            </a:extLst>
-          </p:cNvPr>
-          <p:cNvPicPr>
-            <a:picLocks noChangeAspect="1"/>
-          </p:cNvPicPr>
-          <p:nvPr/>
-        </p:nvPicPr>
-        <p:blipFill>
-          <a:blip r:embed="rId2"/>
-          <a:stretch>
-            <a:fillRect/>
-          </a:stretch>
-        </p:blipFill>
-        <p:spPr>
-          <a:xfrm>
-            <a:off x="3713446" y="796343"/>
-            <a:ext cx="4765108" cy="5265315"/>
-          </a:xfrm>
-          <a:prstGeom prst="rect">
-            <a:avLst/>
-          </a:prstGeom>
-        </p:spPr>
-      </p:pic>
-      <p:sp>
-        <p:nvSpPr>
-          <p:cNvPr id="5" name="Rectangle 4">
-            <a:extLst>
-              <a:ext uri="{FF2B5EF4-FFF2-40B4-BE49-F238E27FC236}">
-                <a16:creationId xmlns:a16="http://schemas.microsoft.com/office/drawing/2014/main" id="{ABEB8AEE-CC40-B03B-A345-2E31D314F15D}"/>
-              </a:ext>
-            </a:extLst>
-          </p:cNvPr>
-          <p:cNvSpPr/>
-          <p:nvPr/>
-        </p:nvSpPr>
-        <p:spPr>
-          <a:xfrm>
-            <a:off x="3713446" y="1101687"/>
-            <a:ext cx="1574650" cy="4109291"/>
-          </a:xfrm>
-          <a:prstGeom prst="rect">
-            <a:avLst/>
-          </a:prstGeom>
-          <a:noFill/>
-          <a:ln w="19050">
-            <a:solidFill>
-              <a:schemeClr val="accent6"/>
-            </a:solidFill>
-          </a:ln>
-        </p:spPr>
-        <p:style>
-          <a:lnRef idx="2">
-            <a:schemeClr val="accent6"/>
-          </a:lnRef>
-          <a:fillRef idx="1">
-            <a:schemeClr val="lt1"/>
-          </a:fillRef>
-          <a:effectRef idx="0">
-            <a:schemeClr val="accent6"/>
-          </a:effectRef>
-          <a:fontRef idx="minor">
-            <a:schemeClr val="dk1"/>
-          </a:fontRef>
-        </p:style>
-        <p:txBody>
-          <a:bodyPr rtlCol="0" anchor="ctr"/>
-          <a:lstStyle/>
-          <a:p>
-            <a:pPr algn="ctr"/>
-            <a:endParaRPr lang="en-US"/>
-          </a:p>
-        </p:txBody>
-      </p:sp>
-      <mc:AlternateContent xmlns:mc="http://schemas.openxmlformats.org/markup-compatibility/2006" xmlns:p14="http://schemas.microsoft.com/office/powerpoint/2010/main" xmlns:aink="http://schemas.microsoft.com/office/drawing/2016/ink">
-        <mc:Choice Requires="p14 aink">
-          <p:contentPart p14:bwMode="auto" r:id="rId3">
-            <p14:nvContentPartPr>
-              <p14:cNvPr id="12" name="Ink 11">
-                <a:extLst>
-                  <a:ext uri="{FF2B5EF4-FFF2-40B4-BE49-F238E27FC236}">
-                    <a16:creationId xmlns:a16="http://schemas.microsoft.com/office/drawing/2014/main" id="{E38F9F71-7CE2-4C9B-1578-C3385A36C4FE}"/>
-                  </a:ext>
-                </a:extLst>
-              </p14:cNvPr>
-              <p14:cNvContentPartPr/>
-              <p14:nvPr/>
-            </p14:nvContentPartPr>
-            <p14:xfrm>
-              <a:off x="1929457" y="2999789"/>
-              <a:ext cx="1363320" cy="1244160"/>
-            </p14:xfrm>
-          </p:contentPart>
-        </mc:Choice>
-        <mc:Fallback xmlns="">
-          <p:pic>
-            <p:nvPicPr>
-              <p:cNvPr id="12" name="Ink 11">
-                <a:extLst>
-                  <a:ext uri="{FF2B5EF4-FFF2-40B4-BE49-F238E27FC236}">
-                    <a16:creationId xmlns:a16="http://schemas.microsoft.com/office/drawing/2014/main" id="{E38F9F71-7CE2-4C9B-1578-C3385A36C4FE}"/>
-                  </a:ext>
-                </a:extLst>
-              </p:cNvPr>
-              <p:cNvPicPr/>
-              <p:nvPr/>
-            </p:nvPicPr>
-            <p:blipFill>
-              <a:blip r:embed="rId4"/>
-              <a:stretch>
-                <a:fillRect/>
-              </a:stretch>
-            </p:blipFill>
-            <p:spPr>
-              <a:xfrm>
-                <a:off x="1920457" y="2991149"/>
-                <a:ext cx="1380960" cy="1261800"/>
-              </a:xfrm>
-              <a:prstGeom prst="rect">
-                <a:avLst/>
-              </a:prstGeom>
-            </p:spPr>
-          </p:pic>
-        </mc:Fallback>
-      </mc:AlternateContent>
-      <mc:AlternateContent xmlns:mc="http://schemas.openxmlformats.org/markup-compatibility/2006" xmlns:p14="http://schemas.microsoft.com/office/powerpoint/2010/main" xmlns:aink="http://schemas.microsoft.com/office/drawing/2016/ink">
-        <mc:Choice Requires="p14 aink">
-          <p:contentPart p14:bwMode="auto" r:id="rId5">
-            <p14:nvContentPartPr>
-              <p14:cNvPr id="15" name="Ink 14">
-                <a:extLst>
-                  <a:ext uri="{FF2B5EF4-FFF2-40B4-BE49-F238E27FC236}">
-                    <a16:creationId xmlns:a16="http://schemas.microsoft.com/office/drawing/2014/main" id="{83D46542-9B12-DB7E-8855-CB00319DA0AE}"/>
-                  </a:ext>
-                </a:extLst>
-              </p14:cNvPr>
-              <p14:cNvContentPartPr/>
-              <p14:nvPr/>
-            </p14:nvContentPartPr>
-            <p14:xfrm>
-              <a:off x="3213937" y="2775869"/>
-              <a:ext cx="279720" cy="450360"/>
-            </p14:xfrm>
-          </p:contentPart>
-        </mc:Choice>
-        <mc:Fallback xmlns="">
-          <p:pic>
-            <p:nvPicPr>
-              <p:cNvPr id="15" name="Ink 14">
-                <a:extLst>
-                  <a:ext uri="{FF2B5EF4-FFF2-40B4-BE49-F238E27FC236}">
-                    <a16:creationId xmlns:a16="http://schemas.microsoft.com/office/drawing/2014/main" id="{83D46542-9B12-DB7E-8855-CB00319DA0AE}"/>
-                  </a:ext>
-                </a:extLst>
-              </p:cNvPr>
-              <p:cNvPicPr/>
-              <p:nvPr/>
-            </p:nvPicPr>
-            <p:blipFill>
-              <a:blip r:embed="rId6"/>
-              <a:stretch>
-                <a:fillRect/>
-              </a:stretch>
-            </p:blipFill>
-            <p:spPr>
-              <a:xfrm>
-                <a:off x="3205297" y="2767229"/>
-                <a:ext cx="297360" cy="468000"/>
-              </a:xfrm>
-              <a:prstGeom prst="rect">
-                <a:avLst/>
-              </a:prstGeom>
-            </p:spPr>
-          </p:pic>
-        </mc:Fallback>
-      </mc:AlternateContent>
-    </p:spTree>
-    <p:extLst>
-      <p:ext uri="{BB962C8B-B14F-4D97-AF65-F5344CB8AC3E}">
-        <p14:creationId xmlns:p14="http://schemas.microsoft.com/office/powerpoint/2010/main" val="2750657952"/>
-      </p:ext>
-    </p:extLst>
-  </p:cSld>
-  <p:clrMapOvr>
-    <a:masterClrMapping/>
-  </p:clrMapOvr>
-</p:sld>
-</file>
-
-<file path=ppt/slides/slide11.xml><?xml version="1.0" encoding="utf-8"?>
-<p:sld xmlns:a="http://schemas.openxmlformats.org/drawingml/2006/main" xmlns:r="http://schemas.openxmlformats.org/officeDocument/2006/relationships" xmlns:p="http://schemas.openxmlformats.org/presentationml/2006/main">
-  <p:cSld>
-    <p:spTree>
-      <p:nvGrpSpPr>
-        <p:cNvPr id="1" name=""/>
-        <p:cNvGrpSpPr/>
-        <p:nvPr/>
-      </p:nvGrpSpPr>
-      <p:grpSpPr>
-        <a:xfrm>
-          <a:off x="0" y="0"/>
-          <a:ext cx="0" cy="0"/>
-          <a:chOff x="0" y="0"/>
-          <a:chExt cx="0" cy="0"/>
-        </a:xfrm>
-      </p:grpSpPr>
-      <p:sp>
-        <p:nvSpPr>
-          <p:cNvPr id="2" name="Title 1">
-            <a:extLst>
-              <a:ext uri="{FF2B5EF4-FFF2-40B4-BE49-F238E27FC236}">
-                <a16:creationId xmlns:a16="http://schemas.microsoft.com/office/drawing/2014/main" id="{D991E5F2-B4DA-0F09-F9C5-08C5F107636F}"/>
-              </a:ext>
-            </a:extLst>
-          </p:cNvPr>
-          <p:cNvSpPr>
-            <a:spLocks noGrp="1"/>
-          </p:cNvSpPr>
-          <p:nvPr>
-            <p:ph type="title"/>
-          </p:nvPr>
-        </p:nvSpPr>
-        <p:spPr/>
-        <p:txBody>
-          <a:bodyPr/>
-          <a:lstStyle/>
-          <a:p>
-            <a:endParaRPr lang="en-US"/>
-          </a:p>
-        </p:txBody>
-      </p:sp>
-      <p:sp>
-        <p:nvSpPr>
-          <p:cNvPr id="3" name="Content Placeholder 2">
-            <a:extLst>
-              <a:ext uri="{FF2B5EF4-FFF2-40B4-BE49-F238E27FC236}">
-                <a16:creationId xmlns:a16="http://schemas.microsoft.com/office/drawing/2014/main" id="{322F1B4A-A183-F3BD-4D7B-AA852C2A3594}"/>
-              </a:ext>
-            </a:extLst>
-          </p:cNvPr>
-          <p:cNvSpPr>
-            <a:spLocks noGrp="1"/>
-          </p:cNvSpPr>
-          <p:nvPr>
-            <p:ph idx="1"/>
-          </p:nvPr>
-        </p:nvSpPr>
-        <p:spPr/>
-        <p:txBody>
-          <a:bodyPr/>
-          <a:lstStyle/>
-          <a:p>
-            <a:r>
-              <a:rPr lang="en-US" dirty="0"/>
-              <a:t>The process is as follows:</a:t>
-            </a:r>
-          </a:p>
-          <a:p>
-            <a:pPr lvl="1"/>
-            <a:r>
-              <a:rPr lang="en-US" dirty="0"/>
-              <a:t>We give each reference text r an </a:t>
-            </a:r>
-            <a:r>
-              <a:rPr lang="en-US" i="1" dirty="0"/>
-              <a:t>a priori </a:t>
-            </a:r>
-            <a:r>
-              <a:rPr lang="en-US" dirty="0"/>
-              <a:t>score </a:t>
-            </a:r>
-            <a:r>
-              <a:rPr lang="en-US" dirty="0">
-                <a:solidFill>
-                  <a:schemeClr val="accent1"/>
-                </a:solidFill>
-              </a:rPr>
-              <a:t>A</a:t>
-            </a:r>
-            <a:r>
-              <a:rPr lang="en-US" dirty="0"/>
-              <a:t>.</a:t>
-            </a:r>
-          </a:p>
-          <a:p>
-            <a:pPr lvl="1"/>
-            <a:r>
-              <a:rPr lang="en-US" dirty="0"/>
-              <a:t>We count the number of words </a:t>
-            </a:r>
-            <a:r>
-              <a:rPr lang="en-US" dirty="0">
-                <a:solidFill>
-                  <a:schemeClr val="accent1"/>
-                </a:solidFill>
-              </a:rPr>
-              <a:t>w</a:t>
-            </a:r>
-            <a:r>
-              <a:rPr lang="en-US" dirty="0"/>
-              <a:t> that occur in reference text </a:t>
-            </a:r>
-            <a:r>
-              <a:rPr lang="en-US" dirty="0">
-                <a:solidFill>
-                  <a:schemeClr val="accent1"/>
-                </a:solidFill>
-              </a:rPr>
-              <a:t>r</a:t>
-            </a:r>
-            <a:r>
-              <a:rPr lang="en-US" dirty="0"/>
-              <a:t>.</a:t>
-            </a:r>
-          </a:p>
-          <a:p>
-            <a:pPr lvl="1"/>
-            <a:r>
-              <a:rPr lang="en-US" dirty="0"/>
-              <a:t>We estimate the </a:t>
-            </a:r>
-            <a:r>
-              <a:rPr lang="en-US" dirty="0">
-                <a:solidFill>
-                  <a:schemeClr val="accent1"/>
-                </a:solidFill>
-              </a:rPr>
-              <a:t>probability P</a:t>
-            </a:r>
-            <a:r>
-              <a:rPr lang="en-US" dirty="0"/>
-              <a:t> of reading text r, given word w.</a:t>
-            </a:r>
-          </a:p>
-          <a:p>
-            <a:pPr lvl="1"/>
-            <a:endParaRPr lang="en-US" dirty="0"/>
-          </a:p>
-        </p:txBody>
-      </p:sp>
-    </p:spTree>
-    <p:extLst>
-      <p:ext uri="{BB962C8B-B14F-4D97-AF65-F5344CB8AC3E}">
-        <p14:creationId xmlns:p14="http://schemas.microsoft.com/office/powerpoint/2010/main" val="384404244"/>
-      </p:ext>
-    </p:extLst>
-  </p:cSld>
-  <p:clrMapOvr>
-    <a:masterClrMapping/>
-  </p:clrMapOvr>
-</p:sld>
-</file>
-
-<file path=ppt/slides/slide12.xml><?xml version="1.0" encoding="utf-8"?>
-<p:sld xmlns:a="http://schemas.openxmlformats.org/drawingml/2006/main" xmlns:r="http://schemas.openxmlformats.org/officeDocument/2006/relationships" xmlns:p="http://schemas.openxmlformats.org/presentationml/2006/main">
-  <p:cSld>
-    <p:spTree>
-      <p:nvGrpSpPr>
-        <p:cNvPr id="1" name=""/>
-        <p:cNvGrpSpPr/>
-        <p:nvPr/>
-      </p:nvGrpSpPr>
-      <p:grpSpPr>
-        <a:xfrm>
-          <a:off x="0" y="0"/>
-          <a:ext cx="0" cy="0"/>
-          <a:chOff x="0" y="0"/>
-          <a:chExt cx="0" cy="0"/>
-        </a:xfrm>
-      </p:grpSpPr>
-      <p:pic>
-        <p:nvPicPr>
-          <p:cNvPr id="4" name="Picture 3">
-            <a:extLst>
-              <a:ext uri="{FF2B5EF4-FFF2-40B4-BE49-F238E27FC236}">
-                <a16:creationId xmlns:a16="http://schemas.microsoft.com/office/drawing/2014/main" id="{012BBB73-1B7E-2252-77B6-BDCAF88A719E}"/>
-              </a:ext>
-            </a:extLst>
-          </p:cNvPr>
-          <p:cNvPicPr>
-            <a:picLocks noChangeAspect="1"/>
-          </p:cNvPicPr>
-          <p:nvPr/>
-        </p:nvPicPr>
-        <p:blipFill>
-          <a:blip r:embed="rId2"/>
-          <a:stretch>
-            <a:fillRect/>
-          </a:stretch>
-        </p:blipFill>
-        <p:spPr>
-          <a:xfrm>
-            <a:off x="3713446" y="796343"/>
-            <a:ext cx="4765108" cy="5265315"/>
-          </a:xfrm>
-          <a:prstGeom prst="rect">
-            <a:avLst/>
-          </a:prstGeom>
-        </p:spPr>
-      </p:pic>
-      <p:sp>
-        <p:nvSpPr>
-          <p:cNvPr id="5" name="Rectangle 4">
-            <a:extLst>
-              <a:ext uri="{FF2B5EF4-FFF2-40B4-BE49-F238E27FC236}">
-                <a16:creationId xmlns:a16="http://schemas.microsoft.com/office/drawing/2014/main" id="{ABEB8AEE-CC40-B03B-A345-2E31D314F15D}"/>
-              </a:ext>
-            </a:extLst>
-          </p:cNvPr>
-          <p:cNvSpPr/>
-          <p:nvPr/>
-        </p:nvSpPr>
-        <p:spPr>
-          <a:xfrm>
-            <a:off x="5520212" y="1171583"/>
-            <a:ext cx="1321263" cy="4109291"/>
-          </a:xfrm>
-          <a:prstGeom prst="rect">
-            <a:avLst/>
-          </a:prstGeom>
-          <a:noFill/>
-          <a:ln w="19050">
-            <a:solidFill>
-              <a:schemeClr val="accent6"/>
-            </a:solidFill>
-          </a:ln>
-        </p:spPr>
-        <p:style>
-          <a:lnRef idx="2">
-            <a:schemeClr val="accent6"/>
-          </a:lnRef>
-          <a:fillRef idx="1">
-            <a:schemeClr val="lt1"/>
-          </a:fillRef>
-          <a:effectRef idx="0">
-            <a:schemeClr val="accent6"/>
-          </a:effectRef>
-          <a:fontRef idx="minor">
-            <a:schemeClr val="dk1"/>
-          </a:fontRef>
-        </p:style>
-        <p:txBody>
-          <a:bodyPr rtlCol="0" anchor="ctr"/>
-          <a:lstStyle/>
-          <a:p>
-            <a:pPr algn="ctr"/>
-            <a:endParaRPr lang="en-US"/>
-          </a:p>
-        </p:txBody>
-      </p:sp>
-      <p:grpSp>
-        <p:nvGrpSpPr>
-          <p:cNvPr id="2" name="Group 1">
-            <a:extLst>
-              <a:ext uri="{FF2B5EF4-FFF2-40B4-BE49-F238E27FC236}">
-                <a16:creationId xmlns:a16="http://schemas.microsoft.com/office/drawing/2014/main" id="{A70282E0-2670-ECCF-7FEE-5A6CE1775896}"/>
-              </a:ext>
-            </a:extLst>
-          </p:cNvPr>
-          <p:cNvGrpSpPr/>
-          <p:nvPr/>
-        </p:nvGrpSpPr>
-        <p:grpSpPr>
-          <a:xfrm rot="15877686">
-            <a:off x="6339635" y="5327616"/>
-            <a:ext cx="1564200" cy="1468080"/>
-            <a:chOff x="4628589" y="5280874"/>
-            <a:chExt cx="1564200" cy="1468080"/>
-          </a:xfrm>
-        </p:grpSpPr>
-        <mc:AlternateContent xmlns:mc="http://schemas.openxmlformats.org/markup-compatibility/2006" xmlns:p14="http://schemas.microsoft.com/office/powerpoint/2010/main" xmlns:aink="http://schemas.microsoft.com/office/drawing/2016/ink">
-          <mc:Choice Requires="p14 aink">
-            <p:contentPart p14:bwMode="auto" r:id="rId3">
-              <p14:nvContentPartPr>
-                <p14:cNvPr id="12" name="Ink 11">
-                  <a:extLst>
-                    <a:ext uri="{FF2B5EF4-FFF2-40B4-BE49-F238E27FC236}">
-                      <a16:creationId xmlns:a16="http://schemas.microsoft.com/office/drawing/2014/main" id="{E38F9F71-7CE2-4C9B-1578-C3385A36C4FE}"/>
-                    </a:ext>
-                  </a:extLst>
-                </p14:cNvPr>
-                <p14:cNvContentPartPr/>
-                <p14:nvPr/>
-              </p14:nvContentPartPr>
-              <p14:xfrm rot="168485">
-                <a:off x="4628589" y="5504794"/>
-                <a:ext cx="1363320" cy="1244160"/>
-              </p14:xfrm>
-            </p:contentPart>
-          </mc:Choice>
-          <mc:Fallback xmlns="">
-            <p:pic>
-              <p:nvPicPr>
-                <p:cNvPr id="12" name="Ink 11">
-                  <a:extLst>
-                    <a:ext uri="{FF2B5EF4-FFF2-40B4-BE49-F238E27FC236}">
-                      <a16:creationId xmlns:a16="http://schemas.microsoft.com/office/drawing/2014/main" id="{E38F9F71-7CE2-4C9B-1578-C3385A36C4FE}"/>
-                    </a:ext>
-                  </a:extLst>
-                </p:cNvPr>
-                <p:cNvPicPr/>
-                <p:nvPr/>
-              </p:nvPicPr>
-              <p:blipFill>
-                <a:blip r:embed="rId4"/>
-                <a:stretch>
-                  <a:fillRect/>
-                </a:stretch>
-              </p:blipFill>
-              <p:spPr>
-                <a:xfrm rot="168485">
-                  <a:off x="4619589" y="5496154"/>
-                  <a:ext cx="1380960" cy="1261800"/>
-                </a:xfrm>
-                <a:prstGeom prst="rect">
-                  <a:avLst/>
-                </a:prstGeom>
-              </p:spPr>
-            </p:pic>
-          </mc:Fallback>
-        </mc:AlternateContent>
-        <mc:AlternateContent xmlns:mc="http://schemas.openxmlformats.org/markup-compatibility/2006" xmlns:p14="http://schemas.microsoft.com/office/powerpoint/2010/main" xmlns:aink="http://schemas.microsoft.com/office/drawing/2016/ink">
-          <mc:Choice Requires="p14 aink">
-            <p:contentPart p14:bwMode="auto" r:id="rId5">
-              <p14:nvContentPartPr>
-                <p14:cNvPr id="15" name="Ink 14">
-                  <a:extLst>
-                    <a:ext uri="{FF2B5EF4-FFF2-40B4-BE49-F238E27FC236}">
-                      <a16:creationId xmlns:a16="http://schemas.microsoft.com/office/drawing/2014/main" id="{83D46542-9B12-DB7E-8855-CB00319DA0AE}"/>
-                    </a:ext>
-                  </a:extLst>
-                </p14:cNvPr>
-                <p14:cNvContentPartPr/>
-                <p14:nvPr/>
-              </p14:nvContentPartPr>
-              <p14:xfrm rot="168485">
-                <a:off x="5913069" y="5280874"/>
-                <a:ext cx="279720" cy="450360"/>
-              </p14:xfrm>
-            </p:contentPart>
-          </mc:Choice>
-          <mc:Fallback xmlns="">
-            <p:pic>
-              <p:nvPicPr>
-                <p:cNvPr id="15" name="Ink 14">
-                  <a:extLst>
-                    <a:ext uri="{FF2B5EF4-FFF2-40B4-BE49-F238E27FC236}">
-                      <a16:creationId xmlns:a16="http://schemas.microsoft.com/office/drawing/2014/main" id="{83D46542-9B12-DB7E-8855-CB00319DA0AE}"/>
-                    </a:ext>
-                  </a:extLst>
-                </p:cNvPr>
-                <p:cNvPicPr/>
-                <p:nvPr/>
-              </p:nvPicPr>
-              <p:blipFill>
-                <a:blip r:embed="rId6"/>
-                <a:stretch>
-                  <a:fillRect/>
-                </a:stretch>
-              </p:blipFill>
-              <p:spPr>
-                <a:xfrm rot="168485">
-                  <a:off x="5904429" y="5272234"/>
-                  <a:ext cx="297360" cy="468000"/>
-                </a:xfrm>
-                <a:prstGeom prst="rect">
-                  <a:avLst/>
-                </a:prstGeom>
-              </p:spPr>
-            </p:pic>
-          </mc:Fallback>
-        </mc:AlternateContent>
-      </p:grpSp>
-    </p:spTree>
-    <p:extLst>
-      <p:ext uri="{BB962C8B-B14F-4D97-AF65-F5344CB8AC3E}">
-        <p14:creationId xmlns:p14="http://schemas.microsoft.com/office/powerpoint/2010/main" val="3307326229"/>
-      </p:ext>
-    </p:extLst>
-  </p:cSld>
-  <p:clrMapOvr>
-    <a:masterClrMapping/>
-  </p:clrMapOvr>
-</p:sld>
-</file>
-
-<file path=ppt/slides/slide13.xml><?xml version="1.0" encoding="utf-8"?>
-<p:sld xmlns:a="http://schemas.openxmlformats.org/drawingml/2006/main" xmlns:r="http://schemas.openxmlformats.org/officeDocument/2006/relationships" xmlns:p="http://schemas.openxmlformats.org/presentationml/2006/main">
-  <p:cSld>
-    <p:spTree>
-      <p:nvGrpSpPr>
-        <p:cNvPr id="1" name=""/>
-        <p:cNvGrpSpPr/>
-        <p:nvPr/>
-      </p:nvGrpSpPr>
-      <p:grpSpPr>
-        <a:xfrm>
-          <a:off x="0" y="0"/>
-          <a:ext cx="0" cy="0"/>
-          <a:chOff x="0" y="0"/>
-          <a:chExt cx="0" cy="0"/>
-        </a:xfrm>
-      </p:grpSpPr>
-      <p:sp>
-        <p:nvSpPr>
-          <p:cNvPr id="2" name="Title 1">
-            <a:extLst>
-              <a:ext uri="{FF2B5EF4-FFF2-40B4-BE49-F238E27FC236}">
-                <a16:creationId xmlns:a16="http://schemas.microsoft.com/office/drawing/2014/main" id="{D991E5F2-B4DA-0F09-F9C5-08C5F107636F}"/>
-              </a:ext>
-            </a:extLst>
-          </p:cNvPr>
-          <p:cNvSpPr>
-            <a:spLocks noGrp="1"/>
-          </p:cNvSpPr>
-          <p:nvPr>
-            <p:ph type="title"/>
-          </p:nvPr>
-        </p:nvSpPr>
-        <p:spPr/>
-        <p:txBody>
-          <a:bodyPr/>
-          <a:lstStyle/>
-          <a:p>
-            <a:endParaRPr lang="en-US"/>
-          </a:p>
-        </p:txBody>
-      </p:sp>
-      <mc:AlternateContent xmlns:mc="http://schemas.openxmlformats.org/markup-compatibility/2006" xmlns:a14="http://schemas.microsoft.com/office/drawing/2010/main">
-        <mc:Choice Requires="a14">
-          <p:sp>
-            <p:nvSpPr>
-              <p:cNvPr id="3" name="Content Placeholder 2">
-                <a:extLst>
-                  <a:ext uri="{FF2B5EF4-FFF2-40B4-BE49-F238E27FC236}">
-                    <a16:creationId xmlns:a16="http://schemas.microsoft.com/office/drawing/2014/main" id="{322F1B4A-A183-F3BD-4D7B-AA852C2A3594}"/>
-                  </a:ext>
-                </a:extLst>
-              </p:cNvPr>
-              <p:cNvSpPr>
-                <a:spLocks noGrp="1"/>
-              </p:cNvSpPr>
-              <p:nvPr>
-                <p:ph idx="1"/>
-              </p:nvPr>
-            </p:nvSpPr>
-            <p:spPr/>
-            <p:txBody>
-              <a:bodyPr/>
-              <a:lstStyle/>
-              <a:p>
-                <a:r>
-                  <a:rPr lang="en-US" dirty="0"/>
-                  <a:t>The process is as follows:</a:t>
-                </a:r>
-              </a:p>
-              <a:p>
-                <a:pPr lvl="1"/>
-                <a:r>
-                  <a:rPr lang="en-US" dirty="0"/>
-                  <a:t>We give each reference text r an </a:t>
-                </a:r>
-                <a:r>
-                  <a:rPr lang="en-US" i="1" dirty="0"/>
-                  <a:t>a priori </a:t>
-                </a:r>
-                <a:r>
-                  <a:rPr lang="en-US" dirty="0"/>
-                  <a:t>score </a:t>
-                </a:r>
-                <a:r>
-                  <a:rPr lang="en-US" dirty="0">
-                    <a:solidFill>
-                      <a:schemeClr val="accent1"/>
-                    </a:solidFill>
-                  </a:rPr>
-                  <a:t>A</a:t>
-                </a:r>
-                <a:r>
-                  <a:rPr lang="en-US" dirty="0"/>
-                  <a:t>.</a:t>
-                </a:r>
-              </a:p>
-              <a:p>
-                <a:pPr lvl="1"/>
-                <a:r>
-                  <a:rPr lang="en-US" dirty="0"/>
-                  <a:t>We count the number of words </a:t>
-                </a:r>
-                <a:r>
-                  <a:rPr lang="en-US" dirty="0">
-                    <a:solidFill>
-                      <a:schemeClr val="accent1"/>
-                    </a:solidFill>
-                  </a:rPr>
-                  <a:t>w</a:t>
-                </a:r>
-                <a:r>
-                  <a:rPr lang="en-US" dirty="0"/>
-                  <a:t> that occur in reference text </a:t>
-                </a:r>
-                <a:r>
-                  <a:rPr lang="en-US" dirty="0">
-                    <a:solidFill>
-                      <a:schemeClr val="accent1"/>
-                    </a:solidFill>
-                  </a:rPr>
-                  <a:t>r</a:t>
-                </a:r>
-                <a:r>
-                  <a:rPr lang="en-US" dirty="0"/>
-                  <a:t>.</a:t>
-                </a:r>
-              </a:p>
-              <a:p>
-                <a:pPr lvl="1"/>
-                <a:r>
-                  <a:rPr lang="en-US" dirty="0"/>
-                  <a:t>We estimate the </a:t>
-                </a:r>
-                <a:r>
-                  <a:rPr lang="en-US" dirty="0">
-                    <a:solidFill>
-                      <a:schemeClr val="accent1"/>
-                    </a:solidFill>
-                  </a:rPr>
-                  <a:t>probability P</a:t>
-                </a:r>
-                <a:r>
-                  <a:rPr lang="en-US" dirty="0"/>
-                  <a:t> of reading text r, given word w.</a:t>
-                </a:r>
-              </a:p>
-              <a:p>
-                <a:pPr lvl="1"/>
-                <a:r>
-                  <a:rPr lang="en-US" dirty="0"/>
-                  <a:t>We estimate </a:t>
-                </a:r>
-                <a:r>
-                  <a:rPr lang="en-US" dirty="0">
-                    <a:solidFill>
-                      <a:schemeClr val="accent1"/>
-                    </a:solidFill>
-                  </a:rPr>
-                  <a:t>S</a:t>
-                </a:r>
-                <a:r>
-                  <a:rPr lang="en-US" dirty="0"/>
-                  <a:t>: the average of </a:t>
-                </a:r>
-                <a:r>
-                  <a:rPr lang="en-US" dirty="0">
-                    <a:solidFill>
-                      <a:schemeClr val="accent1"/>
-                    </a:solidFill>
-                  </a:rPr>
-                  <a:t>A</a:t>
-                </a:r>
-                <a:r>
-                  <a:rPr lang="en-US" dirty="0"/>
-                  <a:t> weighted by P = </a:t>
-                </a:r>
-                <a14:m>
-                  <m:oMath xmlns:m="http://schemas.openxmlformats.org/officeDocument/2006/math">
-                    <m:nary>
-                      <m:naryPr>
-                        <m:chr m:val="∑"/>
-                        <m:limLoc m:val="subSup"/>
-                        <m:supHide m:val="on"/>
-                        <m:ctrlPr>
-                          <a:rPr lang="en-US" i="1" smtClean="0">
-                            <a:latin typeface="Cambria Math" panose="02040503050406030204" pitchFamily="18" charset="0"/>
-                          </a:rPr>
-                        </m:ctrlPr>
-                      </m:naryPr>
-                      <m:sub>
-                        <m:r>
-                          <m:rPr>
-                            <m:brk m:alnAt="9"/>
-                          </m:rPr>
-                          <a:rPr lang="en-CA" b="0" i="1" smtClean="0">
-                            <a:latin typeface="Cambria Math" panose="02040503050406030204" pitchFamily="18" charset="0"/>
-                          </a:rPr>
-                          <m:t>𝑟</m:t>
-                        </m:r>
-                      </m:sub>
-                      <m:sup/>
-                      <m:e>
-                        <m:r>
-                          <a:rPr lang="en-CA" b="0" i="1" smtClean="0">
-                            <a:latin typeface="Cambria Math" panose="02040503050406030204" pitchFamily="18" charset="0"/>
-                          </a:rPr>
-                          <m:t>(</m:t>
-                        </m:r>
-                        <m:sSub>
-                          <m:sSubPr>
-                            <m:ctrlPr>
-                              <a:rPr lang="en-CA" b="0" i="1" smtClean="0">
-                                <a:latin typeface="Cambria Math" panose="02040503050406030204" pitchFamily="18" charset="0"/>
-                              </a:rPr>
-                            </m:ctrlPr>
-                          </m:sSubPr>
-                          <m:e>
-                            <m:r>
-                              <a:rPr lang="en-CA" b="0" i="1" smtClean="0">
-                                <a:latin typeface="Cambria Math" panose="02040503050406030204" pitchFamily="18" charset="0"/>
-                              </a:rPr>
-                              <m:t>𝑃</m:t>
-                            </m:r>
-                          </m:e>
-                          <m:sub>
-                            <m:r>
-                              <a:rPr lang="en-CA" b="0" i="1" smtClean="0">
-                                <a:latin typeface="Cambria Math" panose="02040503050406030204" pitchFamily="18" charset="0"/>
-                              </a:rPr>
-                              <m:t>𝑤𝑟</m:t>
-                            </m:r>
-                          </m:sub>
-                        </m:sSub>
-                      </m:e>
-                    </m:nary>
-                    <m:r>
-                      <a:rPr lang="en-US" i="1" smtClean="0">
-                        <a:latin typeface="Cambria Math" panose="02040503050406030204" pitchFamily="18" charset="0"/>
-                        <a:ea typeface="Cambria Math" panose="02040503050406030204" pitchFamily="18" charset="0"/>
-                      </a:rPr>
-                      <m:t>∙</m:t>
-                    </m:r>
-                    <m:sSub>
-                      <m:sSubPr>
-                        <m:ctrlPr>
-                          <a:rPr lang="en-US" i="1" smtClean="0">
-                            <a:latin typeface="Cambria Math" panose="02040503050406030204" pitchFamily="18" charset="0"/>
-                            <a:ea typeface="Cambria Math" panose="02040503050406030204" pitchFamily="18" charset="0"/>
-                          </a:rPr>
-                        </m:ctrlPr>
-                      </m:sSubPr>
-                      <m:e>
-                        <m:r>
-                          <a:rPr lang="en-CA" b="0" i="1" smtClean="0">
-                            <a:latin typeface="Cambria Math" panose="02040503050406030204" pitchFamily="18" charset="0"/>
-                            <a:ea typeface="Cambria Math" panose="02040503050406030204" pitchFamily="18" charset="0"/>
-                          </a:rPr>
-                          <m:t>𝐴</m:t>
-                        </m:r>
-                      </m:e>
-                      <m:sub>
-                        <m:r>
-                          <a:rPr lang="en-CA" b="0" i="1" smtClean="0">
-                            <a:latin typeface="Cambria Math" panose="02040503050406030204" pitchFamily="18" charset="0"/>
-                            <a:ea typeface="Cambria Math" panose="02040503050406030204" pitchFamily="18" charset="0"/>
-                          </a:rPr>
-                          <m:t>𝑟</m:t>
-                        </m:r>
-                      </m:sub>
-                    </m:sSub>
-                    <m:r>
-                      <a:rPr lang="en-CA" b="0" i="1" smtClean="0">
-                        <a:latin typeface="Cambria Math" panose="02040503050406030204" pitchFamily="18" charset="0"/>
-                        <a:ea typeface="Cambria Math" panose="02040503050406030204" pitchFamily="18" charset="0"/>
-                      </a:rPr>
-                      <m:t>)</m:t>
-                    </m:r>
-                  </m:oMath>
-                </a14:m>
-                <a:endParaRPr lang="en-US" dirty="0"/>
-              </a:p>
-              <a:p>
-                <a:pPr lvl="1"/>
-                <a:endParaRPr lang="en-US" dirty="0"/>
-              </a:p>
-            </p:txBody>
-          </p:sp>
-        </mc:Choice>
-        <mc:Fallback xmlns="">
-          <p:sp>
-            <p:nvSpPr>
-              <p:cNvPr id="3" name="Content Placeholder 2">
-                <a:extLst>
-                  <a:ext uri="{FF2B5EF4-FFF2-40B4-BE49-F238E27FC236}">
-                    <a16:creationId xmlns:a16="http://schemas.microsoft.com/office/drawing/2014/main" id="{322F1B4A-A183-F3BD-4D7B-AA852C2A3594}"/>
-                  </a:ext>
-                </a:extLst>
-              </p:cNvPr>
-              <p:cNvSpPr>
-                <a:spLocks noGrp="1" noRot="1" noChangeAspect="1" noMove="1" noResize="1" noEditPoints="1" noAdjustHandles="1" noChangeArrowheads="1" noChangeShapeType="1" noTextEdit="1"/>
-              </p:cNvSpPr>
-              <p:nvPr>
-                <p:ph idx="1"/>
-              </p:nvPr>
-            </p:nvSpPr>
-            <p:spPr>
-              <a:blipFill>
-                <a:blip r:embed="rId2"/>
-                <a:stretch>
-                  <a:fillRect l="-498" t="-704"/>
-                </a:stretch>
-              </a:blipFill>
-            </p:spPr>
-            <p:txBody>
-              <a:bodyPr/>
-              <a:lstStyle/>
-              <a:p>
-                <a:r>
-                  <a:rPr lang="en-US">
-                    <a:noFill/>
-                  </a:rPr>
-                  <a:t> </a:t>
-                </a:r>
-              </a:p>
-            </p:txBody>
-          </p:sp>
-        </mc:Fallback>
-      </mc:AlternateContent>
-    </p:spTree>
-    <p:extLst>
-      <p:ext uri="{BB962C8B-B14F-4D97-AF65-F5344CB8AC3E}">
-        <p14:creationId xmlns:p14="http://schemas.microsoft.com/office/powerpoint/2010/main" val="571783692"/>
-      </p:ext>
-    </p:extLst>
-  </p:cSld>
-  <p:clrMapOvr>
-    <a:masterClrMapping/>
-  </p:clrMapOvr>
-</p:sld>
-</file>
-
-<file path=ppt/slides/slide14.xml><?xml version="1.0" encoding="utf-8"?>
-<p:sld xmlns:a="http://schemas.openxmlformats.org/drawingml/2006/main" xmlns:r="http://schemas.openxmlformats.org/officeDocument/2006/relationships" xmlns:p="http://schemas.openxmlformats.org/presentationml/2006/main">
-  <p:cSld>
-    <p:spTree>
-      <p:nvGrpSpPr>
-        <p:cNvPr id="1" name=""/>
-        <p:cNvGrpSpPr/>
-        <p:nvPr/>
-      </p:nvGrpSpPr>
-      <p:grpSpPr>
-        <a:xfrm>
-          <a:off x="0" y="0"/>
-          <a:ext cx="0" cy="0"/>
-          <a:chOff x="0" y="0"/>
-          <a:chExt cx="0" cy="0"/>
-        </a:xfrm>
-      </p:grpSpPr>
-      <p:pic>
-        <p:nvPicPr>
-          <p:cNvPr id="4" name="Picture 3">
-            <a:extLst>
-              <a:ext uri="{FF2B5EF4-FFF2-40B4-BE49-F238E27FC236}">
-                <a16:creationId xmlns:a16="http://schemas.microsoft.com/office/drawing/2014/main" id="{012BBB73-1B7E-2252-77B6-BDCAF88A719E}"/>
-              </a:ext>
-            </a:extLst>
-          </p:cNvPr>
-          <p:cNvPicPr>
-            <a:picLocks noChangeAspect="1"/>
-          </p:cNvPicPr>
-          <p:nvPr/>
-        </p:nvPicPr>
-        <p:blipFill>
-          <a:blip r:embed="rId2"/>
-          <a:stretch>
-            <a:fillRect/>
-          </a:stretch>
-        </p:blipFill>
-        <p:spPr>
-          <a:xfrm>
-            <a:off x="3713446" y="796343"/>
-            <a:ext cx="4765108" cy="5265315"/>
-          </a:xfrm>
-          <a:prstGeom prst="rect">
-            <a:avLst/>
-          </a:prstGeom>
-        </p:spPr>
-      </p:pic>
-      <p:sp>
-        <p:nvSpPr>
-          <p:cNvPr id="5" name="Rectangle 4">
-            <a:extLst>
-              <a:ext uri="{FF2B5EF4-FFF2-40B4-BE49-F238E27FC236}">
-                <a16:creationId xmlns:a16="http://schemas.microsoft.com/office/drawing/2014/main" id="{ABEB8AEE-CC40-B03B-A345-2E31D314F15D}"/>
-              </a:ext>
-            </a:extLst>
-          </p:cNvPr>
-          <p:cNvSpPr/>
-          <p:nvPr/>
-        </p:nvSpPr>
-        <p:spPr>
-          <a:xfrm>
-            <a:off x="6809185" y="1171584"/>
-            <a:ext cx="318728" cy="4072446"/>
-          </a:xfrm>
-          <a:prstGeom prst="rect">
-            <a:avLst/>
-          </a:prstGeom>
-          <a:noFill/>
-          <a:ln w="19050">
-            <a:solidFill>
-              <a:schemeClr val="accent6"/>
-            </a:solidFill>
-          </a:ln>
-        </p:spPr>
-        <p:style>
-          <a:lnRef idx="2">
-            <a:schemeClr val="accent6"/>
-          </a:lnRef>
-          <a:fillRef idx="1">
-            <a:schemeClr val="lt1"/>
-          </a:fillRef>
-          <a:effectRef idx="0">
-            <a:schemeClr val="accent6"/>
-          </a:effectRef>
-          <a:fontRef idx="minor">
-            <a:schemeClr val="dk1"/>
-          </a:fontRef>
-        </p:style>
-        <p:txBody>
-          <a:bodyPr rtlCol="0" anchor="ctr"/>
-          <a:lstStyle/>
-          <a:p>
-            <a:pPr algn="ctr"/>
-            <a:endParaRPr lang="en-US"/>
-          </a:p>
-        </p:txBody>
-      </p:sp>
-      <p:grpSp>
-        <p:nvGrpSpPr>
-          <p:cNvPr id="2" name="Group 1">
-            <a:extLst>
-              <a:ext uri="{FF2B5EF4-FFF2-40B4-BE49-F238E27FC236}">
-                <a16:creationId xmlns:a16="http://schemas.microsoft.com/office/drawing/2014/main" id="{BA30DA56-A19C-D36C-C52E-965F54399B3E}"/>
-              </a:ext>
-            </a:extLst>
-          </p:cNvPr>
-          <p:cNvGrpSpPr/>
-          <p:nvPr/>
-        </p:nvGrpSpPr>
-        <p:grpSpPr>
-          <a:xfrm rot="4417001">
-            <a:off x="5525552" y="-220719"/>
-            <a:ext cx="1564200" cy="1468080"/>
-            <a:chOff x="1929457" y="2775869"/>
-            <a:chExt cx="1564200" cy="1468080"/>
-          </a:xfrm>
-        </p:grpSpPr>
-        <mc:AlternateContent xmlns:mc="http://schemas.openxmlformats.org/markup-compatibility/2006" xmlns:p14="http://schemas.microsoft.com/office/powerpoint/2010/main" xmlns:aink="http://schemas.microsoft.com/office/drawing/2016/ink">
-          <mc:Choice Requires="p14 aink">
-            <p:contentPart p14:bwMode="auto" r:id="rId3">
-              <p14:nvContentPartPr>
-                <p14:cNvPr id="12" name="Ink 11">
-                  <a:extLst>
-                    <a:ext uri="{FF2B5EF4-FFF2-40B4-BE49-F238E27FC236}">
-                      <a16:creationId xmlns:a16="http://schemas.microsoft.com/office/drawing/2014/main" id="{E38F9F71-7CE2-4C9B-1578-C3385A36C4FE}"/>
-                    </a:ext>
-                  </a:extLst>
-                </p14:cNvPr>
-                <p14:cNvContentPartPr/>
-                <p14:nvPr/>
-              </p14:nvContentPartPr>
-              <p14:xfrm>
-                <a:off x="1929457" y="2999789"/>
-                <a:ext cx="1363320" cy="1244160"/>
-              </p14:xfrm>
-            </p:contentPart>
-          </mc:Choice>
-          <mc:Fallback xmlns="">
-            <p:pic>
-              <p:nvPicPr>
-                <p:cNvPr id="12" name="Ink 11">
-                  <a:extLst>
-                    <a:ext uri="{FF2B5EF4-FFF2-40B4-BE49-F238E27FC236}">
-                      <a16:creationId xmlns:a16="http://schemas.microsoft.com/office/drawing/2014/main" id="{E38F9F71-7CE2-4C9B-1578-C3385A36C4FE}"/>
-                    </a:ext>
-                  </a:extLst>
-                </p:cNvPr>
-                <p:cNvPicPr/>
-                <p:nvPr/>
-              </p:nvPicPr>
-              <p:blipFill>
-                <a:blip r:embed="rId4"/>
-                <a:stretch>
-                  <a:fillRect/>
-                </a:stretch>
-              </p:blipFill>
-              <p:spPr>
-                <a:xfrm>
-                  <a:off x="1920457" y="2991149"/>
-                  <a:ext cx="1380960" cy="1261800"/>
-                </a:xfrm>
-                <a:prstGeom prst="rect">
-                  <a:avLst/>
-                </a:prstGeom>
-              </p:spPr>
-            </p:pic>
-          </mc:Fallback>
-        </mc:AlternateContent>
-        <mc:AlternateContent xmlns:mc="http://schemas.openxmlformats.org/markup-compatibility/2006" xmlns:p14="http://schemas.microsoft.com/office/powerpoint/2010/main" xmlns:aink="http://schemas.microsoft.com/office/drawing/2016/ink">
-          <mc:Choice Requires="p14 aink">
-            <p:contentPart p14:bwMode="auto" r:id="rId5">
-              <p14:nvContentPartPr>
-                <p14:cNvPr id="15" name="Ink 14">
-                  <a:extLst>
-                    <a:ext uri="{FF2B5EF4-FFF2-40B4-BE49-F238E27FC236}">
-                      <a16:creationId xmlns:a16="http://schemas.microsoft.com/office/drawing/2014/main" id="{83D46542-9B12-DB7E-8855-CB00319DA0AE}"/>
-                    </a:ext>
-                  </a:extLst>
-                </p14:cNvPr>
-                <p14:cNvContentPartPr/>
-                <p14:nvPr/>
-              </p14:nvContentPartPr>
-              <p14:xfrm>
-                <a:off x="3213937" y="2775869"/>
-                <a:ext cx="279720" cy="450360"/>
-              </p14:xfrm>
-            </p:contentPart>
-          </mc:Choice>
-          <mc:Fallback xmlns="">
-            <p:pic>
-              <p:nvPicPr>
-                <p:cNvPr id="15" name="Ink 14">
-                  <a:extLst>
-                    <a:ext uri="{FF2B5EF4-FFF2-40B4-BE49-F238E27FC236}">
-                      <a16:creationId xmlns:a16="http://schemas.microsoft.com/office/drawing/2014/main" id="{83D46542-9B12-DB7E-8855-CB00319DA0AE}"/>
-                    </a:ext>
-                  </a:extLst>
-                </p:cNvPr>
-                <p:cNvPicPr/>
-                <p:nvPr/>
-              </p:nvPicPr>
-              <p:blipFill>
-                <a:blip r:embed="rId6"/>
-                <a:stretch>
-                  <a:fillRect/>
-                </a:stretch>
-              </p:blipFill>
-              <p:spPr>
-                <a:xfrm>
-                  <a:off x="3205297" y="2767229"/>
-                  <a:ext cx="297360" cy="468000"/>
-                </a:xfrm>
-                <a:prstGeom prst="rect">
-                  <a:avLst/>
-                </a:prstGeom>
-              </p:spPr>
-            </p:pic>
-          </mc:Fallback>
-        </mc:AlternateContent>
-      </p:grpSp>
-    </p:spTree>
-    <p:extLst>
-      <p:ext uri="{BB962C8B-B14F-4D97-AF65-F5344CB8AC3E}">
-        <p14:creationId xmlns:p14="http://schemas.microsoft.com/office/powerpoint/2010/main" val="1184595227"/>
-      </p:ext>
-    </p:extLst>
-  </p:cSld>
-  <p:clrMapOvr>
-    <a:masterClrMapping/>
-  </p:clrMapOvr>
-</p:sld>
-</file>
-
-<file path=ppt/slides/slide15.xml><?xml version="1.0" encoding="utf-8"?>
-<p:sld xmlns:a="http://schemas.openxmlformats.org/drawingml/2006/main" xmlns:r="http://schemas.openxmlformats.org/officeDocument/2006/relationships" xmlns:p="http://schemas.openxmlformats.org/presentationml/2006/main">
-  <p:cSld>
-    <p:spTree>
-      <p:nvGrpSpPr>
-        <p:cNvPr id="1" name=""/>
-        <p:cNvGrpSpPr/>
-        <p:nvPr/>
-      </p:nvGrpSpPr>
-      <p:grpSpPr>
-        <a:xfrm>
-          <a:off x="0" y="0"/>
-          <a:ext cx="0" cy="0"/>
-          <a:chOff x="0" y="0"/>
-          <a:chExt cx="0" cy="0"/>
-        </a:xfrm>
-      </p:grpSpPr>
-      <p:sp>
-        <p:nvSpPr>
-          <p:cNvPr id="2" name="Title 1">
-            <a:extLst>
-              <a:ext uri="{FF2B5EF4-FFF2-40B4-BE49-F238E27FC236}">
-                <a16:creationId xmlns:a16="http://schemas.microsoft.com/office/drawing/2014/main" id="{D991E5F2-B4DA-0F09-F9C5-08C5F107636F}"/>
-              </a:ext>
-            </a:extLst>
-          </p:cNvPr>
-          <p:cNvSpPr>
-            <a:spLocks noGrp="1"/>
-          </p:cNvSpPr>
-          <p:nvPr>
-            <p:ph type="title"/>
-          </p:nvPr>
-        </p:nvSpPr>
-        <p:spPr/>
-        <p:txBody>
-          <a:bodyPr/>
-          <a:lstStyle/>
-          <a:p>
-            <a:endParaRPr lang="en-US"/>
-          </a:p>
-        </p:txBody>
-      </p:sp>
-      <mc:AlternateContent xmlns:mc="http://schemas.openxmlformats.org/markup-compatibility/2006" xmlns:a14="http://schemas.microsoft.com/office/drawing/2010/main">
-        <mc:Choice Requires="a14">
-          <p:sp>
-            <p:nvSpPr>
-              <p:cNvPr id="3" name="Content Placeholder 2">
-                <a:extLst>
-                  <a:ext uri="{FF2B5EF4-FFF2-40B4-BE49-F238E27FC236}">
-                    <a16:creationId xmlns:a16="http://schemas.microsoft.com/office/drawing/2014/main" id="{322F1B4A-A183-F3BD-4D7B-AA852C2A3594}"/>
-                  </a:ext>
-                </a:extLst>
-              </p:cNvPr>
-              <p:cNvSpPr>
-                <a:spLocks noGrp="1"/>
-              </p:cNvSpPr>
-              <p:nvPr>
-                <p:ph idx="1"/>
-              </p:nvPr>
-            </p:nvSpPr>
-            <p:spPr/>
-            <p:txBody>
-              <a:bodyPr/>
-              <a:lstStyle/>
-              <a:p>
-                <a:r>
-                  <a:rPr lang="en-US" dirty="0"/>
-                  <a:t>The process is as follows:</a:t>
-                </a:r>
-              </a:p>
-              <a:p>
-                <a:pPr lvl="1"/>
-                <a:r>
-                  <a:rPr lang="en-US" dirty="0"/>
-                  <a:t>We give each reference text r an </a:t>
-                </a:r>
-                <a:r>
-                  <a:rPr lang="en-US" i="1" dirty="0"/>
-                  <a:t>a priori </a:t>
-                </a:r>
-                <a:r>
-                  <a:rPr lang="en-US" dirty="0"/>
-                  <a:t>score </a:t>
-                </a:r>
-                <a:r>
-                  <a:rPr lang="en-US" dirty="0">
-                    <a:solidFill>
-                      <a:schemeClr val="accent1"/>
-                    </a:solidFill>
-                  </a:rPr>
-                  <a:t>A</a:t>
-                </a:r>
-                <a:r>
-                  <a:rPr lang="en-US" dirty="0"/>
-                  <a:t>.</a:t>
-                </a:r>
-              </a:p>
-              <a:p>
-                <a:pPr lvl="1"/>
-                <a:r>
-                  <a:rPr lang="en-US" dirty="0"/>
-                  <a:t>We count the number of words </a:t>
-                </a:r>
-                <a:r>
-                  <a:rPr lang="en-US" dirty="0">
-                    <a:solidFill>
-                      <a:schemeClr val="accent1"/>
-                    </a:solidFill>
-                  </a:rPr>
-                  <a:t>w</a:t>
-                </a:r>
-                <a:r>
-                  <a:rPr lang="en-US" dirty="0"/>
-                  <a:t> that occur in reference text </a:t>
-                </a:r>
-                <a:r>
-                  <a:rPr lang="en-US" dirty="0">
-                    <a:solidFill>
-                      <a:schemeClr val="accent1"/>
-                    </a:solidFill>
-                  </a:rPr>
-                  <a:t>r</a:t>
-                </a:r>
-                <a:r>
-                  <a:rPr lang="en-US" dirty="0"/>
-                  <a:t>.</a:t>
-                </a:r>
-              </a:p>
-              <a:p>
-                <a:pPr lvl="1"/>
-                <a:r>
-                  <a:rPr lang="en-US" dirty="0"/>
-                  <a:t>We estimate the </a:t>
-                </a:r>
-                <a:r>
-                  <a:rPr lang="en-US" dirty="0">
-                    <a:solidFill>
-                      <a:schemeClr val="accent1"/>
-                    </a:solidFill>
-                  </a:rPr>
-                  <a:t>probability P</a:t>
-                </a:r>
-                <a:r>
-                  <a:rPr lang="en-US" dirty="0"/>
-                  <a:t> of reading text r, given word w.</a:t>
-                </a:r>
-              </a:p>
-              <a:p>
-                <a:pPr lvl="1"/>
-                <a:r>
-                  <a:rPr lang="en-US" dirty="0"/>
-                  <a:t>We estimate </a:t>
-                </a:r>
-                <a:r>
-                  <a:rPr lang="en-US" dirty="0">
-                    <a:solidFill>
-                      <a:schemeClr val="accent1"/>
-                    </a:solidFill>
-                  </a:rPr>
-                  <a:t>S</a:t>
-                </a:r>
-                <a:r>
-                  <a:rPr lang="en-US" dirty="0"/>
-                  <a:t>: the average of </a:t>
-                </a:r>
-                <a:r>
-                  <a:rPr lang="en-US" dirty="0">
-                    <a:solidFill>
-                      <a:schemeClr val="accent1"/>
-                    </a:solidFill>
-                  </a:rPr>
-                  <a:t>A</a:t>
-                </a:r>
-                <a:r>
-                  <a:rPr lang="en-US" dirty="0"/>
-                  <a:t> weighted by P = </a:t>
-                </a:r>
-                <a14:m>
-                  <m:oMath xmlns:m="http://schemas.openxmlformats.org/officeDocument/2006/math">
-                    <m:nary>
-                      <m:naryPr>
-                        <m:chr m:val="∑"/>
-                        <m:limLoc m:val="subSup"/>
-                        <m:supHide m:val="on"/>
-                        <m:ctrlPr>
-                          <a:rPr lang="en-US" i="1" smtClean="0">
-                            <a:latin typeface="Cambria Math" panose="02040503050406030204" pitchFamily="18" charset="0"/>
-                          </a:rPr>
-                        </m:ctrlPr>
-                      </m:naryPr>
-                      <m:sub>
-                        <m:r>
-                          <m:rPr>
-                            <m:brk m:alnAt="9"/>
-                          </m:rPr>
-                          <a:rPr lang="en-CA" b="0" i="1" smtClean="0">
-                            <a:latin typeface="Cambria Math" panose="02040503050406030204" pitchFamily="18" charset="0"/>
-                          </a:rPr>
-                          <m:t>𝑟</m:t>
-                        </m:r>
-                      </m:sub>
-                      <m:sup/>
-                      <m:e>
-                        <m:r>
-                          <a:rPr lang="en-CA" b="0" i="1" smtClean="0">
-                            <a:latin typeface="Cambria Math" panose="02040503050406030204" pitchFamily="18" charset="0"/>
-                          </a:rPr>
-                          <m:t>(</m:t>
-                        </m:r>
-                        <m:sSub>
-                          <m:sSubPr>
-                            <m:ctrlPr>
-                              <a:rPr lang="en-CA" b="0" i="1" smtClean="0">
-                                <a:latin typeface="Cambria Math" panose="02040503050406030204" pitchFamily="18" charset="0"/>
-                              </a:rPr>
-                            </m:ctrlPr>
-                          </m:sSubPr>
-                          <m:e>
-                            <m:r>
-                              <a:rPr lang="en-CA" b="0" i="1" smtClean="0">
-                                <a:latin typeface="Cambria Math" panose="02040503050406030204" pitchFamily="18" charset="0"/>
-                              </a:rPr>
-                              <m:t>𝑃</m:t>
-                            </m:r>
-                          </m:e>
-                          <m:sub>
-                            <m:r>
-                              <a:rPr lang="en-CA" b="0" i="1" smtClean="0">
-                                <a:latin typeface="Cambria Math" panose="02040503050406030204" pitchFamily="18" charset="0"/>
-                              </a:rPr>
-                              <m:t>𝑤𝑟</m:t>
-                            </m:r>
-                          </m:sub>
-                        </m:sSub>
-                      </m:e>
-                    </m:nary>
-                    <m:r>
-                      <a:rPr lang="en-US" i="1" smtClean="0">
-                        <a:latin typeface="Cambria Math" panose="02040503050406030204" pitchFamily="18" charset="0"/>
-                        <a:ea typeface="Cambria Math" panose="02040503050406030204" pitchFamily="18" charset="0"/>
-                      </a:rPr>
-                      <m:t>∙</m:t>
-                    </m:r>
-                    <m:sSub>
-                      <m:sSubPr>
-                        <m:ctrlPr>
-                          <a:rPr lang="en-US" i="1" smtClean="0">
-                            <a:latin typeface="Cambria Math" panose="02040503050406030204" pitchFamily="18" charset="0"/>
-                            <a:ea typeface="Cambria Math" panose="02040503050406030204" pitchFamily="18" charset="0"/>
-                          </a:rPr>
-                        </m:ctrlPr>
-                      </m:sSubPr>
-                      <m:e>
-                        <m:r>
-                          <a:rPr lang="en-CA" b="0" i="1" smtClean="0">
-                            <a:latin typeface="Cambria Math" panose="02040503050406030204" pitchFamily="18" charset="0"/>
-                            <a:ea typeface="Cambria Math" panose="02040503050406030204" pitchFamily="18" charset="0"/>
-                          </a:rPr>
-                          <m:t>𝐴</m:t>
-                        </m:r>
-                      </m:e>
-                      <m:sub>
-                        <m:r>
-                          <a:rPr lang="en-CA" b="0" i="1" smtClean="0">
-                            <a:latin typeface="Cambria Math" panose="02040503050406030204" pitchFamily="18" charset="0"/>
-                            <a:ea typeface="Cambria Math" panose="02040503050406030204" pitchFamily="18" charset="0"/>
-                          </a:rPr>
-                          <m:t>𝑟</m:t>
-                        </m:r>
-                      </m:sub>
-                    </m:sSub>
-                    <m:r>
-                      <a:rPr lang="en-CA" b="0" i="1" smtClean="0">
-                        <a:latin typeface="Cambria Math" panose="02040503050406030204" pitchFamily="18" charset="0"/>
-                        <a:ea typeface="Cambria Math" panose="02040503050406030204" pitchFamily="18" charset="0"/>
-                      </a:rPr>
-                      <m:t>)</m:t>
-                    </m:r>
-                  </m:oMath>
-                </a14:m>
-                <a:endParaRPr lang="en-US" dirty="0"/>
-              </a:p>
-              <a:p>
-                <a:pPr lvl="1"/>
-                <a:r>
-                  <a:rPr lang="en-US" dirty="0"/>
-                  <a:t>We count the number of times word w appear in a virgin text and the proportion </a:t>
-                </a:r>
-                <a:r>
-                  <a:rPr lang="en-US" dirty="0">
-                    <a:solidFill>
-                      <a:schemeClr val="accent1"/>
-                    </a:solidFill>
-                  </a:rPr>
-                  <a:t>F</a:t>
-                </a:r>
-                <a:r>
-                  <a:rPr lang="en-US" dirty="0"/>
-                  <a:t> of times each word w appear in the virgin text. </a:t>
-                </a:r>
-              </a:p>
-              <a:p>
-                <a:pPr lvl="1"/>
-                <a:endParaRPr lang="en-US" dirty="0"/>
-              </a:p>
-              <a:p>
-                <a:pPr lvl="1"/>
-                <a:endParaRPr lang="en-US" dirty="0"/>
-              </a:p>
-            </p:txBody>
-          </p:sp>
-        </mc:Choice>
-        <mc:Fallback xmlns="">
-          <p:sp>
-            <p:nvSpPr>
-              <p:cNvPr id="3" name="Content Placeholder 2">
-                <a:extLst>
-                  <a:ext uri="{FF2B5EF4-FFF2-40B4-BE49-F238E27FC236}">
-                    <a16:creationId xmlns:a16="http://schemas.microsoft.com/office/drawing/2014/main" id="{322F1B4A-A183-F3BD-4D7B-AA852C2A3594}"/>
-                  </a:ext>
-                </a:extLst>
-              </p:cNvPr>
-              <p:cNvSpPr>
-                <a:spLocks noGrp="1" noRot="1" noChangeAspect="1" noMove="1" noResize="1" noEditPoints="1" noAdjustHandles="1" noChangeArrowheads="1" noChangeShapeType="1" noTextEdit="1"/>
-              </p:cNvSpPr>
-              <p:nvPr>
-                <p:ph idx="1"/>
-              </p:nvPr>
-            </p:nvSpPr>
-            <p:spPr>
-              <a:blipFill>
-                <a:blip r:embed="rId2"/>
-                <a:stretch>
-                  <a:fillRect l="-498" t="-704"/>
-                </a:stretch>
-              </a:blipFill>
-            </p:spPr>
-            <p:txBody>
-              <a:bodyPr/>
-              <a:lstStyle/>
-              <a:p>
-                <a:r>
-                  <a:rPr lang="en-US">
-                    <a:noFill/>
-                  </a:rPr>
-                  <a:t> </a:t>
-                </a:r>
-              </a:p>
-            </p:txBody>
-          </p:sp>
-        </mc:Fallback>
-      </mc:AlternateContent>
-    </p:spTree>
-    <p:extLst>
-      <p:ext uri="{BB962C8B-B14F-4D97-AF65-F5344CB8AC3E}">
-        <p14:creationId xmlns:p14="http://schemas.microsoft.com/office/powerpoint/2010/main" val="173152868"/>
-      </p:ext>
-    </p:extLst>
-  </p:cSld>
-  <p:clrMapOvr>
-    <a:masterClrMapping/>
-  </p:clrMapOvr>
-</p:sld>
-</file>
-
-<file path=ppt/slides/slide16.xml><?xml version="1.0" encoding="utf-8"?>
-<p:sld xmlns:a="http://schemas.openxmlformats.org/drawingml/2006/main" xmlns:r="http://schemas.openxmlformats.org/officeDocument/2006/relationships" xmlns:p="http://schemas.openxmlformats.org/presentationml/2006/main">
-  <p:cSld>
-    <p:spTree>
-      <p:nvGrpSpPr>
-        <p:cNvPr id="1" name=""/>
-        <p:cNvGrpSpPr/>
-        <p:nvPr/>
-      </p:nvGrpSpPr>
-      <p:grpSpPr>
-        <a:xfrm>
-          <a:off x="0" y="0"/>
-          <a:ext cx="0" cy="0"/>
-          <a:chOff x="0" y="0"/>
-          <a:chExt cx="0" cy="0"/>
-        </a:xfrm>
-      </p:grpSpPr>
-      <p:pic>
-        <p:nvPicPr>
-          <p:cNvPr id="4" name="Picture 3">
-            <a:extLst>
-              <a:ext uri="{FF2B5EF4-FFF2-40B4-BE49-F238E27FC236}">
-                <a16:creationId xmlns:a16="http://schemas.microsoft.com/office/drawing/2014/main" id="{012BBB73-1B7E-2252-77B6-BDCAF88A719E}"/>
-              </a:ext>
-            </a:extLst>
-          </p:cNvPr>
-          <p:cNvPicPr>
-            <a:picLocks noChangeAspect="1"/>
-          </p:cNvPicPr>
-          <p:nvPr/>
-        </p:nvPicPr>
-        <p:blipFill>
-          <a:blip r:embed="rId2"/>
-          <a:stretch>
-            <a:fillRect/>
-          </a:stretch>
-        </p:blipFill>
-        <p:spPr>
-          <a:xfrm>
-            <a:off x="3713446" y="796343"/>
-            <a:ext cx="4765108" cy="5265315"/>
-          </a:xfrm>
-          <a:prstGeom prst="rect">
-            <a:avLst/>
-          </a:prstGeom>
-        </p:spPr>
-      </p:pic>
-      <p:sp>
-        <p:nvSpPr>
-          <p:cNvPr id="5" name="Rectangle 4">
-            <a:extLst>
-              <a:ext uri="{FF2B5EF4-FFF2-40B4-BE49-F238E27FC236}">
-                <a16:creationId xmlns:a16="http://schemas.microsoft.com/office/drawing/2014/main" id="{ABEB8AEE-CC40-B03B-A345-2E31D314F15D}"/>
-              </a:ext>
-            </a:extLst>
-          </p:cNvPr>
-          <p:cNvSpPr/>
-          <p:nvPr/>
-        </p:nvSpPr>
-        <p:spPr>
-          <a:xfrm>
-            <a:off x="7105940" y="1183649"/>
-            <a:ext cx="318728" cy="4072446"/>
-          </a:xfrm>
-          <a:prstGeom prst="rect">
-            <a:avLst/>
-          </a:prstGeom>
-          <a:noFill/>
-          <a:ln w="19050">
-            <a:solidFill>
-              <a:schemeClr val="accent6"/>
-            </a:solidFill>
-          </a:ln>
-        </p:spPr>
-        <p:style>
-          <a:lnRef idx="2">
-            <a:schemeClr val="accent6"/>
-          </a:lnRef>
-          <a:fillRef idx="1">
-            <a:schemeClr val="lt1"/>
-          </a:fillRef>
-          <a:effectRef idx="0">
-            <a:schemeClr val="accent6"/>
-          </a:effectRef>
-          <a:fontRef idx="minor">
-            <a:schemeClr val="dk1"/>
-          </a:fontRef>
-        </p:style>
-        <p:txBody>
-          <a:bodyPr rtlCol="0" anchor="ctr"/>
-          <a:lstStyle/>
-          <a:p>
-            <a:pPr algn="ctr"/>
-            <a:endParaRPr lang="en-US"/>
-          </a:p>
-        </p:txBody>
-      </p:sp>
-      <p:grpSp>
-        <p:nvGrpSpPr>
-          <p:cNvPr id="2" name="Group 1">
-            <a:extLst>
-              <a:ext uri="{FF2B5EF4-FFF2-40B4-BE49-F238E27FC236}">
-                <a16:creationId xmlns:a16="http://schemas.microsoft.com/office/drawing/2014/main" id="{BA30DA56-A19C-D36C-C52E-965F54399B3E}"/>
-              </a:ext>
-            </a:extLst>
-          </p:cNvPr>
-          <p:cNvGrpSpPr/>
-          <p:nvPr/>
-        </p:nvGrpSpPr>
-        <p:grpSpPr>
-          <a:xfrm rot="4417001">
-            <a:off x="5823008" y="-253769"/>
-            <a:ext cx="1564200" cy="1468080"/>
-            <a:chOff x="1929457" y="2775869"/>
-            <a:chExt cx="1564200" cy="1468080"/>
-          </a:xfrm>
-        </p:grpSpPr>
-        <mc:AlternateContent xmlns:mc="http://schemas.openxmlformats.org/markup-compatibility/2006" xmlns:p14="http://schemas.microsoft.com/office/powerpoint/2010/main" xmlns:aink="http://schemas.microsoft.com/office/drawing/2016/ink">
-          <mc:Choice Requires="p14 aink">
-            <p:contentPart p14:bwMode="auto" r:id="rId3">
-              <p14:nvContentPartPr>
-                <p14:cNvPr id="12" name="Ink 11">
-                  <a:extLst>
-                    <a:ext uri="{FF2B5EF4-FFF2-40B4-BE49-F238E27FC236}">
-                      <a16:creationId xmlns:a16="http://schemas.microsoft.com/office/drawing/2014/main" id="{E38F9F71-7CE2-4C9B-1578-C3385A36C4FE}"/>
-                    </a:ext>
-                  </a:extLst>
-                </p14:cNvPr>
-                <p14:cNvContentPartPr/>
-                <p14:nvPr/>
-              </p14:nvContentPartPr>
-              <p14:xfrm>
-                <a:off x="1929457" y="2999789"/>
-                <a:ext cx="1363320" cy="1244160"/>
-              </p14:xfrm>
-            </p:contentPart>
-          </mc:Choice>
-          <mc:Fallback xmlns="">
-            <p:pic>
-              <p:nvPicPr>
-                <p:cNvPr id="12" name="Ink 11">
-                  <a:extLst>
-                    <a:ext uri="{FF2B5EF4-FFF2-40B4-BE49-F238E27FC236}">
-                      <a16:creationId xmlns:a16="http://schemas.microsoft.com/office/drawing/2014/main" id="{E38F9F71-7CE2-4C9B-1578-C3385A36C4FE}"/>
-                    </a:ext>
-                  </a:extLst>
-                </p:cNvPr>
-                <p:cNvPicPr/>
-                <p:nvPr/>
-              </p:nvPicPr>
-              <p:blipFill>
-                <a:blip r:embed="rId4"/>
-                <a:stretch>
-                  <a:fillRect/>
-                </a:stretch>
-              </p:blipFill>
-              <p:spPr>
-                <a:xfrm>
-                  <a:off x="1920457" y="2991149"/>
-                  <a:ext cx="1380960" cy="1261800"/>
-                </a:xfrm>
-                <a:prstGeom prst="rect">
-                  <a:avLst/>
-                </a:prstGeom>
-              </p:spPr>
-            </p:pic>
-          </mc:Fallback>
-        </mc:AlternateContent>
-        <mc:AlternateContent xmlns:mc="http://schemas.openxmlformats.org/markup-compatibility/2006" xmlns:p14="http://schemas.microsoft.com/office/powerpoint/2010/main" xmlns:aink="http://schemas.microsoft.com/office/drawing/2016/ink">
-          <mc:Choice Requires="p14 aink">
-            <p:contentPart p14:bwMode="auto" r:id="rId5">
-              <p14:nvContentPartPr>
-                <p14:cNvPr id="15" name="Ink 14">
-                  <a:extLst>
-                    <a:ext uri="{FF2B5EF4-FFF2-40B4-BE49-F238E27FC236}">
-                      <a16:creationId xmlns:a16="http://schemas.microsoft.com/office/drawing/2014/main" id="{83D46542-9B12-DB7E-8855-CB00319DA0AE}"/>
-                    </a:ext>
-                  </a:extLst>
-                </p14:cNvPr>
-                <p14:cNvContentPartPr/>
-                <p14:nvPr/>
-              </p14:nvContentPartPr>
-              <p14:xfrm>
-                <a:off x="3213937" y="2775869"/>
-                <a:ext cx="279720" cy="450360"/>
-              </p14:xfrm>
-            </p:contentPart>
-          </mc:Choice>
-          <mc:Fallback xmlns="">
-            <p:pic>
-              <p:nvPicPr>
-                <p:cNvPr id="15" name="Ink 14">
-                  <a:extLst>
-                    <a:ext uri="{FF2B5EF4-FFF2-40B4-BE49-F238E27FC236}">
-                      <a16:creationId xmlns:a16="http://schemas.microsoft.com/office/drawing/2014/main" id="{83D46542-9B12-DB7E-8855-CB00319DA0AE}"/>
-                    </a:ext>
-                  </a:extLst>
-                </p:cNvPr>
-                <p:cNvPicPr/>
-                <p:nvPr/>
-              </p:nvPicPr>
-              <p:blipFill>
-                <a:blip r:embed="rId6"/>
-                <a:stretch>
-                  <a:fillRect/>
-                </a:stretch>
-              </p:blipFill>
-              <p:spPr>
-                <a:xfrm>
-                  <a:off x="3205297" y="2767229"/>
-                  <a:ext cx="297360" cy="468000"/>
-                </a:xfrm>
-                <a:prstGeom prst="rect">
-                  <a:avLst/>
-                </a:prstGeom>
-              </p:spPr>
-            </p:pic>
-          </mc:Fallback>
-        </mc:AlternateContent>
-      </p:grpSp>
-    </p:spTree>
-    <p:extLst>
-      <p:ext uri="{BB962C8B-B14F-4D97-AF65-F5344CB8AC3E}">
-        <p14:creationId xmlns:p14="http://schemas.microsoft.com/office/powerpoint/2010/main" val="4252159681"/>
-      </p:ext>
-    </p:extLst>
-  </p:cSld>
-  <p:clrMapOvr>
-    <a:masterClrMapping/>
-  </p:clrMapOvr>
-</p:sld>
-</file>
-
-<file path=ppt/slides/slide17.xml><?xml version="1.0" encoding="utf-8"?>
-<p:sld xmlns:a="http://schemas.openxmlformats.org/drawingml/2006/main" xmlns:r="http://schemas.openxmlformats.org/officeDocument/2006/relationships" xmlns:p="http://schemas.openxmlformats.org/presentationml/2006/main">
-  <p:cSld>
-    <p:spTree>
-      <p:nvGrpSpPr>
-        <p:cNvPr id="1" name=""/>
-        <p:cNvGrpSpPr/>
-        <p:nvPr/>
-      </p:nvGrpSpPr>
-      <p:grpSpPr>
-        <a:xfrm>
-          <a:off x="0" y="0"/>
-          <a:ext cx="0" cy="0"/>
-          <a:chOff x="0" y="0"/>
-          <a:chExt cx="0" cy="0"/>
-        </a:xfrm>
-      </p:grpSpPr>
-      <p:sp>
-        <p:nvSpPr>
-          <p:cNvPr id="2" name="Title 1">
-            <a:extLst>
-              <a:ext uri="{FF2B5EF4-FFF2-40B4-BE49-F238E27FC236}">
-                <a16:creationId xmlns:a16="http://schemas.microsoft.com/office/drawing/2014/main" id="{D991E5F2-B4DA-0F09-F9C5-08C5F107636F}"/>
-              </a:ext>
-            </a:extLst>
-          </p:cNvPr>
-          <p:cNvSpPr>
-            <a:spLocks noGrp="1"/>
-          </p:cNvSpPr>
-          <p:nvPr>
-            <p:ph type="title"/>
-          </p:nvPr>
-        </p:nvSpPr>
-        <p:spPr/>
-        <p:txBody>
-          <a:bodyPr/>
-          <a:lstStyle/>
-          <a:p>
-            <a:endParaRPr lang="en-US"/>
-          </a:p>
-        </p:txBody>
-      </p:sp>
-      <mc:AlternateContent xmlns:mc="http://schemas.openxmlformats.org/markup-compatibility/2006" xmlns:a14="http://schemas.microsoft.com/office/drawing/2010/main">
-        <mc:Choice Requires="a14">
-          <p:sp>
-            <p:nvSpPr>
-              <p:cNvPr id="3" name="Content Placeholder 2">
-                <a:extLst>
-                  <a:ext uri="{FF2B5EF4-FFF2-40B4-BE49-F238E27FC236}">
-                    <a16:creationId xmlns:a16="http://schemas.microsoft.com/office/drawing/2014/main" id="{322F1B4A-A183-F3BD-4D7B-AA852C2A3594}"/>
-                  </a:ext>
-                </a:extLst>
-              </p:cNvPr>
-              <p:cNvSpPr>
-                <a:spLocks noGrp="1"/>
-              </p:cNvSpPr>
-              <p:nvPr>
-                <p:ph idx="1"/>
-              </p:nvPr>
-            </p:nvSpPr>
-            <p:spPr/>
-            <p:txBody>
-              <a:bodyPr/>
-              <a:lstStyle/>
-              <a:p>
-                <a:r>
-                  <a:rPr lang="en-US" dirty="0"/>
-                  <a:t>The process is as follows:</a:t>
-                </a:r>
-              </a:p>
-              <a:p>
-                <a:pPr lvl="1"/>
-                <a:r>
-                  <a:rPr lang="en-US" dirty="0"/>
-                  <a:t>We give each reference text r an </a:t>
-                </a:r>
-                <a:r>
-                  <a:rPr lang="en-US" i="1" dirty="0"/>
-                  <a:t>a priori </a:t>
-                </a:r>
-                <a:r>
-                  <a:rPr lang="en-US" dirty="0"/>
-                  <a:t>score </a:t>
-                </a:r>
-                <a:r>
-                  <a:rPr lang="en-US" dirty="0">
-                    <a:solidFill>
-                      <a:schemeClr val="accent1"/>
-                    </a:solidFill>
-                  </a:rPr>
-                  <a:t>A</a:t>
-                </a:r>
-                <a:r>
-                  <a:rPr lang="en-US" dirty="0"/>
-                  <a:t>.</a:t>
-                </a:r>
-              </a:p>
-              <a:p>
-                <a:pPr lvl="1"/>
-                <a:r>
-                  <a:rPr lang="en-US" dirty="0"/>
-                  <a:t>We count the number of words </a:t>
-                </a:r>
-                <a:r>
-                  <a:rPr lang="en-US" dirty="0">
-                    <a:solidFill>
-                      <a:schemeClr val="accent1"/>
-                    </a:solidFill>
-                  </a:rPr>
-                  <a:t>w</a:t>
-                </a:r>
-                <a:r>
-                  <a:rPr lang="en-US" dirty="0"/>
-                  <a:t> that occur in reference text </a:t>
-                </a:r>
-                <a:r>
-                  <a:rPr lang="en-US" dirty="0">
-                    <a:solidFill>
-                      <a:schemeClr val="accent1"/>
-                    </a:solidFill>
-                  </a:rPr>
-                  <a:t>r</a:t>
-                </a:r>
-                <a:r>
-                  <a:rPr lang="en-US" dirty="0"/>
-                  <a:t>.</a:t>
-                </a:r>
-              </a:p>
-              <a:p>
-                <a:pPr lvl="1"/>
-                <a:r>
-                  <a:rPr lang="en-US" dirty="0"/>
-                  <a:t>We estimate the </a:t>
-                </a:r>
-                <a:r>
-                  <a:rPr lang="en-US" dirty="0">
-                    <a:solidFill>
-                      <a:schemeClr val="accent1"/>
-                    </a:solidFill>
-                  </a:rPr>
-                  <a:t>probability P</a:t>
-                </a:r>
-                <a:r>
-                  <a:rPr lang="en-US" dirty="0"/>
-                  <a:t> of reading text r, given word w.</a:t>
-                </a:r>
-              </a:p>
-              <a:p>
-                <a:pPr lvl="1"/>
-                <a:r>
-                  <a:rPr lang="en-US" dirty="0"/>
-                  <a:t>We estimate </a:t>
-                </a:r>
-                <a:r>
-                  <a:rPr lang="en-US" dirty="0">
-                    <a:solidFill>
-                      <a:schemeClr val="accent1"/>
-                    </a:solidFill>
-                  </a:rPr>
-                  <a:t>S</a:t>
-                </a:r>
-                <a:r>
-                  <a:rPr lang="en-US" dirty="0"/>
-                  <a:t>: the average of </a:t>
-                </a:r>
-                <a:r>
-                  <a:rPr lang="en-US" dirty="0">
-                    <a:solidFill>
-                      <a:schemeClr val="accent1"/>
-                    </a:solidFill>
-                  </a:rPr>
-                  <a:t>A</a:t>
-                </a:r>
-                <a:r>
-                  <a:rPr lang="en-US" dirty="0"/>
-                  <a:t> weighted by P = </a:t>
-                </a:r>
-                <a14:m>
-                  <m:oMath xmlns:m="http://schemas.openxmlformats.org/officeDocument/2006/math">
-                    <m:nary>
-                      <m:naryPr>
-                        <m:chr m:val="∑"/>
-                        <m:limLoc m:val="subSup"/>
-                        <m:supHide m:val="on"/>
-                        <m:ctrlPr>
-                          <a:rPr lang="en-US" i="1" smtClean="0">
-                            <a:latin typeface="Cambria Math" panose="02040503050406030204" pitchFamily="18" charset="0"/>
-                          </a:rPr>
-                        </m:ctrlPr>
-                      </m:naryPr>
-                      <m:sub>
-                        <m:r>
-                          <m:rPr>
-                            <m:brk m:alnAt="9"/>
-                          </m:rPr>
-                          <a:rPr lang="en-CA" b="0" i="1" smtClean="0">
-                            <a:latin typeface="Cambria Math" panose="02040503050406030204" pitchFamily="18" charset="0"/>
-                          </a:rPr>
-                          <m:t>𝑟</m:t>
-                        </m:r>
-                      </m:sub>
-                      <m:sup/>
-                      <m:e>
-                        <m:r>
-                          <a:rPr lang="en-CA" b="0" i="1" smtClean="0">
-                            <a:latin typeface="Cambria Math" panose="02040503050406030204" pitchFamily="18" charset="0"/>
-                          </a:rPr>
-                          <m:t>(</m:t>
-                        </m:r>
-                        <m:sSub>
-                          <m:sSubPr>
-                            <m:ctrlPr>
-                              <a:rPr lang="en-CA" b="0" i="1" smtClean="0">
-                                <a:latin typeface="Cambria Math" panose="02040503050406030204" pitchFamily="18" charset="0"/>
-                              </a:rPr>
-                            </m:ctrlPr>
-                          </m:sSubPr>
-                          <m:e>
-                            <m:r>
-                              <a:rPr lang="en-CA" b="0" i="1" smtClean="0">
-                                <a:latin typeface="Cambria Math" panose="02040503050406030204" pitchFamily="18" charset="0"/>
-                              </a:rPr>
-                              <m:t>𝑃</m:t>
-                            </m:r>
-                          </m:e>
-                          <m:sub>
-                            <m:r>
-                              <a:rPr lang="en-CA" b="0" i="1" smtClean="0">
-                                <a:latin typeface="Cambria Math" panose="02040503050406030204" pitchFamily="18" charset="0"/>
-                              </a:rPr>
-                              <m:t>𝑤𝑟</m:t>
-                            </m:r>
-                          </m:sub>
-                        </m:sSub>
-                      </m:e>
-                    </m:nary>
-                    <m:r>
-                      <a:rPr lang="en-US" i="1" smtClean="0">
-                        <a:latin typeface="Cambria Math" panose="02040503050406030204" pitchFamily="18" charset="0"/>
-                        <a:ea typeface="Cambria Math" panose="02040503050406030204" pitchFamily="18" charset="0"/>
-                      </a:rPr>
-                      <m:t>∙</m:t>
-                    </m:r>
-                    <m:sSub>
-                      <m:sSubPr>
-                        <m:ctrlPr>
-                          <a:rPr lang="en-US" i="1" smtClean="0">
-                            <a:latin typeface="Cambria Math" panose="02040503050406030204" pitchFamily="18" charset="0"/>
-                            <a:ea typeface="Cambria Math" panose="02040503050406030204" pitchFamily="18" charset="0"/>
-                          </a:rPr>
-                        </m:ctrlPr>
-                      </m:sSubPr>
-                      <m:e>
-                        <m:r>
-                          <a:rPr lang="en-CA" b="0" i="1" smtClean="0">
-                            <a:latin typeface="Cambria Math" panose="02040503050406030204" pitchFamily="18" charset="0"/>
-                            <a:ea typeface="Cambria Math" panose="02040503050406030204" pitchFamily="18" charset="0"/>
-                          </a:rPr>
-                          <m:t>𝐴</m:t>
-                        </m:r>
-                      </m:e>
-                      <m:sub>
-                        <m:r>
-                          <a:rPr lang="en-CA" b="0" i="1" smtClean="0">
-                            <a:latin typeface="Cambria Math" panose="02040503050406030204" pitchFamily="18" charset="0"/>
-                            <a:ea typeface="Cambria Math" panose="02040503050406030204" pitchFamily="18" charset="0"/>
-                          </a:rPr>
-                          <m:t>𝑟</m:t>
-                        </m:r>
-                      </m:sub>
-                    </m:sSub>
-                    <m:r>
-                      <a:rPr lang="en-CA" b="0" i="1" smtClean="0">
-                        <a:latin typeface="Cambria Math" panose="02040503050406030204" pitchFamily="18" charset="0"/>
-                        <a:ea typeface="Cambria Math" panose="02040503050406030204" pitchFamily="18" charset="0"/>
-                      </a:rPr>
-                      <m:t>)</m:t>
-                    </m:r>
-                  </m:oMath>
-                </a14:m>
-                <a:endParaRPr lang="en-US" dirty="0"/>
-              </a:p>
-              <a:p>
-                <a:pPr lvl="1"/>
-                <a:r>
-                  <a:rPr lang="en-US" dirty="0"/>
-                  <a:t>We count the number of times word w appear in a virgin text and the proportion </a:t>
-                </a:r>
-                <a:r>
-                  <a:rPr lang="en-US" dirty="0">
-                    <a:solidFill>
-                      <a:schemeClr val="accent1"/>
-                    </a:solidFill>
-                  </a:rPr>
-                  <a:t>F</a:t>
-                </a:r>
-                <a:r>
-                  <a:rPr lang="en-US" dirty="0"/>
-                  <a:t> of times each word w appear in the virgin text. </a:t>
-                </a:r>
-              </a:p>
-              <a:p>
-                <a:pPr lvl="1"/>
-                <a:r>
-                  <a:rPr lang="en-US" dirty="0"/>
-                  <a:t>Estimate the </a:t>
-                </a:r>
-                <a:r>
-                  <a:rPr lang="en-US" b="1" i="1" dirty="0" err="1">
-                    <a:solidFill>
-                      <a:schemeClr val="accent1"/>
-                    </a:solidFill>
-                  </a:rPr>
-                  <a:t>wordscore</a:t>
-                </a:r>
-                <a:r>
-                  <a:rPr lang="en-US" dirty="0"/>
-                  <a:t> for the virgin text by estimating F x S for every word, </a:t>
-                </a:r>
-              </a:p>
-              <a:p>
-                <a:pPr lvl="1"/>
-                <a:endParaRPr lang="en-US" dirty="0"/>
-              </a:p>
-              <a:p>
-                <a:pPr lvl="1"/>
-                <a:endParaRPr lang="en-US" dirty="0"/>
-              </a:p>
-              <a:p>
-                <a:pPr lvl="1"/>
-                <a:endParaRPr lang="en-US" dirty="0"/>
-              </a:p>
-            </p:txBody>
-          </p:sp>
-        </mc:Choice>
-        <mc:Fallback xmlns="">
-          <p:sp>
-            <p:nvSpPr>
-              <p:cNvPr id="3" name="Content Placeholder 2">
-                <a:extLst>
-                  <a:ext uri="{FF2B5EF4-FFF2-40B4-BE49-F238E27FC236}">
-                    <a16:creationId xmlns:a16="http://schemas.microsoft.com/office/drawing/2014/main" id="{322F1B4A-A183-F3BD-4D7B-AA852C2A3594}"/>
-                  </a:ext>
-                </a:extLst>
-              </p:cNvPr>
-              <p:cNvSpPr>
-                <a:spLocks noGrp="1" noRot="1" noChangeAspect="1" noMove="1" noResize="1" noEditPoints="1" noAdjustHandles="1" noChangeArrowheads="1" noChangeShapeType="1" noTextEdit="1"/>
-              </p:cNvSpPr>
-              <p:nvPr>
-                <p:ph idx="1"/>
-              </p:nvPr>
-            </p:nvSpPr>
-            <p:spPr>
-              <a:blipFill>
-                <a:blip r:embed="rId2"/>
-                <a:stretch>
-                  <a:fillRect l="-498" t="-704"/>
-                </a:stretch>
-              </a:blipFill>
-            </p:spPr>
-            <p:txBody>
-              <a:bodyPr/>
-              <a:lstStyle/>
-              <a:p>
-                <a:r>
-                  <a:rPr lang="en-US">
-                    <a:noFill/>
-                  </a:rPr>
-                  <a:t> </a:t>
-                </a:r>
-              </a:p>
-            </p:txBody>
-          </p:sp>
-        </mc:Fallback>
-      </mc:AlternateContent>
-    </p:spTree>
-    <p:extLst>
-      <p:ext uri="{BB962C8B-B14F-4D97-AF65-F5344CB8AC3E}">
-        <p14:creationId xmlns:p14="http://schemas.microsoft.com/office/powerpoint/2010/main" val="1919283659"/>
-      </p:ext>
-    </p:extLst>
-  </p:cSld>
-  <p:clrMapOvr>
-    <a:masterClrMapping/>
-  </p:clrMapOvr>
-</p:sld>
-</file>
-
-<file path=ppt/slides/slide18.xml><?xml version="1.0" encoding="utf-8"?>
-<p:sld xmlns:a="http://schemas.openxmlformats.org/drawingml/2006/main" xmlns:r="http://schemas.openxmlformats.org/officeDocument/2006/relationships" xmlns:p="http://schemas.openxmlformats.org/presentationml/2006/main">
-  <p:cSld>
-    <p:spTree>
-      <p:nvGrpSpPr>
-        <p:cNvPr id="1" name=""/>
-        <p:cNvGrpSpPr/>
-        <p:nvPr/>
-      </p:nvGrpSpPr>
-      <p:grpSpPr>
-        <a:xfrm>
-          <a:off x="0" y="0"/>
-          <a:ext cx="0" cy="0"/>
-          <a:chOff x="0" y="0"/>
-          <a:chExt cx="0" cy="0"/>
-        </a:xfrm>
-      </p:grpSpPr>
-      <p:pic>
-        <p:nvPicPr>
-          <p:cNvPr id="4" name="Picture 3">
-            <a:extLst>
-              <a:ext uri="{FF2B5EF4-FFF2-40B4-BE49-F238E27FC236}">
-                <a16:creationId xmlns:a16="http://schemas.microsoft.com/office/drawing/2014/main" id="{012BBB73-1B7E-2252-77B6-BDCAF88A719E}"/>
-              </a:ext>
-            </a:extLst>
-          </p:cNvPr>
-          <p:cNvPicPr>
-            <a:picLocks noChangeAspect="1"/>
-          </p:cNvPicPr>
-          <p:nvPr/>
-        </p:nvPicPr>
-        <p:blipFill>
-          <a:blip r:embed="rId2"/>
-          <a:stretch>
-            <a:fillRect/>
-          </a:stretch>
-        </p:blipFill>
-        <p:spPr>
-          <a:xfrm>
-            <a:off x="3713446" y="796343"/>
-            <a:ext cx="4765108" cy="5265315"/>
-          </a:xfrm>
-          <a:prstGeom prst="rect">
-            <a:avLst/>
-          </a:prstGeom>
-        </p:spPr>
-      </p:pic>
-      <p:sp>
-        <p:nvSpPr>
-          <p:cNvPr id="5" name="Rectangle 4">
-            <a:extLst>
-              <a:ext uri="{FF2B5EF4-FFF2-40B4-BE49-F238E27FC236}">
-                <a16:creationId xmlns:a16="http://schemas.microsoft.com/office/drawing/2014/main" id="{ABEB8AEE-CC40-B03B-A345-2E31D314F15D}"/>
-              </a:ext>
-            </a:extLst>
-          </p:cNvPr>
-          <p:cNvSpPr/>
-          <p:nvPr/>
-        </p:nvSpPr>
-        <p:spPr>
-          <a:xfrm>
-            <a:off x="7422763" y="1244937"/>
-            <a:ext cx="410230" cy="4072446"/>
-          </a:xfrm>
-          <a:prstGeom prst="rect">
-            <a:avLst/>
-          </a:prstGeom>
-          <a:noFill/>
-          <a:ln w="19050">
-            <a:solidFill>
-              <a:schemeClr val="accent6"/>
-            </a:solidFill>
-          </a:ln>
-        </p:spPr>
-        <p:style>
-          <a:lnRef idx="2">
-            <a:schemeClr val="accent6"/>
-          </a:lnRef>
-          <a:fillRef idx="1">
-            <a:schemeClr val="lt1"/>
-          </a:fillRef>
-          <a:effectRef idx="0">
-            <a:schemeClr val="accent6"/>
-          </a:effectRef>
-          <a:fontRef idx="minor">
-            <a:schemeClr val="dk1"/>
-          </a:fontRef>
-        </p:style>
-        <p:txBody>
-          <a:bodyPr rtlCol="0" anchor="ctr"/>
-          <a:lstStyle/>
-          <a:p>
-            <a:pPr algn="ctr"/>
-            <a:endParaRPr lang="en-US"/>
-          </a:p>
-        </p:txBody>
-      </p:sp>
-      <p:grpSp>
-        <p:nvGrpSpPr>
-          <p:cNvPr id="2" name="Group 1">
-            <a:extLst>
-              <a:ext uri="{FF2B5EF4-FFF2-40B4-BE49-F238E27FC236}">
-                <a16:creationId xmlns:a16="http://schemas.microsoft.com/office/drawing/2014/main" id="{BA30DA56-A19C-D36C-C52E-965F54399B3E}"/>
-              </a:ext>
-            </a:extLst>
-          </p:cNvPr>
-          <p:cNvGrpSpPr/>
-          <p:nvPr/>
-        </p:nvGrpSpPr>
-        <p:grpSpPr>
-          <a:xfrm rot="4417001">
-            <a:off x="6182368" y="-150812"/>
-            <a:ext cx="1564200" cy="1468080"/>
-            <a:chOff x="1929457" y="2775869"/>
-            <a:chExt cx="1564200" cy="1468080"/>
-          </a:xfrm>
-        </p:grpSpPr>
-        <mc:AlternateContent xmlns:mc="http://schemas.openxmlformats.org/markup-compatibility/2006" xmlns:p14="http://schemas.microsoft.com/office/powerpoint/2010/main" xmlns:aink="http://schemas.microsoft.com/office/drawing/2016/ink">
-          <mc:Choice Requires="p14 aink">
-            <p:contentPart p14:bwMode="auto" r:id="rId3">
-              <p14:nvContentPartPr>
-                <p14:cNvPr id="12" name="Ink 11">
-                  <a:extLst>
-                    <a:ext uri="{FF2B5EF4-FFF2-40B4-BE49-F238E27FC236}">
-                      <a16:creationId xmlns:a16="http://schemas.microsoft.com/office/drawing/2014/main" id="{E38F9F71-7CE2-4C9B-1578-C3385A36C4FE}"/>
-                    </a:ext>
-                  </a:extLst>
-                </p14:cNvPr>
-                <p14:cNvContentPartPr/>
-                <p14:nvPr/>
-              </p14:nvContentPartPr>
-              <p14:xfrm>
-                <a:off x="1929457" y="2999789"/>
-                <a:ext cx="1363320" cy="1244160"/>
-              </p14:xfrm>
-            </p:contentPart>
-          </mc:Choice>
-          <mc:Fallback xmlns="">
-            <p:pic>
-              <p:nvPicPr>
-                <p:cNvPr id="12" name="Ink 11">
-                  <a:extLst>
-                    <a:ext uri="{FF2B5EF4-FFF2-40B4-BE49-F238E27FC236}">
-                      <a16:creationId xmlns:a16="http://schemas.microsoft.com/office/drawing/2014/main" id="{E38F9F71-7CE2-4C9B-1578-C3385A36C4FE}"/>
-                    </a:ext>
-                  </a:extLst>
-                </p:cNvPr>
-                <p:cNvPicPr/>
-                <p:nvPr/>
-              </p:nvPicPr>
-              <p:blipFill>
-                <a:blip r:embed="rId4"/>
-                <a:stretch>
-                  <a:fillRect/>
-                </a:stretch>
-              </p:blipFill>
-              <p:spPr>
-                <a:xfrm>
-                  <a:off x="1920457" y="2991149"/>
-                  <a:ext cx="1380960" cy="1261800"/>
-                </a:xfrm>
-                <a:prstGeom prst="rect">
-                  <a:avLst/>
-                </a:prstGeom>
-              </p:spPr>
-            </p:pic>
-          </mc:Fallback>
-        </mc:AlternateContent>
-        <mc:AlternateContent xmlns:mc="http://schemas.openxmlformats.org/markup-compatibility/2006" xmlns:p14="http://schemas.microsoft.com/office/powerpoint/2010/main" xmlns:aink="http://schemas.microsoft.com/office/drawing/2016/ink">
-          <mc:Choice Requires="p14 aink">
-            <p:contentPart p14:bwMode="auto" r:id="rId5">
-              <p14:nvContentPartPr>
-                <p14:cNvPr id="15" name="Ink 14">
-                  <a:extLst>
-                    <a:ext uri="{FF2B5EF4-FFF2-40B4-BE49-F238E27FC236}">
-                      <a16:creationId xmlns:a16="http://schemas.microsoft.com/office/drawing/2014/main" id="{83D46542-9B12-DB7E-8855-CB00319DA0AE}"/>
-                    </a:ext>
-                  </a:extLst>
-                </p14:cNvPr>
-                <p14:cNvContentPartPr/>
-                <p14:nvPr/>
-              </p14:nvContentPartPr>
-              <p14:xfrm>
-                <a:off x="3213937" y="2775869"/>
-                <a:ext cx="279720" cy="450360"/>
-              </p14:xfrm>
-            </p:contentPart>
-          </mc:Choice>
-          <mc:Fallback xmlns="">
-            <p:pic>
-              <p:nvPicPr>
-                <p:cNvPr id="15" name="Ink 14">
-                  <a:extLst>
-                    <a:ext uri="{FF2B5EF4-FFF2-40B4-BE49-F238E27FC236}">
-                      <a16:creationId xmlns:a16="http://schemas.microsoft.com/office/drawing/2014/main" id="{83D46542-9B12-DB7E-8855-CB00319DA0AE}"/>
-                    </a:ext>
-                  </a:extLst>
-                </p:cNvPr>
-                <p:cNvPicPr/>
-                <p:nvPr/>
-              </p:nvPicPr>
-              <p:blipFill>
-                <a:blip r:embed="rId6"/>
-                <a:stretch>
-                  <a:fillRect/>
-                </a:stretch>
-              </p:blipFill>
-              <p:spPr>
-                <a:xfrm>
-                  <a:off x="3205297" y="2767229"/>
-                  <a:ext cx="297360" cy="468000"/>
-                </a:xfrm>
-                <a:prstGeom prst="rect">
-                  <a:avLst/>
-                </a:prstGeom>
-              </p:spPr>
-            </p:pic>
-          </mc:Fallback>
-        </mc:AlternateContent>
-      </p:grpSp>
-    </p:spTree>
-    <p:extLst>
-      <p:ext uri="{BB962C8B-B14F-4D97-AF65-F5344CB8AC3E}">
-        <p14:creationId xmlns:p14="http://schemas.microsoft.com/office/powerpoint/2010/main" val="945306372"/>
-      </p:ext>
-    </p:extLst>
-  </p:cSld>
-  <p:clrMapOvr>
-    <a:masterClrMapping/>
-  </p:clrMapOvr>
-</p:sld>
-</file>
-
-<file path=ppt/slides/slide19.xml><?xml version="1.0" encoding="utf-8"?>
-<p:sld xmlns:a="http://schemas.openxmlformats.org/drawingml/2006/main" xmlns:r="http://schemas.openxmlformats.org/officeDocument/2006/relationships" xmlns:p="http://schemas.openxmlformats.org/presentationml/2006/main">
-  <p:cSld>
-    <p:spTree>
-      <p:nvGrpSpPr>
-        <p:cNvPr id="1" name=""/>
-        <p:cNvGrpSpPr/>
-        <p:nvPr/>
-      </p:nvGrpSpPr>
-      <p:grpSpPr>
-        <a:xfrm>
-          <a:off x="0" y="0"/>
-          <a:ext cx="0" cy="0"/>
-          <a:chOff x="0" y="0"/>
-          <a:chExt cx="0" cy="0"/>
-        </a:xfrm>
-      </p:grpSpPr>
-      <p:sp>
-        <p:nvSpPr>
-          <p:cNvPr id="2" name="Title 1">
-            <a:extLst>
-              <a:ext uri="{FF2B5EF4-FFF2-40B4-BE49-F238E27FC236}">
-                <a16:creationId xmlns:a16="http://schemas.microsoft.com/office/drawing/2014/main" id="{D991E5F2-B4DA-0F09-F9C5-08C5F107636F}"/>
-              </a:ext>
-            </a:extLst>
-          </p:cNvPr>
-          <p:cNvSpPr>
-            <a:spLocks noGrp="1"/>
-          </p:cNvSpPr>
-          <p:nvPr>
-            <p:ph type="title"/>
-          </p:nvPr>
-        </p:nvSpPr>
-        <p:spPr/>
-        <p:txBody>
-          <a:bodyPr/>
-          <a:lstStyle/>
-          <a:p>
-            <a:endParaRPr lang="en-US"/>
-          </a:p>
-        </p:txBody>
-      </p:sp>
-      <mc:AlternateContent xmlns:mc="http://schemas.openxmlformats.org/markup-compatibility/2006" xmlns:a14="http://schemas.microsoft.com/office/drawing/2010/main">
-        <mc:Choice Requires="a14">
-          <p:sp>
-            <p:nvSpPr>
-              <p:cNvPr id="3" name="Content Placeholder 2">
-                <a:extLst>
-                  <a:ext uri="{FF2B5EF4-FFF2-40B4-BE49-F238E27FC236}">
-                    <a16:creationId xmlns:a16="http://schemas.microsoft.com/office/drawing/2014/main" id="{322F1B4A-A183-F3BD-4D7B-AA852C2A3594}"/>
-                  </a:ext>
-                </a:extLst>
-              </p:cNvPr>
-              <p:cNvSpPr>
-                <a:spLocks noGrp="1"/>
-              </p:cNvSpPr>
-              <p:nvPr>
-                <p:ph idx="1"/>
-              </p:nvPr>
-            </p:nvSpPr>
-            <p:spPr/>
-            <p:txBody>
-              <a:bodyPr/>
-              <a:lstStyle/>
-              <a:p>
-                <a:r>
-                  <a:rPr lang="en-US" dirty="0"/>
-                  <a:t>The process is as follows:</a:t>
-                </a:r>
-              </a:p>
-              <a:p>
-                <a:pPr lvl="1"/>
-                <a:r>
-                  <a:rPr lang="en-US" dirty="0"/>
-                  <a:t>We give each reference text r an </a:t>
-                </a:r>
-                <a:r>
-                  <a:rPr lang="en-US" i="1" dirty="0"/>
-                  <a:t>a priori </a:t>
-                </a:r>
-                <a:r>
-                  <a:rPr lang="en-US" dirty="0"/>
-                  <a:t>score </a:t>
-                </a:r>
-                <a:r>
-                  <a:rPr lang="en-US" dirty="0">
-                    <a:solidFill>
-                      <a:schemeClr val="accent1"/>
-                    </a:solidFill>
-                  </a:rPr>
-                  <a:t>A</a:t>
-                </a:r>
-                <a:r>
-                  <a:rPr lang="en-US" dirty="0"/>
-                  <a:t>.</a:t>
-                </a:r>
-              </a:p>
-              <a:p>
-                <a:pPr lvl="1"/>
-                <a:r>
-                  <a:rPr lang="en-US" dirty="0"/>
-                  <a:t>We count the number of words </a:t>
-                </a:r>
-                <a:r>
-                  <a:rPr lang="en-US" dirty="0">
-                    <a:solidFill>
-                      <a:schemeClr val="accent1"/>
-                    </a:solidFill>
-                  </a:rPr>
-                  <a:t>w</a:t>
-                </a:r>
-                <a:r>
-                  <a:rPr lang="en-US" dirty="0"/>
-                  <a:t> that occur in reference text </a:t>
-                </a:r>
-                <a:r>
-                  <a:rPr lang="en-US" dirty="0">
-                    <a:solidFill>
-                      <a:schemeClr val="accent1"/>
-                    </a:solidFill>
-                  </a:rPr>
-                  <a:t>r</a:t>
-                </a:r>
-                <a:r>
-                  <a:rPr lang="en-US" dirty="0"/>
-                  <a:t>.</a:t>
-                </a:r>
-              </a:p>
-              <a:p>
-                <a:pPr lvl="1"/>
-                <a:r>
-                  <a:rPr lang="en-US" dirty="0"/>
-                  <a:t>We estimate the </a:t>
-                </a:r>
-                <a:r>
-                  <a:rPr lang="en-US" dirty="0">
-                    <a:solidFill>
-                      <a:schemeClr val="accent1"/>
-                    </a:solidFill>
-                  </a:rPr>
-                  <a:t>probability P</a:t>
-                </a:r>
-                <a:r>
-                  <a:rPr lang="en-US" dirty="0"/>
-                  <a:t> of reading text r, given word w.</a:t>
-                </a:r>
-              </a:p>
-              <a:p>
-                <a:pPr lvl="1"/>
-                <a:r>
-                  <a:rPr lang="en-US" dirty="0"/>
-                  <a:t>We estimate </a:t>
-                </a:r>
-                <a:r>
-                  <a:rPr lang="en-US" dirty="0">
-                    <a:solidFill>
-                      <a:schemeClr val="accent1"/>
-                    </a:solidFill>
-                  </a:rPr>
-                  <a:t>S</a:t>
-                </a:r>
-                <a:r>
-                  <a:rPr lang="en-US" dirty="0"/>
-                  <a:t>: the average of </a:t>
-                </a:r>
-                <a:r>
-                  <a:rPr lang="en-US" dirty="0">
-                    <a:solidFill>
-                      <a:schemeClr val="accent1"/>
-                    </a:solidFill>
-                  </a:rPr>
-                  <a:t>A</a:t>
-                </a:r>
-                <a:r>
-                  <a:rPr lang="en-US" dirty="0"/>
-                  <a:t> weighted by P = </a:t>
-                </a:r>
-                <a14:m>
-                  <m:oMath xmlns:m="http://schemas.openxmlformats.org/officeDocument/2006/math">
-                    <m:nary>
-                      <m:naryPr>
-                        <m:chr m:val="∑"/>
-                        <m:limLoc m:val="subSup"/>
-                        <m:supHide m:val="on"/>
-                        <m:ctrlPr>
-                          <a:rPr lang="en-US" i="1" smtClean="0">
-                            <a:latin typeface="Cambria Math" panose="02040503050406030204" pitchFamily="18" charset="0"/>
-                          </a:rPr>
-                        </m:ctrlPr>
-                      </m:naryPr>
-                      <m:sub>
-                        <m:r>
-                          <m:rPr>
-                            <m:brk m:alnAt="9"/>
-                          </m:rPr>
-                          <a:rPr lang="en-CA" b="0" i="1" smtClean="0">
-                            <a:latin typeface="Cambria Math" panose="02040503050406030204" pitchFamily="18" charset="0"/>
-                          </a:rPr>
-                          <m:t>𝑟</m:t>
-                        </m:r>
-                      </m:sub>
-                      <m:sup/>
-                      <m:e>
-                        <m:r>
-                          <a:rPr lang="en-CA" b="0" i="1" smtClean="0">
-                            <a:latin typeface="Cambria Math" panose="02040503050406030204" pitchFamily="18" charset="0"/>
-                          </a:rPr>
-                          <m:t>(</m:t>
-                        </m:r>
-                        <m:sSub>
-                          <m:sSubPr>
-                            <m:ctrlPr>
-                              <a:rPr lang="en-CA" b="0" i="1" smtClean="0">
-                                <a:latin typeface="Cambria Math" panose="02040503050406030204" pitchFamily="18" charset="0"/>
-                              </a:rPr>
-                            </m:ctrlPr>
-                          </m:sSubPr>
-                          <m:e>
-                            <m:r>
-                              <a:rPr lang="en-CA" b="0" i="1" smtClean="0">
-                                <a:latin typeface="Cambria Math" panose="02040503050406030204" pitchFamily="18" charset="0"/>
-                              </a:rPr>
-                              <m:t>𝑃</m:t>
-                            </m:r>
-                          </m:e>
-                          <m:sub>
-                            <m:r>
-                              <a:rPr lang="en-CA" b="0" i="1" smtClean="0">
-                                <a:latin typeface="Cambria Math" panose="02040503050406030204" pitchFamily="18" charset="0"/>
-                              </a:rPr>
-                              <m:t>𝑤𝑟</m:t>
-                            </m:r>
-                          </m:sub>
-                        </m:sSub>
-                      </m:e>
-                    </m:nary>
-                    <m:r>
-                      <a:rPr lang="en-US" i="1" smtClean="0">
-                        <a:latin typeface="Cambria Math" panose="02040503050406030204" pitchFamily="18" charset="0"/>
-                        <a:ea typeface="Cambria Math" panose="02040503050406030204" pitchFamily="18" charset="0"/>
-                      </a:rPr>
-                      <m:t>∙</m:t>
-                    </m:r>
-                    <m:sSub>
-                      <m:sSubPr>
-                        <m:ctrlPr>
-                          <a:rPr lang="en-US" i="1" smtClean="0">
-                            <a:latin typeface="Cambria Math" panose="02040503050406030204" pitchFamily="18" charset="0"/>
-                            <a:ea typeface="Cambria Math" panose="02040503050406030204" pitchFamily="18" charset="0"/>
-                          </a:rPr>
-                        </m:ctrlPr>
-                      </m:sSubPr>
-                      <m:e>
-                        <m:r>
-                          <a:rPr lang="en-CA" b="0" i="1" smtClean="0">
-                            <a:latin typeface="Cambria Math" panose="02040503050406030204" pitchFamily="18" charset="0"/>
-                            <a:ea typeface="Cambria Math" panose="02040503050406030204" pitchFamily="18" charset="0"/>
-                          </a:rPr>
-                          <m:t>𝐴</m:t>
-                        </m:r>
-                      </m:e>
-                      <m:sub>
-                        <m:r>
-                          <a:rPr lang="en-CA" b="0" i="1" smtClean="0">
-                            <a:latin typeface="Cambria Math" panose="02040503050406030204" pitchFamily="18" charset="0"/>
-                            <a:ea typeface="Cambria Math" panose="02040503050406030204" pitchFamily="18" charset="0"/>
-                          </a:rPr>
-                          <m:t>𝑟</m:t>
-                        </m:r>
-                      </m:sub>
-                    </m:sSub>
-                    <m:r>
-                      <a:rPr lang="en-CA" b="0" i="1" smtClean="0">
-                        <a:latin typeface="Cambria Math" panose="02040503050406030204" pitchFamily="18" charset="0"/>
-                        <a:ea typeface="Cambria Math" panose="02040503050406030204" pitchFamily="18" charset="0"/>
-                      </a:rPr>
-                      <m:t>)</m:t>
-                    </m:r>
-                  </m:oMath>
-                </a14:m>
-                <a:endParaRPr lang="en-US" dirty="0"/>
-              </a:p>
-              <a:p>
-                <a:pPr lvl="1"/>
-                <a:r>
-                  <a:rPr lang="en-US" dirty="0"/>
-                  <a:t>We count the number of times word w appear in a virgin text and the proportion </a:t>
-                </a:r>
-                <a:r>
-                  <a:rPr lang="en-US" dirty="0">
-                    <a:solidFill>
-                      <a:schemeClr val="accent1"/>
-                    </a:solidFill>
-                  </a:rPr>
-                  <a:t>F</a:t>
-                </a:r>
-                <a:r>
-                  <a:rPr lang="en-US" dirty="0"/>
-                  <a:t> of times each word w appear in the virgin text. </a:t>
-                </a:r>
-              </a:p>
-              <a:p>
-                <a:pPr lvl="1"/>
-                <a:r>
-                  <a:rPr lang="en-US" dirty="0"/>
-                  <a:t>Estimate the </a:t>
-                </a:r>
-                <a:r>
-                  <a:rPr lang="en-US" b="1" i="1" dirty="0" err="1">
-                    <a:solidFill>
-                      <a:schemeClr val="accent1"/>
-                    </a:solidFill>
-                  </a:rPr>
-                  <a:t>wordscore</a:t>
-                </a:r>
-                <a:r>
-                  <a:rPr lang="en-US" dirty="0"/>
-                  <a:t> for the virgin text by estimating F x S for every word, and then averaging those scores.</a:t>
-                </a:r>
-              </a:p>
-              <a:p>
-                <a:pPr lvl="1"/>
-                <a:endParaRPr lang="en-US" dirty="0"/>
-              </a:p>
-              <a:p>
-                <a:pPr lvl="1"/>
-                <a:endParaRPr lang="en-US" dirty="0"/>
-              </a:p>
-              <a:p>
-                <a:pPr lvl="1"/>
-                <a:endParaRPr lang="en-US" dirty="0"/>
-              </a:p>
-            </p:txBody>
-          </p:sp>
-        </mc:Choice>
-        <mc:Fallback xmlns="">
-          <p:sp>
-            <p:nvSpPr>
-              <p:cNvPr id="3" name="Content Placeholder 2">
-                <a:extLst>
-                  <a:ext uri="{FF2B5EF4-FFF2-40B4-BE49-F238E27FC236}">
-                    <a16:creationId xmlns:a16="http://schemas.microsoft.com/office/drawing/2014/main" id="{322F1B4A-A183-F3BD-4D7B-AA852C2A3594}"/>
-                  </a:ext>
-                </a:extLst>
-              </p:cNvPr>
-              <p:cNvSpPr>
-                <a:spLocks noGrp="1" noRot="1" noChangeAspect="1" noMove="1" noResize="1" noEditPoints="1" noAdjustHandles="1" noChangeArrowheads="1" noChangeShapeType="1" noTextEdit="1"/>
-              </p:cNvSpPr>
-              <p:nvPr>
-                <p:ph idx="1"/>
-              </p:nvPr>
-            </p:nvSpPr>
-            <p:spPr>
-              <a:blipFill>
-                <a:blip r:embed="rId2"/>
-                <a:stretch>
-                  <a:fillRect l="-498" t="-704"/>
-                </a:stretch>
-              </a:blipFill>
-            </p:spPr>
-            <p:txBody>
-              <a:bodyPr/>
-              <a:lstStyle/>
-              <a:p>
-                <a:r>
-                  <a:rPr lang="en-US">
-                    <a:noFill/>
-                  </a:rPr>
-                  <a:t> </a:t>
-                </a:r>
-              </a:p>
-            </p:txBody>
-          </p:sp>
-        </mc:Fallback>
-      </mc:AlternateContent>
-    </p:spTree>
-    <p:extLst>
-      <p:ext uri="{BB962C8B-B14F-4D97-AF65-F5344CB8AC3E}">
-        <p14:creationId xmlns:p14="http://schemas.microsoft.com/office/powerpoint/2010/main" val="4239719684"/>
-      </p:ext>
-    </p:extLst>
-  </p:cSld>
-  <p:clrMapOvr>
-    <a:masterClrMapping/>
-  </p:clrMapOvr>
-</p:sld>
-</file>
-
-<file path=ppt/slides/slide2.xml><?xml version="1.0" encoding="utf-8"?>
-<p:sld xmlns:a="http://schemas.openxmlformats.org/drawingml/2006/main" xmlns:r="http://schemas.openxmlformats.org/officeDocument/2006/relationships" xmlns:p="http://schemas.openxmlformats.org/presentationml/2006/main">
-  <p:cSld>
-    <p:spTree>
-      <p:nvGrpSpPr>
-        <p:cNvPr id="1" name=""/>
-        <p:cNvGrpSpPr/>
-        <p:nvPr/>
-      </p:nvGrpSpPr>
-      <p:grpSpPr>
-        <a:xfrm>
-          <a:off x="0" y="0"/>
-          <a:ext cx="0" cy="0"/>
-          <a:chOff x="0" y="0"/>
-          <a:chExt cx="0" cy="0"/>
-        </a:xfrm>
-      </p:grpSpPr>
-      <p:sp>
-        <p:nvSpPr>
-          <p:cNvPr id="2" name="Title 1">
-            <a:extLst>
-              <a:ext uri="{FF2B5EF4-FFF2-40B4-BE49-F238E27FC236}">
-                <a16:creationId xmlns:a16="http://schemas.microsoft.com/office/drawing/2014/main" id="{E018FBC8-B3F7-3A22-1044-32DB4F032609}"/>
-              </a:ext>
-            </a:extLst>
-          </p:cNvPr>
-          <p:cNvSpPr>
-            <a:spLocks noGrp="1"/>
-          </p:cNvSpPr>
-          <p:nvPr>
-            <p:ph type="title"/>
-          </p:nvPr>
-        </p:nvSpPr>
-        <p:spPr/>
-        <p:txBody>
-          <a:bodyPr/>
-          <a:lstStyle/>
-          <a:p>
-            <a:endParaRPr lang="en-US"/>
-          </a:p>
-        </p:txBody>
-      </p:sp>
-      <p:sp>
-        <p:nvSpPr>
-          <p:cNvPr id="3" name="Content Placeholder 2">
-            <a:extLst>
-              <a:ext uri="{FF2B5EF4-FFF2-40B4-BE49-F238E27FC236}">
-                <a16:creationId xmlns:a16="http://schemas.microsoft.com/office/drawing/2014/main" id="{B048DA9F-E84D-4DEC-A66C-76EE966ED57C}"/>
-              </a:ext>
-            </a:extLst>
-          </p:cNvPr>
-          <p:cNvSpPr>
-            <a:spLocks noGrp="1"/>
-          </p:cNvSpPr>
-          <p:nvPr>
-            <p:ph idx="1"/>
-          </p:nvPr>
-        </p:nvSpPr>
-        <p:spPr/>
-        <p:txBody>
-          <a:bodyPr/>
-          <a:lstStyle/>
-          <a:p>
-            <a:endParaRPr lang="en-US" dirty="0"/>
-          </a:p>
-          <a:p>
-            <a:r>
-              <a:rPr lang="en-US" dirty="0"/>
-              <a:t>This week, we will go through the readings after this lecture, since the lecture reviews the techniques proposed (or applied) by the readings. </a:t>
-            </a:r>
-          </a:p>
-          <a:p>
-            <a:endParaRPr lang="en-US" dirty="0"/>
-          </a:p>
-        </p:txBody>
-      </p:sp>
-    </p:spTree>
-    <p:extLst>
-      <p:ext uri="{BB962C8B-B14F-4D97-AF65-F5344CB8AC3E}">
-        <p14:creationId xmlns:p14="http://schemas.microsoft.com/office/powerpoint/2010/main" val="1479720676"/>
-      </p:ext>
-    </p:extLst>
-  </p:cSld>
-  <p:clrMapOvr>
-    <a:masterClrMapping/>
-  </p:clrMapOvr>
-</p:sld>
-</file>
-
-<file path=ppt/slides/slide20.xml><?xml version="1.0" encoding="utf-8"?>
-<p:sld xmlns:a="http://schemas.openxmlformats.org/drawingml/2006/main" xmlns:r="http://schemas.openxmlformats.org/officeDocument/2006/relationships" xmlns:p="http://schemas.openxmlformats.org/presentationml/2006/main">
-  <p:cSld>
-    <p:spTree>
-      <p:nvGrpSpPr>
-        <p:cNvPr id="1" name=""/>
-        <p:cNvGrpSpPr/>
-        <p:nvPr/>
-      </p:nvGrpSpPr>
-      <p:grpSpPr>
-        <a:xfrm>
-          <a:off x="0" y="0"/>
-          <a:ext cx="0" cy="0"/>
-          <a:chOff x="0" y="0"/>
-          <a:chExt cx="0" cy="0"/>
-        </a:xfrm>
-      </p:grpSpPr>
-      <p:pic>
-        <p:nvPicPr>
-          <p:cNvPr id="4" name="Picture 3">
-            <a:extLst>
-              <a:ext uri="{FF2B5EF4-FFF2-40B4-BE49-F238E27FC236}">
-                <a16:creationId xmlns:a16="http://schemas.microsoft.com/office/drawing/2014/main" id="{012BBB73-1B7E-2252-77B6-BDCAF88A719E}"/>
-              </a:ext>
-            </a:extLst>
-          </p:cNvPr>
-          <p:cNvPicPr>
-            <a:picLocks noChangeAspect="1"/>
-          </p:cNvPicPr>
-          <p:nvPr/>
-        </p:nvPicPr>
-        <p:blipFill>
-          <a:blip r:embed="rId2"/>
-          <a:stretch>
-            <a:fillRect/>
-          </a:stretch>
-        </p:blipFill>
-        <p:spPr>
-          <a:xfrm>
-            <a:off x="3713446" y="796342"/>
-            <a:ext cx="4766452" cy="5266800"/>
-          </a:xfrm>
-          <a:prstGeom prst="rect">
-            <a:avLst/>
-          </a:prstGeom>
-        </p:spPr>
-      </p:pic>
-      <p:sp>
-        <p:nvSpPr>
-          <p:cNvPr id="5" name="Rectangle 4">
-            <a:extLst>
-              <a:ext uri="{FF2B5EF4-FFF2-40B4-BE49-F238E27FC236}">
-                <a16:creationId xmlns:a16="http://schemas.microsoft.com/office/drawing/2014/main" id="{ABEB8AEE-CC40-B03B-A345-2E31D314F15D}"/>
-              </a:ext>
-            </a:extLst>
-          </p:cNvPr>
-          <p:cNvSpPr/>
-          <p:nvPr/>
-        </p:nvSpPr>
-        <p:spPr>
-          <a:xfrm>
-            <a:off x="7422763" y="5177927"/>
-            <a:ext cx="410230" cy="139455"/>
-          </a:xfrm>
-          <a:prstGeom prst="rect">
-            <a:avLst/>
-          </a:prstGeom>
-          <a:noFill/>
-          <a:ln w="19050">
-            <a:solidFill>
-              <a:schemeClr val="accent6"/>
-            </a:solidFill>
-          </a:ln>
-        </p:spPr>
-        <p:style>
-          <a:lnRef idx="2">
-            <a:schemeClr val="accent6"/>
-          </a:lnRef>
-          <a:fillRef idx="1">
-            <a:schemeClr val="lt1"/>
-          </a:fillRef>
-          <a:effectRef idx="0">
-            <a:schemeClr val="accent6"/>
-          </a:effectRef>
-          <a:fontRef idx="minor">
-            <a:schemeClr val="dk1"/>
-          </a:fontRef>
-        </p:style>
-        <p:txBody>
-          <a:bodyPr rtlCol="0" anchor="ctr"/>
-          <a:lstStyle/>
-          <a:p>
-            <a:pPr algn="ctr"/>
-            <a:endParaRPr lang="en-US"/>
-          </a:p>
-        </p:txBody>
-      </p:sp>
-      <p:grpSp>
-        <p:nvGrpSpPr>
-          <p:cNvPr id="2" name="Group 1">
-            <a:extLst>
-              <a:ext uri="{FF2B5EF4-FFF2-40B4-BE49-F238E27FC236}">
-                <a16:creationId xmlns:a16="http://schemas.microsoft.com/office/drawing/2014/main" id="{BA30DA56-A19C-D36C-C52E-965F54399B3E}"/>
-              </a:ext>
-            </a:extLst>
-          </p:cNvPr>
-          <p:cNvGrpSpPr/>
-          <p:nvPr/>
-        </p:nvGrpSpPr>
-        <p:grpSpPr>
-          <a:xfrm rot="9798673">
-            <a:off x="7697798" y="3804244"/>
-            <a:ext cx="1564200" cy="1468080"/>
-            <a:chOff x="1929457" y="2775869"/>
-            <a:chExt cx="1564200" cy="1468080"/>
-          </a:xfrm>
-        </p:grpSpPr>
-        <mc:AlternateContent xmlns:mc="http://schemas.openxmlformats.org/markup-compatibility/2006" xmlns:p14="http://schemas.microsoft.com/office/powerpoint/2010/main" xmlns:aink="http://schemas.microsoft.com/office/drawing/2016/ink">
-          <mc:Choice Requires="p14 aink">
-            <p:contentPart p14:bwMode="auto" r:id="rId3">
-              <p14:nvContentPartPr>
-                <p14:cNvPr id="12" name="Ink 11">
-                  <a:extLst>
-                    <a:ext uri="{FF2B5EF4-FFF2-40B4-BE49-F238E27FC236}">
-                      <a16:creationId xmlns:a16="http://schemas.microsoft.com/office/drawing/2014/main" id="{E38F9F71-7CE2-4C9B-1578-C3385A36C4FE}"/>
-                    </a:ext>
-                  </a:extLst>
-                </p14:cNvPr>
-                <p14:cNvContentPartPr/>
-                <p14:nvPr/>
-              </p14:nvContentPartPr>
-              <p14:xfrm>
-                <a:off x="1929457" y="2999789"/>
-                <a:ext cx="1363320" cy="1244160"/>
-              </p14:xfrm>
-            </p:contentPart>
-          </mc:Choice>
-          <mc:Fallback xmlns="">
-            <p:pic>
-              <p:nvPicPr>
-                <p:cNvPr id="12" name="Ink 11">
-                  <a:extLst>
-                    <a:ext uri="{FF2B5EF4-FFF2-40B4-BE49-F238E27FC236}">
-                      <a16:creationId xmlns:a16="http://schemas.microsoft.com/office/drawing/2014/main" id="{E38F9F71-7CE2-4C9B-1578-C3385A36C4FE}"/>
-                    </a:ext>
-                  </a:extLst>
-                </p:cNvPr>
-                <p:cNvPicPr/>
-                <p:nvPr/>
-              </p:nvPicPr>
-              <p:blipFill>
-                <a:blip r:embed="rId4"/>
-                <a:stretch>
-                  <a:fillRect/>
-                </a:stretch>
-              </p:blipFill>
-              <p:spPr>
-                <a:xfrm>
-                  <a:off x="1920457" y="2991149"/>
-                  <a:ext cx="1380960" cy="1261800"/>
-                </a:xfrm>
-                <a:prstGeom prst="rect">
-                  <a:avLst/>
-                </a:prstGeom>
-              </p:spPr>
-            </p:pic>
-          </mc:Fallback>
-        </mc:AlternateContent>
-        <mc:AlternateContent xmlns:mc="http://schemas.openxmlformats.org/markup-compatibility/2006" xmlns:p14="http://schemas.microsoft.com/office/powerpoint/2010/main" xmlns:aink="http://schemas.microsoft.com/office/drawing/2016/ink">
-          <mc:Choice Requires="p14 aink">
-            <p:contentPart p14:bwMode="auto" r:id="rId5">
-              <p14:nvContentPartPr>
-                <p14:cNvPr id="15" name="Ink 14">
-                  <a:extLst>
-                    <a:ext uri="{FF2B5EF4-FFF2-40B4-BE49-F238E27FC236}">
-                      <a16:creationId xmlns:a16="http://schemas.microsoft.com/office/drawing/2014/main" id="{83D46542-9B12-DB7E-8855-CB00319DA0AE}"/>
-                    </a:ext>
-                  </a:extLst>
-                </p14:cNvPr>
-                <p14:cNvContentPartPr/>
-                <p14:nvPr/>
-              </p14:nvContentPartPr>
-              <p14:xfrm>
-                <a:off x="3213937" y="2775869"/>
-                <a:ext cx="279720" cy="450360"/>
-              </p14:xfrm>
-            </p:contentPart>
-          </mc:Choice>
-          <mc:Fallback xmlns="">
-            <p:pic>
-              <p:nvPicPr>
-                <p:cNvPr id="15" name="Ink 14">
-                  <a:extLst>
-                    <a:ext uri="{FF2B5EF4-FFF2-40B4-BE49-F238E27FC236}">
-                      <a16:creationId xmlns:a16="http://schemas.microsoft.com/office/drawing/2014/main" id="{83D46542-9B12-DB7E-8855-CB00319DA0AE}"/>
-                    </a:ext>
-                  </a:extLst>
-                </p:cNvPr>
-                <p:cNvPicPr/>
-                <p:nvPr/>
-              </p:nvPicPr>
-              <p:blipFill>
-                <a:blip r:embed="rId6"/>
-                <a:stretch>
-                  <a:fillRect/>
-                </a:stretch>
-              </p:blipFill>
-              <p:spPr>
-                <a:xfrm>
-                  <a:off x="3205297" y="2767229"/>
-                  <a:ext cx="297360" cy="468000"/>
-                </a:xfrm>
-                <a:prstGeom prst="rect">
-                  <a:avLst/>
-                </a:prstGeom>
-              </p:spPr>
-            </p:pic>
-          </mc:Fallback>
-        </mc:AlternateContent>
-      </p:grpSp>
-    </p:spTree>
-    <p:extLst>
-      <p:ext uri="{BB962C8B-B14F-4D97-AF65-F5344CB8AC3E}">
-        <p14:creationId xmlns:p14="http://schemas.microsoft.com/office/powerpoint/2010/main" val="55597668"/>
-      </p:ext>
-    </p:extLst>
-  </p:cSld>
-  <p:clrMapOvr>
-    <a:masterClrMapping/>
-  </p:clrMapOvr>
-</p:sld>
-</file>
-
-<file path=ppt/slides/slide21.xml><?xml version="1.0" encoding="utf-8"?>
-<p:sld xmlns:a="http://schemas.openxmlformats.org/drawingml/2006/main" xmlns:r="http://schemas.openxmlformats.org/officeDocument/2006/relationships" xmlns:p="http://schemas.openxmlformats.org/presentationml/2006/main">
-  <p:cSld>
-    <p:spTree>
-      <p:nvGrpSpPr>
-        <p:cNvPr id="1" name=""/>
-        <p:cNvGrpSpPr/>
-        <p:nvPr/>
-      </p:nvGrpSpPr>
-      <p:grpSpPr>
-        <a:xfrm>
-          <a:off x="0" y="0"/>
-          <a:ext cx="0" cy="0"/>
-          <a:chOff x="0" y="0"/>
-          <a:chExt cx="0" cy="0"/>
-        </a:xfrm>
-      </p:grpSpPr>
-      <p:sp>
-        <p:nvSpPr>
-          <p:cNvPr id="2" name="Title 1">
-            <a:extLst>
-              <a:ext uri="{FF2B5EF4-FFF2-40B4-BE49-F238E27FC236}">
-                <a16:creationId xmlns:a16="http://schemas.microsoft.com/office/drawing/2014/main" id="{2C6FEF8F-310C-9538-6D34-6F7E7D27B955}"/>
-              </a:ext>
-            </a:extLst>
-          </p:cNvPr>
-          <p:cNvSpPr>
-            <a:spLocks noGrp="1"/>
-          </p:cNvSpPr>
-          <p:nvPr>
-            <p:ph type="title"/>
-          </p:nvPr>
-        </p:nvSpPr>
-        <p:spPr/>
-        <p:txBody>
-          <a:bodyPr/>
-          <a:lstStyle/>
-          <a:p>
-            <a:endParaRPr lang="en-US"/>
-          </a:p>
-        </p:txBody>
-      </p:sp>
-      <p:sp>
-        <p:nvSpPr>
-          <p:cNvPr id="3" name="Content Placeholder 2">
-            <a:extLst>
-              <a:ext uri="{FF2B5EF4-FFF2-40B4-BE49-F238E27FC236}">
-                <a16:creationId xmlns:a16="http://schemas.microsoft.com/office/drawing/2014/main" id="{F4B291D8-A6AF-5D5A-6EC9-089AACCF39DB}"/>
-              </a:ext>
-            </a:extLst>
-          </p:cNvPr>
-          <p:cNvSpPr>
-            <a:spLocks noGrp="1"/>
-          </p:cNvSpPr>
-          <p:nvPr>
-            <p:ph idx="1"/>
-          </p:nvPr>
-        </p:nvSpPr>
-        <p:spPr/>
-        <p:txBody>
-          <a:bodyPr/>
-          <a:lstStyle/>
-          <a:p>
-            <a:r>
-              <a:rPr lang="en-US" dirty="0"/>
-              <a:t>That way we can put the virgin text in a </a:t>
-            </a:r>
-            <a:r>
-              <a:rPr lang="en-US" i="1" dirty="0"/>
-              <a:t>dimension</a:t>
-            </a:r>
-            <a:r>
-              <a:rPr lang="en-US" dirty="0"/>
-              <a:t> relative to the reference words.  </a:t>
-            </a:r>
-          </a:p>
-          <a:p>
-            <a:r>
-              <a:rPr lang="en-US" dirty="0"/>
-              <a:t>And this seems to work:</a:t>
-            </a:r>
-          </a:p>
-        </p:txBody>
-      </p:sp>
-    </p:spTree>
-    <p:extLst>
-      <p:ext uri="{BB962C8B-B14F-4D97-AF65-F5344CB8AC3E}">
-        <p14:creationId xmlns:p14="http://schemas.microsoft.com/office/powerpoint/2010/main" val="2030622578"/>
-      </p:ext>
-    </p:extLst>
-  </p:cSld>
-  <p:clrMapOvr>
-    <a:masterClrMapping/>
-  </p:clrMapOvr>
-</p:sld>
-</file>
-
-<file path=ppt/slides/slide22.xml><?xml version="1.0" encoding="utf-8"?>
-<p:sld xmlns:a="http://schemas.openxmlformats.org/drawingml/2006/main" xmlns:r="http://schemas.openxmlformats.org/officeDocument/2006/relationships" xmlns:p="http://schemas.openxmlformats.org/presentationml/2006/main">
-  <p:cSld>
-    <p:bg>
-      <p:bgPr>
-        <a:solidFill>
-          <a:schemeClr val="bg2"/>
-        </a:solidFill>
-        <a:effectLst/>
-      </p:bgPr>
-    </p:bg>
-    <p:spTree>
-      <p:nvGrpSpPr>
-        <p:cNvPr id="1" name=""/>
-        <p:cNvGrpSpPr/>
-        <p:nvPr/>
-      </p:nvGrpSpPr>
-      <p:grpSpPr>
-        <a:xfrm>
-          <a:off x="0" y="0"/>
-          <a:ext cx="0" cy="0"/>
-          <a:chOff x="0" y="0"/>
-          <a:chExt cx="0" cy="0"/>
-        </a:xfrm>
-      </p:grpSpPr>
-      <p:sp>
-        <p:nvSpPr>
-          <p:cNvPr id="9" name="Rectangle 8">
-            <a:extLst>
-              <a:ext uri="{FF2B5EF4-FFF2-40B4-BE49-F238E27FC236}">
-                <a16:creationId xmlns:a16="http://schemas.microsoft.com/office/drawing/2014/main" id="{CE606343-BADE-4565-AB89-E9EF7E253F80}"/>
-              </a:ext>
-              <a:ext uri="{C183D7F6-B498-43B3-948B-1728B52AA6E4}">
-                <adec:decorative xmlns:adec="http://schemas.microsoft.com/office/drawing/2017/decorative" val="1"/>
-              </a:ext>
-            </a:extLst>
-          </p:cNvPr>
-          <p:cNvSpPr>
-            <a:spLocks noGrp="1" noRot="1" noChangeAspect="1" noMove="1" noResize="1" noEditPoints="1" noAdjustHandles="1" noChangeArrowheads="1" noChangeShapeType="1" noTextEdit="1"/>
-          </p:cNvSpPr>
-          <p:nvPr>
-            <p:extLst>
-              <p:ext uri="{386F3935-93C4-4BCD-93E2-E3B085C9AB24}">
-                <p16:designElem xmlns:p16="http://schemas.microsoft.com/office/powerpoint/2015/main" val="1"/>
-              </p:ext>
-            </p:extLst>
-          </p:nvPr>
-        </p:nvSpPr>
-        <p:spPr>
-          <a:xfrm>
-            <a:off x="0" y="0"/>
-            <a:ext cx="12192000" cy="6858000"/>
-          </a:xfrm>
-          <a:prstGeom prst="rect">
-            <a:avLst/>
-          </a:prstGeom>
-          <a:solidFill>
-            <a:schemeClr val="tx1">
-              <a:lumMod val="65000"/>
-              <a:lumOff val="35000"/>
-            </a:schemeClr>
-          </a:solidFill>
-          <a:ln>
-            <a:noFill/>
-          </a:ln>
-        </p:spPr>
-        <p:style>
-          <a:lnRef idx="2">
-            <a:schemeClr val="accent1">
-              <a:shade val="50000"/>
-            </a:schemeClr>
-          </a:lnRef>
-          <a:fillRef idx="1">
-            <a:schemeClr val="accent1"/>
-          </a:fillRef>
-          <a:effectRef idx="0">
-            <a:schemeClr val="accent1"/>
-          </a:effectRef>
-          <a:fontRef idx="minor">
-            <a:schemeClr val="lt1"/>
-          </a:fontRef>
-        </p:style>
-        <p:txBody>
-          <a:bodyPr rtlCol="0" anchor="ctr"/>
-          <a:lstStyle/>
-          <a:p>
-            <a:pPr algn="ctr"/>
-            <a:endParaRPr lang="en-US"/>
-          </a:p>
-        </p:txBody>
-      </p:sp>
-      <p:sp>
-        <p:nvSpPr>
-          <p:cNvPr id="11" name="Rectangle 10">
-            <a:extLst>
-              <a:ext uri="{FF2B5EF4-FFF2-40B4-BE49-F238E27FC236}">
-                <a16:creationId xmlns:a16="http://schemas.microsoft.com/office/drawing/2014/main" id="{39E183BD-2932-401F-8B53-E247764B376B}"/>
-              </a:ext>
-              <a:ext uri="{C183D7F6-B498-43B3-948B-1728B52AA6E4}">
-                <adec:decorative xmlns:adec="http://schemas.microsoft.com/office/drawing/2017/decorative" val="1"/>
-              </a:ext>
-            </a:extLst>
-          </p:cNvPr>
-          <p:cNvSpPr>
-            <a:spLocks noGrp="1" noRot="1" noChangeAspect="1" noMove="1" noResize="1" noEditPoints="1" noAdjustHandles="1" noChangeArrowheads="1" noChangeShapeType="1" noTextEdit="1"/>
-          </p:cNvSpPr>
-          <p:nvPr>
-            <p:extLst>
-              <p:ext uri="{386F3935-93C4-4BCD-93E2-E3B085C9AB24}">
-                <p16:designElem xmlns:p16="http://schemas.microsoft.com/office/powerpoint/2015/main" val="1"/>
-              </p:ext>
-            </p:extLst>
-          </p:nvPr>
-        </p:nvSpPr>
-        <p:spPr>
-          <a:xfrm>
-            <a:off x="477012" y="480060"/>
-            <a:ext cx="11237976" cy="5897880"/>
-          </a:xfrm>
-          <a:prstGeom prst="rect">
-            <a:avLst/>
-          </a:prstGeom>
-          <a:solidFill>
-            <a:srgbClr val="FFFFFF"/>
-          </a:solidFill>
-          <a:ln>
-            <a:noFill/>
-          </a:ln>
-        </p:spPr>
-        <p:style>
-          <a:lnRef idx="2">
-            <a:schemeClr val="accent1">
-              <a:shade val="50000"/>
-            </a:schemeClr>
-          </a:lnRef>
-          <a:fillRef idx="1">
-            <a:schemeClr val="accent1"/>
-          </a:fillRef>
-          <a:effectRef idx="0">
-            <a:schemeClr val="accent1"/>
-          </a:effectRef>
-          <a:fontRef idx="minor">
-            <a:schemeClr val="lt1"/>
-          </a:fontRef>
-        </p:style>
-        <p:txBody>
-          <a:bodyPr rtlCol="0" anchor="ctr"/>
-          <a:lstStyle/>
-          <a:p>
-            <a:pPr algn="ctr"/>
-            <a:endParaRPr lang="en-US"/>
-          </a:p>
-        </p:txBody>
-      </p:sp>
-      <p:pic>
-        <p:nvPicPr>
-          <p:cNvPr id="4" name="Picture 3">
-            <a:extLst>
-              <a:ext uri="{FF2B5EF4-FFF2-40B4-BE49-F238E27FC236}">
-                <a16:creationId xmlns:a16="http://schemas.microsoft.com/office/drawing/2014/main" id="{B7B9F52A-F978-4D93-AD17-16578470576E}"/>
-              </a:ext>
-            </a:extLst>
-          </p:cNvPr>
-          <p:cNvPicPr>
-            <a:picLocks noChangeAspect="1"/>
-          </p:cNvPicPr>
-          <p:nvPr/>
-        </p:nvPicPr>
-        <p:blipFill>
-          <a:blip r:embed="rId2"/>
-          <a:stretch>
-            <a:fillRect/>
-          </a:stretch>
-        </p:blipFill>
-        <p:spPr>
-          <a:xfrm>
-            <a:off x="4963958" y="796343"/>
-            <a:ext cx="2264084" cy="5265315"/>
-          </a:xfrm>
-          <a:prstGeom prst="rect">
-            <a:avLst/>
-          </a:prstGeom>
-        </p:spPr>
-      </p:pic>
-    </p:spTree>
-    <p:extLst>
-      <p:ext uri="{BB962C8B-B14F-4D97-AF65-F5344CB8AC3E}">
-        <p14:creationId xmlns:p14="http://schemas.microsoft.com/office/powerpoint/2010/main" val="2751179141"/>
-      </p:ext>
-    </p:extLst>
-  </p:cSld>
-  <p:clrMapOvr>
-    <a:masterClrMapping/>
-  </p:clrMapOvr>
-</p:sld>
-</file>
-
-<file path=ppt/slides/slide23.xml><?xml version="1.0" encoding="utf-8"?>
-<p:sld xmlns:a="http://schemas.openxmlformats.org/drawingml/2006/main" xmlns:r="http://schemas.openxmlformats.org/officeDocument/2006/relationships" xmlns:p="http://schemas.openxmlformats.org/presentationml/2006/main">
-  <p:cSld>
-    <p:spTree>
-      <p:nvGrpSpPr>
-        <p:cNvPr id="1" name=""/>
-        <p:cNvGrpSpPr/>
-        <p:nvPr/>
-      </p:nvGrpSpPr>
-      <p:grpSpPr>
-        <a:xfrm>
-          <a:off x="0" y="0"/>
-          <a:ext cx="0" cy="0"/>
-          <a:chOff x="0" y="0"/>
-          <a:chExt cx="0" cy="0"/>
-        </a:xfrm>
-      </p:grpSpPr>
-      <p:sp>
-        <p:nvSpPr>
-          <p:cNvPr id="2" name="Title 1">
-            <a:extLst>
-              <a:ext uri="{FF2B5EF4-FFF2-40B4-BE49-F238E27FC236}">
-                <a16:creationId xmlns:a16="http://schemas.microsoft.com/office/drawing/2014/main" id="{2C6FEF8F-310C-9538-6D34-6F7E7D27B955}"/>
-              </a:ext>
-            </a:extLst>
-          </p:cNvPr>
-          <p:cNvSpPr>
-            <a:spLocks noGrp="1"/>
-          </p:cNvSpPr>
-          <p:nvPr>
-            <p:ph type="title"/>
-          </p:nvPr>
-        </p:nvSpPr>
-        <p:spPr/>
-        <p:txBody>
-          <a:bodyPr/>
-          <a:lstStyle/>
-          <a:p>
-            <a:endParaRPr lang="en-US"/>
-          </a:p>
-        </p:txBody>
-      </p:sp>
-      <p:sp>
-        <p:nvSpPr>
-          <p:cNvPr id="3" name="Content Placeholder 2">
-            <a:extLst>
-              <a:ext uri="{FF2B5EF4-FFF2-40B4-BE49-F238E27FC236}">
-                <a16:creationId xmlns:a16="http://schemas.microsoft.com/office/drawing/2014/main" id="{F4B291D8-A6AF-5D5A-6EC9-089AACCF39DB}"/>
-              </a:ext>
-            </a:extLst>
-          </p:cNvPr>
-          <p:cNvSpPr>
-            <a:spLocks noGrp="1"/>
-          </p:cNvSpPr>
-          <p:nvPr>
-            <p:ph idx="1"/>
-          </p:nvPr>
-        </p:nvSpPr>
-        <p:spPr/>
-        <p:txBody>
-          <a:bodyPr/>
-          <a:lstStyle/>
-          <a:p>
-            <a:r>
-              <a:rPr lang="en-US" dirty="0"/>
-              <a:t>There are some methodological issues (see </a:t>
-            </a:r>
-            <a:r>
-              <a:rPr lang="en-US" dirty="0" err="1"/>
-              <a:t>Slapin</a:t>
-            </a:r>
-            <a:r>
-              <a:rPr lang="en-US" dirty="0"/>
-              <a:t> and </a:t>
-            </a:r>
-            <a:r>
-              <a:rPr lang="en-US" dirty="0" err="1"/>
-              <a:t>Proksch</a:t>
-            </a:r>
-            <a:r>
-              <a:rPr lang="en-US" dirty="0"/>
-              <a:t> 2008):</a:t>
-            </a:r>
-          </a:p>
-          <a:p>
-            <a:pPr lvl="1"/>
-            <a:r>
-              <a:rPr lang="en-US" dirty="0"/>
-              <a:t>Technique doesn’t recover estimates of “virgin” texts on same scale as reference texts (see Martin and </a:t>
-            </a:r>
-            <a:r>
-              <a:rPr lang="en-US" dirty="0" err="1"/>
-              <a:t>Vanberg</a:t>
-            </a:r>
-            <a:r>
-              <a:rPr lang="en-US" dirty="0"/>
-              <a:t> 2008)</a:t>
-            </a:r>
-          </a:p>
-          <a:p>
-            <a:pPr lvl="1"/>
-            <a:r>
-              <a:rPr lang="en-US" dirty="0"/>
-              <a:t>Difficult to find reference texts + appropriate a priori measures of document-level ground truth positions</a:t>
-            </a:r>
-          </a:p>
-          <a:p>
-            <a:pPr lvl="1"/>
-            <a:r>
-              <a:rPr lang="en-US" dirty="0"/>
-              <a:t>Cannot be straightforwardly used for estimates of over-time variation</a:t>
-            </a:r>
-          </a:p>
-          <a:p>
-            <a:endParaRPr lang="en-US" dirty="0"/>
-          </a:p>
-        </p:txBody>
-      </p:sp>
-    </p:spTree>
-    <p:extLst>
-      <p:ext uri="{BB962C8B-B14F-4D97-AF65-F5344CB8AC3E}">
-        <p14:creationId xmlns:p14="http://schemas.microsoft.com/office/powerpoint/2010/main" val="1636850210"/>
-      </p:ext>
-    </p:extLst>
-  </p:cSld>
-  <p:clrMapOvr>
-    <a:masterClrMapping/>
-  </p:clrMapOvr>
-</p:sld>
-</file>
-
-<file path=ppt/slides/slide24.xml><?xml version="1.0" encoding="utf-8"?>
-<p:sld xmlns:a="http://schemas.openxmlformats.org/drawingml/2006/main" xmlns:r="http://schemas.openxmlformats.org/officeDocument/2006/relationships" xmlns:p="http://schemas.openxmlformats.org/presentationml/2006/main">
-  <p:cSld>
     <p:spTree>
       <p:nvGrpSpPr>
         <p:cNvPr id="1" name=""/>
@@ -12062,7 +7821,7 @@
           <p:cNvPr id="4" name="Title 3">
             <a:extLst>
               <a:ext uri="{FF2B5EF4-FFF2-40B4-BE49-F238E27FC236}">
-                <a16:creationId xmlns:a16="http://schemas.microsoft.com/office/drawing/2014/main" id="{8C010A37-EFF4-7A30-6543-2618BEADEA7B}"/>
+                <a16:creationId xmlns:a16="http://schemas.microsoft.com/office/drawing/2014/main" id="{15FCC47F-D221-7FCC-BB4E-869B9EF53E1F}"/>
               </a:ext>
             </a:extLst>
           </p:cNvPr>
@@ -12078,19 +7837,16 @@
           <a:bodyPr/>
           <a:lstStyle/>
           <a:p>
-            <a:r>
-              <a:rPr lang="en-US" dirty="0"/>
-              <a:t>Unsupervised scaling models</a:t>
-            </a:r>
+            <a:endParaRPr lang="en-US"/>
           </a:p>
         </p:txBody>
       </p:sp>
       <p:sp>
         <p:nvSpPr>
-          <p:cNvPr id="5" name="Text Placeholder 4">
+          <p:cNvPr id="5" name="Content Placeholder 4">
             <a:extLst>
               <a:ext uri="{FF2B5EF4-FFF2-40B4-BE49-F238E27FC236}">
-                <a16:creationId xmlns:a16="http://schemas.microsoft.com/office/drawing/2014/main" id="{0B77FA01-D6D0-D71D-F866-14EBBB52313C}"/>
+                <a16:creationId xmlns:a16="http://schemas.microsoft.com/office/drawing/2014/main" id="{1414E2B5-95B9-AAF3-1DBC-C4A26F107CD5}"/>
               </a:ext>
             </a:extLst>
           </p:cNvPr>
@@ -12098,7 +7854,7 @@
             <a:spLocks noGrp="1"/>
           </p:cNvSpPr>
           <p:nvPr>
-            <p:ph type="body" idx="1"/>
+            <p:ph idx="1"/>
           </p:nvPr>
         </p:nvSpPr>
         <p:spPr/>
@@ -12106,14 +7862,38 @@
           <a:bodyPr/>
           <a:lstStyle/>
           <a:p>
-            <a:endParaRPr lang="en-US"/>
+            <a:r>
+              <a:rPr lang="en-US" dirty="0"/>
+              <a:t>Let’s think about each document as a vector of word counts (</a:t>
+            </a:r>
+            <a:r>
+              <a:rPr lang="en-US" i="1" dirty="0" err="1"/>
+              <a:t>dfm</a:t>
+            </a:r>
+            <a:r>
+              <a:rPr lang="en-US" dirty="0"/>
+              <a:t>). We can assume that the placement of each word within the text is distributed at random. </a:t>
+            </a:r>
+          </a:p>
+          <a:p>
+            <a:pPr lvl="1"/>
+            <a:r>
+              <a:rPr lang="en-US" dirty="0"/>
+              <a:t>This is clearly false, but that is a basic assumption of the bag-of-words approach. </a:t>
+            </a:r>
+          </a:p>
+          <a:p>
+            <a:r>
+              <a:rPr lang="en-US" dirty="0"/>
+              <a:t>We can also think what distribution most accurately approximate word usage: Poisson, negative-binomial, etc.  </a:t>
+            </a:r>
           </a:p>
         </p:txBody>
       </p:sp>
     </p:spTree>
     <p:extLst>
       <p:ext uri="{BB962C8B-B14F-4D97-AF65-F5344CB8AC3E}">
-        <p14:creationId xmlns:p14="http://schemas.microsoft.com/office/powerpoint/2010/main" val="2180410394"/>
+        <p14:creationId xmlns:p14="http://schemas.microsoft.com/office/powerpoint/2010/main" val="2776194903"/>
       </p:ext>
     </p:extLst>
   </p:cSld>
@@ -12123,7 +7903,7 @@
 </p:sld>
 </file>
 
-<file path=ppt/slides/slide25.xml><?xml version="1.0" encoding="utf-8"?>
+<file path=ppt/slides/slide11.xml><?xml version="1.0" encoding="utf-8"?>
 <p:sld xmlns:a="http://schemas.openxmlformats.org/drawingml/2006/main" xmlns:r="http://schemas.openxmlformats.org/officeDocument/2006/relationships" xmlns:p="http://schemas.openxmlformats.org/presentationml/2006/main">
   <p:cSld>
     <p:spTree>
@@ -12308,7 +8088,7 @@
 </p:sld>
 </file>
 
-<file path=ppt/slides/slide26.xml><?xml version="1.0" encoding="utf-8"?>
+<file path=ppt/slides/slide12.xml><?xml version="1.0" encoding="utf-8"?>
 <p:sld xmlns:a="http://schemas.openxmlformats.org/drawingml/2006/main" xmlns:r="http://schemas.openxmlformats.org/officeDocument/2006/relationships" xmlns:p="http://schemas.openxmlformats.org/presentationml/2006/main">
   <p:cSld>
     <p:spTree>
@@ -12421,7 +8201,7 @@
 </p:sld>
 </file>
 
-<file path=ppt/slides/slide27.xml><?xml version="1.0" encoding="utf-8"?>
+<file path=ppt/slides/slide13.xml><?xml version="1.0" encoding="utf-8"?>
 <p:sld xmlns:a="http://schemas.openxmlformats.org/drawingml/2006/main" xmlns:r="http://schemas.openxmlformats.org/officeDocument/2006/relationships" xmlns:p="http://schemas.openxmlformats.org/presentationml/2006/main">
   <p:cSld>
     <p:bg>
@@ -12618,7 +8398,852 @@
 </p:sld>
 </file>
 
-<file path=ppt/slides/slide28.xml><?xml version="1.0" encoding="utf-8"?>
+<file path=ppt/slides/slide14.xml><?xml version="1.0" encoding="utf-8"?>
+<p:sld xmlns:a="http://schemas.openxmlformats.org/drawingml/2006/main" xmlns:r="http://schemas.openxmlformats.org/officeDocument/2006/relationships" xmlns:p="http://schemas.openxmlformats.org/presentationml/2006/main">
+  <p:cSld>
+    <p:spTree>
+      <p:nvGrpSpPr>
+        <p:cNvPr id="1" name=""/>
+        <p:cNvGrpSpPr/>
+        <p:nvPr/>
+      </p:nvGrpSpPr>
+      <p:grpSpPr>
+        <a:xfrm>
+          <a:off x="0" y="0"/>
+          <a:ext cx="0" cy="0"/>
+          <a:chOff x="0" y="0"/>
+          <a:chExt cx="0" cy="0"/>
+        </a:xfrm>
+      </p:grpSpPr>
+      <p:sp>
+        <p:nvSpPr>
+          <p:cNvPr id="2" name="Title 1">
+            <a:extLst>
+              <a:ext uri="{FF2B5EF4-FFF2-40B4-BE49-F238E27FC236}">
+                <a16:creationId xmlns:a16="http://schemas.microsoft.com/office/drawing/2014/main" id="{4B503026-4A0A-558B-7A6E-6C84449D8BF9}"/>
+              </a:ext>
+            </a:extLst>
+          </p:cNvPr>
+          <p:cNvSpPr>
+            <a:spLocks noGrp="1"/>
+          </p:cNvSpPr>
+          <p:nvPr>
+            <p:ph type="title"/>
+          </p:nvPr>
+        </p:nvSpPr>
+        <p:spPr/>
+        <p:txBody>
+          <a:bodyPr/>
+          <a:lstStyle/>
+          <a:p>
+            <a:r>
+              <a:rPr lang="en-US" dirty="0"/>
+              <a:t>Clustering Methods</a:t>
+            </a:r>
+          </a:p>
+        </p:txBody>
+      </p:sp>
+      <p:sp>
+        <p:nvSpPr>
+          <p:cNvPr id="3" name="Text Placeholder 2">
+            <a:extLst>
+              <a:ext uri="{FF2B5EF4-FFF2-40B4-BE49-F238E27FC236}">
+                <a16:creationId xmlns:a16="http://schemas.microsoft.com/office/drawing/2014/main" id="{30D889F1-FD27-0809-A9D7-F1EC7A2DB844}"/>
+              </a:ext>
+            </a:extLst>
+          </p:cNvPr>
+          <p:cNvSpPr>
+            <a:spLocks noGrp="1"/>
+          </p:cNvSpPr>
+          <p:nvPr>
+            <p:ph type="body" idx="1"/>
+          </p:nvPr>
+        </p:nvSpPr>
+        <p:spPr/>
+        <p:txBody>
+          <a:bodyPr/>
+          <a:lstStyle/>
+          <a:p>
+            <a:endParaRPr lang="en-US"/>
+          </a:p>
+        </p:txBody>
+      </p:sp>
+    </p:spTree>
+    <p:extLst>
+      <p:ext uri="{BB962C8B-B14F-4D97-AF65-F5344CB8AC3E}">
+        <p14:creationId xmlns:p14="http://schemas.microsoft.com/office/powerpoint/2010/main" val="942471627"/>
+      </p:ext>
+    </p:extLst>
+  </p:cSld>
+  <p:clrMapOvr>
+    <a:masterClrMapping/>
+  </p:clrMapOvr>
+</p:sld>
+</file>
+
+<file path=ppt/slides/slide15.xml><?xml version="1.0" encoding="utf-8"?>
+<p:sld xmlns:a="http://schemas.openxmlformats.org/drawingml/2006/main" xmlns:r="http://schemas.openxmlformats.org/officeDocument/2006/relationships" xmlns:p="http://schemas.openxmlformats.org/presentationml/2006/main">
+  <p:cSld>
+    <p:spTree>
+      <p:nvGrpSpPr>
+        <p:cNvPr id="1" name=""/>
+        <p:cNvGrpSpPr/>
+        <p:nvPr/>
+      </p:nvGrpSpPr>
+      <p:grpSpPr>
+        <a:xfrm>
+          <a:off x="0" y="0"/>
+          <a:ext cx="0" cy="0"/>
+          <a:chOff x="0" y="0"/>
+          <a:chExt cx="0" cy="0"/>
+        </a:xfrm>
+      </p:grpSpPr>
+      <p:sp>
+        <p:nvSpPr>
+          <p:cNvPr id="2" name="Title 1">
+            <a:extLst>
+              <a:ext uri="{FF2B5EF4-FFF2-40B4-BE49-F238E27FC236}">
+                <a16:creationId xmlns:a16="http://schemas.microsoft.com/office/drawing/2014/main" id="{C6F63082-1476-CF85-A7FB-EA7A0863EA7F}"/>
+              </a:ext>
+            </a:extLst>
+          </p:cNvPr>
+          <p:cNvSpPr>
+            <a:spLocks noGrp="1"/>
+          </p:cNvSpPr>
+          <p:nvPr>
+            <p:ph type="title"/>
+          </p:nvPr>
+        </p:nvSpPr>
+        <p:spPr/>
+        <p:txBody>
+          <a:bodyPr/>
+          <a:lstStyle/>
+          <a:p>
+            <a:endParaRPr lang="en-US" dirty="0"/>
+          </a:p>
+        </p:txBody>
+      </p:sp>
+      <p:sp>
+        <p:nvSpPr>
+          <p:cNvPr id="3" name="Content Placeholder 2">
+            <a:extLst>
+              <a:ext uri="{FF2B5EF4-FFF2-40B4-BE49-F238E27FC236}">
+                <a16:creationId xmlns:a16="http://schemas.microsoft.com/office/drawing/2014/main" id="{A472E0E9-0C72-D58A-1B97-11165D52756E}"/>
+              </a:ext>
+            </a:extLst>
+          </p:cNvPr>
+          <p:cNvSpPr>
+            <a:spLocks noGrp="1"/>
+          </p:cNvSpPr>
+          <p:nvPr>
+            <p:ph idx="1"/>
+          </p:nvPr>
+        </p:nvSpPr>
+        <p:spPr/>
+        <p:txBody>
+          <a:bodyPr/>
+          <a:lstStyle/>
+          <a:p>
+            <a:r>
+              <a:rPr lang="en-CA" b="1" dirty="0"/>
+              <a:t>Purpose</a:t>
+            </a:r>
+            <a:r>
+              <a:rPr lang="en-CA" dirty="0"/>
+              <a:t>: look for ‘groups’ in data explicitly.</a:t>
+            </a:r>
+          </a:p>
+          <a:p>
+            <a:pPr lvl="1"/>
+            <a:r>
+              <a:rPr lang="en-CA" dirty="0"/>
+              <a:t>Input: text + number of clusters</a:t>
+            </a:r>
+          </a:p>
+          <a:p>
+            <a:pPr lvl="1"/>
+            <a:r>
+              <a:rPr lang="en-CA" dirty="0"/>
+              <a:t>Output: documents ~&gt; clusters</a:t>
+            </a:r>
+          </a:p>
+          <a:p>
+            <a:r>
+              <a:rPr lang="en-CA" b="1" dirty="0"/>
+              <a:t>Clusters:</a:t>
+            </a:r>
+            <a:r>
+              <a:rPr lang="en-CA" dirty="0"/>
+              <a:t> group of data points that are all nearby to each other and far away from other clusters.</a:t>
+            </a:r>
+          </a:p>
+          <a:p>
+            <a:r>
+              <a:rPr lang="en-CA" b="1" dirty="0"/>
+              <a:t>Research Questions?</a:t>
+            </a:r>
+            <a:r>
+              <a:rPr lang="en-CA" dirty="0"/>
+              <a:t> How can we categorize these news articles or policy bills? How can we group these legislators based on their speeches?</a:t>
+            </a:r>
+          </a:p>
+          <a:p>
+            <a:endParaRPr lang="en-US" dirty="0"/>
+          </a:p>
+        </p:txBody>
+      </p:sp>
+    </p:spTree>
+    <p:extLst>
+      <p:ext uri="{BB962C8B-B14F-4D97-AF65-F5344CB8AC3E}">
+        <p14:creationId xmlns:p14="http://schemas.microsoft.com/office/powerpoint/2010/main" val="3550028061"/>
+      </p:ext>
+    </p:extLst>
+  </p:cSld>
+  <p:clrMapOvr>
+    <a:masterClrMapping/>
+  </p:clrMapOvr>
+</p:sld>
+</file>
+
+<file path=ppt/slides/slide16.xml><?xml version="1.0" encoding="utf-8"?>
+<p:sld xmlns:a="http://schemas.openxmlformats.org/drawingml/2006/main" xmlns:r="http://schemas.openxmlformats.org/officeDocument/2006/relationships" xmlns:p="http://schemas.openxmlformats.org/presentationml/2006/main">
+  <p:cSld>
+    <p:spTree>
+      <p:nvGrpSpPr>
+        <p:cNvPr id="1" name=""/>
+        <p:cNvGrpSpPr/>
+        <p:nvPr/>
+      </p:nvGrpSpPr>
+      <p:grpSpPr>
+        <a:xfrm>
+          <a:off x="0" y="0"/>
+          <a:ext cx="0" cy="0"/>
+          <a:chOff x="0" y="0"/>
+          <a:chExt cx="0" cy="0"/>
+        </a:xfrm>
+      </p:grpSpPr>
+      <p:sp>
+        <p:nvSpPr>
+          <p:cNvPr id="2" name="Title 1">
+            <a:extLst>
+              <a:ext uri="{FF2B5EF4-FFF2-40B4-BE49-F238E27FC236}">
+                <a16:creationId xmlns:a16="http://schemas.microsoft.com/office/drawing/2014/main" id="{D19E2C0D-9C96-E851-6126-E217E4B93A60}"/>
+              </a:ext>
+            </a:extLst>
+          </p:cNvPr>
+          <p:cNvSpPr>
+            <a:spLocks noGrp="1"/>
+          </p:cNvSpPr>
+          <p:nvPr>
+            <p:ph type="title"/>
+          </p:nvPr>
+        </p:nvSpPr>
+        <p:spPr/>
+        <p:txBody>
+          <a:bodyPr/>
+          <a:lstStyle/>
+          <a:p>
+            <a:r>
+              <a:rPr lang="en-US" dirty="0"/>
+              <a:t>K-Means Clustering</a:t>
+            </a:r>
+          </a:p>
+        </p:txBody>
+      </p:sp>
+      <p:sp>
+        <p:nvSpPr>
+          <p:cNvPr id="3" name="Content Placeholder 2">
+            <a:extLst>
+              <a:ext uri="{FF2B5EF4-FFF2-40B4-BE49-F238E27FC236}">
+                <a16:creationId xmlns:a16="http://schemas.microsoft.com/office/drawing/2014/main" id="{535A9713-46DE-D0CB-70EC-B10A43968EAD}"/>
+              </a:ext>
+            </a:extLst>
+          </p:cNvPr>
+          <p:cNvSpPr>
+            <a:spLocks noGrp="1"/>
+          </p:cNvSpPr>
+          <p:nvPr>
+            <p:ph idx="1"/>
+          </p:nvPr>
+        </p:nvSpPr>
+        <p:spPr/>
+        <p:txBody>
+          <a:bodyPr/>
+          <a:lstStyle/>
+          <a:p>
+            <a:r>
+              <a:rPr lang="en-CA" b="1" dirty="0"/>
+              <a:t>K-Means clustering:</a:t>
+            </a:r>
+            <a:r>
+              <a:rPr lang="en-CA" dirty="0"/>
+              <a:t> partition the documents into a set of K categories where documents with similar rates of word usage are assigned to the same cluster and dissimilar documents (with dissimilar rates of word usage) are assigned to different categories:</a:t>
+            </a:r>
+          </a:p>
+          <a:p>
+            <a:pPr marL="800100" lvl="1" indent="-342900">
+              <a:buFont typeface="+mj-lt"/>
+              <a:buAutoNum type="arabicPeriod"/>
+            </a:pPr>
+            <a:r>
+              <a:rPr lang="en-CA" dirty="0"/>
+              <a:t>Pre-specify cluster numbers</a:t>
+            </a:r>
+          </a:p>
+          <a:p>
+            <a:pPr marL="800100" lvl="1" indent="-342900">
+              <a:buFont typeface="+mj-lt"/>
+              <a:buAutoNum type="arabicPeriod"/>
+            </a:pPr>
+            <a:r>
+              <a:rPr lang="en-CA" dirty="0"/>
+              <a:t>Algorithm puts observations into clusters which minimize the within-cluster sum of squares (i.e., sum of squared Euclidean distances between each data point and its assigned cluster centroid)</a:t>
+            </a:r>
+          </a:p>
+          <a:p>
+            <a:pPr marL="800100" lvl="1" indent="-342900">
+              <a:buFont typeface="+mj-lt"/>
+              <a:buAutoNum type="arabicPeriod"/>
+            </a:pPr>
+            <a:r>
+              <a:rPr lang="en-CA" dirty="0"/>
+              <a:t>Objective function to minimize</a:t>
+            </a:r>
+          </a:p>
+          <a:p>
+            <a:endParaRPr lang="en-US" dirty="0"/>
+          </a:p>
+        </p:txBody>
+      </p:sp>
+    </p:spTree>
+    <p:extLst>
+      <p:ext uri="{BB962C8B-B14F-4D97-AF65-F5344CB8AC3E}">
+        <p14:creationId xmlns:p14="http://schemas.microsoft.com/office/powerpoint/2010/main" val="1700105003"/>
+      </p:ext>
+    </p:extLst>
+  </p:cSld>
+  <p:clrMapOvr>
+    <a:masterClrMapping/>
+  </p:clrMapOvr>
+</p:sld>
+</file>
+
+<file path=ppt/slides/slide17.xml><?xml version="1.0" encoding="utf-8"?>
+<p:sld xmlns:a="http://schemas.openxmlformats.org/drawingml/2006/main" xmlns:r="http://schemas.openxmlformats.org/officeDocument/2006/relationships" xmlns:p="http://schemas.openxmlformats.org/presentationml/2006/main">
+  <p:cSld>
+    <p:spTree>
+      <p:nvGrpSpPr>
+        <p:cNvPr id="1" name=""/>
+        <p:cNvGrpSpPr/>
+        <p:nvPr/>
+      </p:nvGrpSpPr>
+      <p:grpSpPr>
+        <a:xfrm>
+          <a:off x="0" y="0"/>
+          <a:ext cx="0" cy="0"/>
+          <a:chOff x="0" y="0"/>
+          <a:chExt cx="0" cy="0"/>
+        </a:xfrm>
+      </p:grpSpPr>
+      <p:sp>
+        <p:nvSpPr>
+          <p:cNvPr id="2" name="Title 1">
+            <a:extLst>
+              <a:ext uri="{FF2B5EF4-FFF2-40B4-BE49-F238E27FC236}">
+                <a16:creationId xmlns:a16="http://schemas.microsoft.com/office/drawing/2014/main" id="{B4F5F447-5B13-EF40-D145-A2C72B5C3FAD}"/>
+              </a:ext>
+            </a:extLst>
+          </p:cNvPr>
+          <p:cNvSpPr>
+            <a:spLocks noGrp="1"/>
+          </p:cNvSpPr>
+          <p:nvPr>
+            <p:ph type="title"/>
+          </p:nvPr>
+        </p:nvSpPr>
+        <p:spPr/>
+        <p:txBody>
+          <a:bodyPr/>
+          <a:lstStyle/>
+          <a:p>
+            <a:r>
+              <a:rPr lang="en-US" dirty="0"/>
+              <a:t>K-Means Steps</a:t>
+            </a:r>
+          </a:p>
+        </p:txBody>
+      </p:sp>
+      <mc:AlternateContent xmlns:mc="http://schemas.openxmlformats.org/markup-compatibility/2006">
+        <mc:Choice xmlns:a14="http://schemas.microsoft.com/office/drawing/2010/main" Requires="a14">
+          <p:sp>
+            <p:nvSpPr>
+              <p:cNvPr id="3" name="Content Placeholder 2">
+                <a:extLst>
+                  <a:ext uri="{FF2B5EF4-FFF2-40B4-BE49-F238E27FC236}">
+                    <a16:creationId xmlns:a16="http://schemas.microsoft.com/office/drawing/2014/main" id="{4EA7CD52-436C-D68F-AE62-83D7D404C0BA}"/>
+                  </a:ext>
+                </a:extLst>
+              </p:cNvPr>
+              <p:cNvSpPr>
+                <a:spLocks noGrp="1"/>
+              </p:cNvSpPr>
+              <p:nvPr>
+                <p:ph idx="1"/>
+              </p:nvPr>
+            </p:nvSpPr>
+            <p:spPr/>
+            <p:txBody>
+              <a:bodyPr>
+                <a:normAutofit fontScale="85000" lnSpcReduction="20000"/>
+              </a:bodyPr>
+              <a:lstStyle/>
+              <a:p>
+                <a:r>
+                  <a:rPr lang="en-CA" b="1" dirty="0">
+                    <a:solidFill>
+                      <a:schemeClr val="accent1"/>
+                    </a:solidFill>
+                  </a:rPr>
+                  <a:t>Initialize Clusters </a:t>
+                </a:r>
+                <a:r>
+                  <a:rPr lang="en-CA" dirty="0"/>
+                  <a:t>centroids randomly (</a:t>
+                </a:r>
+                <a14:m>
+                  <m:oMath xmlns:m="http://schemas.openxmlformats.org/officeDocument/2006/math">
+                    <m:sSub>
+                      <m:sSubPr>
+                        <m:ctrlPr>
+                          <a:rPr lang="en-CA" i="1" smtClean="0">
+                            <a:latin typeface="Cambria Math" panose="02040503050406030204" pitchFamily="18" charset="0"/>
+                          </a:rPr>
+                        </m:ctrlPr>
+                      </m:sSubPr>
+                      <m:e>
+                        <m:r>
+                          <a:rPr lang="en-CA" i="1" smtClean="0">
+                            <a:latin typeface="Cambria Math" panose="02040503050406030204" pitchFamily="18" charset="0"/>
+                            <a:ea typeface="Cambria Math" panose="02040503050406030204" pitchFamily="18" charset="0"/>
+                          </a:rPr>
+                          <m:t>𝜇</m:t>
+                        </m:r>
+                      </m:e>
+                      <m:sub>
+                        <m:r>
+                          <a:rPr lang="en-CA" b="0" i="1" smtClean="0">
+                            <a:latin typeface="Cambria Math" panose="02040503050406030204" pitchFamily="18" charset="0"/>
+                          </a:rPr>
+                          <m:t>𝑘</m:t>
+                        </m:r>
+                      </m:sub>
+                    </m:sSub>
+                  </m:oMath>
+                </a14:m>
+                <a:r>
+                  <a:rPr lang="en-CA" dirty="0"/>
+                  <a:t>)</a:t>
+                </a:r>
+              </a:p>
+              <a:p>
+                <a:r>
+                  <a:rPr lang="en-CA" b="1" dirty="0">
+                    <a:solidFill>
+                      <a:schemeClr val="accent1"/>
+                    </a:solidFill>
+                  </a:rPr>
+                  <a:t>Assign Documents </a:t>
+                </a:r>
+                <a:r>
+                  <a:rPr lang="en-CA" dirty="0"/>
+                  <a:t>to nearest centroid clusters using Euclidean distance.</a:t>
+                </a:r>
+              </a:p>
+              <a:p>
+                <a:r>
+                  <a:rPr lang="en-CA" b="1" dirty="0">
+                    <a:solidFill>
+                      <a:schemeClr val="accent1"/>
+                    </a:solidFill>
+                  </a:rPr>
+                  <a:t>Calculate Loss Function</a:t>
+                </a:r>
+                <a:r>
+                  <a:rPr lang="en-CA" dirty="0">
+                    <a:solidFill>
+                      <a:schemeClr val="accent1"/>
+                    </a:solidFill>
+                  </a:rPr>
+                  <a:t> </a:t>
+                </a:r>
+                <a:r>
+                  <a:rPr lang="en-CA" dirty="0"/>
+                  <a:t>between points and their clusters</a:t>
+                </a:r>
+              </a:p>
+              <a:p>
+                <a:endParaRPr lang="en-CA" dirty="0"/>
+              </a:p>
+              <a:p>
+                <a:endParaRPr lang="en-CA" dirty="0"/>
+              </a:p>
+              <a:p>
+                <a:endParaRPr lang="en-CA" dirty="0"/>
+              </a:p>
+              <a:p>
+                <a:r>
+                  <a:rPr lang="en-CA" b="1" dirty="0">
+                    <a:solidFill>
+                      <a:schemeClr val="accent1"/>
+                    </a:solidFill>
+                  </a:rPr>
+                  <a:t>Update centroids</a:t>
+                </a:r>
+              </a:p>
+              <a:p>
+                <a:endParaRPr lang="en-CA" b="1" dirty="0">
+                  <a:solidFill>
+                    <a:schemeClr val="accent1"/>
+                  </a:solidFill>
+                </a:endParaRPr>
+              </a:p>
+              <a:p>
+                <a:endParaRPr lang="en-CA" b="1" dirty="0">
+                  <a:solidFill>
+                    <a:schemeClr val="accent1"/>
+                  </a:solidFill>
+                </a:endParaRPr>
+              </a:p>
+              <a:p>
+                <a:endParaRPr lang="en-CA" b="1" dirty="0">
+                  <a:solidFill>
+                    <a:schemeClr val="accent1"/>
+                  </a:solidFill>
+                </a:endParaRPr>
+              </a:p>
+              <a:p>
+                <a:r>
+                  <a:rPr lang="en-CA" dirty="0"/>
+                  <a:t>Repeat (from bullet point 2) until convergence.</a:t>
+                </a:r>
+              </a:p>
+              <a:p>
+                <a:endParaRPr lang="en-US" dirty="0"/>
+              </a:p>
+            </p:txBody>
+          </p:sp>
+        </mc:Choice>
+        <mc:Fallback>
+          <p:sp>
+            <p:nvSpPr>
+              <p:cNvPr id="3" name="Content Placeholder 2">
+                <a:extLst>
+                  <a:ext uri="{FF2B5EF4-FFF2-40B4-BE49-F238E27FC236}">
+                    <a16:creationId xmlns:a16="http://schemas.microsoft.com/office/drawing/2014/main" id="{4EA7CD52-436C-D68F-AE62-83D7D404C0BA}"/>
+                  </a:ext>
+                </a:extLst>
+              </p:cNvPr>
+              <p:cNvSpPr>
+                <a:spLocks noGrp="1" noRot="1" noChangeAspect="1" noMove="1" noResize="1" noEditPoints="1" noAdjustHandles="1" noChangeArrowheads="1" noChangeShapeType="1" noTextEdit="1"/>
+              </p:cNvSpPr>
+              <p:nvPr>
+                <p:ph idx="1"/>
+              </p:nvPr>
+            </p:nvSpPr>
+            <p:spPr>
+              <a:blipFill>
+                <a:blip r:embed="rId2"/>
+                <a:stretch>
+                  <a:fillRect l="-249" t="-1408" b="-704"/>
+                </a:stretch>
+              </a:blipFill>
+            </p:spPr>
+            <p:txBody>
+              <a:bodyPr/>
+              <a:lstStyle/>
+              <a:p>
+                <a:r>
+                  <a:rPr lang="en-US">
+                    <a:noFill/>
+                  </a:rPr>
+                  <a:t> </a:t>
+                </a:r>
+              </a:p>
+            </p:txBody>
+          </p:sp>
+        </mc:Fallback>
+      </mc:AlternateContent>
+      <p:pic>
+        <p:nvPicPr>
+          <p:cNvPr id="4" name="Picture 3">
+            <a:extLst>
+              <a:ext uri="{FF2B5EF4-FFF2-40B4-BE49-F238E27FC236}">
+                <a16:creationId xmlns:a16="http://schemas.microsoft.com/office/drawing/2014/main" id="{3B4D9E2A-9CD9-58E6-33B5-FE800FB3B4F1}"/>
+              </a:ext>
+            </a:extLst>
+          </p:cNvPr>
+          <p:cNvPicPr>
+            <a:picLocks noChangeAspect="1"/>
+          </p:cNvPicPr>
+          <p:nvPr/>
+        </p:nvPicPr>
+        <p:blipFill>
+          <a:blip r:embed="rId3"/>
+          <a:stretch>
+            <a:fillRect/>
+          </a:stretch>
+        </p:blipFill>
+        <p:spPr>
+          <a:xfrm>
+            <a:off x="4945488" y="3429000"/>
+            <a:ext cx="2526942" cy="835629"/>
+          </a:xfrm>
+          <a:prstGeom prst="rect">
+            <a:avLst/>
+          </a:prstGeom>
+        </p:spPr>
+      </p:pic>
+      <p:pic>
+        <p:nvPicPr>
+          <p:cNvPr id="5" name="Picture 4">
+            <a:extLst>
+              <a:ext uri="{FF2B5EF4-FFF2-40B4-BE49-F238E27FC236}">
+                <a16:creationId xmlns:a16="http://schemas.microsoft.com/office/drawing/2014/main" id="{C1B08F96-F69B-919D-6936-5BE5FD6E5182}"/>
+              </a:ext>
+            </a:extLst>
+          </p:cNvPr>
+          <p:cNvPicPr>
+            <a:picLocks noChangeAspect="1"/>
+          </p:cNvPicPr>
+          <p:nvPr/>
+        </p:nvPicPr>
+        <p:blipFill>
+          <a:blip r:embed="rId4"/>
+          <a:stretch>
+            <a:fillRect/>
+          </a:stretch>
+        </p:blipFill>
+        <p:spPr>
+          <a:xfrm>
+            <a:off x="4945488" y="4571999"/>
+            <a:ext cx="2526942" cy="835629"/>
+          </a:xfrm>
+          <a:prstGeom prst="rect">
+            <a:avLst/>
+          </a:prstGeom>
+        </p:spPr>
+      </p:pic>
+    </p:spTree>
+    <p:extLst>
+      <p:ext uri="{BB962C8B-B14F-4D97-AF65-F5344CB8AC3E}">
+        <p14:creationId xmlns:p14="http://schemas.microsoft.com/office/powerpoint/2010/main" val="2830124694"/>
+      </p:ext>
+    </p:extLst>
+  </p:cSld>
+  <p:clrMapOvr>
+    <a:masterClrMapping/>
+  </p:clrMapOvr>
+</p:sld>
+</file>
+
+<file path=ppt/slides/slide18.xml><?xml version="1.0" encoding="utf-8"?>
+<p:sld xmlns:a="http://schemas.openxmlformats.org/drawingml/2006/main" xmlns:r="http://schemas.openxmlformats.org/officeDocument/2006/relationships" xmlns:p="http://schemas.openxmlformats.org/presentationml/2006/main">
+  <p:cSld>
+    <p:bg>
+      <p:bgPr>
+        <a:solidFill>
+          <a:schemeClr val="bg2"/>
+        </a:solidFill>
+        <a:effectLst/>
+      </p:bgPr>
+    </p:bg>
+    <p:spTree>
+      <p:nvGrpSpPr>
+        <p:cNvPr id="1" name=""/>
+        <p:cNvGrpSpPr/>
+        <p:nvPr/>
+      </p:nvGrpSpPr>
+      <p:grpSpPr>
+        <a:xfrm>
+          <a:off x="0" y="0"/>
+          <a:ext cx="0" cy="0"/>
+          <a:chOff x="0" y="0"/>
+          <a:chExt cx="0" cy="0"/>
+        </a:xfrm>
+      </p:grpSpPr>
+      <p:sp>
+        <p:nvSpPr>
+          <p:cNvPr id="7" name="Rectangle 6">
+            <a:extLst>
+              <a:ext uri="{FF2B5EF4-FFF2-40B4-BE49-F238E27FC236}">
+                <a16:creationId xmlns:a16="http://schemas.microsoft.com/office/drawing/2014/main" id="{CE606343-BADE-4565-AB89-E9EF7E253F80}"/>
+              </a:ext>
+              <a:ext uri="{C183D7F6-B498-43B3-948B-1728B52AA6E4}">
+                <adec:decorative xmlns:adec="http://schemas.microsoft.com/office/drawing/2017/decorative" val="1"/>
+              </a:ext>
+            </a:extLst>
+          </p:cNvPr>
+          <p:cNvSpPr>
+            <a:spLocks noGrp="1" noRot="1" noChangeAspect="1" noMove="1" noResize="1" noEditPoints="1" noAdjustHandles="1" noChangeArrowheads="1" noChangeShapeType="1" noTextEdit="1"/>
+          </p:cNvSpPr>
+          <p:nvPr>
+            <p:extLst>
+              <p:ext uri="{386F3935-93C4-4BCD-93E2-E3B085C9AB24}">
+                <p16:designElem xmlns:p16="http://schemas.microsoft.com/office/powerpoint/2015/main" val="1"/>
+              </p:ext>
+            </p:extLst>
+          </p:nvPr>
+        </p:nvSpPr>
+        <p:spPr>
+          <a:xfrm>
+            <a:off x="0" y="0"/>
+            <a:ext cx="12192000" cy="6858000"/>
+          </a:xfrm>
+          <a:prstGeom prst="rect">
+            <a:avLst/>
+          </a:prstGeom>
+          <a:solidFill>
+            <a:schemeClr val="tx1">
+              <a:lumMod val="65000"/>
+              <a:lumOff val="35000"/>
+            </a:schemeClr>
+          </a:solidFill>
+          <a:ln>
+            <a:noFill/>
+          </a:ln>
+        </p:spPr>
+        <p:style>
+          <a:lnRef idx="2">
+            <a:schemeClr val="accent1">
+              <a:shade val="50000"/>
+            </a:schemeClr>
+          </a:lnRef>
+          <a:fillRef idx="1">
+            <a:schemeClr val="accent1"/>
+          </a:fillRef>
+          <a:effectRef idx="0">
+            <a:schemeClr val="accent1"/>
+          </a:effectRef>
+          <a:fontRef idx="minor">
+            <a:schemeClr val="lt1"/>
+          </a:fontRef>
+        </p:style>
+        <p:txBody>
+          <a:bodyPr rtlCol="0" anchor="ctr"/>
+          <a:lstStyle/>
+          <a:p>
+            <a:pPr algn="ctr"/>
+            <a:endParaRPr lang="en-US"/>
+          </a:p>
+        </p:txBody>
+      </p:sp>
+      <p:sp>
+        <p:nvSpPr>
+          <p:cNvPr id="9" name="Rectangle 8">
+            <a:extLst>
+              <a:ext uri="{FF2B5EF4-FFF2-40B4-BE49-F238E27FC236}">
+                <a16:creationId xmlns:a16="http://schemas.microsoft.com/office/drawing/2014/main" id="{39E183BD-2932-401F-8B53-E247764B376B}"/>
+              </a:ext>
+              <a:ext uri="{C183D7F6-B498-43B3-948B-1728B52AA6E4}">
+                <adec:decorative xmlns:adec="http://schemas.microsoft.com/office/drawing/2017/decorative" val="1"/>
+              </a:ext>
+            </a:extLst>
+          </p:cNvPr>
+          <p:cNvSpPr>
+            <a:spLocks noGrp="1" noRot="1" noChangeAspect="1" noMove="1" noResize="1" noEditPoints="1" noAdjustHandles="1" noChangeArrowheads="1" noChangeShapeType="1" noTextEdit="1"/>
+          </p:cNvSpPr>
+          <p:nvPr>
+            <p:extLst>
+              <p:ext uri="{386F3935-93C4-4BCD-93E2-E3B085C9AB24}">
+                <p16:designElem xmlns:p16="http://schemas.microsoft.com/office/powerpoint/2015/main" val="1"/>
+              </p:ext>
+            </p:extLst>
+          </p:nvPr>
+        </p:nvSpPr>
+        <p:spPr>
+          <a:xfrm>
+            <a:off x="477012" y="480060"/>
+            <a:ext cx="11237976" cy="5897880"/>
+          </a:xfrm>
+          <a:prstGeom prst="rect">
+            <a:avLst/>
+          </a:prstGeom>
+          <a:solidFill>
+            <a:srgbClr val="FFFFFF"/>
+          </a:solidFill>
+          <a:ln>
+            <a:noFill/>
+          </a:ln>
+        </p:spPr>
+        <p:style>
+          <a:lnRef idx="2">
+            <a:schemeClr val="accent1">
+              <a:shade val="50000"/>
+            </a:schemeClr>
+          </a:lnRef>
+          <a:fillRef idx="1">
+            <a:schemeClr val="accent1"/>
+          </a:fillRef>
+          <a:effectRef idx="0">
+            <a:schemeClr val="accent1"/>
+          </a:effectRef>
+          <a:fontRef idx="minor">
+            <a:schemeClr val="lt1"/>
+          </a:fontRef>
+        </p:style>
+        <p:txBody>
+          <a:bodyPr rtlCol="0" anchor="ctr"/>
+          <a:lstStyle/>
+          <a:p>
+            <a:pPr algn="ctr"/>
+            <a:endParaRPr lang="en-US"/>
+          </a:p>
+        </p:txBody>
+      </p:sp>
+      <p:pic>
+        <p:nvPicPr>
+          <p:cNvPr id="2" name="Picture 1">
+            <a:extLst>
+              <a:ext uri="{FF2B5EF4-FFF2-40B4-BE49-F238E27FC236}">
+                <a16:creationId xmlns:a16="http://schemas.microsoft.com/office/drawing/2014/main" id="{84C01FCA-382E-6164-D0F7-BCD504A7883A}"/>
+              </a:ext>
+            </a:extLst>
+          </p:cNvPr>
+          <p:cNvPicPr>
+            <a:picLocks noChangeAspect="1"/>
+          </p:cNvPicPr>
+          <p:nvPr/>
+        </p:nvPicPr>
+        <p:blipFill>
+          <a:blip r:embed="rId2"/>
+          <a:stretch>
+            <a:fillRect/>
+          </a:stretch>
+        </p:blipFill>
+        <p:spPr>
+          <a:xfrm>
+            <a:off x="802335" y="1033618"/>
+            <a:ext cx="10587330" cy="4790765"/>
+          </a:xfrm>
+          <a:prstGeom prst="rect">
+            <a:avLst/>
+          </a:prstGeom>
+        </p:spPr>
+      </p:pic>
+    </p:spTree>
+    <p:extLst>
+      <p:ext uri="{BB962C8B-B14F-4D97-AF65-F5344CB8AC3E}">
+        <p14:creationId xmlns:p14="http://schemas.microsoft.com/office/powerpoint/2010/main" val="1430465744"/>
+      </p:ext>
+    </p:extLst>
+  </p:cSld>
+  <p:clrMapOvr>
+    <a:masterClrMapping/>
+  </p:clrMapOvr>
+</p:sld>
+</file>
+
+<file path=ppt/slides/slide19.xml><?xml version="1.0" encoding="utf-8"?>
 <p:sld xmlns:a="http://schemas.openxmlformats.org/drawingml/2006/main" xmlns:r="http://schemas.openxmlformats.org/officeDocument/2006/relationships" xmlns:p="http://schemas.openxmlformats.org/presentationml/2006/main">
   <p:cSld>
     <p:spTree>
@@ -12710,7 +9335,280 @@
 </p:sld>
 </file>
 
-<file path=ppt/slides/slide29.xml><?xml version="1.0" encoding="utf-8"?>
+<file path=ppt/slides/slide2.xml><?xml version="1.0" encoding="utf-8"?>
+<p:sld xmlns:a="http://schemas.openxmlformats.org/drawingml/2006/main" xmlns:r="http://schemas.openxmlformats.org/officeDocument/2006/relationships" xmlns:p="http://schemas.openxmlformats.org/presentationml/2006/main">
+  <p:cSld>
+    <p:spTree>
+      <p:nvGrpSpPr>
+        <p:cNvPr id="1" name=""/>
+        <p:cNvGrpSpPr/>
+        <p:nvPr/>
+      </p:nvGrpSpPr>
+      <p:grpSpPr>
+        <a:xfrm>
+          <a:off x="0" y="0"/>
+          <a:ext cx="0" cy="0"/>
+          <a:chOff x="0" y="0"/>
+          <a:chExt cx="0" cy="0"/>
+        </a:xfrm>
+      </p:grpSpPr>
+      <p:sp>
+        <p:nvSpPr>
+          <p:cNvPr id="2" name="Title 1">
+            <a:extLst>
+              <a:ext uri="{FF2B5EF4-FFF2-40B4-BE49-F238E27FC236}">
+                <a16:creationId xmlns:a16="http://schemas.microsoft.com/office/drawing/2014/main" id="{DD58BCAD-B3F2-ECD8-87D6-CC65F8D2C043}"/>
+              </a:ext>
+            </a:extLst>
+          </p:cNvPr>
+          <p:cNvSpPr>
+            <a:spLocks noGrp="1"/>
+          </p:cNvSpPr>
+          <p:nvPr>
+            <p:ph type="title"/>
+          </p:nvPr>
+        </p:nvSpPr>
+        <p:spPr/>
+        <p:txBody>
+          <a:bodyPr/>
+          <a:lstStyle/>
+          <a:p>
+            <a:r>
+              <a:rPr lang="en-US" dirty="0"/>
+              <a:t>Changing our focus…</a:t>
+            </a:r>
+          </a:p>
+        </p:txBody>
+      </p:sp>
+      <p:sp>
+        <p:nvSpPr>
+          <p:cNvPr id="3" name="Content Placeholder 2">
+            <a:extLst>
+              <a:ext uri="{FF2B5EF4-FFF2-40B4-BE49-F238E27FC236}">
+                <a16:creationId xmlns:a16="http://schemas.microsoft.com/office/drawing/2014/main" id="{043C78B7-AEB2-2A7E-6308-34C3A5351F7E}"/>
+              </a:ext>
+            </a:extLst>
+          </p:cNvPr>
+          <p:cNvSpPr>
+            <a:spLocks noGrp="1"/>
+          </p:cNvSpPr>
+          <p:nvPr>
+            <p:ph idx="1"/>
+          </p:nvPr>
+        </p:nvSpPr>
+        <p:spPr/>
+        <p:txBody>
+          <a:bodyPr/>
+          <a:lstStyle/>
+          <a:p>
+            <a:r>
+              <a:rPr lang="en-US" dirty="0"/>
+              <a:t>So far, we have been obsessing over tokens (e.g., frequency, dictionaries, complexity) as observable manifestations of concepts. Now we turn to measures that:</a:t>
+            </a:r>
+          </a:p>
+          <a:p>
+            <a:pPr lvl="1"/>
+            <a:r>
+              <a:rPr lang="en-US" dirty="0"/>
+              <a:t>Position texts in vector space</a:t>
+            </a:r>
+          </a:p>
+          <a:p>
+            <a:pPr lvl="1"/>
+            <a:r>
+              <a:rPr lang="en-US" dirty="0"/>
+              <a:t>Derive measures of </a:t>
+            </a:r>
+            <a:r>
+              <a:rPr lang="en-US" i="1" dirty="0"/>
+              <a:t>n</a:t>
+            </a:r>
+            <a:r>
+              <a:rPr lang="en-US" dirty="0"/>
+              <a:t> latent dimensions based on attributes of </a:t>
+            </a:r>
+            <a:r>
+              <a:rPr lang="en-US" i="1" dirty="0"/>
+              <a:t>j</a:t>
+            </a:r>
+            <a:r>
+              <a:rPr lang="en-US" dirty="0"/>
+              <a:t> documents:</a:t>
+            </a:r>
+          </a:p>
+          <a:p>
+            <a:pPr lvl="2"/>
+            <a:r>
+              <a:rPr lang="en-US" dirty="0"/>
+              <a:t>For example, ideological placement of parliamentarians based on what they say on the floor.</a:t>
+            </a:r>
+          </a:p>
+          <a:p>
+            <a:pPr lvl="2"/>
+            <a:r>
+              <a:rPr lang="en-US" dirty="0"/>
+              <a:t>For example, bias of newspapers using text from editorials. </a:t>
+            </a:r>
+          </a:p>
+        </p:txBody>
+      </p:sp>
+    </p:spTree>
+    <p:extLst>
+      <p:ext uri="{BB962C8B-B14F-4D97-AF65-F5344CB8AC3E}">
+        <p14:creationId xmlns:p14="http://schemas.microsoft.com/office/powerpoint/2010/main" val="3725279236"/>
+      </p:ext>
+    </p:extLst>
+  </p:cSld>
+  <p:clrMapOvr>
+    <a:masterClrMapping/>
+  </p:clrMapOvr>
+</p:sld>
+</file>
+
+<file path=ppt/slides/slide20.xml><?xml version="1.0" encoding="utf-8"?>
+<p:sld xmlns:a="http://schemas.openxmlformats.org/drawingml/2006/main" xmlns:r="http://schemas.openxmlformats.org/officeDocument/2006/relationships" xmlns:p="http://schemas.openxmlformats.org/presentationml/2006/main">
+  <p:cSld>
+    <p:spTree>
+      <p:nvGrpSpPr>
+        <p:cNvPr id="1" name=""/>
+        <p:cNvGrpSpPr/>
+        <p:nvPr/>
+      </p:nvGrpSpPr>
+      <p:grpSpPr>
+        <a:xfrm>
+          <a:off x="0" y="0"/>
+          <a:ext cx="0" cy="0"/>
+          <a:chOff x="0" y="0"/>
+          <a:chExt cx="0" cy="0"/>
+        </a:xfrm>
+      </p:grpSpPr>
+      <p:sp>
+        <p:nvSpPr>
+          <p:cNvPr id="4" name="Title 3">
+            <a:extLst>
+              <a:ext uri="{FF2B5EF4-FFF2-40B4-BE49-F238E27FC236}">
+                <a16:creationId xmlns:a16="http://schemas.microsoft.com/office/drawing/2014/main" id="{FBCC29FF-2263-D0F9-4C87-D179FA879725}"/>
+              </a:ext>
+            </a:extLst>
+          </p:cNvPr>
+          <p:cNvSpPr>
+            <a:spLocks noGrp="1"/>
+          </p:cNvSpPr>
+          <p:nvPr>
+            <p:ph type="title"/>
+          </p:nvPr>
+        </p:nvSpPr>
+        <p:spPr/>
+        <p:txBody>
+          <a:bodyPr/>
+          <a:lstStyle/>
+          <a:p>
+            <a:endParaRPr lang="en-US"/>
+          </a:p>
+        </p:txBody>
+      </p:sp>
+      <p:sp>
+        <p:nvSpPr>
+          <p:cNvPr id="5" name="Content Placeholder 4">
+            <a:extLst>
+              <a:ext uri="{FF2B5EF4-FFF2-40B4-BE49-F238E27FC236}">
+                <a16:creationId xmlns:a16="http://schemas.microsoft.com/office/drawing/2014/main" id="{9AD261AC-07B0-9952-BAE3-AD18DA6C7F33}"/>
+              </a:ext>
+            </a:extLst>
+          </p:cNvPr>
+          <p:cNvSpPr>
+            <a:spLocks noGrp="1"/>
+          </p:cNvSpPr>
+          <p:nvPr>
+            <p:ph idx="1"/>
+          </p:nvPr>
+        </p:nvSpPr>
+        <p:spPr/>
+        <p:txBody>
+          <a:bodyPr/>
+          <a:lstStyle/>
+          <a:p>
+            <a:r>
+              <a:rPr lang="en-CA" dirty="0"/>
+              <a:t>Topics models can be thought as a probabilistic generalization of clustering methods.</a:t>
+            </a:r>
+            <a:endParaRPr lang="en-US" dirty="0"/>
+          </a:p>
+          <a:p>
+            <a:r>
+              <a:rPr lang="en-CA" b="1" dirty="0">
+                <a:solidFill>
+                  <a:schemeClr val="accent1"/>
+                </a:solidFill>
+              </a:rPr>
+              <a:t>Clustering</a:t>
+            </a:r>
+            <a:r>
+              <a:rPr lang="en-CA" dirty="0"/>
+              <a:t>:</a:t>
+            </a:r>
+          </a:p>
+          <a:p>
+            <a:pPr lvl="1"/>
+            <a:r>
+              <a:rPr lang="en-CA" dirty="0"/>
+              <a:t>Every document is assigned to a cluster that minimizes a cost function</a:t>
+            </a:r>
+          </a:p>
+          <a:p>
+            <a:r>
+              <a:rPr lang="en-CA" b="1" dirty="0">
+                <a:solidFill>
+                  <a:schemeClr val="accent1"/>
+                </a:solidFill>
+              </a:rPr>
+              <a:t>Topic Models</a:t>
+            </a:r>
+            <a:r>
+              <a:rPr lang="en-CA" dirty="0"/>
+              <a:t>:</a:t>
+            </a:r>
+          </a:p>
+          <a:p>
+            <a:pPr lvl="1"/>
+            <a:r>
+              <a:rPr lang="en-CA" dirty="0"/>
+              <a:t>every document has a probability distribution of topics.</a:t>
+            </a:r>
+          </a:p>
+          <a:p>
+            <a:pPr lvl="1"/>
+            <a:r>
+              <a:rPr lang="en-CA" dirty="0"/>
+              <a:t>every topic has a probability distribution of words.</a:t>
+            </a:r>
+          </a:p>
+          <a:p>
+            <a:pPr lvl="1"/>
+            <a:r>
+              <a:rPr lang="en-CA" dirty="0"/>
+              <a:t>We use likelihood estimation to find the parameters of these distributions</a:t>
+            </a:r>
+          </a:p>
+          <a:p>
+            <a:endParaRPr lang="en-US" dirty="0"/>
+          </a:p>
+        </p:txBody>
+      </p:sp>
+    </p:spTree>
+    <p:extLst>
+      <p:ext uri="{BB962C8B-B14F-4D97-AF65-F5344CB8AC3E}">
+        <p14:creationId xmlns:p14="http://schemas.microsoft.com/office/powerpoint/2010/main" val="693243059"/>
+      </p:ext>
+    </p:extLst>
+  </p:cSld>
+  <p:clrMapOvr>
+    <a:masterClrMapping/>
+  </p:clrMapOvr>
+</p:sld>
+</file>
+
+<file path=ppt/slides/slide21.xml><?xml version="1.0" encoding="utf-8"?>
 <p:sld xmlns:a="http://schemas.openxmlformats.org/drawingml/2006/main" xmlns:r="http://schemas.openxmlformats.org/officeDocument/2006/relationships" xmlns:p="http://schemas.openxmlformats.org/presentationml/2006/main">
   <p:cSld>
     <p:spTree>
@@ -12778,15 +9676,7 @@
           <a:p>
             <a:r>
               <a:rPr lang="en-US" dirty="0"/>
-              <a:t>Topic models are a broad class of Bayesian generative models that encode problem-specific structure into an estimation of categories (Grimmer and Stewart 2013; </a:t>
-            </a:r>
-            <a:r>
-              <a:rPr lang="en-US" dirty="0" err="1"/>
-              <a:t>Blei</a:t>
-            </a:r>
-            <a:r>
-              <a:rPr lang="en-US" dirty="0"/>
-              <a:t> et al. 2010). </a:t>
+              <a:t>Topic models are a broad class of Bayesian generative models that encode problem-specific structure into an estimation of categories (Grimmer and Stewart 2013; Blei et al. 2010). </a:t>
             </a:r>
           </a:p>
           <a:p>
@@ -12851,137 +9741,7 @@
 </p:sld>
 </file>
 
-<file path=ppt/slides/slide3.xml><?xml version="1.0" encoding="utf-8"?>
-<p:sld xmlns:a="http://schemas.openxmlformats.org/drawingml/2006/main" xmlns:r="http://schemas.openxmlformats.org/officeDocument/2006/relationships" xmlns:p="http://schemas.openxmlformats.org/presentationml/2006/main">
-  <p:cSld>
-    <p:spTree>
-      <p:nvGrpSpPr>
-        <p:cNvPr id="1" name=""/>
-        <p:cNvGrpSpPr/>
-        <p:nvPr/>
-      </p:nvGrpSpPr>
-      <p:grpSpPr>
-        <a:xfrm>
-          <a:off x="0" y="0"/>
-          <a:ext cx="0" cy="0"/>
-          <a:chOff x="0" y="0"/>
-          <a:chExt cx="0" cy="0"/>
-        </a:xfrm>
-      </p:grpSpPr>
-      <p:sp>
-        <p:nvSpPr>
-          <p:cNvPr id="2" name="Title 1">
-            <a:extLst>
-              <a:ext uri="{FF2B5EF4-FFF2-40B4-BE49-F238E27FC236}">
-                <a16:creationId xmlns:a16="http://schemas.microsoft.com/office/drawing/2014/main" id="{DD58BCAD-B3F2-ECD8-87D6-CC65F8D2C043}"/>
-              </a:ext>
-            </a:extLst>
-          </p:cNvPr>
-          <p:cNvSpPr>
-            <a:spLocks noGrp="1"/>
-          </p:cNvSpPr>
-          <p:nvPr>
-            <p:ph type="title"/>
-          </p:nvPr>
-        </p:nvSpPr>
-        <p:spPr/>
-        <p:txBody>
-          <a:bodyPr/>
-          <a:lstStyle/>
-          <a:p>
-            <a:r>
-              <a:rPr lang="en-US" dirty="0"/>
-              <a:t>Changing our focus…</a:t>
-            </a:r>
-          </a:p>
-        </p:txBody>
-      </p:sp>
-      <p:sp>
-        <p:nvSpPr>
-          <p:cNvPr id="3" name="Content Placeholder 2">
-            <a:extLst>
-              <a:ext uri="{FF2B5EF4-FFF2-40B4-BE49-F238E27FC236}">
-                <a16:creationId xmlns:a16="http://schemas.microsoft.com/office/drawing/2014/main" id="{043C78B7-AEB2-2A7E-6308-34C3A5351F7E}"/>
-              </a:ext>
-            </a:extLst>
-          </p:cNvPr>
-          <p:cNvSpPr>
-            <a:spLocks noGrp="1"/>
-          </p:cNvSpPr>
-          <p:nvPr>
-            <p:ph idx="1"/>
-          </p:nvPr>
-        </p:nvSpPr>
-        <p:spPr/>
-        <p:txBody>
-          <a:bodyPr/>
-          <a:lstStyle/>
-          <a:p>
-            <a:r>
-              <a:rPr lang="en-US" dirty="0"/>
-              <a:t>So far, we have been obsessing over tokens (e.g., frequency, dictionaries, complexity) as observable manifestations of concepts. Now we turn to measures that:</a:t>
-            </a:r>
-          </a:p>
-          <a:p>
-            <a:pPr lvl="1"/>
-            <a:r>
-              <a:rPr lang="en-US" dirty="0"/>
-              <a:t>Position texts in vector space</a:t>
-            </a:r>
-          </a:p>
-          <a:p>
-            <a:pPr lvl="1"/>
-            <a:r>
-              <a:rPr lang="en-US" dirty="0"/>
-              <a:t>Derive measures of </a:t>
-            </a:r>
-            <a:r>
-              <a:rPr lang="en-US" i="1" dirty="0"/>
-              <a:t>n</a:t>
-            </a:r>
-            <a:r>
-              <a:rPr lang="en-US" dirty="0"/>
-              <a:t> latent dimensions based on attributes of </a:t>
-            </a:r>
-            <a:r>
-              <a:rPr lang="en-US" i="1" dirty="0"/>
-              <a:t>j</a:t>
-            </a:r>
-            <a:r>
-              <a:rPr lang="en-US" dirty="0"/>
-              <a:t> documents:</a:t>
-            </a:r>
-          </a:p>
-          <a:p>
-            <a:pPr lvl="2"/>
-            <a:r>
-              <a:rPr lang="en-US" dirty="0"/>
-              <a:t>For example, ideological placement of parliamentarians based on what they say on the floor.</a:t>
-            </a:r>
-          </a:p>
-          <a:p>
-            <a:pPr lvl="2"/>
-            <a:r>
-              <a:rPr lang="en-US" dirty="0"/>
-              <a:t>For example, bias of newspapers using text from editorials. </a:t>
-            </a:r>
-          </a:p>
-        </p:txBody>
-      </p:sp>
-    </p:spTree>
-    <p:extLst>
-      <p:ext uri="{BB962C8B-B14F-4D97-AF65-F5344CB8AC3E}">
-        <p14:creationId xmlns:p14="http://schemas.microsoft.com/office/powerpoint/2010/main" val="3725279236"/>
-      </p:ext>
-    </p:extLst>
-  </p:cSld>
-  <p:clrMapOvr>
-    <a:masterClrMapping/>
-  </p:clrMapOvr>
-</p:sld>
-</file>
-
-<file path=ppt/slides/slide30.xml><?xml version="1.0" encoding="utf-8"?>
+<file path=ppt/slides/slide22.xml><?xml version="1.0" encoding="utf-8"?>
 <p:sld xmlns:a="http://schemas.openxmlformats.org/drawingml/2006/main" xmlns:r="http://schemas.openxmlformats.org/officeDocument/2006/relationships" xmlns:p="http://schemas.openxmlformats.org/presentationml/2006/main">
   <p:cSld>
     <p:spTree>
@@ -13516,7 +10276,7 @@
 </p:sld>
 </file>
 
-<file path=ppt/slides/slide31.xml><?xml version="1.0" encoding="utf-8"?>
+<file path=ppt/slides/slide23.xml><?xml version="1.0" encoding="utf-8"?>
 <p:sld xmlns:a="http://schemas.openxmlformats.org/drawingml/2006/main" xmlns:r="http://schemas.openxmlformats.org/officeDocument/2006/relationships" xmlns:p="http://schemas.openxmlformats.org/presentationml/2006/main">
   <p:cSld>
     <p:spTree>
@@ -13558,8 +10318,8 @@
           </a:p>
         </p:txBody>
       </p:sp>
-      <mc:AlternateContent xmlns:mc="http://schemas.openxmlformats.org/markup-compatibility/2006" xmlns:a14="http://schemas.microsoft.com/office/drawing/2010/main">
-        <mc:Choice Requires="a14">
+      <mc:AlternateContent xmlns:mc="http://schemas.openxmlformats.org/markup-compatibility/2006">
+        <mc:Choice xmlns:a14="http://schemas.microsoft.com/office/drawing/2010/main" Requires="a14">
           <p:sp>
             <p:nvSpPr>
               <p:cNvPr id="3" name="Content Placeholder 2">
@@ -13633,7 +10393,7 @@
                       <a:rPr lang="en-CA" b="0" i="1" smtClean="0">
                         <a:latin typeface="Cambria Math" panose="02040503050406030204" pitchFamily="18" charset="0"/>
                       </a:rPr>
-                      <m:t>𝑛</m:t>
+                      <m:t>𝑚</m:t>
                     </m:r>
                     <m:r>
                       <a:rPr lang="en-CA" b="0" i="1" smtClean="0">
@@ -13787,7 +10547,7 @@
                           <a:rPr lang="en-CA" b="0" i="1" smtClean="0">
                             <a:latin typeface="Cambria Math" panose="02040503050406030204" pitchFamily="18" charset="0"/>
                           </a:rPr>
-                          <m:t>𝑛</m:t>
+                          <m:t>𝑚</m:t>
                         </m:r>
                       </m:sub>
                     </m:sSub>
@@ -13965,7 +10725,7 @@
             </p:txBody>
           </p:sp>
         </mc:Choice>
-        <mc:Fallback xmlns="">
+        <mc:Fallback>
           <p:sp>
             <p:nvSpPr>
               <p:cNvPr id="3" name="Content Placeholder 2">
@@ -14048,7 +10808,7 @@
 </p:sld>
 </file>
 
-<file path=ppt/slides/slide32.xml><?xml version="1.0" encoding="utf-8"?>
+<file path=ppt/slides/slide24.xml><?xml version="1.0" encoding="utf-8"?>
 <p:sld xmlns:a="http://schemas.openxmlformats.org/drawingml/2006/main" xmlns:r="http://schemas.openxmlformats.org/officeDocument/2006/relationships" xmlns:p="http://schemas.openxmlformats.org/presentationml/2006/main">
   <p:cSld>
     <p:spTree>
@@ -14321,7 +11081,7 @@
 </p:sld>
 </file>
 
-<file path=ppt/slides/slide33.xml><?xml version="1.0" encoding="utf-8"?>
+<file path=ppt/slides/slide25.xml><?xml version="1.0" encoding="utf-8"?>
 <p:sld xmlns:a="http://schemas.openxmlformats.org/drawingml/2006/main" xmlns:r="http://schemas.openxmlformats.org/officeDocument/2006/relationships" xmlns:p="http://schemas.openxmlformats.org/presentationml/2006/main">
   <p:cSld>
     <p:spTree>
@@ -14577,7 +11337,7 @@
 </p:sld>
 </file>
 
-<file path=ppt/slides/slide34.xml><?xml version="1.0" encoding="utf-8"?>
+<file path=ppt/slides/slide26.xml><?xml version="1.0" encoding="utf-8"?>
 <p:sld xmlns:a="http://schemas.openxmlformats.org/drawingml/2006/main" xmlns:r="http://schemas.openxmlformats.org/officeDocument/2006/relationships" xmlns:p="http://schemas.openxmlformats.org/presentationml/2006/main">
   <p:cSld>
     <p:spTree>
@@ -15104,7 +11864,7 @@
 </p:sld>
 </file>
 
-<file path=ppt/slides/slide35.xml><?xml version="1.0" encoding="utf-8"?>
+<file path=ppt/slides/slide27.xml><?xml version="1.0" encoding="utf-8"?>
 <p:sld xmlns:a="http://schemas.openxmlformats.org/drawingml/2006/main" xmlns:r="http://schemas.openxmlformats.org/officeDocument/2006/relationships" xmlns:p="http://schemas.openxmlformats.org/presentationml/2006/main">
   <p:cSld>
     <p:bg>
@@ -15301,7 +12061,7 @@
 </p:sld>
 </file>
 
-<file path=ppt/slides/slide36.xml><?xml version="1.0" encoding="utf-8"?>
+<file path=ppt/slides/slide28.xml><?xml version="1.0" encoding="utf-8"?>
 <p:sld xmlns:a="http://schemas.openxmlformats.org/drawingml/2006/main" xmlns:r="http://schemas.openxmlformats.org/officeDocument/2006/relationships" xmlns:p="http://schemas.openxmlformats.org/presentationml/2006/main">
   <p:cSld>
     <p:spTree>
@@ -15474,7 +12234,7 @@
 </p:sld>
 </file>
 
-<file path=ppt/slides/slide37.xml><?xml version="1.0" encoding="utf-8"?>
+<file path=ppt/slides/slide29.xml><?xml version="1.0" encoding="utf-8"?>
 <p:sld xmlns:a="http://schemas.openxmlformats.org/drawingml/2006/main" xmlns:r="http://schemas.openxmlformats.org/officeDocument/2006/relationships" xmlns:p="http://schemas.openxmlformats.org/presentationml/2006/main">
   <p:cSld>
     <p:spTree>
@@ -15854,7 +12614,104 @@
 </p:sld>
 </file>
 
-<file path=ppt/slides/slide38.xml><?xml version="1.0" encoding="utf-8"?>
+<file path=ppt/slides/slide3.xml><?xml version="1.0" encoding="utf-8"?>
+<p:sld xmlns:a="http://schemas.openxmlformats.org/drawingml/2006/main" xmlns:r="http://schemas.openxmlformats.org/officeDocument/2006/relationships" xmlns:p="http://schemas.openxmlformats.org/presentationml/2006/main">
+  <p:cSld>
+    <p:spTree>
+      <p:nvGrpSpPr>
+        <p:cNvPr id="1" name=""/>
+        <p:cNvGrpSpPr/>
+        <p:nvPr/>
+      </p:nvGrpSpPr>
+      <p:grpSpPr>
+        <a:xfrm>
+          <a:off x="0" y="0"/>
+          <a:ext cx="0" cy="0"/>
+          <a:chOff x="0" y="0"/>
+          <a:chExt cx="0" cy="0"/>
+        </a:xfrm>
+      </p:grpSpPr>
+      <p:sp>
+        <p:nvSpPr>
+          <p:cNvPr id="2" name="Title 1">
+            <a:extLst>
+              <a:ext uri="{FF2B5EF4-FFF2-40B4-BE49-F238E27FC236}">
+                <a16:creationId xmlns:a16="http://schemas.microsoft.com/office/drawing/2014/main" id="{03EBF626-DC7F-1CDE-13D9-A47161D3CE72}"/>
+              </a:ext>
+            </a:extLst>
+          </p:cNvPr>
+          <p:cNvSpPr>
+            <a:spLocks noGrp="1"/>
+          </p:cNvSpPr>
+          <p:nvPr>
+            <p:ph type="title"/>
+          </p:nvPr>
+        </p:nvSpPr>
+        <p:spPr/>
+        <p:txBody>
+          <a:bodyPr/>
+          <a:lstStyle/>
+          <a:p>
+            <a:endParaRPr lang="en-US"/>
+          </a:p>
+        </p:txBody>
+      </p:sp>
+      <p:sp>
+        <p:nvSpPr>
+          <p:cNvPr id="3" name="Content Placeholder 2">
+            <a:extLst>
+              <a:ext uri="{FF2B5EF4-FFF2-40B4-BE49-F238E27FC236}">
+                <a16:creationId xmlns:a16="http://schemas.microsoft.com/office/drawing/2014/main" id="{E21C46ED-105D-2FDE-7288-10C638C7794B}"/>
+              </a:ext>
+            </a:extLst>
+          </p:cNvPr>
+          <p:cNvSpPr>
+            <a:spLocks noGrp="1"/>
+          </p:cNvSpPr>
+          <p:nvPr>
+            <p:ph idx="1"/>
+          </p:nvPr>
+        </p:nvSpPr>
+        <p:spPr/>
+        <p:txBody>
+          <a:bodyPr/>
+          <a:lstStyle/>
+          <a:p>
+            <a:r>
+              <a:rPr lang="en-US" dirty="0"/>
+              <a:t>Two main ways to scales text:</a:t>
+            </a:r>
+          </a:p>
+          <a:p>
+            <a:pPr lvl="1"/>
+            <a:r>
+              <a:rPr lang="en-US" dirty="0"/>
+              <a:t>Supervised scaling techniques</a:t>
+            </a:r>
+          </a:p>
+          <a:p>
+            <a:pPr lvl="1"/>
+            <a:r>
+              <a:rPr lang="en-US" dirty="0"/>
+              <a:t>Unsupervised scaling techniques</a:t>
+            </a:r>
+          </a:p>
+        </p:txBody>
+      </p:sp>
+    </p:spTree>
+    <p:extLst>
+      <p:ext uri="{BB962C8B-B14F-4D97-AF65-F5344CB8AC3E}">
+        <p14:creationId xmlns:p14="http://schemas.microsoft.com/office/powerpoint/2010/main" val="3672772322"/>
+      </p:ext>
+    </p:extLst>
+  </p:cSld>
+  <p:clrMapOvr>
+    <a:masterClrMapping/>
+  </p:clrMapOvr>
+</p:sld>
+</file>
+
+<file path=ppt/slides/slide30.xml><?xml version="1.0" encoding="utf-8"?>
 <p:sld xmlns:a="http://schemas.openxmlformats.org/drawingml/2006/main" xmlns:r="http://schemas.openxmlformats.org/officeDocument/2006/relationships" xmlns:p="http://schemas.openxmlformats.org/presentationml/2006/main">
   <p:cSld>
     <p:spTree>
@@ -16033,7 +12890,7 @@
 </p:sld>
 </file>
 
-<file path=ppt/slides/slide39.xml><?xml version="1.0" encoding="utf-8"?>
+<file path=ppt/slides/slide31.xml><?xml version="1.0" encoding="utf-8"?>
 <p:sld xmlns:a="http://schemas.openxmlformats.org/drawingml/2006/main" xmlns:r="http://schemas.openxmlformats.org/officeDocument/2006/relationships" xmlns:p="http://schemas.openxmlformats.org/presentationml/2006/main">
   <p:cSld>
     <p:spTree>
@@ -16614,6 +13471,38 @@
           </a:p>
         </p:txBody>
       </p:sp>
+      <p:sp>
+        <p:nvSpPr>
+          <p:cNvPr id="9" name="TextBox 8">
+            <a:extLst>
+              <a:ext uri="{FF2B5EF4-FFF2-40B4-BE49-F238E27FC236}">
+                <a16:creationId xmlns:a16="http://schemas.microsoft.com/office/drawing/2014/main" id="{D8FEB9C0-0152-FAEE-AECB-6FB8B0A9AF0B}"/>
+              </a:ext>
+            </a:extLst>
+          </p:cNvPr>
+          <p:cNvSpPr txBox="1"/>
+          <p:nvPr/>
+        </p:nvSpPr>
+        <p:spPr>
+          <a:xfrm>
+            <a:off x="193780" y="908344"/>
+            <a:ext cx="184731" cy="369332"/>
+          </a:xfrm>
+          <a:prstGeom prst="rect">
+            <a:avLst/>
+          </a:prstGeom>
+          <a:noFill/>
+        </p:spPr>
+        <p:txBody>
+          <a:bodyPr wrap="none" rtlCol="0">
+            <a:spAutoFit/>
+          </a:bodyPr>
+          <a:lstStyle/>
+          <a:p>
+            <a:endParaRPr lang="en-US"/>
+          </a:p>
+        </p:txBody>
+      </p:sp>
     </p:spTree>
     <p:extLst>
       <p:ext uri="{BB962C8B-B14F-4D97-AF65-F5344CB8AC3E}">
@@ -16627,104 +13516,7 @@
 </p:sld>
 </file>
 
-<file path=ppt/slides/slide4.xml><?xml version="1.0" encoding="utf-8"?>
-<p:sld xmlns:a="http://schemas.openxmlformats.org/drawingml/2006/main" xmlns:r="http://schemas.openxmlformats.org/officeDocument/2006/relationships" xmlns:p="http://schemas.openxmlformats.org/presentationml/2006/main">
-  <p:cSld>
-    <p:spTree>
-      <p:nvGrpSpPr>
-        <p:cNvPr id="1" name=""/>
-        <p:cNvGrpSpPr/>
-        <p:nvPr/>
-      </p:nvGrpSpPr>
-      <p:grpSpPr>
-        <a:xfrm>
-          <a:off x="0" y="0"/>
-          <a:ext cx="0" cy="0"/>
-          <a:chOff x="0" y="0"/>
-          <a:chExt cx="0" cy="0"/>
-        </a:xfrm>
-      </p:grpSpPr>
-      <p:sp>
-        <p:nvSpPr>
-          <p:cNvPr id="2" name="Title 1">
-            <a:extLst>
-              <a:ext uri="{FF2B5EF4-FFF2-40B4-BE49-F238E27FC236}">
-                <a16:creationId xmlns:a16="http://schemas.microsoft.com/office/drawing/2014/main" id="{03EBF626-DC7F-1CDE-13D9-A47161D3CE72}"/>
-              </a:ext>
-            </a:extLst>
-          </p:cNvPr>
-          <p:cNvSpPr>
-            <a:spLocks noGrp="1"/>
-          </p:cNvSpPr>
-          <p:nvPr>
-            <p:ph type="title"/>
-          </p:nvPr>
-        </p:nvSpPr>
-        <p:spPr/>
-        <p:txBody>
-          <a:bodyPr/>
-          <a:lstStyle/>
-          <a:p>
-            <a:endParaRPr lang="en-US"/>
-          </a:p>
-        </p:txBody>
-      </p:sp>
-      <p:sp>
-        <p:nvSpPr>
-          <p:cNvPr id="3" name="Content Placeholder 2">
-            <a:extLst>
-              <a:ext uri="{FF2B5EF4-FFF2-40B4-BE49-F238E27FC236}">
-                <a16:creationId xmlns:a16="http://schemas.microsoft.com/office/drawing/2014/main" id="{E21C46ED-105D-2FDE-7288-10C638C7794B}"/>
-              </a:ext>
-            </a:extLst>
-          </p:cNvPr>
-          <p:cNvSpPr>
-            <a:spLocks noGrp="1"/>
-          </p:cNvSpPr>
-          <p:nvPr>
-            <p:ph idx="1"/>
-          </p:nvPr>
-        </p:nvSpPr>
-        <p:spPr/>
-        <p:txBody>
-          <a:bodyPr/>
-          <a:lstStyle/>
-          <a:p>
-            <a:r>
-              <a:rPr lang="en-US" dirty="0"/>
-              <a:t>Two main ways to scales text:</a:t>
-            </a:r>
-          </a:p>
-          <a:p>
-            <a:pPr lvl="1"/>
-            <a:r>
-              <a:rPr lang="en-US" dirty="0"/>
-              <a:t>Supervised scaling techniques</a:t>
-            </a:r>
-          </a:p>
-          <a:p>
-            <a:pPr lvl="1"/>
-            <a:r>
-              <a:rPr lang="en-US" dirty="0"/>
-              <a:t>Unsupervised scaling techniques</a:t>
-            </a:r>
-          </a:p>
-        </p:txBody>
-      </p:sp>
-    </p:spTree>
-    <p:extLst>
-      <p:ext uri="{BB962C8B-B14F-4D97-AF65-F5344CB8AC3E}">
-        <p14:creationId xmlns:p14="http://schemas.microsoft.com/office/powerpoint/2010/main" val="3672772322"/>
-      </p:ext>
-    </p:extLst>
-  </p:cSld>
-  <p:clrMapOvr>
-    <a:masterClrMapping/>
-  </p:clrMapOvr>
-</p:sld>
-</file>
-
-<file path=ppt/slides/slide40.xml><?xml version="1.0" encoding="utf-8"?>
+<file path=ppt/slides/slide32.xml><?xml version="1.0" encoding="utf-8"?>
 <p:sld xmlns:a="http://schemas.openxmlformats.org/drawingml/2006/main" xmlns:r="http://schemas.openxmlformats.org/officeDocument/2006/relationships" xmlns:p="http://schemas.openxmlformats.org/presentationml/2006/main">
   <p:cSld>
     <p:spTree>
@@ -16841,7 +13633,7 @@
 </p:sld>
 </file>
 
-<file path=ppt/slides/slide41.xml><?xml version="1.0" encoding="utf-8"?>
+<file path=ppt/slides/slide33.xml><?xml version="1.0" encoding="utf-8"?>
 <p:sld xmlns:a="http://schemas.openxmlformats.org/drawingml/2006/main" xmlns:r="http://schemas.openxmlformats.org/officeDocument/2006/relationships" xmlns:p="http://schemas.openxmlformats.org/presentationml/2006/main">
   <p:cSld>
     <p:spTree>
@@ -16926,7 +13718,7 @@
 </p:sld>
 </file>
 
-<file path=ppt/slides/slide42.xml><?xml version="1.0" encoding="utf-8"?>
+<file path=ppt/slides/slide34.xml><?xml version="1.0" encoding="utf-8"?>
 <p:sld xmlns:a="http://schemas.openxmlformats.org/drawingml/2006/main" xmlns:r="http://schemas.openxmlformats.org/officeDocument/2006/relationships" xmlns:p="http://schemas.openxmlformats.org/presentationml/2006/main">
   <p:cSld>
     <p:spTree>
@@ -17040,7 +13832,7 @@
 </p:sld>
 </file>
 
-<file path=ppt/slides/slide43.xml><?xml version="1.0" encoding="utf-8"?>
+<file path=ppt/slides/slide35.xml><?xml version="1.0" encoding="utf-8"?>
 <p:sld xmlns:a="http://schemas.openxmlformats.org/drawingml/2006/main" xmlns:r="http://schemas.openxmlformats.org/officeDocument/2006/relationships" xmlns:p="http://schemas.openxmlformats.org/presentationml/2006/main">
   <p:cSld>
     <p:spTree>
@@ -17233,7 +14025,7 @@
 </p:sld>
 </file>
 
-<file path=ppt/slides/slide44.xml><?xml version="1.0" encoding="utf-8"?>
+<file path=ppt/slides/slide36.xml><?xml version="1.0" encoding="utf-8"?>
 <p:sld xmlns:a="http://schemas.openxmlformats.org/drawingml/2006/main" xmlns:r="http://schemas.openxmlformats.org/officeDocument/2006/relationships" xmlns:p="http://schemas.openxmlformats.org/presentationml/2006/main">
   <p:cSld>
     <p:spTree>
@@ -17345,6 +14137,113 @@
 </p:sld>
 </file>
 
+<file path=ppt/slides/slide4.xml><?xml version="1.0" encoding="utf-8"?>
+<p:sld xmlns:a="http://schemas.openxmlformats.org/drawingml/2006/main" xmlns:r="http://schemas.openxmlformats.org/officeDocument/2006/relationships" xmlns:p="http://schemas.openxmlformats.org/presentationml/2006/main">
+  <p:cSld>
+    <p:spTree>
+      <p:nvGrpSpPr>
+        <p:cNvPr id="1" name="">
+          <a:extLst>
+            <a:ext uri="{FF2B5EF4-FFF2-40B4-BE49-F238E27FC236}">
+              <a16:creationId xmlns:a16="http://schemas.microsoft.com/office/drawing/2014/main" id="{FA98E65E-E515-2C77-0FA6-15DACF11E7D7}"/>
+            </a:ext>
+          </a:extLst>
+        </p:cNvPr>
+        <p:cNvGrpSpPr/>
+        <p:nvPr/>
+      </p:nvGrpSpPr>
+      <p:grpSpPr>
+        <a:xfrm>
+          <a:off x="0" y="0"/>
+          <a:ext cx="0" cy="0"/>
+          <a:chOff x="0" y="0"/>
+          <a:chExt cx="0" cy="0"/>
+        </a:xfrm>
+      </p:grpSpPr>
+      <p:sp>
+        <p:nvSpPr>
+          <p:cNvPr id="2" name="Title 1">
+            <a:extLst>
+              <a:ext uri="{FF2B5EF4-FFF2-40B4-BE49-F238E27FC236}">
+                <a16:creationId xmlns:a16="http://schemas.microsoft.com/office/drawing/2014/main" id="{83A10ECD-F33F-5957-47B7-2D1DB8B0D9D4}"/>
+              </a:ext>
+            </a:extLst>
+          </p:cNvPr>
+          <p:cNvSpPr>
+            <a:spLocks noGrp="1"/>
+          </p:cNvSpPr>
+          <p:nvPr>
+            <p:ph type="title"/>
+          </p:nvPr>
+        </p:nvSpPr>
+        <p:spPr/>
+        <p:txBody>
+          <a:bodyPr/>
+          <a:lstStyle/>
+          <a:p>
+            <a:endParaRPr lang="en-US"/>
+          </a:p>
+        </p:txBody>
+      </p:sp>
+      <p:sp>
+        <p:nvSpPr>
+          <p:cNvPr id="3" name="Content Placeholder 2">
+            <a:extLst>
+              <a:ext uri="{FF2B5EF4-FFF2-40B4-BE49-F238E27FC236}">
+                <a16:creationId xmlns:a16="http://schemas.microsoft.com/office/drawing/2014/main" id="{70D7C171-06B3-FB6D-5C84-C2AC03C79F58}"/>
+              </a:ext>
+            </a:extLst>
+          </p:cNvPr>
+          <p:cNvSpPr>
+            <a:spLocks noGrp="1"/>
+          </p:cNvSpPr>
+          <p:nvPr>
+            <p:ph idx="1"/>
+          </p:nvPr>
+        </p:nvSpPr>
+        <p:spPr/>
+        <p:txBody>
+          <a:bodyPr/>
+          <a:lstStyle/>
+          <a:p>
+            <a:r>
+              <a:rPr lang="en-US" dirty="0"/>
+              <a:t>Two main ways to scales text:</a:t>
+            </a:r>
+          </a:p>
+          <a:p>
+            <a:pPr lvl="1"/>
+            <a:r>
+              <a:rPr lang="en-US" dirty="0"/>
+              <a:t>Supervised scaling techniques</a:t>
+            </a:r>
+          </a:p>
+          <a:p>
+            <a:pPr lvl="1"/>
+            <a:r>
+              <a:rPr lang="en-US" dirty="0">
+                <a:highlight>
+                  <a:srgbClr val="FFFF00"/>
+                </a:highlight>
+              </a:rPr>
+              <a:t>Unsupervised scaling techniques</a:t>
+            </a:r>
+          </a:p>
+        </p:txBody>
+      </p:sp>
+    </p:spTree>
+    <p:extLst>
+      <p:ext uri="{BB962C8B-B14F-4D97-AF65-F5344CB8AC3E}">
+        <p14:creationId xmlns:p14="http://schemas.microsoft.com/office/powerpoint/2010/main" val="1440897691"/>
+      </p:ext>
+    </p:extLst>
+  </p:cSld>
+  <p:clrMapOvr>
+    <a:masterClrMapping/>
+  </p:clrMapOvr>
+</p:sld>
+</file>
+
 <file path=ppt/slides/slide5.xml><?xml version="1.0" encoding="utf-8"?>
 <p:sld xmlns:a="http://schemas.openxmlformats.org/drawingml/2006/main" xmlns:r="http://schemas.openxmlformats.org/officeDocument/2006/relationships" xmlns:p="http://schemas.openxmlformats.org/presentationml/2006/main">
   <p:cSld>
@@ -17364,10 +14263,10 @@
       </p:grpSpPr>
       <p:sp>
         <p:nvSpPr>
-          <p:cNvPr id="4" name="Title 3">
+          <p:cNvPr id="2" name="Title 1">
             <a:extLst>
               <a:ext uri="{FF2B5EF4-FFF2-40B4-BE49-F238E27FC236}">
-                <a16:creationId xmlns:a16="http://schemas.microsoft.com/office/drawing/2014/main" id="{36D5DAF6-F745-13CD-BD11-6CFAF30F5065}"/>
+                <a16:creationId xmlns:a16="http://schemas.microsoft.com/office/drawing/2014/main" id="{3F5EAE76-1C7C-1D67-C029-85128E6709C9}"/>
               </a:ext>
             </a:extLst>
           </p:cNvPr>
@@ -17380,24 +14279,22 @@
         </p:nvSpPr>
         <p:spPr/>
         <p:txBody>
-          <a:bodyPr>
-            <a:normAutofit/>
-          </a:bodyPr>
+          <a:bodyPr/>
           <a:lstStyle/>
           <a:p>
             <a:r>
-              <a:rPr lang="en-US" sz="7200" dirty="0"/>
-              <a:t>Supervised scaling techniques</a:t>
+              <a:rPr lang="en-US" dirty="0"/>
+              <a:t>Unsupervised Learning</a:t>
             </a:r>
           </a:p>
         </p:txBody>
       </p:sp>
       <p:sp>
         <p:nvSpPr>
-          <p:cNvPr id="5" name="Text Placeholder 4">
+          <p:cNvPr id="3" name="Text Placeholder 2">
             <a:extLst>
               <a:ext uri="{FF2B5EF4-FFF2-40B4-BE49-F238E27FC236}">
-                <a16:creationId xmlns:a16="http://schemas.microsoft.com/office/drawing/2014/main" id="{C54387DE-6F3B-DDAB-9F16-1CDB4963195C}"/>
+                <a16:creationId xmlns:a16="http://schemas.microsoft.com/office/drawing/2014/main" id="{E45A3D7B-0691-E950-940D-D31FC5BFD2F7}"/>
               </a:ext>
             </a:extLst>
           </p:cNvPr>
@@ -17420,7 +14317,7 @@
     </p:spTree>
     <p:extLst>
       <p:ext uri="{BB962C8B-B14F-4D97-AF65-F5344CB8AC3E}">
-        <p14:creationId xmlns:p14="http://schemas.microsoft.com/office/powerpoint/2010/main" val="2813187354"/>
+        <p14:creationId xmlns:p14="http://schemas.microsoft.com/office/powerpoint/2010/main" val="2392510951"/>
       </p:ext>
     </p:extLst>
   </p:cSld>
@@ -17449,10 +14346,10 @@
       </p:grpSpPr>
       <p:sp>
         <p:nvSpPr>
-          <p:cNvPr id="4" name="Title 3">
+          <p:cNvPr id="2" name="Title 1">
             <a:extLst>
               <a:ext uri="{FF2B5EF4-FFF2-40B4-BE49-F238E27FC236}">
-                <a16:creationId xmlns:a16="http://schemas.microsoft.com/office/drawing/2014/main" id="{2AF1B0E2-FD49-F451-C553-41D2BA56BCC5}"/>
+                <a16:creationId xmlns:a16="http://schemas.microsoft.com/office/drawing/2014/main" id="{41F7E476-0B02-4D55-0F0D-5A252A738E2F}"/>
               </a:ext>
             </a:extLst>
           </p:cNvPr>
@@ -17468,24 +14365,16 @@
           <a:bodyPr/>
           <a:lstStyle/>
           <a:p>
-            <a:r>
-              <a:rPr lang="en-US" dirty="0"/>
-              <a:t>Laver et al.’s (2003) </a:t>
-            </a:r>
-            <a:r>
-              <a:rPr lang="en-US" dirty="0" err="1"/>
-              <a:t>Wordscores</a:t>
-            </a:r>
-            <a:endParaRPr lang="en-US" dirty="0"/>
+            <a:endParaRPr lang="en-US"/>
           </a:p>
         </p:txBody>
       </p:sp>
       <p:sp>
         <p:nvSpPr>
-          <p:cNvPr id="5" name="Content Placeholder 4">
+          <p:cNvPr id="3" name="Content Placeholder 2">
             <a:extLst>
               <a:ext uri="{FF2B5EF4-FFF2-40B4-BE49-F238E27FC236}">
-                <a16:creationId xmlns:a16="http://schemas.microsoft.com/office/drawing/2014/main" id="{E8993D35-1E2C-2DEC-DEEA-33D8FF7ADC02}"/>
+                <a16:creationId xmlns:a16="http://schemas.microsoft.com/office/drawing/2014/main" id="{2CA0FEDD-538E-864E-4B69-BC5DAF411D37}"/>
               </a:ext>
             </a:extLst>
           </p:cNvPr>
@@ -17498,70 +14387,85 @@
         </p:nvSpPr>
         <p:spPr/>
         <p:txBody>
-          <a:bodyPr/>
+          <a:bodyPr>
+            <a:normAutofit lnSpcReduction="10000"/>
+          </a:bodyPr>
           <a:lstStyle/>
           <a:p>
             <a:r>
-              <a:rPr lang="en-US" b="1" dirty="0"/>
-              <a:t>Note</a:t>
-            </a:r>
-            <a:r>
-              <a:rPr lang="en-US" dirty="0"/>
-              <a:t>: We will have a dedicated week on </a:t>
-            </a:r>
-            <a:r>
-              <a:rPr lang="en-US" i="1" dirty="0"/>
-              <a:t>supervised learning </a:t>
-            </a:r>
-            <a:r>
-              <a:rPr lang="en-US" dirty="0"/>
-              <a:t>more broadly. The intuition is the same, so this is a good primer. </a:t>
-            </a:r>
-          </a:p>
-          <a:p>
-            <a:endParaRPr lang="en-US" i="1" dirty="0"/>
-          </a:p>
-          <a:p>
-            <a:r>
-              <a:rPr lang="en-US" i="1" dirty="0" err="1"/>
-              <a:t>Wordscores</a:t>
-            </a:r>
-            <a:r>
-              <a:rPr lang="en-US" dirty="0"/>
-              <a:t> uses </a:t>
-            </a:r>
-            <a:r>
-              <a:rPr lang="en-US" dirty="0">
-                <a:solidFill>
-                  <a:schemeClr val="accent1"/>
-                </a:solidFill>
-              </a:rPr>
-              <a:t>reference documents </a:t>
-            </a:r>
-            <a:r>
-              <a:rPr lang="en-US" dirty="0"/>
-              <a:t>with known or assumed positions (the equivalent of a training set) to score </a:t>
-            </a:r>
-            <a:r>
-              <a:rPr lang="en-US" dirty="0">
-                <a:solidFill>
-                  <a:schemeClr val="accent1"/>
-                </a:solidFill>
-              </a:rPr>
-              <a:t>virgin documents</a:t>
-            </a:r>
-            <a:r>
-              <a:rPr lang="en-US" dirty="0"/>
-              <a:t>. </a:t>
-            </a:r>
-            <a:endParaRPr lang="en-US" i="1" dirty="0"/>
+              <a:rPr lang="en-CA" b="1" dirty="0"/>
+              <a:t>Data</a:t>
+            </a:r>
+            <a:r>
+              <a:rPr lang="en-CA" dirty="0"/>
+              <a:t>: humans, documents, votes, etc. are not pre-labelled in terms of some underlying concept.</a:t>
+            </a:r>
+          </a:p>
+          <a:p>
+            <a:r>
+              <a:rPr lang="en-CA" dirty="0"/>
+              <a:t>Think about congressional speeches, we know the author, their party, other metadata, but: </a:t>
+            </a:r>
+          </a:p>
+          <a:p>
+            <a:pPr lvl="1"/>
+            <a:r>
+              <a:rPr lang="en-CA" dirty="0"/>
+              <a:t>We don’t yet know what that speech ‘represents’ in terms of its latent properties, what ‘kind’ of speech it is, what ‘topics’ it covers, what speeches it is similar to conceptually, etc.</a:t>
+            </a:r>
+          </a:p>
+          <a:p>
+            <a:r>
+              <a:rPr lang="en-CA" b="1" dirty="0"/>
+              <a:t>Goal</a:t>
+            </a:r>
+            <a:r>
+              <a:rPr lang="en-CA" dirty="0"/>
+              <a:t>: take the observations and find hidden structure and meaning in them</a:t>
+            </a:r>
+          </a:p>
+          <a:p>
+            <a:pPr lvl="1"/>
+            <a:r>
+              <a:rPr lang="en-CA" dirty="0"/>
+              <a:t>similarity</a:t>
+            </a:r>
+          </a:p>
+          <a:p>
+            <a:pPr lvl="1"/>
+            <a:r>
+              <a:rPr lang="en-CA" dirty="0"/>
+              <a:t>groups</a:t>
+            </a:r>
+          </a:p>
+          <a:p>
+            <a:pPr lvl="1"/>
+            <a:r>
+              <a:rPr lang="en-CA" dirty="0"/>
+              <a:t>topics</a:t>
+            </a:r>
+          </a:p>
+          <a:p>
+            <a:pPr lvl="1"/>
+            <a:r>
+              <a:rPr lang="en-CA" dirty="0"/>
+              <a:t>association between word, </a:t>
+            </a:r>
+            <a:r>
+              <a:rPr lang="en-CA" dirty="0" err="1"/>
+              <a:t>etc</a:t>
+            </a:r>
+            <a:r>
+              <a:rPr lang="en-CA" dirty="0"/>
+              <a:t>…</a:t>
+            </a:r>
           </a:p>
         </p:txBody>
       </p:sp>
     </p:spTree>
     <p:extLst>
       <p:ext uri="{BB962C8B-B14F-4D97-AF65-F5344CB8AC3E}">
-        <p14:creationId xmlns:p14="http://schemas.microsoft.com/office/powerpoint/2010/main" val="3266210065"/>
+        <p14:creationId xmlns:p14="http://schemas.microsoft.com/office/powerpoint/2010/main" val="1755889258"/>
       </p:ext>
     </p:extLst>
   </p:cSld>
@@ -17593,7 +14497,7 @@
           <p:cNvPr id="2" name="Title 1">
             <a:extLst>
               <a:ext uri="{FF2B5EF4-FFF2-40B4-BE49-F238E27FC236}">
-                <a16:creationId xmlns:a16="http://schemas.microsoft.com/office/drawing/2014/main" id="{D991E5F2-B4DA-0F09-F9C5-08C5F107636F}"/>
+                <a16:creationId xmlns:a16="http://schemas.microsoft.com/office/drawing/2014/main" id="{CA311155-6CD5-4061-A5FC-E96916338907}"/>
               </a:ext>
             </a:extLst>
           </p:cNvPr>
@@ -17609,7 +14513,10 @@
           <a:bodyPr/>
           <a:lstStyle/>
           <a:p>
-            <a:endParaRPr lang="en-US"/>
+            <a:r>
+              <a:rPr lang="en-US" dirty="0"/>
+              <a:t>Challenges: Hard to get it Right</a:t>
+            </a:r>
           </a:p>
         </p:txBody>
       </p:sp>
@@ -17618,7 +14525,7 @@
           <p:cNvPr id="3" name="Content Placeholder 2">
             <a:extLst>
               <a:ext uri="{FF2B5EF4-FFF2-40B4-BE49-F238E27FC236}">
-                <a16:creationId xmlns:a16="http://schemas.microsoft.com/office/drawing/2014/main" id="{322F1B4A-A183-F3BD-4D7B-AA852C2A3594}"/>
+                <a16:creationId xmlns:a16="http://schemas.microsoft.com/office/drawing/2014/main" id="{E3989C23-D83B-A778-25DB-03F3DAD7DFA3}"/>
               </a:ext>
             </a:extLst>
           </p:cNvPr>
@@ -17635,51 +14542,46 @@
           <a:lstStyle/>
           <a:p>
             <a:r>
-              <a:rPr lang="en-US" dirty="0"/>
-              <a:t>The process is as follows:</a:t>
+              <a:rPr lang="en-CA" dirty="0"/>
+              <a:t>Unsupervised learning requires several </a:t>
+            </a:r>
+            <a:r>
+              <a:rPr lang="en-CA" b="1" dirty="0"/>
+              <a:t>ad-hoc</a:t>
+            </a:r>
+            <a:r>
+              <a:rPr lang="en-CA" dirty="0"/>
+              <a:t> decisions, and these decisions matter for quality of your results</a:t>
             </a:r>
           </a:p>
           <a:p>
             <a:pPr lvl="1"/>
             <a:r>
-              <a:rPr lang="en-US" dirty="0"/>
-              <a:t>We give each reference text </a:t>
-            </a:r>
-            <a:r>
-              <a:rPr lang="en-US" dirty="0">
-                <a:solidFill>
-                  <a:schemeClr val="accent1"/>
-                </a:solidFill>
-              </a:rPr>
-              <a:t>r</a:t>
-            </a:r>
-            <a:r>
-              <a:rPr lang="en-US" dirty="0"/>
-              <a:t> an </a:t>
-            </a:r>
-            <a:r>
-              <a:rPr lang="en-US" i="1" dirty="0"/>
-              <a:t>a priori </a:t>
-            </a:r>
-            <a:r>
-              <a:rPr lang="en-US" dirty="0"/>
-              <a:t>score </a:t>
-            </a:r>
-            <a:r>
-              <a:rPr lang="en-US" dirty="0">
-                <a:solidFill>
-                  <a:schemeClr val="accent1"/>
-                </a:solidFill>
-              </a:rPr>
-              <a:t>A</a:t>
-            </a:r>
-            <a:r>
-              <a:rPr lang="en-US" dirty="0"/>
-              <a:t>.</a:t>
+              <a:rPr lang="en-CA" dirty="0"/>
+              <a:t>number of clusters</a:t>
             </a:r>
           </a:p>
           <a:p>
             <a:pPr lvl="1"/>
+            <a:r>
+              <a:rPr lang="en-CA" dirty="0"/>
+              <a:t>number of topics</a:t>
+            </a:r>
+          </a:p>
+          <a:p>
+            <a:pPr lvl="1"/>
+            <a:r>
+              <a:rPr lang="en-CA" dirty="0"/>
+              <a:t>pre-processing steps</a:t>
+            </a:r>
+          </a:p>
+          <a:p>
+            <a:r>
+              <a:rPr lang="en-CA" dirty="0"/>
+              <a:t>Domain knowledge (and honestly a bit of randomness) guides a lot of these decisions</a:t>
+            </a:r>
+          </a:p>
+          <a:p>
             <a:endParaRPr lang="en-US" dirty="0"/>
           </a:p>
         </p:txBody>
@@ -17687,7 +14589,7 @@
     </p:spTree>
     <p:extLst>
       <p:ext uri="{BB962C8B-B14F-4D97-AF65-F5344CB8AC3E}">
-        <p14:creationId xmlns:p14="http://schemas.microsoft.com/office/powerpoint/2010/main" val="1060482635"/>
+        <p14:creationId xmlns:p14="http://schemas.microsoft.com/office/powerpoint/2010/main" val="1178780027"/>
       </p:ext>
     </p:extLst>
   </p:cSld>
@@ -17714,192 +14616,81 @@
           <a:chExt cx="0" cy="0"/>
         </a:xfrm>
       </p:grpSpPr>
-      <p:pic>
-        <p:nvPicPr>
-          <p:cNvPr id="4" name="Picture 3">
+      <p:sp>
+        <p:nvSpPr>
+          <p:cNvPr id="2" name="Title 1">
             <a:extLst>
               <a:ext uri="{FF2B5EF4-FFF2-40B4-BE49-F238E27FC236}">
-                <a16:creationId xmlns:a16="http://schemas.microsoft.com/office/drawing/2014/main" id="{012BBB73-1B7E-2252-77B6-BDCAF88A719E}"/>
+                <a16:creationId xmlns:a16="http://schemas.microsoft.com/office/drawing/2014/main" id="{7C73F641-5BF1-55F1-105A-E016D1E8F2DB}"/>
               </a:ext>
             </a:extLst>
           </p:cNvPr>
-          <p:cNvPicPr>
-            <a:picLocks noChangeAspect="1"/>
-          </p:cNvPicPr>
-          <p:nvPr/>
-        </p:nvPicPr>
-        <p:blipFill>
-          <a:blip r:embed="rId2"/>
-          <a:stretch>
-            <a:fillRect/>
-          </a:stretch>
-        </p:blipFill>
-        <p:spPr>
-          <a:xfrm>
-            <a:off x="3713446" y="796343"/>
-            <a:ext cx="4765108" cy="5265315"/>
-          </a:xfrm>
-          <a:prstGeom prst="rect">
-            <a:avLst/>
-          </a:prstGeom>
-        </p:spPr>
-      </p:pic>
+          <p:cNvSpPr>
+            <a:spLocks noGrp="1"/>
+          </p:cNvSpPr>
+          <p:nvPr>
+            <p:ph type="title"/>
+          </p:nvPr>
+        </p:nvSpPr>
+        <p:spPr/>
+        <p:txBody>
+          <a:bodyPr/>
+          <a:lstStyle/>
+          <a:p>
+            <a:r>
+              <a:rPr lang="en-US" dirty="0"/>
+              <a:t>Challenges: Hard to know if you are doing it right</a:t>
+            </a:r>
+          </a:p>
+        </p:txBody>
+      </p:sp>
       <p:sp>
         <p:nvSpPr>
-          <p:cNvPr id="5" name="Rectangle 4">
+          <p:cNvPr id="3" name="Content Placeholder 2">
             <a:extLst>
               <a:ext uri="{FF2B5EF4-FFF2-40B4-BE49-F238E27FC236}">
-                <a16:creationId xmlns:a16="http://schemas.microsoft.com/office/drawing/2014/main" id="{ABEB8AEE-CC40-B03B-A345-2E31D314F15D}"/>
+                <a16:creationId xmlns:a16="http://schemas.microsoft.com/office/drawing/2014/main" id="{2A3D9F27-7755-CF89-AFB1-CD61337B193F}"/>
               </a:ext>
             </a:extLst>
           </p:cNvPr>
-          <p:cNvSpPr/>
-          <p:nvPr/>
+          <p:cNvSpPr>
+            <a:spLocks noGrp="1"/>
+          </p:cNvSpPr>
+          <p:nvPr>
+            <p:ph idx="1"/>
+          </p:nvPr>
         </p:nvSpPr>
-        <p:spPr>
-          <a:xfrm>
-            <a:off x="4010140" y="5266062"/>
-            <a:ext cx="1299990" cy="209321"/>
-          </a:xfrm>
-          <a:prstGeom prst="rect">
-            <a:avLst/>
-          </a:prstGeom>
-          <a:noFill/>
-          <a:ln w="19050">
-            <a:solidFill>
-              <a:schemeClr val="accent6"/>
-            </a:solidFill>
-          </a:ln>
-        </p:spPr>
-        <p:style>
-          <a:lnRef idx="2">
-            <a:schemeClr val="accent6"/>
-          </a:lnRef>
-          <a:fillRef idx="1">
-            <a:schemeClr val="lt1"/>
-          </a:fillRef>
-          <a:effectRef idx="0">
-            <a:schemeClr val="accent6"/>
-          </a:effectRef>
-          <a:fontRef idx="minor">
-            <a:schemeClr val="dk1"/>
-          </a:fontRef>
-        </p:style>
+        <p:spPr/>
         <p:txBody>
-          <a:bodyPr rtlCol="0" anchor="ctr"/>
+          <a:bodyPr/>
           <a:lstStyle/>
           <a:p>
-            <a:pPr algn="ctr"/>
-            <a:endParaRPr lang="en-US"/>
+            <a:r>
+              <a:rPr lang="en-CA" dirty="0"/>
+              <a:t>In contrast to supervised approaches, we won’t know ‘how correct’ the output is.</a:t>
+            </a:r>
+          </a:p>
+          <a:p>
+            <a:r>
+              <a:rPr lang="en-CA" dirty="0"/>
+              <a:t>Ther are some statistical measures that gives us some idea of performance, but in general, it will involve a huge amount of qualitative assessment (i.e., validation).</a:t>
+            </a:r>
+          </a:p>
+          <a:p>
+            <a:r>
+              <a:rPr lang="en-CA" dirty="0"/>
+              <a:t>No easy measure of accuracy, recall and precision (note: see next week on supervised model).</a:t>
+            </a:r>
+          </a:p>
+          <a:p>
+            <a:endParaRPr lang="en-US" dirty="0"/>
           </a:p>
         </p:txBody>
       </p:sp>
-      <mc:AlternateContent xmlns:mc="http://schemas.openxmlformats.org/markup-compatibility/2006" xmlns:p14="http://schemas.microsoft.com/office/powerpoint/2010/main" xmlns:aink="http://schemas.microsoft.com/office/drawing/2016/ink">
-        <mc:Choice Requires="p14 aink">
-          <p:contentPart p14:bwMode="auto" r:id="rId3">
-            <p14:nvContentPartPr>
-              <p14:cNvPr id="12" name="Ink 11">
-                <a:extLst>
-                  <a:ext uri="{FF2B5EF4-FFF2-40B4-BE49-F238E27FC236}">
-                    <a16:creationId xmlns:a16="http://schemas.microsoft.com/office/drawing/2014/main" id="{E38F9F71-7CE2-4C9B-1578-C3385A36C4FE}"/>
-                  </a:ext>
-                </a:extLst>
-              </p14:cNvPr>
-              <p14:cNvContentPartPr/>
-              <p14:nvPr/>
-            </p14:nvContentPartPr>
-            <p14:xfrm>
-              <a:off x="2428966" y="5357399"/>
-              <a:ext cx="1363320" cy="1244160"/>
-            </p14:xfrm>
-          </p:contentPart>
-        </mc:Choice>
-        <mc:Fallback xmlns="">
-          <p:pic>
-            <p:nvPicPr>
-              <p:cNvPr id="12" name="Ink 11">
-                <a:extLst>
-                  <a:ext uri="{FF2B5EF4-FFF2-40B4-BE49-F238E27FC236}">
-                    <a16:creationId xmlns:a16="http://schemas.microsoft.com/office/drawing/2014/main" id="{E38F9F71-7CE2-4C9B-1578-C3385A36C4FE}"/>
-                  </a:ext>
-                </a:extLst>
-              </p:cNvPr>
-              <p:cNvPicPr/>
-              <p:nvPr/>
-            </p:nvPicPr>
-            <p:blipFill>
-              <a:blip r:embed="rId4"/>
-              <a:stretch>
-                <a:fillRect/>
-              </a:stretch>
-            </p:blipFill>
-            <p:spPr>
-              <a:xfrm>
-                <a:off x="2419966" y="5348759"/>
-                <a:ext cx="1380960" cy="1261800"/>
-              </a:xfrm>
-              <a:prstGeom prst="rect">
-                <a:avLst/>
-              </a:prstGeom>
-            </p:spPr>
-          </p:pic>
-        </mc:Fallback>
-      </mc:AlternateContent>
-      <mc:AlternateContent xmlns:mc="http://schemas.openxmlformats.org/markup-compatibility/2006" xmlns:p14="http://schemas.microsoft.com/office/powerpoint/2010/main" xmlns:aink="http://schemas.microsoft.com/office/drawing/2016/ink">
-        <mc:Choice Requires="p14 aink">
-          <p:contentPart p14:bwMode="auto" r:id="rId5">
-            <p14:nvContentPartPr>
-              <p14:cNvPr id="15" name="Ink 14">
-                <a:extLst>
-                  <a:ext uri="{FF2B5EF4-FFF2-40B4-BE49-F238E27FC236}">
-                    <a16:creationId xmlns:a16="http://schemas.microsoft.com/office/drawing/2014/main" id="{83D46542-9B12-DB7E-8855-CB00319DA0AE}"/>
-                  </a:ext>
-                </a:extLst>
-              </p14:cNvPr>
-              <p14:cNvContentPartPr/>
-              <p14:nvPr/>
-            </p14:nvContentPartPr>
-            <p14:xfrm>
-              <a:off x="3713446" y="5133479"/>
-              <a:ext cx="279720" cy="450360"/>
-            </p14:xfrm>
-          </p:contentPart>
-        </mc:Choice>
-        <mc:Fallback xmlns="">
-          <p:pic>
-            <p:nvPicPr>
-              <p:cNvPr id="15" name="Ink 14">
-                <a:extLst>
-                  <a:ext uri="{FF2B5EF4-FFF2-40B4-BE49-F238E27FC236}">
-                    <a16:creationId xmlns:a16="http://schemas.microsoft.com/office/drawing/2014/main" id="{83D46542-9B12-DB7E-8855-CB00319DA0AE}"/>
-                  </a:ext>
-                </a:extLst>
-              </p:cNvPr>
-              <p:cNvPicPr/>
-              <p:nvPr/>
-            </p:nvPicPr>
-            <p:blipFill>
-              <a:blip r:embed="rId6"/>
-              <a:stretch>
-                <a:fillRect/>
-              </a:stretch>
-            </p:blipFill>
-            <p:spPr>
-              <a:xfrm>
-                <a:off x="3704806" y="5124839"/>
-                <a:ext cx="297360" cy="468000"/>
-              </a:xfrm>
-              <a:prstGeom prst="rect">
-                <a:avLst/>
-              </a:prstGeom>
-            </p:spPr>
-          </p:pic>
-        </mc:Fallback>
-      </mc:AlternateContent>
     </p:spTree>
     <p:extLst>
       <p:ext uri="{BB962C8B-B14F-4D97-AF65-F5344CB8AC3E}">
-        <p14:creationId xmlns:p14="http://schemas.microsoft.com/office/powerpoint/2010/main" val="1106274441"/>
+        <p14:creationId xmlns:p14="http://schemas.microsoft.com/office/powerpoint/2010/main" val="3896521787"/>
       </p:ext>
     </p:extLst>
   </p:cSld>
@@ -17928,10 +14719,10 @@
       </p:grpSpPr>
       <p:sp>
         <p:nvSpPr>
-          <p:cNvPr id="2" name="Title 1">
+          <p:cNvPr id="4" name="Title 3">
             <a:extLst>
               <a:ext uri="{FF2B5EF4-FFF2-40B4-BE49-F238E27FC236}">
-                <a16:creationId xmlns:a16="http://schemas.microsoft.com/office/drawing/2014/main" id="{D991E5F2-B4DA-0F09-F9C5-08C5F107636F}"/>
+                <a16:creationId xmlns:a16="http://schemas.microsoft.com/office/drawing/2014/main" id="{8C010A37-EFF4-7A30-6543-2618BEADEA7B}"/>
               </a:ext>
             </a:extLst>
           </p:cNvPr>
@@ -17947,16 +14738,19 @@
           <a:bodyPr/>
           <a:lstStyle/>
           <a:p>
-            <a:endParaRPr lang="en-US"/>
+            <a:r>
+              <a:rPr lang="en-US" dirty="0"/>
+              <a:t>Unsupervised scaling models</a:t>
+            </a:r>
           </a:p>
         </p:txBody>
       </p:sp>
       <p:sp>
         <p:nvSpPr>
-          <p:cNvPr id="3" name="Content Placeholder 2">
+          <p:cNvPr id="5" name="Text Placeholder 4">
             <a:extLst>
               <a:ext uri="{FF2B5EF4-FFF2-40B4-BE49-F238E27FC236}">
-                <a16:creationId xmlns:a16="http://schemas.microsoft.com/office/drawing/2014/main" id="{322F1B4A-A183-F3BD-4D7B-AA852C2A3594}"/>
+                <a16:creationId xmlns:a16="http://schemas.microsoft.com/office/drawing/2014/main" id="{0B77FA01-D6D0-D71D-F866-14EBBB52313C}"/>
               </a:ext>
             </a:extLst>
           </p:cNvPr>
@@ -17964,7 +14758,7 @@
             <a:spLocks noGrp="1"/>
           </p:cNvSpPr>
           <p:nvPr>
-            <p:ph idx="1"/>
+            <p:ph type="body" idx="1"/>
           </p:nvPr>
         </p:nvSpPr>
         <p:spPr/>
@@ -17972,91 +14766,14 @@
           <a:bodyPr/>
           <a:lstStyle/>
           <a:p>
-            <a:r>
-              <a:rPr lang="en-US" dirty="0"/>
-              <a:t>The process is as follows:</a:t>
-            </a:r>
-          </a:p>
-          <a:p>
-            <a:pPr lvl="1"/>
-            <a:r>
-              <a:rPr lang="en-US" dirty="0"/>
-              <a:t>We give each reference text </a:t>
-            </a:r>
-            <a:r>
-              <a:rPr lang="en-US" dirty="0">
-                <a:solidFill>
-                  <a:schemeClr val="accent1"/>
-                </a:solidFill>
-              </a:rPr>
-              <a:t>r</a:t>
-            </a:r>
-            <a:r>
-              <a:rPr lang="en-US" dirty="0"/>
-              <a:t> an </a:t>
-            </a:r>
-            <a:r>
-              <a:rPr lang="en-US" i="1" dirty="0"/>
-              <a:t>a priori </a:t>
-            </a:r>
-            <a:r>
-              <a:rPr lang="en-US" dirty="0"/>
-              <a:t>score </a:t>
-            </a:r>
-            <a:r>
-              <a:rPr lang="en-US" dirty="0">
-                <a:solidFill>
-                  <a:schemeClr val="accent1"/>
-                </a:solidFill>
-              </a:rPr>
-              <a:t>A</a:t>
-            </a:r>
-            <a:r>
-              <a:rPr lang="en-US" dirty="0"/>
-              <a:t>.</a:t>
-            </a:r>
-          </a:p>
-          <a:p>
-            <a:pPr lvl="1"/>
-            <a:r>
-              <a:rPr lang="en-US" dirty="0"/>
-              <a:t>We count the number of words </a:t>
-            </a:r>
-            <a:r>
-              <a:rPr lang="en-US" dirty="0">
-                <a:solidFill>
-                  <a:schemeClr val="accent1"/>
-                </a:solidFill>
-              </a:rPr>
-              <a:t>w</a:t>
-            </a:r>
-            <a:r>
-              <a:rPr lang="en-US" dirty="0"/>
-              <a:t> that occur in reference text </a:t>
-            </a:r>
-            <a:r>
-              <a:rPr lang="en-US" dirty="0">
-                <a:solidFill>
-                  <a:schemeClr val="accent1"/>
-                </a:solidFill>
-              </a:rPr>
-              <a:t>r</a:t>
-            </a:r>
-            <a:r>
-              <a:rPr lang="en-US" dirty="0"/>
-              <a:t>.</a:t>
-            </a:r>
-          </a:p>
-          <a:p>
-            <a:pPr lvl="1"/>
-            <a:endParaRPr lang="en-US" dirty="0"/>
+            <a:endParaRPr lang="en-US"/>
           </a:p>
         </p:txBody>
       </p:sp>
     </p:spTree>
     <p:extLst>
       <p:ext uri="{BB962C8B-B14F-4D97-AF65-F5344CB8AC3E}">
-        <p14:creationId xmlns:p14="http://schemas.microsoft.com/office/powerpoint/2010/main" val="3580080809"/>
+        <p14:creationId xmlns:p14="http://schemas.microsoft.com/office/powerpoint/2010/main" val="2180410394"/>
       </p:ext>
     </p:extLst>
   </p:cSld>
